--- a/Figurer.pptx
+++ b/Figurer.pptx
@@ -7,6 +7,7 @@
   <p:sldIdLst>
     <p:sldId id="256" r:id="rId2"/>
     <p:sldId id="257" r:id="rId3"/>
+    <p:sldId id="258" r:id="rId4"/>
   </p:sldIdLst>
   <p:sldSz cx="12192000" cy="6858000"/>
   <p:notesSz cx="6858000" cy="9144000"/>
@@ -105,6 +106,11 @@
       </a:defRPr>
     </a:lvl9pPr>
   </p:defaultTextStyle>
+  <p:extLst>
+    <p:ext uri="{EFAFB233-063F-42B5-8137-9DF3F51BA10A}">
+      <p15:sldGuideLst xmlns:p15="http://schemas.microsoft.com/office/powerpoint/2012/main"/>
+    </p:ext>
+  </p:extLst>
 </p:presentation>
 </file>
 
@@ -239,7 +245,7 @@
           <a:p>
             <a:fld id="{7563E4E8-7802-6143-964B-DF3D472E9C93}" type="datetimeFigureOut">
               <a:rPr lang="da-DK" smtClean="0"/>
-              <a:t>07/02/2018</a:t>
+              <a:t>24/04/2018</a:t>
             </a:fld>
             <a:endParaRPr lang="da-DK"/>
           </a:p>
@@ -409,7 +415,7 @@
           <a:p>
             <a:fld id="{7563E4E8-7802-6143-964B-DF3D472E9C93}" type="datetimeFigureOut">
               <a:rPr lang="da-DK" smtClean="0"/>
-              <a:t>07/02/2018</a:t>
+              <a:t>24/04/2018</a:t>
             </a:fld>
             <a:endParaRPr lang="da-DK"/>
           </a:p>
@@ -589,7 +595,7 @@
           <a:p>
             <a:fld id="{7563E4E8-7802-6143-964B-DF3D472E9C93}" type="datetimeFigureOut">
               <a:rPr lang="da-DK" smtClean="0"/>
-              <a:t>07/02/2018</a:t>
+              <a:t>24/04/2018</a:t>
             </a:fld>
             <a:endParaRPr lang="da-DK"/>
           </a:p>
@@ -759,7 +765,7 @@
           <a:p>
             <a:fld id="{7563E4E8-7802-6143-964B-DF3D472E9C93}" type="datetimeFigureOut">
               <a:rPr lang="da-DK" smtClean="0"/>
-              <a:t>07/02/2018</a:t>
+              <a:t>24/04/2018</a:t>
             </a:fld>
             <a:endParaRPr lang="da-DK"/>
           </a:p>
@@ -1005,7 +1011,7 @@
           <a:p>
             <a:fld id="{7563E4E8-7802-6143-964B-DF3D472E9C93}" type="datetimeFigureOut">
               <a:rPr lang="da-DK" smtClean="0"/>
-              <a:t>07/02/2018</a:t>
+              <a:t>24/04/2018</a:t>
             </a:fld>
             <a:endParaRPr lang="da-DK"/>
           </a:p>
@@ -1237,7 +1243,7 @@
           <a:p>
             <a:fld id="{7563E4E8-7802-6143-964B-DF3D472E9C93}" type="datetimeFigureOut">
               <a:rPr lang="da-DK" smtClean="0"/>
-              <a:t>07/02/2018</a:t>
+              <a:t>24/04/2018</a:t>
             </a:fld>
             <a:endParaRPr lang="da-DK"/>
           </a:p>
@@ -1604,7 +1610,7 @@
           <a:p>
             <a:fld id="{7563E4E8-7802-6143-964B-DF3D472E9C93}" type="datetimeFigureOut">
               <a:rPr lang="da-DK" smtClean="0"/>
-              <a:t>07/02/2018</a:t>
+              <a:t>24/04/2018</a:t>
             </a:fld>
             <a:endParaRPr lang="da-DK"/>
           </a:p>
@@ -1722,7 +1728,7 @@
           <a:p>
             <a:fld id="{7563E4E8-7802-6143-964B-DF3D472E9C93}" type="datetimeFigureOut">
               <a:rPr lang="da-DK" smtClean="0"/>
-              <a:t>07/02/2018</a:t>
+              <a:t>24/04/2018</a:t>
             </a:fld>
             <a:endParaRPr lang="da-DK"/>
           </a:p>
@@ -1817,7 +1823,7 @@
           <a:p>
             <a:fld id="{7563E4E8-7802-6143-964B-DF3D472E9C93}" type="datetimeFigureOut">
               <a:rPr lang="da-DK" smtClean="0"/>
-              <a:t>07/02/2018</a:t>
+              <a:t>24/04/2018</a:t>
             </a:fld>
             <a:endParaRPr lang="da-DK"/>
           </a:p>
@@ -2094,7 +2100,7 @@
           <a:p>
             <a:fld id="{7563E4E8-7802-6143-964B-DF3D472E9C93}" type="datetimeFigureOut">
               <a:rPr lang="da-DK" smtClean="0"/>
-              <a:t>07/02/2018</a:t>
+              <a:t>24/04/2018</a:t>
             </a:fld>
             <a:endParaRPr lang="da-DK"/>
           </a:p>
@@ -2347,7 +2353,7 @@
           <a:p>
             <a:fld id="{7563E4E8-7802-6143-964B-DF3D472E9C93}" type="datetimeFigureOut">
               <a:rPr lang="da-DK" smtClean="0"/>
-              <a:t>07/02/2018</a:t>
+              <a:t>24/04/2018</a:t>
             </a:fld>
             <a:endParaRPr lang="da-DK"/>
           </a:p>
@@ -2560,7 +2566,7 @@
           <a:p>
             <a:fld id="{7563E4E8-7802-6143-964B-DF3D472E9C93}" type="datetimeFigureOut">
               <a:rPr lang="da-DK" smtClean="0"/>
-              <a:t>07/02/2018</a:t>
+              <a:t>24/04/2018</a:t>
             </a:fld>
             <a:endParaRPr lang="da-DK"/>
           </a:p>
@@ -3963,10 +3969,3545 @@
           <a:chExt cx="0" cy="0"/>
         </a:xfrm>
       </p:grpSpPr>
+      <p:sp>
+        <p:nvSpPr>
+          <p:cNvPr id="147" name="Tekstfelt 146"/>
+          <p:cNvSpPr txBox="1"/>
+          <p:nvPr/>
+        </p:nvSpPr>
+        <p:spPr>
+          <a:xfrm>
+            <a:off x="6230611" y="3101040"/>
+            <a:ext cx="3415024" cy="2308324"/>
+          </a:xfrm>
+          <a:prstGeom prst="rect">
+            <a:avLst/>
+          </a:prstGeom>
+          <a:noFill/>
+          <a:ln>
+            <a:solidFill>
+              <a:schemeClr val="tx1"/>
+            </a:solidFill>
+          </a:ln>
+        </p:spPr>
+        <p:txBody>
+          <a:bodyPr wrap="square" rtlCol="0">
+            <a:spAutoFit/>
+          </a:bodyPr>
+          <a:lstStyle/>
+          <a:p>
+            <a:endParaRPr lang="da-DK" dirty="0" smtClean="0"/>
+          </a:p>
+          <a:p>
+            <a:endParaRPr lang="da-DK" dirty="0"/>
+          </a:p>
+          <a:p>
+            <a:endParaRPr lang="da-DK" dirty="0" smtClean="0"/>
+          </a:p>
+          <a:p>
+            <a:endParaRPr lang="da-DK" dirty="0"/>
+          </a:p>
+          <a:p>
+            <a:endParaRPr lang="da-DK" dirty="0" smtClean="0"/>
+          </a:p>
+          <a:p>
+            <a:endParaRPr lang="da-DK" dirty="0" smtClean="0"/>
+          </a:p>
+          <a:p>
+            <a:endParaRPr lang="da-DK" dirty="0"/>
+          </a:p>
+          <a:p>
+            <a:r>
+              <a:rPr lang="da-DK" dirty="0" smtClean="0"/>
+              <a:t>Fast R-CNN</a:t>
+            </a:r>
+            <a:endParaRPr lang="da-DK" dirty="0"/>
+          </a:p>
+        </p:txBody>
+      </p:sp>
+      <p:pic>
+        <p:nvPicPr>
+          <p:cNvPr id="2" name="Billede 1"/>
+          <p:cNvPicPr>
+            <a:picLocks noChangeAspect="1"/>
+          </p:cNvPicPr>
+          <p:nvPr/>
+        </p:nvPicPr>
+        <p:blipFill>
+          <a:blip r:embed="rId2">
+            <a:extLst>
+              <a:ext uri="{28A0092B-C50C-407E-A947-70E740481C1C}">
+                <a14:useLocalDpi xmlns:a14="http://schemas.microsoft.com/office/drawing/2010/main" val="0"/>
+              </a:ext>
+            </a:extLst>
+          </a:blip>
+          <a:stretch>
+            <a:fillRect/>
+          </a:stretch>
+        </p:blipFill>
+        <p:spPr>
+          <a:xfrm>
+            <a:off x="538656" y="1718318"/>
+            <a:ext cx="1895400" cy="3369600"/>
+          </a:xfrm>
+          <a:prstGeom prst="rect">
+            <a:avLst/>
+          </a:prstGeom>
+          <a:ln>
+            <a:noFill/>
+          </a:ln>
+          <a:effectLst>
+            <a:reflection blurRad="12700" endPos="0" dist="5000" dir="5400000" sy="-100000" algn="bl" rotWithShape="0"/>
+          </a:effectLst>
+          <a:scene3d>
+            <a:camera prst="isometricOffAxis1Right"/>
+            <a:lightRig rig="threePt" dir="t">
+              <a:rot lat="0" lon="0" rev="2700000"/>
+            </a:lightRig>
+          </a:scene3d>
+          <a:sp3d>
+            <a:bevelT w="63500" h="50800"/>
+          </a:sp3d>
+        </p:spPr>
+      </p:pic>
+      <p:sp>
+        <p:nvSpPr>
+          <p:cNvPr id="3" name="Rektangel 2"/>
+          <p:cNvSpPr/>
+          <p:nvPr/>
+        </p:nvSpPr>
+        <p:spPr>
+          <a:xfrm>
+            <a:off x="2686769" y="2894246"/>
+            <a:ext cx="1841603" cy="1106980"/>
+          </a:xfrm>
+          <a:prstGeom prst="rect">
+            <a:avLst/>
+          </a:prstGeom>
+          <a:solidFill>
+            <a:schemeClr val="accent1">
+              <a:lumMod val="60000"/>
+              <a:lumOff val="40000"/>
+            </a:schemeClr>
+          </a:solidFill>
+        </p:spPr>
+        <p:style>
+          <a:lnRef idx="2">
+            <a:schemeClr val="accent1">
+              <a:shade val="50000"/>
+            </a:schemeClr>
+          </a:lnRef>
+          <a:fillRef idx="1">
+            <a:schemeClr val="accent1"/>
+          </a:fillRef>
+          <a:effectRef idx="0">
+            <a:schemeClr val="accent1"/>
+          </a:effectRef>
+          <a:fontRef idx="minor">
+            <a:schemeClr val="lt1"/>
+          </a:fontRef>
+        </p:style>
+        <p:txBody>
+          <a:bodyPr rtlCol="0" anchor="ctr"/>
+          <a:lstStyle/>
+          <a:p>
+            <a:pPr algn="ctr"/>
+            <a:endParaRPr lang="da-DK"/>
+          </a:p>
+        </p:txBody>
+      </p:sp>
+      <p:sp>
+        <p:nvSpPr>
+          <p:cNvPr id="4" name="Tekstfelt 3"/>
+          <p:cNvSpPr txBox="1"/>
+          <p:nvPr/>
+        </p:nvSpPr>
+        <p:spPr>
+          <a:xfrm>
+            <a:off x="2594829" y="2918660"/>
+            <a:ext cx="1930400" cy="523220"/>
+          </a:xfrm>
+          <a:prstGeom prst="rect">
+            <a:avLst/>
+          </a:prstGeom>
+          <a:noFill/>
+        </p:spPr>
+        <p:txBody>
+          <a:bodyPr wrap="square" rtlCol="0">
+            <a:spAutoFit/>
+          </a:bodyPr>
+          <a:lstStyle/>
+          <a:p>
+            <a:pPr algn="ctr"/>
+            <a:r>
+              <a:rPr lang="da-DK" sz="2800" b="1" dirty="0" err="1" smtClean="0"/>
+              <a:t>ConvNet</a:t>
+            </a:r>
+            <a:endParaRPr lang="da-DK" sz="2800" b="1" dirty="0" smtClean="0"/>
+          </a:p>
+        </p:txBody>
+      </p:sp>
+      <p:sp>
+        <p:nvSpPr>
+          <p:cNvPr id="5" name="Tekstfelt 4"/>
+          <p:cNvSpPr txBox="1"/>
+          <p:nvPr/>
+        </p:nvSpPr>
+        <p:spPr>
+          <a:xfrm>
+            <a:off x="2729632" y="3427646"/>
+            <a:ext cx="2573866" cy="369332"/>
+          </a:xfrm>
+          <a:prstGeom prst="rect">
+            <a:avLst/>
+          </a:prstGeom>
+          <a:noFill/>
+        </p:spPr>
+        <p:txBody>
+          <a:bodyPr wrap="square" rtlCol="0">
+            <a:spAutoFit/>
+          </a:bodyPr>
+          <a:lstStyle/>
+          <a:p>
+            <a:r>
+              <a:rPr lang="da-DK" dirty="0" smtClean="0"/>
+              <a:t>Ex. VGG16, ZF</a:t>
+            </a:r>
+            <a:endParaRPr lang="da-DK" dirty="0"/>
+          </a:p>
+        </p:txBody>
+      </p:sp>
+      <p:sp>
+        <p:nvSpPr>
+          <p:cNvPr id="9" name="Tekstfelt 8"/>
+          <p:cNvSpPr txBox="1"/>
+          <p:nvPr/>
+        </p:nvSpPr>
+        <p:spPr>
+          <a:xfrm>
+            <a:off x="4996234" y="3118715"/>
+            <a:ext cx="1083733" cy="646331"/>
+          </a:xfrm>
+          <a:prstGeom prst="rect">
+            <a:avLst/>
+          </a:prstGeom>
+          <a:solidFill>
+            <a:schemeClr val="bg1">
+              <a:lumMod val="50000"/>
+            </a:schemeClr>
+          </a:solidFill>
+        </p:spPr>
+        <p:txBody>
+          <a:bodyPr wrap="square" rtlCol="0">
+            <a:spAutoFit/>
+          </a:bodyPr>
+          <a:lstStyle/>
+          <a:p>
+            <a:r>
+              <a:rPr lang="da-DK" dirty="0" smtClean="0"/>
+              <a:t>Feature </a:t>
+            </a:r>
+            <a:r>
+              <a:rPr lang="da-DK" dirty="0" err="1" smtClean="0"/>
+              <a:t>map</a:t>
+            </a:r>
+            <a:endParaRPr lang="da-DK" dirty="0"/>
+          </a:p>
+        </p:txBody>
+      </p:sp>
+      <p:cxnSp>
+        <p:nvCxnSpPr>
+          <p:cNvPr id="24" name="Buet forbindelse 23"/>
+          <p:cNvCxnSpPr>
+            <a:stCxn id="9" idx="0"/>
+            <a:endCxn id="33" idx="1"/>
+          </p:cNvCxnSpPr>
+          <p:nvPr/>
+        </p:nvCxnSpPr>
+        <p:spPr>
+          <a:xfrm rot="16200000" flipV="1">
+            <a:off x="3688510" y="1269123"/>
+            <a:ext cx="2027488" cy="1671695"/>
+          </a:xfrm>
+          <a:prstGeom prst="curvedConnector4">
+            <a:avLst>
+              <a:gd name="adj1" fmla="val 45446"/>
+              <a:gd name="adj2" fmla="val 113675"/>
+            </a:avLst>
+          </a:prstGeom>
+          <a:ln w="38100">
+            <a:solidFill>
+              <a:schemeClr val="tx1"/>
+            </a:solidFill>
+            <a:tailEnd type="triangle"/>
+          </a:ln>
+        </p:spPr>
+        <p:style>
+          <a:lnRef idx="1">
+            <a:schemeClr val="accent1"/>
+          </a:lnRef>
+          <a:fillRef idx="0">
+            <a:schemeClr val="accent1"/>
+          </a:fillRef>
+          <a:effectRef idx="0">
+            <a:schemeClr val="accent1"/>
+          </a:effectRef>
+          <a:fontRef idx="minor">
+            <a:schemeClr val="tx1"/>
+          </a:fontRef>
+        </p:style>
+      </p:cxnSp>
+      <p:cxnSp>
+        <p:nvCxnSpPr>
+          <p:cNvPr id="25" name="Buet forbindelse 24"/>
+          <p:cNvCxnSpPr>
+            <a:stCxn id="75" idx="2"/>
+            <a:endCxn id="62" idx="3"/>
+          </p:cNvCxnSpPr>
+          <p:nvPr/>
+        </p:nvCxnSpPr>
+        <p:spPr>
+          <a:xfrm rot="5400000">
+            <a:off x="7528849" y="1449443"/>
+            <a:ext cx="1362794" cy="1188846"/>
+          </a:xfrm>
+          <a:prstGeom prst="curvedConnector2">
+            <a:avLst/>
+          </a:prstGeom>
+          <a:ln w="38100">
+            <a:solidFill>
+              <a:schemeClr val="tx1"/>
+            </a:solidFill>
+            <a:tailEnd type="triangle"/>
+          </a:ln>
+        </p:spPr>
+        <p:style>
+          <a:lnRef idx="1">
+            <a:schemeClr val="accent1"/>
+          </a:lnRef>
+          <a:fillRef idx="0">
+            <a:schemeClr val="accent1"/>
+          </a:fillRef>
+          <a:effectRef idx="0">
+            <a:schemeClr val="accent1"/>
+          </a:effectRef>
+          <a:fontRef idx="minor">
+            <a:schemeClr val="tx1"/>
+          </a:fontRef>
+        </p:style>
+      </p:cxnSp>
+      <p:sp>
+        <p:nvSpPr>
+          <p:cNvPr id="33" name="Tekstfelt 32"/>
+          <p:cNvSpPr txBox="1"/>
+          <p:nvPr/>
+        </p:nvSpPr>
+        <p:spPr>
+          <a:xfrm>
+            <a:off x="3866406" y="906561"/>
+            <a:ext cx="1109565" cy="369332"/>
+          </a:xfrm>
+          <a:prstGeom prst="rect">
+            <a:avLst/>
+          </a:prstGeom>
+          <a:noFill/>
+          <a:ln>
+            <a:solidFill>
+              <a:schemeClr val="tx1"/>
+            </a:solidFill>
+          </a:ln>
+        </p:spPr>
+        <p:txBody>
+          <a:bodyPr wrap="square" rtlCol="0">
+            <a:spAutoFit/>
+          </a:bodyPr>
+          <a:lstStyle/>
+          <a:p>
+            <a:r>
+              <a:rPr lang="da-DK" dirty="0" smtClean="0"/>
+              <a:t>3x3 </a:t>
+            </a:r>
+            <a:r>
+              <a:rPr lang="da-DK" dirty="0" err="1" smtClean="0"/>
+              <a:t>conv</a:t>
+            </a:r>
+            <a:r>
+              <a:rPr lang="da-DK" dirty="0" smtClean="0"/>
+              <a:t>.</a:t>
+            </a:r>
+            <a:endParaRPr lang="da-DK" dirty="0" smtClean="0"/>
+          </a:p>
+        </p:txBody>
+      </p:sp>
+      <p:sp>
+        <p:nvSpPr>
+          <p:cNvPr id="42" name="Tekstfelt 41"/>
+          <p:cNvSpPr txBox="1"/>
+          <p:nvPr/>
+        </p:nvSpPr>
+        <p:spPr>
+          <a:xfrm>
+            <a:off x="5170623" y="1212271"/>
+            <a:ext cx="1109565" cy="646331"/>
+          </a:xfrm>
+          <a:prstGeom prst="rect">
+            <a:avLst/>
+          </a:prstGeom>
+          <a:noFill/>
+          <a:ln>
+            <a:solidFill>
+              <a:schemeClr val="tx1"/>
+            </a:solidFill>
+          </a:ln>
+        </p:spPr>
+        <p:txBody>
+          <a:bodyPr wrap="square" rtlCol="0">
+            <a:spAutoFit/>
+          </a:bodyPr>
+          <a:lstStyle/>
+          <a:p>
+            <a:r>
+              <a:rPr lang="da-DK" dirty="0" smtClean="0"/>
+              <a:t>1x1 </a:t>
+            </a:r>
+            <a:r>
+              <a:rPr lang="da-DK" dirty="0" err="1" smtClean="0"/>
+              <a:t>conv</a:t>
+            </a:r>
+            <a:endParaRPr lang="da-DK" dirty="0" smtClean="0"/>
+          </a:p>
+          <a:p>
+            <a:r>
+              <a:rPr lang="da-DK" dirty="0" smtClean="0"/>
+              <a:t>Box </a:t>
+            </a:r>
+            <a:r>
+              <a:rPr lang="da-DK" dirty="0" err="1" smtClean="0"/>
+              <a:t>reg</a:t>
+            </a:r>
+            <a:r>
+              <a:rPr lang="da-DK" dirty="0" smtClean="0"/>
+              <a:t>.</a:t>
+            </a:r>
+          </a:p>
+        </p:txBody>
+      </p:sp>
+      <p:sp>
+        <p:nvSpPr>
+          <p:cNvPr id="43" name="Tekstfelt 42"/>
+          <p:cNvSpPr txBox="1"/>
+          <p:nvPr/>
+        </p:nvSpPr>
+        <p:spPr>
+          <a:xfrm>
+            <a:off x="5878877" y="376170"/>
+            <a:ext cx="1109565" cy="646331"/>
+          </a:xfrm>
+          <a:prstGeom prst="rect">
+            <a:avLst/>
+          </a:prstGeom>
+          <a:noFill/>
+          <a:ln>
+            <a:solidFill>
+              <a:schemeClr val="tx1"/>
+            </a:solidFill>
+          </a:ln>
+        </p:spPr>
+        <p:txBody>
+          <a:bodyPr wrap="square" rtlCol="0">
+            <a:spAutoFit/>
+          </a:bodyPr>
+          <a:lstStyle/>
+          <a:p>
+            <a:r>
+              <a:rPr lang="da-DK" dirty="0" smtClean="0"/>
+              <a:t>1x1 </a:t>
+            </a:r>
+            <a:r>
+              <a:rPr lang="da-DK" dirty="0" err="1" smtClean="0"/>
+              <a:t>conv</a:t>
+            </a:r>
+            <a:endParaRPr lang="da-DK" dirty="0" smtClean="0"/>
+          </a:p>
+          <a:p>
+            <a:r>
+              <a:rPr lang="da-DK" dirty="0" err="1" smtClean="0"/>
+              <a:t>Obj</a:t>
+            </a:r>
+            <a:r>
+              <a:rPr lang="da-DK" dirty="0" smtClean="0"/>
+              <a:t>. det.</a:t>
+            </a:r>
+          </a:p>
+        </p:txBody>
+      </p:sp>
+      <p:cxnSp>
+        <p:nvCxnSpPr>
+          <p:cNvPr id="44" name="Buet forbindelse 43"/>
+          <p:cNvCxnSpPr>
+            <a:stCxn id="33" idx="3"/>
+            <a:endCxn id="42" idx="1"/>
+          </p:cNvCxnSpPr>
+          <p:nvPr/>
+        </p:nvCxnSpPr>
+        <p:spPr>
+          <a:xfrm>
+            <a:off x="4975971" y="1091227"/>
+            <a:ext cx="194652" cy="444210"/>
+          </a:xfrm>
+          <a:prstGeom prst="curvedConnector3">
+            <a:avLst>
+              <a:gd name="adj1" fmla="val 50000"/>
+            </a:avLst>
+          </a:prstGeom>
+          <a:ln w="38100">
+            <a:solidFill>
+              <a:schemeClr val="tx1"/>
+            </a:solidFill>
+            <a:tailEnd type="triangle"/>
+          </a:ln>
+        </p:spPr>
+        <p:style>
+          <a:lnRef idx="1">
+            <a:schemeClr val="accent1"/>
+          </a:lnRef>
+          <a:fillRef idx="0">
+            <a:schemeClr val="accent1"/>
+          </a:fillRef>
+          <a:effectRef idx="0">
+            <a:schemeClr val="accent1"/>
+          </a:effectRef>
+          <a:fontRef idx="minor">
+            <a:schemeClr val="tx1"/>
+          </a:fontRef>
+        </p:style>
+      </p:cxnSp>
+      <p:cxnSp>
+        <p:nvCxnSpPr>
+          <p:cNvPr id="47" name="Buet forbindelse 46"/>
+          <p:cNvCxnSpPr>
+            <a:stCxn id="33" idx="3"/>
+            <a:endCxn id="43" idx="1"/>
+          </p:cNvCxnSpPr>
+          <p:nvPr/>
+        </p:nvCxnSpPr>
+        <p:spPr>
+          <a:xfrm flipV="1">
+            <a:off x="4975971" y="699336"/>
+            <a:ext cx="902906" cy="391891"/>
+          </a:xfrm>
+          <a:prstGeom prst="curvedConnector3">
+            <a:avLst>
+              <a:gd name="adj1" fmla="val 50000"/>
+            </a:avLst>
+          </a:prstGeom>
+          <a:ln w="38100">
+            <a:solidFill>
+              <a:schemeClr val="tx1"/>
+            </a:solidFill>
+            <a:tailEnd type="triangle"/>
+          </a:ln>
+        </p:spPr>
+        <p:style>
+          <a:lnRef idx="1">
+            <a:schemeClr val="accent1"/>
+          </a:lnRef>
+          <a:fillRef idx="0">
+            <a:schemeClr val="accent1"/>
+          </a:fillRef>
+          <a:effectRef idx="0">
+            <a:schemeClr val="accent1"/>
+          </a:effectRef>
+          <a:fontRef idx="minor">
+            <a:schemeClr val="tx1"/>
+          </a:fontRef>
+        </p:style>
+      </p:cxnSp>
+      <p:sp>
+        <p:nvSpPr>
+          <p:cNvPr id="51" name="Tekstfelt 50"/>
+          <p:cNvSpPr txBox="1"/>
+          <p:nvPr/>
+        </p:nvSpPr>
+        <p:spPr>
+          <a:xfrm>
+            <a:off x="6524842" y="1208725"/>
+            <a:ext cx="1221856" cy="646331"/>
+          </a:xfrm>
+          <a:prstGeom prst="rect">
+            <a:avLst/>
+          </a:prstGeom>
+          <a:noFill/>
+          <a:ln>
+            <a:solidFill>
+              <a:schemeClr val="tx1"/>
+            </a:solidFill>
+          </a:ln>
+        </p:spPr>
+        <p:txBody>
+          <a:bodyPr wrap="square" rtlCol="0">
+            <a:spAutoFit/>
+          </a:bodyPr>
+          <a:lstStyle/>
+          <a:p>
+            <a:r>
+              <a:rPr lang="da-DK" dirty="0" err="1" smtClean="0"/>
+              <a:t>Transform</a:t>
+            </a:r>
+            <a:r>
+              <a:rPr lang="da-DK" dirty="0" smtClean="0"/>
+              <a:t> </a:t>
+            </a:r>
+            <a:r>
+              <a:rPr lang="da-DK" dirty="0" err="1" smtClean="0"/>
+              <a:t>boxes</a:t>
+            </a:r>
+            <a:endParaRPr lang="da-DK" dirty="0" smtClean="0"/>
+          </a:p>
+        </p:txBody>
+      </p:sp>
+      <p:cxnSp>
+        <p:nvCxnSpPr>
+          <p:cNvPr id="52" name="Buet forbindelse 51"/>
+          <p:cNvCxnSpPr>
+            <a:stCxn id="43" idx="3"/>
+            <a:endCxn id="75" idx="1"/>
+          </p:cNvCxnSpPr>
+          <p:nvPr/>
+        </p:nvCxnSpPr>
+        <p:spPr>
+          <a:xfrm>
+            <a:off x="6988442" y="699336"/>
+            <a:ext cx="1205299" cy="339968"/>
+          </a:xfrm>
+          <a:prstGeom prst="curvedConnector3">
+            <a:avLst>
+              <a:gd name="adj1" fmla="val 50000"/>
+            </a:avLst>
+          </a:prstGeom>
+          <a:ln w="38100">
+            <a:solidFill>
+              <a:schemeClr val="tx1"/>
+            </a:solidFill>
+            <a:tailEnd type="triangle"/>
+          </a:ln>
+        </p:spPr>
+        <p:style>
+          <a:lnRef idx="1">
+            <a:schemeClr val="accent1"/>
+          </a:lnRef>
+          <a:fillRef idx="0">
+            <a:schemeClr val="accent1"/>
+          </a:fillRef>
+          <a:effectRef idx="0">
+            <a:schemeClr val="accent1"/>
+          </a:effectRef>
+          <a:fontRef idx="minor">
+            <a:schemeClr val="tx1"/>
+          </a:fontRef>
+        </p:style>
+      </p:cxnSp>
+      <p:cxnSp>
+        <p:nvCxnSpPr>
+          <p:cNvPr id="55" name="Buet forbindelse 54"/>
+          <p:cNvCxnSpPr>
+            <a:stCxn id="42" idx="3"/>
+            <a:endCxn id="51" idx="1"/>
+          </p:cNvCxnSpPr>
+          <p:nvPr/>
+        </p:nvCxnSpPr>
+        <p:spPr>
+          <a:xfrm flipV="1">
+            <a:off x="6280188" y="1531891"/>
+            <a:ext cx="244654" cy="3546"/>
+          </a:xfrm>
+          <a:prstGeom prst="curvedConnector3">
+            <a:avLst>
+              <a:gd name="adj1" fmla="val 50000"/>
+            </a:avLst>
+          </a:prstGeom>
+          <a:ln w="38100">
+            <a:solidFill>
+              <a:schemeClr val="tx1"/>
+            </a:solidFill>
+            <a:tailEnd type="triangle"/>
+          </a:ln>
+        </p:spPr>
+        <p:style>
+          <a:lnRef idx="1">
+            <a:schemeClr val="accent1"/>
+          </a:lnRef>
+          <a:fillRef idx="0">
+            <a:schemeClr val="accent1"/>
+          </a:fillRef>
+          <a:effectRef idx="0">
+            <a:schemeClr val="accent1"/>
+          </a:effectRef>
+          <a:fontRef idx="minor">
+            <a:schemeClr val="tx1"/>
+          </a:fontRef>
+        </p:style>
+      </p:cxnSp>
+      <p:sp>
+        <p:nvSpPr>
+          <p:cNvPr id="62" name="Tekstfelt 61"/>
+          <p:cNvSpPr txBox="1"/>
+          <p:nvPr/>
+        </p:nvSpPr>
+        <p:spPr>
+          <a:xfrm>
+            <a:off x="6532090" y="2540597"/>
+            <a:ext cx="1083733" cy="369332"/>
+          </a:xfrm>
+          <a:prstGeom prst="rect">
+            <a:avLst/>
+          </a:prstGeom>
+          <a:solidFill>
+            <a:schemeClr val="bg1">
+              <a:lumMod val="50000"/>
+            </a:schemeClr>
+          </a:solidFill>
+        </p:spPr>
+        <p:txBody>
+          <a:bodyPr wrap="square" rtlCol="0">
+            <a:spAutoFit/>
+          </a:bodyPr>
+          <a:lstStyle/>
+          <a:p>
+            <a:r>
+              <a:rPr lang="da-DK" dirty="0" err="1" smtClean="0"/>
+              <a:t>Proposals</a:t>
+            </a:r>
+            <a:endParaRPr lang="da-DK" dirty="0" smtClean="0"/>
+          </a:p>
+        </p:txBody>
+      </p:sp>
+      <p:sp>
+        <p:nvSpPr>
+          <p:cNvPr id="75" name="Tekstfelt 74"/>
+          <p:cNvSpPr txBox="1"/>
+          <p:nvPr/>
+        </p:nvSpPr>
+        <p:spPr>
+          <a:xfrm>
+            <a:off x="8193741" y="716138"/>
+            <a:ext cx="1221856" cy="646331"/>
+          </a:xfrm>
+          <a:prstGeom prst="rect">
+            <a:avLst/>
+          </a:prstGeom>
+          <a:solidFill>
+            <a:schemeClr val="tx2">
+              <a:lumMod val="40000"/>
+              <a:lumOff val="60000"/>
+            </a:schemeClr>
+          </a:solidFill>
+          <a:ln>
+            <a:solidFill>
+              <a:schemeClr val="tx1"/>
+            </a:solidFill>
+          </a:ln>
+        </p:spPr>
+        <p:txBody>
+          <a:bodyPr wrap="square" rtlCol="0">
+            <a:spAutoFit/>
+          </a:bodyPr>
+          <a:lstStyle/>
+          <a:p>
+            <a:r>
+              <a:rPr lang="da-DK" dirty="0" smtClean="0"/>
+              <a:t>NMS/</a:t>
+            </a:r>
+          </a:p>
+          <a:p>
+            <a:r>
+              <a:rPr lang="da-DK" dirty="0" err="1" smtClean="0"/>
+              <a:t>threshold</a:t>
+            </a:r>
+            <a:endParaRPr lang="da-DK" dirty="0" smtClean="0"/>
+          </a:p>
+        </p:txBody>
+      </p:sp>
+      <p:cxnSp>
+        <p:nvCxnSpPr>
+          <p:cNvPr id="76" name="Buet forbindelse 75"/>
+          <p:cNvCxnSpPr>
+            <a:stCxn id="51" idx="3"/>
+            <a:endCxn id="75" idx="1"/>
+          </p:cNvCxnSpPr>
+          <p:nvPr/>
+        </p:nvCxnSpPr>
+        <p:spPr>
+          <a:xfrm flipV="1">
+            <a:off x="7746698" y="1039304"/>
+            <a:ext cx="447043" cy="492587"/>
+          </a:xfrm>
+          <a:prstGeom prst="curvedConnector3">
+            <a:avLst>
+              <a:gd name="adj1" fmla="val 50000"/>
+            </a:avLst>
+          </a:prstGeom>
+          <a:ln w="38100">
+            <a:solidFill>
+              <a:schemeClr val="tx1"/>
+            </a:solidFill>
+            <a:tailEnd type="triangle"/>
+          </a:ln>
+        </p:spPr>
+        <p:style>
+          <a:lnRef idx="1">
+            <a:schemeClr val="accent1"/>
+          </a:lnRef>
+          <a:fillRef idx="0">
+            <a:schemeClr val="accent1"/>
+          </a:fillRef>
+          <a:effectRef idx="0">
+            <a:schemeClr val="accent1"/>
+          </a:effectRef>
+          <a:fontRef idx="minor">
+            <a:schemeClr val="tx1"/>
+          </a:fontRef>
+        </p:style>
+      </p:cxnSp>
+      <p:sp>
+        <p:nvSpPr>
+          <p:cNvPr id="94" name="Tekstfelt 93"/>
+          <p:cNvSpPr txBox="1"/>
+          <p:nvPr/>
+        </p:nvSpPr>
+        <p:spPr>
+          <a:xfrm>
+            <a:off x="6464176" y="3251454"/>
+            <a:ext cx="1219560" cy="369332"/>
+          </a:xfrm>
+          <a:prstGeom prst="rect">
+            <a:avLst/>
+          </a:prstGeom>
+          <a:noFill/>
+          <a:ln>
+            <a:solidFill>
+              <a:schemeClr val="tx1"/>
+            </a:solidFill>
+          </a:ln>
+        </p:spPr>
+        <p:txBody>
+          <a:bodyPr wrap="square" rtlCol="0">
+            <a:spAutoFit/>
+          </a:bodyPr>
+          <a:lstStyle/>
+          <a:p>
+            <a:r>
+              <a:rPr lang="da-DK" dirty="0" err="1" smtClean="0"/>
+              <a:t>Roipooling</a:t>
+            </a:r>
+            <a:endParaRPr lang="da-DK" dirty="0" smtClean="0"/>
+          </a:p>
+        </p:txBody>
+      </p:sp>
+      <p:cxnSp>
+        <p:nvCxnSpPr>
+          <p:cNvPr id="95" name="Buet forbindelse 94"/>
+          <p:cNvCxnSpPr>
+            <a:stCxn id="62" idx="2"/>
+            <a:endCxn id="94" idx="0"/>
+          </p:cNvCxnSpPr>
+          <p:nvPr/>
+        </p:nvCxnSpPr>
+        <p:spPr>
+          <a:xfrm rot="5400000">
+            <a:off x="6903195" y="3080691"/>
+            <a:ext cx="341525" cy="1"/>
+          </a:xfrm>
+          <a:prstGeom prst="curvedConnector3">
+            <a:avLst>
+              <a:gd name="adj1" fmla="val 50000"/>
+            </a:avLst>
+          </a:prstGeom>
+          <a:ln w="38100">
+            <a:solidFill>
+              <a:schemeClr val="tx1"/>
+            </a:solidFill>
+            <a:tailEnd type="triangle"/>
+          </a:ln>
+        </p:spPr>
+        <p:style>
+          <a:lnRef idx="1">
+            <a:schemeClr val="accent1"/>
+          </a:lnRef>
+          <a:fillRef idx="0">
+            <a:schemeClr val="accent1"/>
+          </a:fillRef>
+          <a:effectRef idx="0">
+            <a:schemeClr val="accent1"/>
+          </a:effectRef>
+          <a:fontRef idx="minor">
+            <a:schemeClr val="tx1"/>
+          </a:fontRef>
+        </p:style>
+      </p:cxnSp>
+      <p:cxnSp>
+        <p:nvCxnSpPr>
+          <p:cNvPr id="98" name="Buet forbindelse 97"/>
+          <p:cNvCxnSpPr>
+            <a:stCxn id="9" idx="3"/>
+            <a:endCxn id="94" idx="1"/>
+          </p:cNvCxnSpPr>
+          <p:nvPr/>
+        </p:nvCxnSpPr>
+        <p:spPr>
+          <a:xfrm flipV="1">
+            <a:off x="6079967" y="3436120"/>
+            <a:ext cx="384209" cy="5761"/>
+          </a:xfrm>
+          <a:prstGeom prst="curvedConnector3">
+            <a:avLst>
+              <a:gd name="adj1" fmla="val 50000"/>
+            </a:avLst>
+          </a:prstGeom>
+          <a:ln w="38100">
+            <a:solidFill>
+              <a:schemeClr val="tx1"/>
+            </a:solidFill>
+            <a:tailEnd type="triangle"/>
+          </a:ln>
+        </p:spPr>
+        <p:style>
+          <a:lnRef idx="1">
+            <a:schemeClr val="accent1"/>
+          </a:lnRef>
+          <a:fillRef idx="0">
+            <a:schemeClr val="accent1"/>
+          </a:fillRef>
+          <a:effectRef idx="0">
+            <a:schemeClr val="accent1"/>
+          </a:effectRef>
+          <a:fontRef idx="minor">
+            <a:schemeClr val="tx1"/>
+          </a:fontRef>
+        </p:style>
+      </p:cxnSp>
+      <p:cxnSp>
+        <p:nvCxnSpPr>
+          <p:cNvPr id="101" name="Buet forbindelse 100"/>
+          <p:cNvCxnSpPr>
+            <a:stCxn id="3" idx="3"/>
+            <a:endCxn id="9" idx="1"/>
+          </p:cNvCxnSpPr>
+          <p:nvPr/>
+        </p:nvCxnSpPr>
+        <p:spPr>
+          <a:xfrm flipV="1">
+            <a:off x="4528372" y="3441881"/>
+            <a:ext cx="467862" cy="5855"/>
+          </a:xfrm>
+          <a:prstGeom prst="curvedConnector3">
+            <a:avLst>
+              <a:gd name="adj1" fmla="val 50000"/>
+            </a:avLst>
+          </a:prstGeom>
+          <a:ln w="38100">
+            <a:solidFill>
+              <a:schemeClr val="tx1"/>
+            </a:solidFill>
+            <a:tailEnd type="triangle"/>
+          </a:ln>
+        </p:spPr>
+        <p:style>
+          <a:lnRef idx="1">
+            <a:schemeClr val="accent1"/>
+          </a:lnRef>
+          <a:fillRef idx="0">
+            <a:schemeClr val="accent1"/>
+          </a:fillRef>
+          <a:effectRef idx="0">
+            <a:schemeClr val="accent1"/>
+          </a:effectRef>
+          <a:fontRef idx="minor">
+            <a:schemeClr val="tx1"/>
+          </a:fontRef>
+        </p:style>
+      </p:cxnSp>
+      <p:cxnSp>
+        <p:nvCxnSpPr>
+          <p:cNvPr id="104" name="Buet forbindelse 103"/>
+          <p:cNvCxnSpPr>
+            <a:endCxn id="3" idx="1"/>
+          </p:cNvCxnSpPr>
+          <p:nvPr/>
+        </p:nvCxnSpPr>
+        <p:spPr>
+          <a:xfrm>
+            <a:off x="2338525" y="3436120"/>
+            <a:ext cx="348244" cy="11616"/>
+          </a:xfrm>
+          <a:prstGeom prst="curvedConnector3">
+            <a:avLst>
+              <a:gd name="adj1" fmla="val 50000"/>
+            </a:avLst>
+          </a:prstGeom>
+          <a:ln w="38100">
+            <a:solidFill>
+              <a:schemeClr val="tx1"/>
+            </a:solidFill>
+            <a:tailEnd type="triangle"/>
+          </a:ln>
+        </p:spPr>
+        <p:style>
+          <a:lnRef idx="1">
+            <a:schemeClr val="accent1"/>
+          </a:lnRef>
+          <a:fillRef idx="0">
+            <a:schemeClr val="accent1"/>
+          </a:fillRef>
+          <a:effectRef idx="0">
+            <a:schemeClr val="accent1"/>
+          </a:effectRef>
+          <a:fontRef idx="minor">
+            <a:schemeClr val="tx1"/>
+          </a:fontRef>
+        </p:style>
+      </p:cxnSp>
+      <p:sp>
+        <p:nvSpPr>
+          <p:cNvPr id="109" name="Tekstfelt 108"/>
+          <p:cNvSpPr txBox="1"/>
+          <p:nvPr/>
+        </p:nvSpPr>
+        <p:spPr>
+          <a:xfrm>
+            <a:off x="7938123" y="3241251"/>
+            <a:ext cx="452063" cy="369332"/>
+          </a:xfrm>
+          <a:prstGeom prst="rect">
+            <a:avLst/>
+          </a:prstGeom>
+          <a:noFill/>
+          <a:ln>
+            <a:solidFill>
+              <a:schemeClr val="tx1"/>
+            </a:solidFill>
+          </a:ln>
+        </p:spPr>
+        <p:txBody>
+          <a:bodyPr wrap="square" rtlCol="0">
+            <a:spAutoFit/>
+          </a:bodyPr>
+          <a:lstStyle/>
+          <a:p>
+            <a:r>
+              <a:rPr lang="da-DK" smtClean="0"/>
+              <a:t>FC</a:t>
+            </a:r>
+            <a:endParaRPr lang="da-DK" dirty="0" smtClean="0"/>
+          </a:p>
+        </p:txBody>
+      </p:sp>
+      <p:sp>
+        <p:nvSpPr>
+          <p:cNvPr id="110" name="Tekstfelt 109"/>
+          <p:cNvSpPr txBox="1"/>
+          <p:nvPr/>
+        </p:nvSpPr>
+        <p:spPr>
+          <a:xfrm>
+            <a:off x="6312603" y="4259514"/>
+            <a:ext cx="452063" cy="369332"/>
+          </a:xfrm>
+          <a:prstGeom prst="rect">
+            <a:avLst/>
+          </a:prstGeom>
+          <a:noFill/>
+          <a:ln>
+            <a:solidFill>
+              <a:schemeClr val="tx1"/>
+            </a:solidFill>
+          </a:ln>
+        </p:spPr>
+        <p:txBody>
+          <a:bodyPr wrap="square" rtlCol="0">
+            <a:spAutoFit/>
+          </a:bodyPr>
+          <a:lstStyle/>
+          <a:p>
+            <a:r>
+              <a:rPr lang="da-DK" dirty="0" smtClean="0"/>
+              <a:t>FC</a:t>
+            </a:r>
+          </a:p>
+        </p:txBody>
+      </p:sp>
+      <p:cxnSp>
+        <p:nvCxnSpPr>
+          <p:cNvPr id="111" name="Buet forbindelse 110"/>
+          <p:cNvCxnSpPr>
+            <a:stCxn id="94" idx="3"/>
+            <a:endCxn id="109" idx="1"/>
+          </p:cNvCxnSpPr>
+          <p:nvPr/>
+        </p:nvCxnSpPr>
+        <p:spPr>
+          <a:xfrm flipV="1">
+            <a:off x="7683736" y="3425917"/>
+            <a:ext cx="254387" cy="10203"/>
+          </a:xfrm>
+          <a:prstGeom prst="curvedConnector3">
+            <a:avLst>
+              <a:gd name="adj1" fmla="val 50000"/>
+            </a:avLst>
+          </a:prstGeom>
+          <a:ln w="38100">
+            <a:solidFill>
+              <a:schemeClr val="tx1"/>
+            </a:solidFill>
+            <a:tailEnd type="triangle"/>
+          </a:ln>
+        </p:spPr>
+        <p:style>
+          <a:lnRef idx="1">
+            <a:schemeClr val="accent1"/>
+          </a:lnRef>
+          <a:fillRef idx="0">
+            <a:schemeClr val="accent1"/>
+          </a:fillRef>
+          <a:effectRef idx="0">
+            <a:schemeClr val="accent1"/>
+          </a:effectRef>
+          <a:fontRef idx="minor">
+            <a:schemeClr val="tx1"/>
+          </a:fontRef>
+        </p:style>
+      </p:cxnSp>
+      <p:cxnSp>
+        <p:nvCxnSpPr>
+          <p:cNvPr id="114" name="Buet forbindelse 113"/>
+          <p:cNvCxnSpPr>
+            <a:stCxn id="109" idx="2"/>
+            <a:endCxn id="110" idx="0"/>
+          </p:cNvCxnSpPr>
+          <p:nvPr/>
+        </p:nvCxnSpPr>
+        <p:spPr>
+          <a:xfrm rot="5400000">
+            <a:off x="7026930" y="3122288"/>
+            <a:ext cx="648931" cy="1625520"/>
+          </a:xfrm>
+          <a:prstGeom prst="curvedConnector3">
+            <a:avLst>
+              <a:gd name="adj1" fmla="val 50000"/>
+            </a:avLst>
+          </a:prstGeom>
+          <a:ln w="38100">
+            <a:solidFill>
+              <a:schemeClr val="tx1"/>
+            </a:solidFill>
+            <a:tailEnd type="triangle"/>
+          </a:ln>
+        </p:spPr>
+        <p:style>
+          <a:lnRef idx="1">
+            <a:schemeClr val="accent1"/>
+          </a:lnRef>
+          <a:fillRef idx="0">
+            <a:schemeClr val="accent1"/>
+          </a:fillRef>
+          <a:effectRef idx="0">
+            <a:schemeClr val="accent1"/>
+          </a:effectRef>
+          <a:fontRef idx="minor">
+            <a:schemeClr val="tx1"/>
+          </a:fontRef>
+        </p:style>
+      </p:cxnSp>
+      <p:sp>
+        <p:nvSpPr>
+          <p:cNvPr id="118" name="Tekstfelt 117"/>
+          <p:cNvSpPr txBox="1"/>
+          <p:nvPr/>
+        </p:nvSpPr>
+        <p:spPr>
+          <a:xfrm>
+            <a:off x="6940491" y="4628845"/>
+            <a:ext cx="1072228" cy="369332"/>
+          </a:xfrm>
+          <a:prstGeom prst="rect">
+            <a:avLst/>
+          </a:prstGeom>
+          <a:noFill/>
+          <a:ln>
+            <a:solidFill>
+              <a:schemeClr val="tx1"/>
+            </a:solidFill>
+          </a:ln>
+        </p:spPr>
+        <p:txBody>
+          <a:bodyPr wrap="square" rtlCol="0">
+            <a:spAutoFit/>
+          </a:bodyPr>
+          <a:lstStyle/>
+          <a:p>
+            <a:r>
+              <a:rPr lang="da-DK" dirty="0"/>
+              <a:t>Box </a:t>
+            </a:r>
+            <a:r>
+              <a:rPr lang="da-DK" dirty="0" err="1"/>
+              <a:t>reg</a:t>
+            </a:r>
+            <a:r>
+              <a:rPr lang="da-DK" dirty="0" smtClean="0"/>
+              <a:t>.</a:t>
+            </a:r>
+            <a:endParaRPr lang="da-DK" dirty="0"/>
+          </a:p>
+        </p:txBody>
+      </p:sp>
+      <p:sp>
+        <p:nvSpPr>
+          <p:cNvPr id="120" name="Tekstfelt 119"/>
+          <p:cNvSpPr txBox="1"/>
+          <p:nvPr/>
+        </p:nvSpPr>
+        <p:spPr>
+          <a:xfrm>
+            <a:off x="6940491" y="3885870"/>
+            <a:ext cx="1109565" cy="369332"/>
+          </a:xfrm>
+          <a:prstGeom prst="rect">
+            <a:avLst/>
+          </a:prstGeom>
+          <a:noFill/>
+          <a:ln>
+            <a:solidFill>
+              <a:schemeClr val="tx1"/>
+            </a:solidFill>
+          </a:ln>
+        </p:spPr>
+        <p:txBody>
+          <a:bodyPr wrap="square" rtlCol="0">
+            <a:spAutoFit/>
+          </a:bodyPr>
+          <a:lstStyle/>
+          <a:p>
+            <a:r>
+              <a:rPr lang="da-DK" dirty="0" err="1"/>
+              <a:t>Softmax</a:t>
+            </a:r>
+            <a:endParaRPr lang="da-DK" dirty="0"/>
+          </a:p>
+        </p:txBody>
+      </p:sp>
+      <p:cxnSp>
+        <p:nvCxnSpPr>
+          <p:cNvPr id="121" name="Buet forbindelse 120"/>
+          <p:cNvCxnSpPr>
+            <a:stCxn id="110" idx="3"/>
+            <a:endCxn id="120" idx="1"/>
+          </p:cNvCxnSpPr>
+          <p:nvPr/>
+        </p:nvCxnSpPr>
+        <p:spPr>
+          <a:xfrm flipV="1">
+            <a:off x="6764666" y="4070536"/>
+            <a:ext cx="175825" cy="373644"/>
+          </a:xfrm>
+          <a:prstGeom prst="curvedConnector3">
+            <a:avLst>
+              <a:gd name="adj1" fmla="val 50000"/>
+            </a:avLst>
+          </a:prstGeom>
+          <a:ln w="38100">
+            <a:solidFill>
+              <a:schemeClr val="tx1"/>
+            </a:solidFill>
+            <a:tailEnd type="triangle"/>
+          </a:ln>
+        </p:spPr>
+        <p:style>
+          <a:lnRef idx="1">
+            <a:schemeClr val="accent1"/>
+          </a:lnRef>
+          <a:fillRef idx="0">
+            <a:schemeClr val="accent1"/>
+          </a:fillRef>
+          <a:effectRef idx="0">
+            <a:schemeClr val="accent1"/>
+          </a:effectRef>
+          <a:fontRef idx="minor">
+            <a:schemeClr val="tx1"/>
+          </a:fontRef>
+        </p:style>
+      </p:cxnSp>
+      <p:cxnSp>
+        <p:nvCxnSpPr>
+          <p:cNvPr id="124" name="Buet forbindelse 123"/>
+          <p:cNvCxnSpPr>
+            <a:stCxn id="110" idx="3"/>
+            <a:endCxn id="118" idx="1"/>
+          </p:cNvCxnSpPr>
+          <p:nvPr/>
+        </p:nvCxnSpPr>
+        <p:spPr>
+          <a:xfrm>
+            <a:off x="6764666" y="4444180"/>
+            <a:ext cx="175825" cy="369331"/>
+          </a:xfrm>
+          <a:prstGeom prst="curvedConnector3">
+            <a:avLst>
+              <a:gd name="adj1" fmla="val 50000"/>
+            </a:avLst>
+          </a:prstGeom>
+          <a:ln w="38100">
+            <a:solidFill>
+              <a:schemeClr val="tx1"/>
+            </a:solidFill>
+            <a:tailEnd type="triangle"/>
+          </a:ln>
+        </p:spPr>
+        <p:style>
+          <a:lnRef idx="1">
+            <a:schemeClr val="accent1"/>
+          </a:lnRef>
+          <a:fillRef idx="0">
+            <a:schemeClr val="accent1"/>
+          </a:fillRef>
+          <a:effectRef idx="0">
+            <a:schemeClr val="accent1"/>
+          </a:effectRef>
+          <a:fontRef idx="minor">
+            <a:schemeClr val="tx1"/>
+          </a:fontRef>
+        </p:style>
+      </p:cxnSp>
+      <p:sp>
+        <p:nvSpPr>
+          <p:cNvPr id="131" name="Tekstfelt 130"/>
+          <p:cNvSpPr txBox="1"/>
+          <p:nvPr/>
+        </p:nvSpPr>
+        <p:spPr>
+          <a:xfrm>
+            <a:off x="8213409" y="4490345"/>
+            <a:ext cx="1221856" cy="646331"/>
+          </a:xfrm>
+          <a:prstGeom prst="rect">
+            <a:avLst/>
+          </a:prstGeom>
+          <a:noFill/>
+          <a:ln>
+            <a:solidFill>
+              <a:schemeClr val="tx1"/>
+            </a:solidFill>
+          </a:ln>
+        </p:spPr>
+        <p:txBody>
+          <a:bodyPr wrap="square" rtlCol="0">
+            <a:spAutoFit/>
+          </a:bodyPr>
+          <a:lstStyle/>
+          <a:p>
+            <a:r>
+              <a:rPr lang="da-DK" dirty="0" err="1" smtClean="0"/>
+              <a:t>Transform</a:t>
+            </a:r>
+            <a:r>
+              <a:rPr lang="da-DK" dirty="0" smtClean="0"/>
+              <a:t> </a:t>
+            </a:r>
+            <a:r>
+              <a:rPr lang="da-DK" dirty="0" err="1" smtClean="0"/>
+              <a:t>boxes</a:t>
+            </a:r>
+            <a:endParaRPr lang="da-DK" dirty="0" smtClean="0"/>
+          </a:p>
+        </p:txBody>
+      </p:sp>
+      <p:cxnSp>
+        <p:nvCxnSpPr>
+          <p:cNvPr id="132" name="Buet forbindelse 131"/>
+          <p:cNvCxnSpPr>
+            <a:stCxn id="118" idx="3"/>
+            <a:endCxn id="131" idx="1"/>
+          </p:cNvCxnSpPr>
+          <p:nvPr/>
+        </p:nvCxnSpPr>
+        <p:spPr>
+          <a:xfrm>
+            <a:off x="8012719" y="4813511"/>
+            <a:ext cx="200690" cy="12700"/>
+          </a:xfrm>
+          <a:prstGeom prst="curvedConnector3">
+            <a:avLst>
+              <a:gd name="adj1" fmla="val 50000"/>
+            </a:avLst>
+          </a:prstGeom>
+          <a:ln w="38100">
+            <a:solidFill>
+              <a:schemeClr val="tx1"/>
+            </a:solidFill>
+            <a:tailEnd type="triangle"/>
+          </a:ln>
+        </p:spPr>
+        <p:style>
+          <a:lnRef idx="1">
+            <a:schemeClr val="accent1"/>
+          </a:lnRef>
+          <a:fillRef idx="0">
+            <a:schemeClr val="accent1"/>
+          </a:fillRef>
+          <a:effectRef idx="0">
+            <a:schemeClr val="accent1"/>
+          </a:effectRef>
+          <a:fontRef idx="minor">
+            <a:schemeClr val="tx1"/>
+          </a:fontRef>
+        </p:style>
+      </p:cxnSp>
+      <p:sp>
+        <p:nvSpPr>
+          <p:cNvPr id="135" name="Tekstfelt 134"/>
+          <p:cNvSpPr txBox="1"/>
+          <p:nvPr/>
+        </p:nvSpPr>
+        <p:spPr>
+          <a:xfrm>
+            <a:off x="8846746" y="2304140"/>
+            <a:ext cx="1221856" cy="646331"/>
+          </a:xfrm>
+          <a:prstGeom prst="rect">
+            <a:avLst/>
+          </a:prstGeom>
+          <a:solidFill>
+            <a:schemeClr val="tx2">
+              <a:lumMod val="40000"/>
+              <a:lumOff val="60000"/>
+            </a:schemeClr>
+          </a:solidFill>
+          <a:ln>
+            <a:solidFill>
+              <a:schemeClr val="tx1"/>
+            </a:solidFill>
+          </a:ln>
+        </p:spPr>
+        <p:txBody>
+          <a:bodyPr wrap="square" rtlCol="0">
+            <a:spAutoFit/>
+          </a:bodyPr>
+          <a:lstStyle/>
+          <a:p>
+            <a:r>
+              <a:rPr lang="da-DK" dirty="0" smtClean="0"/>
+              <a:t>NMS/</a:t>
+            </a:r>
+          </a:p>
+          <a:p>
+            <a:r>
+              <a:rPr lang="da-DK" dirty="0" err="1" smtClean="0"/>
+              <a:t>threshold</a:t>
+            </a:r>
+            <a:endParaRPr lang="da-DK" dirty="0" smtClean="0"/>
+          </a:p>
+        </p:txBody>
+      </p:sp>
+      <p:cxnSp>
+        <p:nvCxnSpPr>
+          <p:cNvPr id="136" name="Buet forbindelse 135"/>
+          <p:cNvCxnSpPr>
+            <a:stCxn id="120" idx="3"/>
+            <a:endCxn id="135" idx="2"/>
+          </p:cNvCxnSpPr>
+          <p:nvPr/>
+        </p:nvCxnSpPr>
+        <p:spPr>
+          <a:xfrm flipV="1">
+            <a:off x="8050056" y="2950471"/>
+            <a:ext cx="1407618" cy="1120065"/>
+          </a:xfrm>
+          <a:prstGeom prst="curvedConnector2">
+            <a:avLst/>
+          </a:prstGeom>
+          <a:ln w="38100">
+            <a:solidFill>
+              <a:schemeClr val="tx1"/>
+            </a:solidFill>
+            <a:tailEnd type="triangle"/>
+          </a:ln>
+        </p:spPr>
+        <p:style>
+          <a:lnRef idx="1">
+            <a:schemeClr val="accent1"/>
+          </a:lnRef>
+          <a:fillRef idx="0">
+            <a:schemeClr val="accent1"/>
+          </a:fillRef>
+          <a:effectRef idx="0">
+            <a:schemeClr val="accent1"/>
+          </a:effectRef>
+          <a:fontRef idx="minor">
+            <a:schemeClr val="tx1"/>
+          </a:fontRef>
+        </p:style>
+      </p:cxnSp>
+      <p:cxnSp>
+        <p:nvCxnSpPr>
+          <p:cNvPr id="139" name="Buet forbindelse 138"/>
+          <p:cNvCxnSpPr>
+            <a:stCxn id="131" idx="0"/>
+            <a:endCxn id="135" idx="2"/>
+          </p:cNvCxnSpPr>
+          <p:nvPr/>
+        </p:nvCxnSpPr>
+        <p:spPr>
+          <a:xfrm rot="5400000" flipH="1" flipV="1">
+            <a:off x="8371068" y="3403740"/>
+            <a:ext cx="1539874" cy="633337"/>
+          </a:xfrm>
+          <a:prstGeom prst="curvedConnector3">
+            <a:avLst>
+              <a:gd name="adj1" fmla="val 50000"/>
+            </a:avLst>
+          </a:prstGeom>
+          <a:ln w="38100">
+            <a:solidFill>
+              <a:schemeClr val="tx1"/>
+            </a:solidFill>
+            <a:tailEnd type="triangle"/>
+          </a:ln>
+        </p:spPr>
+        <p:style>
+          <a:lnRef idx="1">
+            <a:schemeClr val="accent1"/>
+          </a:lnRef>
+          <a:fillRef idx="0">
+            <a:schemeClr val="accent1"/>
+          </a:fillRef>
+          <a:effectRef idx="0">
+            <a:schemeClr val="accent1"/>
+          </a:effectRef>
+          <a:fontRef idx="minor">
+            <a:schemeClr val="tx1"/>
+          </a:fontRef>
+        </p:style>
+      </p:cxnSp>
+      <p:pic>
+        <p:nvPicPr>
+          <p:cNvPr id="143" name="Billede 142"/>
+          <p:cNvPicPr>
+            <a:picLocks noChangeAspect="1"/>
+          </p:cNvPicPr>
+          <p:nvPr/>
+        </p:nvPicPr>
+        <p:blipFill rotWithShape="1">
+          <a:blip r:embed="rId3">
+            <a:extLst>
+              <a:ext uri="{28A0092B-C50C-407E-A947-70E740481C1C}">
+                <a14:useLocalDpi xmlns:a14="http://schemas.microsoft.com/office/drawing/2010/main" val="0"/>
+              </a:ext>
+            </a:extLst>
+          </a:blip>
+          <a:srcRect l="22768" r="23150"/>
+          <a:stretch/>
+        </p:blipFill>
+        <p:spPr>
+          <a:xfrm>
+            <a:off x="10339520" y="1718318"/>
+            <a:ext cx="1822316" cy="3369600"/>
+          </a:xfrm>
+          <a:prstGeom prst="rect">
+            <a:avLst/>
+          </a:prstGeom>
+          <a:scene3d>
+            <a:camera prst="isometricOffAxis1Right"/>
+            <a:lightRig rig="threePt" dir="t">
+              <a:rot lat="0" lon="0" rev="2400000"/>
+            </a:lightRig>
+          </a:scene3d>
+          <a:sp3d>
+            <a:bevelT/>
+          </a:sp3d>
+        </p:spPr>
+      </p:pic>
+      <p:cxnSp>
+        <p:nvCxnSpPr>
+          <p:cNvPr id="144" name="Buet forbindelse 143"/>
+          <p:cNvCxnSpPr>
+            <a:stCxn id="135" idx="3"/>
+            <a:endCxn id="143" idx="1"/>
+          </p:cNvCxnSpPr>
+          <p:nvPr/>
+        </p:nvCxnSpPr>
+        <p:spPr>
+          <a:xfrm>
+            <a:off x="10068602" y="2627306"/>
+            <a:ext cx="270918" cy="775812"/>
+          </a:xfrm>
+          <a:prstGeom prst="curvedConnector3">
+            <a:avLst>
+              <a:gd name="adj1" fmla="val 50000"/>
+            </a:avLst>
+          </a:prstGeom>
+          <a:ln w="38100">
+            <a:solidFill>
+              <a:schemeClr val="tx1"/>
+            </a:solidFill>
+            <a:tailEnd type="triangle"/>
+          </a:ln>
+        </p:spPr>
+        <p:style>
+          <a:lnRef idx="1">
+            <a:schemeClr val="accent1"/>
+          </a:lnRef>
+          <a:fillRef idx="0">
+            <a:schemeClr val="accent1"/>
+          </a:fillRef>
+          <a:effectRef idx="0">
+            <a:schemeClr val="accent1"/>
+          </a:effectRef>
+          <a:fontRef idx="minor">
+            <a:schemeClr val="tx1"/>
+          </a:fontRef>
+        </p:style>
+      </p:cxnSp>
+      <p:sp>
+        <p:nvSpPr>
+          <p:cNvPr id="148" name="Tekstfelt 147"/>
+          <p:cNvSpPr txBox="1"/>
+          <p:nvPr/>
+        </p:nvSpPr>
+        <p:spPr>
+          <a:xfrm>
+            <a:off x="3733090" y="215058"/>
+            <a:ext cx="4279629" cy="1754326"/>
+          </a:xfrm>
+          <a:prstGeom prst="rect">
+            <a:avLst/>
+          </a:prstGeom>
+          <a:noFill/>
+          <a:ln>
+            <a:solidFill>
+              <a:schemeClr val="tx1"/>
+            </a:solidFill>
+          </a:ln>
+        </p:spPr>
+        <p:txBody>
+          <a:bodyPr wrap="square" rtlCol="0">
+            <a:spAutoFit/>
+          </a:bodyPr>
+          <a:lstStyle/>
+          <a:p>
+            <a:endParaRPr lang="da-DK" dirty="0" smtClean="0"/>
+          </a:p>
+          <a:p>
+            <a:endParaRPr lang="da-DK" dirty="0"/>
+          </a:p>
+          <a:p>
+            <a:endParaRPr lang="da-DK" dirty="0" smtClean="0"/>
+          </a:p>
+          <a:p>
+            <a:endParaRPr lang="da-DK" dirty="0"/>
+          </a:p>
+          <a:p>
+            <a:endParaRPr lang="da-DK" dirty="0" smtClean="0"/>
+          </a:p>
+          <a:p>
+            <a:r>
+              <a:rPr lang="da-DK" dirty="0" smtClean="0"/>
+              <a:t>RPN</a:t>
+            </a:r>
+            <a:endParaRPr lang="da-DK" dirty="0"/>
+          </a:p>
+        </p:txBody>
+      </p:sp>
     </p:spTree>
     <p:extLst>
       <p:ext uri="{BB962C8B-B14F-4D97-AF65-F5344CB8AC3E}">
         <p14:creationId xmlns:p14="http://schemas.microsoft.com/office/powerpoint/2010/main" val="1290659378"/>
+      </p:ext>
+    </p:extLst>
+  </p:cSld>
+  <p:clrMapOvr>
+    <a:masterClrMapping/>
+  </p:clrMapOvr>
+</p:sld>
+</file>
+
+<file path=ppt/slides/slide3.xml><?xml version="1.0" encoding="utf-8"?>
+<p:sld xmlns:a="http://schemas.openxmlformats.org/drawingml/2006/main" xmlns:r="http://schemas.openxmlformats.org/officeDocument/2006/relationships" xmlns:p="http://schemas.openxmlformats.org/presentationml/2006/main">
+  <p:cSld>
+    <p:spTree>
+      <p:nvGrpSpPr>
+        <p:cNvPr id="1" name=""/>
+        <p:cNvGrpSpPr/>
+        <p:nvPr/>
+      </p:nvGrpSpPr>
+      <p:grpSpPr>
+        <a:xfrm>
+          <a:off x="0" y="0"/>
+          <a:ext cx="0" cy="0"/>
+          <a:chOff x="0" y="0"/>
+          <a:chExt cx="0" cy="0"/>
+        </a:xfrm>
+      </p:grpSpPr>
+      <p:sp>
+        <p:nvSpPr>
+          <p:cNvPr id="4" name="Tekstfelt 3"/>
+          <p:cNvSpPr txBox="1"/>
+          <p:nvPr/>
+        </p:nvSpPr>
+        <p:spPr>
+          <a:xfrm rot="16200000">
+            <a:off x="-930902" y="3218688"/>
+            <a:ext cx="2231136" cy="369332"/>
+          </a:xfrm>
+          <a:prstGeom prst="rect">
+            <a:avLst/>
+          </a:prstGeom>
+          <a:solidFill>
+            <a:schemeClr val="accent1"/>
+          </a:solidFill>
+          <a:ln>
+            <a:solidFill>
+              <a:schemeClr val="tx1"/>
+            </a:solidFill>
+          </a:ln>
+        </p:spPr>
+        <p:txBody>
+          <a:bodyPr wrap="square" rtlCol="0">
+            <a:spAutoFit/>
+          </a:bodyPr>
+          <a:lstStyle/>
+          <a:p>
+            <a:pPr algn="ctr"/>
+            <a:r>
+              <a:rPr lang="da-DK" smtClean="0"/>
+              <a:t>Data</a:t>
+            </a:r>
+            <a:endParaRPr lang="da-DK"/>
+          </a:p>
+        </p:txBody>
+      </p:sp>
+      <p:sp>
+        <p:nvSpPr>
+          <p:cNvPr id="5" name="Tekstfelt 4"/>
+          <p:cNvSpPr txBox="1"/>
+          <p:nvPr/>
+        </p:nvSpPr>
+        <p:spPr>
+          <a:xfrm rot="16200000">
+            <a:off x="709663" y="3218688"/>
+            <a:ext cx="2231136" cy="369332"/>
+          </a:xfrm>
+          <a:prstGeom prst="rect">
+            <a:avLst/>
+          </a:prstGeom>
+          <a:solidFill>
+            <a:schemeClr val="accent6"/>
+          </a:solidFill>
+          <a:ln>
+            <a:solidFill>
+              <a:schemeClr val="tx1"/>
+            </a:solidFill>
+          </a:ln>
+        </p:spPr>
+        <p:txBody>
+          <a:bodyPr wrap="square" rtlCol="0">
+            <a:spAutoFit/>
+          </a:bodyPr>
+          <a:lstStyle/>
+          <a:p>
+            <a:pPr algn="ctr"/>
+            <a:r>
+              <a:rPr lang="da-DK" dirty="0" smtClean="0"/>
+              <a:t>Pool1</a:t>
+            </a:r>
+            <a:endParaRPr lang="da-DK" dirty="0"/>
+          </a:p>
+        </p:txBody>
+      </p:sp>
+      <p:sp>
+        <p:nvSpPr>
+          <p:cNvPr id="6" name="Tekstfelt 5"/>
+          <p:cNvSpPr txBox="1"/>
+          <p:nvPr/>
+        </p:nvSpPr>
+        <p:spPr>
+          <a:xfrm rot="16200000">
+            <a:off x="185561" y="3218688"/>
+            <a:ext cx="2231136" cy="369332"/>
+          </a:xfrm>
+          <a:prstGeom prst="rect">
+            <a:avLst/>
+          </a:prstGeom>
+          <a:solidFill>
+            <a:schemeClr val="accent2"/>
+          </a:solidFill>
+          <a:ln>
+            <a:solidFill>
+              <a:schemeClr val="tx1"/>
+            </a:solidFill>
+          </a:ln>
+        </p:spPr>
+        <p:txBody>
+          <a:bodyPr wrap="square" rtlCol="0">
+            <a:spAutoFit/>
+          </a:bodyPr>
+          <a:lstStyle/>
+          <a:p>
+            <a:pPr algn="ctr"/>
+            <a:r>
+              <a:rPr lang="da-DK" dirty="0" smtClean="0"/>
+              <a:t>Conv1_2</a:t>
+            </a:r>
+            <a:endParaRPr lang="da-DK" dirty="0"/>
+          </a:p>
+        </p:txBody>
+      </p:sp>
+      <p:sp>
+        <p:nvSpPr>
+          <p:cNvPr id="7" name="Tekstfelt 6"/>
+          <p:cNvSpPr txBox="1"/>
+          <p:nvPr/>
+        </p:nvSpPr>
+        <p:spPr>
+          <a:xfrm rot="16200000">
+            <a:off x="-183772" y="3218688"/>
+            <a:ext cx="2231136" cy="369332"/>
+          </a:xfrm>
+          <a:prstGeom prst="rect">
+            <a:avLst/>
+          </a:prstGeom>
+          <a:solidFill>
+            <a:schemeClr val="accent2"/>
+          </a:solidFill>
+          <a:ln>
+            <a:solidFill>
+              <a:schemeClr val="tx1"/>
+            </a:solidFill>
+          </a:ln>
+        </p:spPr>
+        <p:txBody>
+          <a:bodyPr wrap="square" rtlCol="0">
+            <a:spAutoFit/>
+          </a:bodyPr>
+          <a:lstStyle/>
+          <a:p>
+            <a:pPr algn="ctr"/>
+            <a:r>
+              <a:rPr lang="da-DK" dirty="0" smtClean="0"/>
+              <a:t>Conv1_1</a:t>
+            </a:r>
+            <a:endParaRPr lang="da-DK" dirty="0"/>
+          </a:p>
+        </p:txBody>
+      </p:sp>
+      <p:cxnSp>
+        <p:nvCxnSpPr>
+          <p:cNvPr id="10" name="Lige pilforbindelse 9"/>
+          <p:cNvCxnSpPr>
+            <a:stCxn id="4" idx="2"/>
+            <a:endCxn id="7" idx="0"/>
+          </p:cNvCxnSpPr>
+          <p:nvPr/>
+        </p:nvCxnSpPr>
+        <p:spPr>
+          <a:xfrm>
+            <a:off x="369332" y="3403354"/>
+            <a:ext cx="377798" cy="0"/>
+          </a:xfrm>
+          <a:prstGeom prst="straightConnector1">
+            <a:avLst/>
+          </a:prstGeom>
+          <a:ln w="38100">
+            <a:solidFill>
+              <a:schemeClr val="tx1"/>
+            </a:solidFill>
+            <a:tailEnd type="triangle"/>
+          </a:ln>
+        </p:spPr>
+        <p:style>
+          <a:lnRef idx="1">
+            <a:schemeClr val="accent1"/>
+          </a:lnRef>
+          <a:fillRef idx="0">
+            <a:schemeClr val="accent1"/>
+          </a:fillRef>
+          <a:effectRef idx="0">
+            <a:schemeClr val="accent1"/>
+          </a:effectRef>
+          <a:fontRef idx="minor">
+            <a:schemeClr val="tx1"/>
+          </a:fontRef>
+        </p:style>
+      </p:cxnSp>
+      <p:cxnSp>
+        <p:nvCxnSpPr>
+          <p:cNvPr id="11" name="Lige pilforbindelse 10"/>
+          <p:cNvCxnSpPr>
+            <a:stCxn id="6" idx="2"/>
+            <a:endCxn id="5" idx="0"/>
+          </p:cNvCxnSpPr>
+          <p:nvPr/>
+        </p:nvCxnSpPr>
+        <p:spPr>
+          <a:xfrm>
+            <a:off x="1485795" y="3403354"/>
+            <a:ext cx="154770" cy="0"/>
+          </a:xfrm>
+          <a:prstGeom prst="straightConnector1">
+            <a:avLst/>
+          </a:prstGeom>
+          <a:ln w="38100">
+            <a:solidFill>
+              <a:schemeClr val="tx1"/>
+            </a:solidFill>
+            <a:tailEnd type="triangle"/>
+          </a:ln>
+        </p:spPr>
+        <p:style>
+          <a:lnRef idx="1">
+            <a:schemeClr val="accent1"/>
+          </a:lnRef>
+          <a:fillRef idx="0">
+            <a:schemeClr val="accent1"/>
+          </a:fillRef>
+          <a:effectRef idx="0">
+            <a:schemeClr val="accent1"/>
+          </a:effectRef>
+          <a:fontRef idx="minor">
+            <a:schemeClr val="tx1"/>
+          </a:fontRef>
+        </p:style>
+      </p:cxnSp>
+      <p:sp>
+        <p:nvSpPr>
+          <p:cNvPr id="14" name="Tekstfelt 13"/>
+          <p:cNvSpPr txBox="1"/>
+          <p:nvPr/>
+        </p:nvSpPr>
+        <p:spPr>
+          <a:xfrm rot="16200000">
+            <a:off x="1826128" y="3218687"/>
+            <a:ext cx="2231136" cy="369332"/>
+          </a:xfrm>
+          <a:prstGeom prst="rect">
+            <a:avLst/>
+          </a:prstGeom>
+          <a:solidFill>
+            <a:schemeClr val="accent2"/>
+          </a:solidFill>
+          <a:ln>
+            <a:solidFill>
+              <a:schemeClr val="tx1"/>
+            </a:solidFill>
+          </a:ln>
+        </p:spPr>
+        <p:txBody>
+          <a:bodyPr wrap="square" rtlCol="0">
+            <a:spAutoFit/>
+          </a:bodyPr>
+          <a:lstStyle/>
+          <a:p>
+            <a:pPr algn="ctr"/>
+            <a:r>
+              <a:rPr lang="da-DK" dirty="0" smtClean="0"/>
+              <a:t>Conv2_2</a:t>
+            </a:r>
+            <a:endParaRPr lang="da-DK" dirty="0"/>
+          </a:p>
+        </p:txBody>
+      </p:sp>
+      <p:sp>
+        <p:nvSpPr>
+          <p:cNvPr id="15" name="Tekstfelt 14"/>
+          <p:cNvSpPr txBox="1"/>
+          <p:nvPr/>
+        </p:nvSpPr>
+        <p:spPr>
+          <a:xfrm rot="16200000">
+            <a:off x="1456795" y="3218687"/>
+            <a:ext cx="2231136" cy="369332"/>
+          </a:xfrm>
+          <a:prstGeom prst="rect">
+            <a:avLst/>
+          </a:prstGeom>
+          <a:solidFill>
+            <a:schemeClr val="accent2"/>
+          </a:solidFill>
+          <a:ln>
+            <a:solidFill>
+              <a:schemeClr val="tx1"/>
+            </a:solidFill>
+          </a:ln>
+        </p:spPr>
+        <p:txBody>
+          <a:bodyPr wrap="square" rtlCol="0">
+            <a:spAutoFit/>
+          </a:bodyPr>
+          <a:lstStyle/>
+          <a:p>
+            <a:pPr algn="ctr"/>
+            <a:r>
+              <a:rPr lang="da-DK" dirty="0" smtClean="0"/>
+              <a:t>Conv2_1</a:t>
+            </a:r>
+            <a:endParaRPr lang="da-DK" dirty="0"/>
+          </a:p>
+        </p:txBody>
+      </p:sp>
+      <p:sp>
+        <p:nvSpPr>
+          <p:cNvPr id="16" name="Tekstfelt 15"/>
+          <p:cNvSpPr txBox="1"/>
+          <p:nvPr/>
+        </p:nvSpPr>
+        <p:spPr>
+          <a:xfrm rot="16200000">
+            <a:off x="2350229" y="3218686"/>
+            <a:ext cx="2231136" cy="369332"/>
+          </a:xfrm>
+          <a:prstGeom prst="rect">
+            <a:avLst/>
+          </a:prstGeom>
+          <a:solidFill>
+            <a:schemeClr val="accent6"/>
+          </a:solidFill>
+          <a:ln>
+            <a:solidFill>
+              <a:schemeClr val="tx1"/>
+            </a:solidFill>
+          </a:ln>
+        </p:spPr>
+        <p:txBody>
+          <a:bodyPr wrap="square" rtlCol="0">
+            <a:spAutoFit/>
+          </a:bodyPr>
+          <a:lstStyle/>
+          <a:p>
+            <a:pPr algn="ctr"/>
+            <a:r>
+              <a:rPr lang="da-DK" dirty="0" smtClean="0"/>
+              <a:t>Pool2</a:t>
+            </a:r>
+            <a:endParaRPr lang="da-DK" dirty="0"/>
+          </a:p>
+        </p:txBody>
+      </p:sp>
+      <p:sp>
+        <p:nvSpPr>
+          <p:cNvPr id="17" name="Tekstfelt 16"/>
+          <p:cNvSpPr txBox="1"/>
+          <p:nvPr/>
+        </p:nvSpPr>
+        <p:spPr>
+          <a:xfrm rot="16200000">
+            <a:off x="3466693" y="3218688"/>
+            <a:ext cx="2231136" cy="369332"/>
+          </a:xfrm>
+          <a:prstGeom prst="rect">
+            <a:avLst/>
+          </a:prstGeom>
+          <a:solidFill>
+            <a:schemeClr val="accent2"/>
+          </a:solidFill>
+          <a:ln>
+            <a:solidFill>
+              <a:schemeClr val="tx1"/>
+            </a:solidFill>
+          </a:ln>
+        </p:spPr>
+        <p:txBody>
+          <a:bodyPr wrap="square" rtlCol="0">
+            <a:spAutoFit/>
+          </a:bodyPr>
+          <a:lstStyle/>
+          <a:p>
+            <a:pPr algn="ctr"/>
+            <a:r>
+              <a:rPr lang="da-DK" dirty="0" smtClean="0"/>
+              <a:t>Conv3_2</a:t>
+            </a:r>
+            <a:endParaRPr lang="da-DK" dirty="0"/>
+          </a:p>
+        </p:txBody>
+      </p:sp>
+      <p:sp>
+        <p:nvSpPr>
+          <p:cNvPr id="18" name="Tekstfelt 17"/>
+          <p:cNvSpPr txBox="1"/>
+          <p:nvPr/>
+        </p:nvSpPr>
+        <p:spPr>
+          <a:xfrm rot="16200000">
+            <a:off x="3097360" y="3218688"/>
+            <a:ext cx="2231136" cy="369332"/>
+          </a:xfrm>
+          <a:prstGeom prst="rect">
+            <a:avLst/>
+          </a:prstGeom>
+          <a:solidFill>
+            <a:schemeClr val="accent2"/>
+          </a:solidFill>
+          <a:ln>
+            <a:solidFill>
+              <a:schemeClr val="tx1"/>
+            </a:solidFill>
+          </a:ln>
+        </p:spPr>
+        <p:txBody>
+          <a:bodyPr wrap="square" rtlCol="0">
+            <a:spAutoFit/>
+          </a:bodyPr>
+          <a:lstStyle/>
+          <a:p>
+            <a:pPr algn="ctr"/>
+            <a:r>
+              <a:rPr lang="da-DK" dirty="0" smtClean="0"/>
+              <a:t>Conv3_1</a:t>
+            </a:r>
+            <a:endParaRPr lang="da-DK" dirty="0"/>
+          </a:p>
+        </p:txBody>
+      </p:sp>
+      <p:sp>
+        <p:nvSpPr>
+          <p:cNvPr id="19" name="Tekstfelt 18"/>
+          <p:cNvSpPr txBox="1"/>
+          <p:nvPr/>
+        </p:nvSpPr>
+        <p:spPr>
+          <a:xfrm rot="16200000">
+            <a:off x="3806129" y="3218686"/>
+            <a:ext cx="2231136" cy="369332"/>
+          </a:xfrm>
+          <a:prstGeom prst="rect">
+            <a:avLst/>
+          </a:prstGeom>
+          <a:solidFill>
+            <a:schemeClr val="accent2"/>
+          </a:solidFill>
+          <a:ln>
+            <a:solidFill>
+              <a:schemeClr val="tx1"/>
+            </a:solidFill>
+          </a:ln>
+        </p:spPr>
+        <p:txBody>
+          <a:bodyPr wrap="square" rtlCol="0">
+            <a:spAutoFit/>
+          </a:bodyPr>
+          <a:lstStyle/>
+          <a:p>
+            <a:pPr algn="ctr"/>
+            <a:r>
+              <a:rPr lang="da-DK" dirty="0" smtClean="0"/>
+              <a:t>Conv3_3</a:t>
+            </a:r>
+            <a:endParaRPr lang="da-DK" dirty="0"/>
+          </a:p>
+        </p:txBody>
+      </p:sp>
+      <p:sp>
+        <p:nvSpPr>
+          <p:cNvPr id="20" name="Tekstfelt 19"/>
+          <p:cNvSpPr txBox="1"/>
+          <p:nvPr/>
+        </p:nvSpPr>
+        <p:spPr>
+          <a:xfrm rot="16200000">
+            <a:off x="4330231" y="3218686"/>
+            <a:ext cx="2231136" cy="369332"/>
+          </a:xfrm>
+          <a:prstGeom prst="rect">
+            <a:avLst/>
+          </a:prstGeom>
+          <a:solidFill>
+            <a:schemeClr val="accent6"/>
+          </a:solidFill>
+          <a:ln>
+            <a:solidFill>
+              <a:schemeClr val="tx1"/>
+            </a:solidFill>
+          </a:ln>
+        </p:spPr>
+        <p:txBody>
+          <a:bodyPr wrap="square" rtlCol="0">
+            <a:spAutoFit/>
+          </a:bodyPr>
+          <a:lstStyle/>
+          <a:p>
+            <a:pPr algn="ctr"/>
+            <a:r>
+              <a:rPr lang="da-DK" dirty="0" smtClean="0"/>
+              <a:t>Pool3</a:t>
+            </a:r>
+            <a:endParaRPr lang="da-DK" dirty="0"/>
+          </a:p>
+        </p:txBody>
+      </p:sp>
+      <p:sp>
+        <p:nvSpPr>
+          <p:cNvPr id="21" name="Tekstfelt 20"/>
+          <p:cNvSpPr txBox="1"/>
+          <p:nvPr/>
+        </p:nvSpPr>
+        <p:spPr>
+          <a:xfrm rot="16200000">
+            <a:off x="5446695" y="3218688"/>
+            <a:ext cx="2231136" cy="369332"/>
+          </a:xfrm>
+          <a:prstGeom prst="rect">
+            <a:avLst/>
+          </a:prstGeom>
+          <a:solidFill>
+            <a:schemeClr val="accent2"/>
+          </a:solidFill>
+          <a:ln>
+            <a:solidFill>
+              <a:schemeClr val="tx1"/>
+            </a:solidFill>
+          </a:ln>
+        </p:spPr>
+        <p:txBody>
+          <a:bodyPr wrap="square" rtlCol="0">
+            <a:spAutoFit/>
+          </a:bodyPr>
+          <a:lstStyle/>
+          <a:p>
+            <a:pPr algn="ctr"/>
+            <a:r>
+              <a:rPr lang="da-DK" dirty="0" smtClean="0"/>
+              <a:t>Conv4_2</a:t>
+            </a:r>
+            <a:endParaRPr lang="da-DK" dirty="0"/>
+          </a:p>
+        </p:txBody>
+      </p:sp>
+      <p:sp>
+        <p:nvSpPr>
+          <p:cNvPr id="22" name="Tekstfelt 21"/>
+          <p:cNvSpPr txBox="1"/>
+          <p:nvPr/>
+        </p:nvSpPr>
+        <p:spPr>
+          <a:xfrm rot="16200000">
+            <a:off x="5077362" y="3218688"/>
+            <a:ext cx="2231136" cy="369332"/>
+          </a:xfrm>
+          <a:prstGeom prst="rect">
+            <a:avLst/>
+          </a:prstGeom>
+          <a:solidFill>
+            <a:schemeClr val="accent2"/>
+          </a:solidFill>
+          <a:ln>
+            <a:solidFill>
+              <a:schemeClr val="tx1"/>
+            </a:solidFill>
+          </a:ln>
+        </p:spPr>
+        <p:txBody>
+          <a:bodyPr wrap="square" rtlCol="0">
+            <a:spAutoFit/>
+          </a:bodyPr>
+          <a:lstStyle/>
+          <a:p>
+            <a:pPr algn="ctr"/>
+            <a:r>
+              <a:rPr lang="da-DK" dirty="0" smtClean="0"/>
+              <a:t>Conv4_1</a:t>
+            </a:r>
+            <a:endParaRPr lang="da-DK" dirty="0"/>
+          </a:p>
+        </p:txBody>
+      </p:sp>
+      <p:sp>
+        <p:nvSpPr>
+          <p:cNvPr id="23" name="Tekstfelt 22"/>
+          <p:cNvSpPr txBox="1"/>
+          <p:nvPr/>
+        </p:nvSpPr>
+        <p:spPr>
+          <a:xfrm rot="16200000">
+            <a:off x="5786131" y="3218686"/>
+            <a:ext cx="2231136" cy="369332"/>
+          </a:xfrm>
+          <a:prstGeom prst="rect">
+            <a:avLst/>
+          </a:prstGeom>
+          <a:solidFill>
+            <a:schemeClr val="accent2"/>
+          </a:solidFill>
+          <a:ln>
+            <a:solidFill>
+              <a:schemeClr val="tx1"/>
+            </a:solidFill>
+          </a:ln>
+        </p:spPr>
+        <p:txBody>
+          <a:bodyPr wrap="square" rtlCol="0">
+            <a:spAutoFit/>
+          </a:bodyPr>
+          <a:lstStyle/>
+          <a:p>
+            <a:pPr algn="ctr"/>
+            <a:r>
+              <a:rPr lang="da-DK" dirty="0" smtClean="0"/>
+              <a:t>Conv4_3</a:t>
+            </a:r>
+            <a:endParaRPr lang="da-DK" dirty="0"/>
+          </a:p>
+        </p:txBody>
+      </p:sp>
+      <p:sp>
+        <p:nvSpPr>
+          <p:cNvPr id="24" name="Tekstfelt 23"/>
+          <p:cNvSpPr txBox="1"/>
+          <p:nvPr/>
+        </p:nvSpPr>
+        <p:spPr>
+          <a:xfrm rot="16200000">
+            <a:off x="6310233" y="3218685"/>
+            <a:ext cx="2231136" cy="369332"/>
+          </a:xfrm>
+          <a:prstGeom prst="rect">
+            <a:avLst/>
+          </a:prstGeom>
+          <a:solidFill>
+            <a:schemeClr val="accent6"/>
+          </a:solidFill>
+          <a:ln>
+            <a:solidFill>
+              <a:schemeClr val="tx1"/>
+            </a:solidFill>
+          </a:ln>
+        </p:spPr>
+        <p:txBody>
+          <a:bodyPr wrap="square" rtlCol="0">
+            <a:spAutoFit/>
+          </a:bodyPr>
+          <a:lstStyle/>
+          <a:p>
+            <a:pPr algn="ctr"/>
+            <a:r>
+              <a:rPr lang="da-DK" dirty="0" smtClean="0"/>
+              <a:t>Pool4</a:t>
+            </a:r>
+            <a:endParaRPr lang="da-DK" dirty="0"/>
+          </a:p>
+        </p:txBody>
+      </p:sp>
+      <p:sp>
+        <p:nvSpPr>
+          <p:cNvPr id="25" name="Tekstfelt 24"/>
+          <p:cNvSpPr txBox="1"/>
+          <p:nvPr/>
+        </p:nvSpPr>
+        <p:spPr>
+          <a:xfrm rot="16200000">
+            <a:off x="7426697" y="3218688"/>
+            <a:ext cx="2231136" cy="369332"/>
+          </a:xfrm>
+          <a:prstGeom prst="rect">
+            <a:avLst/>
+          </a:prstGeom>
+          <a:solidFill>
+            <a:schemeClr val="accent2"/>
+          </a:solidFill>
+          <a:ln>
+            <a:solidFill>
+              <a:schemeClr val="tx1"/>
+            </a:solidFill>
+          </a:ln>
+        </p:spPr>
+        <p:txBody>
+          <a:bodyPr wrap="square" rtlCol="0">
+            <a:spAutoFit/>
+          </a:bodyPr>
+          <a:lstStyle/>
+          <a:p>
+            <a:pPr algn="ctr"/>
+            <a:r>
+              <a:rPr lang="da-DK" dirty="0" smtClean="0"/>
+              <a:t>Conv5_2</a:t>
+            </a:r>
+            <a:endParaRPr lang="da-DK" dirty="0"/>
+          </a:p>
+        </p:txBody>
+      </p:sp>
+      <p:sp>
+        <p:nvSpPr>
+          <p:cNvPr id="26" name="Tekstfelt 25"/>
+          <p:cNvSpPr txBox="1"/>
+          <p:nvPr/>
+        </p:nvSpPr>
+        <p:spPr>
+          <a:xfrm rot="16200000">
+            <a:off x="7057364" y="3218688"/>
+            <a:ext cx="2231136" cy="369332"/>
+          </a:xfrm>
+          <a:prstGeom prst="rect">
+            <a:avLst/>
+          </a:prstGeom>
+          <a:solidFill>
+            <a:schemeClr val="accent2"/>
+          </a:solidFill>
+          <a:ln>
+            <a:solidFill>
+              <a:schemeClr val="tx1"/>
+            </a:solidFill>
+          </a:ln>
+        </p:spPr>
+        <p:txBody>
+          <a:bodyPr wrap="square" rtlCol="0">
+            <a:spAutoFit/>
+          </a:bodyPr>
+          <a:lstStyle/>
+          <a:p>
+            <a:pPr algn="ctr"/>
+            <a:r>
+              <a:rPr lang="da-DK" dirty="0" smtClean="0"/>
+              <a:t>Conv5_1</a:t>
+            </a:r>
+            <a:endParaRPr lang="da-DK" dirty="0"/>
+          </a:p>
+        </p:txBody>
+      </p:sp>
+      <p:sp>
+        <p:nvSpPr>
+          <p:cNvPr id="27" name="Tekstfelt 26"/>
+          <p:cNvSpPr txBox="1"/>
+          <p:nvPr/>
+        </p:nvSpPr>
+        <p:spPr>
+          <a:xfrm rot="16200000">
+            <a:off x="7766133" y="3218686"/>
+            <a:ext cx="2231136" cy="369332"/>
+          </a:xfrm>
+          <a:prstGeom prst="rect">
+            <a:avLst/>
+          </a:prstGeom>
+          <a:solidFill>
+            <a:schemeClr val="accent2"/>
+          </a:solidFill>
+          <a:ln>
+            <a:solidFill>
+              <a:schemeClr val="tx1"/>
+            </a:solidFill>
+          </a:ln>
+        </p:spPr>
+        <p:txBody>
+          <a:bodyPr wrap="square" rtlCol="0">
+            <a:spAutoFit/>
+          </a:bodyPr>
+          <a:lstStyle/>
+          <a:p>
+            <a:pPr algn="ctr"/>
+            <a:r>
+              <a:rPr lang="da-DK" dirty="0" smtClean="0"/>
+              <a:t>Conv5_3</a:t>
+            </a:r>
+            <a:endParaRPr lang="da-DK" dirty="0"/>
+          </a:p>
+        </p:txBody>
+      </p:sp>
+      <p:sp>
+        <p:nvSpPr>
+          <p:cNvPr id="28" name="Tekstfelt 27"/>
+          <p:cNvSpPr txBox="1"/>
+          <p:nvPr/>
+        </p:nvSpPr>
+        <p:spPr>
+          <a:xfrm rot="16200000">
+            <a:off x="8290235" y="3218685"/>
+            <a:ext cx="2231136" cy="369332"/>
+          </a:xfrm>
+          <a:prstGeom prst="rect">
+            <a:avLst/>
+          </a:prstGeom>
+          <a:solidFill>
+            <a:schemeClr val="accent6"/>
+          </a:solidFill>
+          <a:ln>
+            <a:solidFill>
+              <a:schemeClr val="tx1"/>
+            </a:solidFill>
+          </a:ln>
+        </p:spPr>
+        <p:txBody>
+          <a:bodyPr wrap="square" rtlCol="0">
+            <a:spAutoFit/>
+          </a:bodyPr>
+          <a:lstStyle/>
+          <a:p>
+            <a:pPr algn="ctr"/>
+            <a:r>
+              <a:rPr lang="da-DK" dirty="0" smtClean="0"/>
+              <a:t>Pool5</a:t>
+            </a:r>
+            <a:endParaRPr lang="da-DK" dirty="0"/>
+          </a:p>
+        </p:txBody>
+      </p:sp>
+      <p:sp>
+        <p:nvSpPr>
+          <p:cNvPr id="29" name="Tekstfelt 28"/>
+          <p:cNvSpPr txBox="1"/>
+          <p:nvPr/>
+        </p:nvSpPr>
+        <p:spPr>
+          <a:xfrm rot="16200000">
+            <a:off x="9037366" y="3218685"/>
+            <a:ext cx="2231136" cy="369332"/>
+          </a:xfrm>
+          <a:prstGeom prst="rect">
+            <a:avLst/>
+          </a:prstGeom>
+          <a:solidFill>
+            <a:srgbClr val="C00000"/>
+          </a:solidFill>
+          <a:ln>
+            <a:solidFill>
+              <a:schemeClr val="tx1"/>
+            </a:solidFill>
+          </a:ln>
+        </p:spPr>
+        <p:txBody>
+          <a:bodyPr wrap="square" rtlCol="0">
+            <a:spAutoFit/>
+          </a:bodyPr>
+          <a:lstStyle/>
+          <a:p>
+            <a:pPr algn="ctr"/>
+            <a:r>
+              <a:rPr lang="da-DK" dirty="0"/>
+              <a:t>f</a:t>
+            </a:r>
+            <a:r>
+              <a:rPr lang="da-DK" dirty="0" smtClean="0"/>
+              <a:t>c6 </a:t>
+            </a:r>
+            <a:r>
+              <a:rPr lang="mr-IN" dirty="0" smtClean="0"/>
+              <a:t>–</a:t>
+            </a:r>
+            <a:r>
+              <a:rPr lang="da-DK" dirty="0" smtClean="0"/>
+              <a:t> drop6</a:t>
+            </a:r>
+            <a:endParaRPr lang="da-DK" dirty="0"/>
+          </a:p>
+        </p:txBody>
+      </p:sp>
+      <p:sp>
+        <p:nvSpPr>
+          <p:cNvPr id="30" name="Tekstfelt 29"/>
+          <p:cNvSpPr txBox="1"/>
+          <p:nvPr/>
+        </p:nvSpPr>
+        <p:spPr>
+          <a:xfrm rot="16200000">
+            <a:off x="9599831" y="3218688"/>
+            <a:ext cx="2231136" cy="369332"/>
+          </a:xfrm>
+          <a:prstGeom prst="rect">
+            <a:avLst/>
+          </a:prstGeom>
+          <a:solidFill>
+            <a:srgbClr val="C00000"/>
+          </a:solidFill>
+          <a:ln>
+            <a:solidFill>
+              <a:schemeClr val="tx1"/>
+            </a:solidFill>
+          </a:ln>
+        </p:spPr>
+        <p:txBody>
+          <a:bodyPr wrap="square" rtlCol="0">
+            <a:spAutoFit/>
+          </a:bodyPr>
+          <a:lstStyle/>
+          <a:p>
+            <a:pPr algn="ctr"/>
+            <a:r>
+              <a:rPr lang="da-DK" dirty="0" smtClean="0"/>
+              <a:t>fc7 </a:t>
+            </a:r>
+            <a:r>
+              <a:rPr lang="mr-IN" dirty="0" smtClean="0"/>
+              <a:t>–</a:t>
+            </a:r>
+            <a:r>
+              <a:rPr lang="da-DK" dirty="0" smtClean="0"/>
+              <a:t> drop7</a:t>
+            </a:r>
+            <a:endParaRPr lang="da-DK" dirty="0"/>
+          </a:p>
+        </p:txBody>
+      </p:sp>
+      <p:sp>
+        <p:nvSpPr>
+          <p:cNvPr id="31" name="Tekstfelt 30"/>
+          <p:cNvSpPr txBox="1"/>
+          <p:nvPr/>
+        </p:nvSpPr>
+        <p:spPr>
+          <a:xfrm rot="16200000">
+            <a:off x="10162296" y="3218685"/>
+            <a:ext cx="2231136" cy="369332"/>
+          </a:xfrm>
+          <a:prstGeom prst="rect">
+            <a:avLst/>
+          </a:prstGeom>
+          <a:solidFill>
+            <a:srgbClr val="C00000"/>
+          </a:solidFill>
+          <a:ln>
+            <a:solidFill>
+              <a:schemeClr val="tx1"/>
+            </a:solidFill>
+          </a:ln>
+        </p:spPr>
+        <p:txBody>
+          <a:bodyPr wrap="square" rtlCol="0">
+            <a:spAutoFit/>
+          </a:bodyPr>
+          <a:lstStyle/>
+          <a:p>
+            <a:pPr algn="ctr"/>
+            <a:r>
+              <a:rPr lang="da-DK" dirty="0" smtClean="0"/>
+              <a:t>fc8</a:t>
+            </a:r>
+            <a:endParaRPr lang="da-DK" dirty="0"/>
+          </a:p>
+        </p:txBody>
+      </p:sp>
+      <p:sp>
+        <p:nvSpPr>
+          <p:cNvPr id="33" name="Tekstfelt 32"/>
+          <p:cNvSpPr txBox="1"/>
+          <p:nvPr/>
+        </p:nvSpPr>
+        <p:spPr>
+          <a:xfrm rot="16200000">
+            <a:off x="10903594" y="3218685"/>
+            <a:ext cx="2231136" cy="369332"/>
+          </a:xfrm>
+          <a:prstGeom prst="rect">
+            <a:avLst/>
+          </a:prstGeom>
+          <a:solidFill>
+            <a:schemeClr val="bg1"/>
+          </a:solidFill>
+          <a:ln>
+            <a:solidFill>
+              <a:schemeClr val="tx1"/>
+            </a:solidFill>
+          </a:ln>
+        </p:spPr>
+        <p:txBody>
+          <a:bodyPr wrap="square" rtlCol="0">
+            <a:spAutoFit/>
+          </a:bodyPr>
+          <a:lstStyle/>
+          <a:p>
+            <a:pPr algn="ctr"/>
+            <a:r>
+              <a:rPr lang="da-DK" dirty="0" smtClean="0"/>
+              <a:t>Prop</a:t>
+            </a:r>
+            <a:endParaRPr lang="da-DK" dirty="0"/>
+          </a:p>
+        </p:txBody>
+      </p:sp>
+      <p:cxnSp>
+        <p:nvCxnSpPr>
+          <p:cNvPr id="34" name="Lige pilforbindelse 33"/>
+          <p:cNvCxnSpPr>
+            <a:stCxn id="5" idx="2"/>
+            <a:endCxn id="15" idx="0"/>
+          </p:cNvCxnSpPr>
+          <p:nvPr/>
+        </p:nvCxnSpPr>
+        <p:spPr>
+          <a:xfrm flipV="1">
+            <a:off x="2009897" y="3403353"/>
+            <a:ext cx="377800" cy="1"/>
+          </a:xfrm>
+          <a:prstGeom prst="straightConnector1">
+            <a:avLst/>
+          </a:prstGeom>
+          <a:ln w="38100">
+            <a:solidFill>
+              <a:schemeClr val="tx1"/>
+            </a:solidFill>
+            <a:tailEnd type="triangle"/>
+          </a:ln>
+        </p:spPr>
+        <p:style>
+          <a:lnRef idx="1">
+            <a:schemeClr val="accent1"/>
+          </a:lnRef>
+          <a:fillRef idx="0">
+            <a:schemeClr val="accent1"/>
+          </a:fillRef>
+          <a:effectRef idx="0">
+            <a:schemeClr val="accent1"/>
+          </a:effectRef>
+          <a:fontRef idx="minor">
+            <a:schemeClr val="tx1"/>
+          </a:fontRef>
+        </p:style>
+      </p:cxnSp>
+      <p:cxnSp>
+        <p:nvCxnSpPr>
+          <p:cNvPr id="37" name="Lige pilforbindelse 36"/>
+          <p:cNvCxnSpPr>
+            <a:stCxn id="16" idx="2"/>
+            <a:endCxn id="18" idx="0"/>
+          </p:cNvCxnSpPr>
+          <p:nvPr/>
+        </p:nvCxnSpPr>
+        <p:spPr>
+          <a:xfrm>
+            <a:off x="3650463" y="3403352"/>
+            <a:ext cx="377799" cy="2"/>
+          </a:xfrm>
+          <a:prstGeom prst="straightConnector1">
+            <a:avLst/>
+          </a:prstGeom>
+          <a:ln w="38100">
+            <a:solidFill>
+              <a:schemeClr val="tx1"/>
+            </a:solidFill>
+            <a:tailEnd type="triangle"/>
+          </a:ln>
+        </p:spPr>
+        <p:style>
+          <a:lnRef idx="1">
+            <a:schemeClr val="accent1"/>
+          </a:lnRef>
+          <a:fillRef idx="0">
+            <a:schemeClr val="accent1"/>
+          </a:fillRef>
+          <a:effectRef idx="0">
+            <a:schemeClr val="accent1"/>
+          </a:effectRef>
+          <a:fontRef idx="minor">
+            <a:schemeClr val="tx1"/>
+          </a:fontRef>
+        </p:style>
+      </p:cxnSp>
+      <p:cxnSp>
+        <p:nvCxnSpPr>
+          <p:cNvPr id="40" name="Lige pilforbindelse 39"/>
+          <p:cNvCxnSpPr>
+            <a:stCxn id="14" idx="2"/>
+            <a:endCxn id="16" idx="0"/>
+          </p:cNvCxnSpPr>
+          <p:nvPr/>
+        </p:nvCxnSpPr>
+        <p:spPr>
+          <a:xfrm flipV="1">
+            <a:off x="3126362" y="3403352"/>
+            <a:ext cx="154769" cy="1"/>
+          </a:xfrm>
+          <a:prstGeom prst="straightConnector1">
+            <a:avLst/>
+          </a:prstGeom>
+          <a:ln w="38100">
+            <a:solidFill>
+              <a:schemeClr val="tx1"/>
+            </a:solidFill>
+            <a:tailEnd type="triangle"/>
+          </a:ln>
+        </p:spPr>
+        <p:style>
+          <a:lnRef idx="1">
+            <a:schemeClr val="accent1"/>
+          </a:lnRef>
+          <a:fillRef idx="0">
+            <a:schemeClr val="accent1"/>
+          </a:fillRef>
+          <a:effectRef idx="0">
+            <a:schemeClr val="accent1"/>
+          </a:effectRef>
+          <a:fontRef idx="minor">
+            <a:schemeClr val="tx1"/>
+          </a:fontRef>
+        </p:style>
+      </p:cxnSp>
+      <p:cxnSp>
+        <p:nvCxnSpPr>
+          <p:cNvPr id="43" name="Lige pilforbindelse 42"/>
+          <p:cNvCxnSpPr>
+            <a:stCxn id="19" idx="2"/>
+            <a:endCxn id="20" idx="0"/>
+          </p:cNvCxnSpPr>
+          <p:nvPr/>
+        </p:nvCxnSpPr>
+        <p:spPr>
+          <a:xfrm>
+            <a:off x="5106363" y="3403352"/>
+            <a:ext cx="154770" cy="0"/>
+          </a:xfrm>
+          <a:prstGeom prst="straightConnector1">
+            <a:avLst/>
+          </a:prstGeom>
+          <a:ln w="38100">
+            <a:solidFill>
+              <a:schemeClr val="tx1"/>
+            </a:solidFill>
+            <a:tailEnd type="triangle"/>
+          </a:ln>
+        </p:spPr>
+        <p:style>
+          <a:lnRef idx="1">
+            <a:schemeClr val="accent1"/>
+          </a:lnRef>
+          <a:fillRef idx="0">
+            <a:schemeClr val="accent1"/>
+          </a:fillRef>
+          <a:effectRef idx="0">
+            <a:schemeClr val="accent1"/>
+          </a:effectRef>
+          <a:fontRef idx="minor">
+            <a:schemeClr val="tx1"/>
+          </a:fontRef>
+        </p:style>
+      </p:cxnSp>
+      <p:cxnSp>
+        <p:nvCxnSpPr>
+          <p:cNvPr id="46" name="Lige pilforbindelse 45"/>
+          <p:cNvCxnSpPr>
+            <a:stCxn id="20" idx="2"/>
+            <a:endCxn id="22" idx="0"/>
+          </p:cNvCxnSpPr>
+          <p:nvPr/>
+        </p:nvCxnSpPr>
+        <p:spPr>
+          <a:xfrm>
+            <a:off x="5630465" y="3403352"/>
+            <a:ext cx="377799" cy="2"/>
+          </a:xfrm>
+          <a:prstGeom prst="straightConnector1">
+            <a:avLst/>
+          </a:prstGeom>
+          <a:ln w="38100">
+            <a:solidFill>
+              <a:schemeClr val="tx1"/>
+            </a:solidFill>
+            <a:tailEnd type="triangle"/>
+          </a:ln>
+        </p:spPr>
+        <p:style>
+          <a:lnRef idx="1">
+            <a:schemeClr val="accent1"/>
+          </a:lnRef>
+          <a:fillRef idx="0">
+            <a:schemeClr val="accent1"/>
+          </a:fillRef>
+          <a:effectRef idx="0">
+            <a:schemeClr val="accent1"/>
+          </a:effectRef>
+          <a:fontRef idx="minor">
+            <a:schemeClr val="tx1"/>
+          </a:fontRef>
+        </p:style>
+      </p:cxnSp>
+      <p:cxnSp>
+        <p:nvCxnSpPr>
+          <p:cNvPr id="49" name="Lige pilforbindelse 48"/>
+          <p:cNvCxnSpPr>
+            <a:stCxn id="23" idx="2"/>
+            <a:endCxn id="24" idx="0"/>
+          </p:cNvCxnSpPr>
+          <p:nvPr/>
+        </p:nvCxnSpPr>
+        <p:spPr>
+          <a:xfrm flipV="1">
+            <a:off x="7086365" y="3403351"/>
+            <a:ext cx="154770" cy="1"/>
+          </a:xfrm>
+          <a:prstGeom prst="straightConnector1">
+            <a:avLst/>
+          </a:prstGeom>
+          <a:ln w="38100">
+            <a:solidFill>
+              <a:schemeClr val="tx1"/>
+            </a:solidFill>
+            <a:tailEnd type="triangle"/>
+          </a:ln>
+        </p:spPr>
+        <p:style>
+          <a:lnRef idx="1">
+            <a:schemeClr val="accent1"/>
+          </a:lnRef>
+          <a:fillRef idx="0">
+            <a:schemeClr val="accent1"/>
+          </a:fillRef>
+          <a:effectRef idx="0">
+            <a:schemeClr val="accent1"/>
+          </a:effectRef>
+          <a:fontRef idx="minor">
+            <a:schemeClr val="tx1"/>
+          </a:fontRef>
+        </p:style>
+      </p:cxnSp>
+      <p:cxnSp>
+        <p:nvCxnSpPr>
+          <p:cNvPr id="52" name="Lige pilforbindelse 51"/>
+          <p:cNvCxnSpPr>
+            <a:stCxn id="24" idx="2"/>
+            <a:endCxn id="26" idx="0"/>
+          </p:cNvCxnSpPr>
+          <p:nvPr/>
+        </p:nvCxnSpPr>
+        <p:spPr>
+          <a:xfrm>
+            <a:off x="7610467" y="3403351"/>
+            <a:ext cx="377799" cy="3"/>
+          </a:xfrm>
+          <a:prstGeom prst="straightConnector1">
+            <a:avLst/>
+          </a:prstGeom>
+          <a:ln w="38100">
+            <a:solidFill>
+              <a:schemeClr val="tx1"/>
+            </a:solidFill>
+            <a:tailEnd type="triangle"/>
+          </a:ln>
+        </p:spPr>
+        <p:style>
+          <a:lnRef idx="1">
+            <a:schemeClr val="accent1"/>
+          </a:lnRef>
+          <a:fillRef idx="0">
+            <a:schemeClr val="accent1"/>
+          </a:fillRef>
+          <a:effectRef idx="0">
+            <a:schemeClr val="accent1"/>
+          </a:effectRef>
+          <a:fontRef idx="minor">
+            <a:schemeClr val="tx1"/>
+          </a:fontRef>
+        </p:style>
+      </p:cxnSp>
+      <p:cxnSp>
+        <p:nvCxnSpPr>
+          <p:cNvPr id="55" name="Lige pilforbindelse 54"/>
+          <p:cNvCxnSpPr>
+            <a:stCxn id="27" idx="2"/>
+            <a:endCxn id="28" idx="0"/>
+          </p:cNvCxnSpPr>
+          <p:nvPr/>
+        </p:nvCxnSpPr>
+        <p:spPr>
+          <a:xfrm flipV="1">
+            <a:off x="9066367" y="3403351"/>
+            <a:ext cx="154770" cy="1"/>
+          </a:xfrm>
+          <a:prstGeom prst="straightConnector1">
+            <a:avLst/>
+          </a:prstGeom>
+          <a:ln w="38100">
+            <a:solidFill>
+              <a:schemeClr val="tx1"/>
+            </a:solidFill>
+            <a:tailEnd type="triangle"/>
+          </a:ln>
+        </p:spPr>
+        <p:style>
+          <a:lnRef idx="1">
+            <a:schemeClr val="accent1"/>
+          </a:lnRef>
+          <a:fillRef idx="0">
+            <a:schemeClr val="accent1"/>
+          </a:fillRef>
+          <a:effectRef idx="0">
+            <a:schemeClr val="accent1"/>
+          </a:effectRef>
+          <a:fontRef idx="minor">
+            <a:schemeClr val="tx1"/>
+          </a:fontRef>
+        </p:style>
+      </p:cxnSp>
+      <p:cxnSp>
+        <p:nvCxnSpPr>
+          <p:cNvPr id="59" name="Lige pilforbindelse 58"/>
+          <p:cNvCxnSpPr>
+            <a:stCxn id="28" idx="2"/>
+            <a:endCxn id="29" idx="0"/>
+          </p:cNvCxnSpPr>
+          <p:nvPr/>
+        </p:nvCxnSpPr>
+        <p:spPr>
+          <a:xfrm>
+            <a:off x="9590469" y="3403351"/>
+            <a:ext cx="377799" cy="0"/>
+          </a:xfrm>
+          <a:prstGeom prst="straightConnector1">
+            <a:avLst/>
+          </a:prstGeom>
+          <a:ln w="38100">
+            <a:solidFill>
+              <a:schemeClr val="tx1"/>
+            </a:solidFill>
+            <a:tailEnd type="triangle"/>
+          </a:ln>
+        </p:spPr>
+        <p:style>
+          <a:lnRef idx="1">
+            <a:schemeClr val="accent1"/>
+          </a:lnRef>
+          <a:fillRef idx="0">
+            <a:schemeClr val="accent1"/>
+          </a:fillRef>
+          <a:effectRef idx="0">
+            <a:schemeClr val="accent1"/>
+          </a:effectRef>
+          <a:fontRef idx="minor">
+            <a:schemeClr val="tx1"/>
+          </a:fontRef>
+        </p:style>
+      </p:cxnSp>
+      <p:cxnSp>
+        <p:nvCxnSpPr>
+          <p:cNvPr id="62" name="Lige pilforbindelse 61"/>
+          <p:cNvCxnSpPr>
+            <a:stCxn id="29" idx="2"/>
+            <a:endCxn id="30" idx="0"/>
+          </p:cNvCxnSpPr>
+          <p:nvPr/>
+        </p:nvCxnSpPr>
+        <p:spPr>
+          <a:xfrm>
+            <a:off x="10337600" y="3403351"/>
+            <a:ext cx="193133" cy="3"/>
+          </a:xfrm>
+          <a:prstGeom prst="straightConnector1">
+            <a:avLst/>
+          </a:prstGeom>
+          <a:ln w="38100">
+            <a:solidFill>
+              <a:schemeClr val="tx1"/>
+            </a:solidFill>
+            <a:tailEnd type="triangle"/>
+          </a:ln>
+        </p:spPr>
+        <p:style>
+          <a:lnRef idx="1">
+            <a:schemeClr val="accent1"/>
+          </a:lnRef>
+          <a:fillRef idx="0">
+            <a:schemeClr val="accent1"/>
+          </a:fillRef>
+          <a:effectRef idx="0">
+            <a:schemeClr val="accent1"/>
+          </a:effectRef>
+          <a:fontRef idx="minor">
+            <a:schemeClr val="tx1"/>
+          </a:fontRef>
+        </p:style>
+      </p:cxnSp>
+      <p:cxnSp>
+        <p:nvCxnSpPr>
+          <p:cNvPr id="65" name="Lige pilforbindelse 64"/>
+          <p:cNvCxnSpPr>
+            <a:stCxn id="30" idx="2"/>
+            <a:endCxn id="31" idx="0"/>
+          </p:cNvCxnSpPr>
+          <p:nvPr/>
+        </p:nvCxnSpPr>
+        <p:spPr>
+          <a:xfrm flipV="1">
+            <a:off x="10900065" y="3403351"/>
+            <a:ext cx="193133" cy="3"/>
+          </a:xfrm>
+          <a:prstGeom prst="straightConnector1">
+            <a:avLst/>
+          </a:prstGeom>
+          <a:ln w="38100">
+            <a:solidFill>
+              <a:schemeClr val="tx1"/>
+            </a:solidFill>
+            <a:tailEnd type="triangle"/>
+          </a:ln>
+        </p:spPr>
+        <p:style>
+          <a:lnRef idx="1">
+            <a:schemeClr val="accent1"/>
+          </a:lnRef>
+          <a:fillRef idx="0">
+            <a:schemeClr val="accent1"/>
+          </a:fillRef>
+          <a:effectRef idx="0">
+            <a:schemeClr val="accent1"/>
+          </a:effectRef>
+          <a:fontRef idx="minor">
+            <a:schemeClr val="tx1"/>
+          </a:fontRef>
+        </p:style>
+      </p:cxnSp>
+      <p:cxnSp>
+        <p:nvCxnSpPr>
+          <p:cNvPr id="68" name="Lige pilforbindelse 67"/>
+          <p:cNvCxnSpPr>
+            <a:endCxn id="33" idx="0"/>
+          </p:cNvCxnSpPr>
+          <p:nvPr/>
+        </p:nvCxnSpPr>
+        <p:spPr>
+          <a:xfrm>
+            <a:off x="11462530" y="3403349"/>
+            <a:ext cx="371966" cy="2"/>
+          </a:xfrm>
+          <a:prstGeom prst="straightConnector1">
+            <a:avLst/>
+          </a:prstGeom>
+          <a:ln w="38100">
+            <a:solidFill>
+              <a:schemeClr val="tx1"/>
+            </a:solidFill>
+            <a:tailEnd type="triangle"/>
+          </a:ln>
+        </p:spPr>
+        <p:style>
+          <a:lnRef idx="1">
+            <a:schemeClr val="accent1"/>
+          </a:lnRef>
+          <a:fillRef idx="0">
+            <a:schemeClr val="accent1"/>
+          </a:fillRef>
+          <a:effectRef idx="0">
+            <a:schemeClr val="accent1"/>
+          </a:effectRef>
+          <a:fontRef idx="minor">
+            <a:schemeClr val="tx1"/>
+          </a:fontRef>
+        </p:style>
+      </p:cxnSp>
+      <p:sp>
+        <p:nvSpPr>
+          <p:cNvPr id="71" name="Tekstfelt 70"/>
+          <p:cNvSpPr txBox="1"/>
+          <p:nvPr/>
+        </p:nvSpPr>
+        <p:spPr>
+          <a:xfrm>
+            <a:off x="6780575" y="1513068"/>
+            <a:ext cx="1289391" cy="369332"/>
+          </a:xfrm>
+          <a:prstGeom prst="rect">
+            <a:avLst/>
+          </a:prstGeom>
+          <a:noFill/>
+        </p:spPr>
+        <p:txBody>
+          <a:bodyPr wrap="square" rtlCol="0">
+            <a:spAutoFit/>
+          </a:bodyPr>
+          <a:lstStyle/>
+          <a:p>
+            <a:r>
+              <a:rPr lang="da-DK" smtClean="0"/>
+              <a:t>Stride = 16</a:t>
+            </a:r>
+            <a:endParaRPr lang="da-DK"/>
+          </a:p>
+        </p:txBody>
+      </p:sp>
+      <p:sp>
+        <p:nvSpPr>
+          <p:cNvPr id="72" name="Tekstfelt 71"/>
+          <p:cNvSpPr txBox="1"/>
+          <p:nvPr/>
+        </p:nvSpPr>
+        <p:spPr>
+          <a:xfrm>
+            <a:off x="1281947" y="1513068"/>
+            <a:ext cx="1086568" cy="369332"/>
+          </a:xfrm>
+          <a:prstGeom prst="rect">
+            <a:avLst/>
+          </a:prstGeom>
+          <a:noFill/>
+        </p:spPr>
+        <p:txBody>
+          <a:bodyPr wrap="square" rtlCol="0">
+            <a:spAutoFit/>
+          </a:bodyPr>
+          <a:lstStyle/>
+          <a:p>
+            <a:r>
+              <a:rPr lang="da-DK" smtClean="0"/>
+              <a:t>Stride = 2</a:t>
+            </a:r>
+            <a:endParaRPr lang="da-DK"/>
+          </a:p>
+        </p:txBody>
+      </p:sp>
+      <p:sp>
+        <p:nvSpPr>
+          <p:cNvPr id="73" name="Tekstfelt 72"/>
+          <p:cNvSpPr txBox="1"/>
+          <p:nvPr/>
+        </p:nvSpPr>
+        <p:spPr>
+          <a:xfrm>
+            <a:off x="4902515" y="1513068"/>
+            <a:ext cx="1086568" cy="369332"/>
+          </a:xfrm>
+          <a:prstGeom prst="rect">
+            <a:avLst/>
+          </a:prstGeom>
+          <a:noFill/>
+        </p:spPr>
+        <p:txBody>
+          <a:bodyPr wrap="square" rtlCol="0">
+            <a:spAutoFit/>
+          </a:bodyPr>
+          <a:lstStyle/>
+          <a:p>
+            <a:r>
+              <a:rPr lang="da-DK" dirty="0" smtClean="0"/>
+              <a:t>Stride = 8</a:t>
+            </a:r>
+            <a:endParaRPr lang="da-DK" dirty="0"/>
+          </a:p>
+        </p:txBody>
+      </p:sp>
+      <p:sp>
+        <p:nvSpPr>
+          <p:cNvPr id="74" name="Tekstfelt 73"/>
+          <p:cNvSpPr txBox="1"/>
+          <p:nvPr/>
+        </p:nvSpPr>
+        <p:spPr>
+          <a:xfrm>
+            <a:off x="2922512" y="1513068"/>
+            <a:ext cx="1086568" cy="369332"/>
+          </a:xfrm>
+          <a:prstGeom prst="rect">
+            <a:avLst/>
+          </a:prstGeom>
+          <a:noFill/>
+        </p:spPr>
+        <p:txBody>
+          <a:bodyPr wrap="square" rtlCol="0">
+            <a:spAutoFit/>
+          </a:bodyPr>
+          <a:lstStyle/>
+          <a:p>
+            <a:r>
+              <a:rPr lang="da-DK" dirty="0" smtClean="0"/>
+              <a:t>Stride = 4</a:t>
+            </a:r>
+            <a:endParaRPr lang="da-DK" dirty="0"/>
+          </a:p>
+        </p:txBody>
+      </p:sp>
+      <p:sp>
+        <p:nvSpPr>
+          <p:cNvPr id="75" name="Tekstfelt 74"/>
+          <p:cNvSpPr txBox="1"/>
+          <p:nvPr/>
+        </p:nvSpPr>
+        <p:spPr>
+          <a:xfrm>
+            <a:off x="8761107" y="1513068"/>
+            <a:ext cx="1289391" cy="369332"/>
+          </a:xfrm>
+          <a:prstGeom prst="rect">
+            <a:avLst/>
+          </a:prstGeom>
+          <a:noFill/>
+        </p:spPr>
+        <p:txBody>
+          <a:bodyPr wrap="square" rtlCol="0">
+            <a:spAutoFit/>
+          </a:bodyPr>
+          <a:lstStyle/>
+          <a:p>
+            <a:r>
+              <a:rPr lang="da-DK" dirty="0" smtClean="0"/>
+              <a:t>Stride = 32</a:t>
+            </a:r>
+            <a:endParaRPr lang="da-DK" dirty="0"/>
+          </a:p>
+        </p:txBody>
+      </p:sp>
+      <p:cxnSp>
+        <p:nvCxnSpPr>
+          <p:cNvPr id="78" name="Lige pilforbindelse 77"/>
+          <p:cNvCxnSpPr>
+            <a:stCxn id="72" idx="2"/>
+            <a:endCxn id="5" idx="3"/>
+          </p:cNvCxnSpPr>
+          <p:nvPr/>
+        </p:nvCxnSpPr>
+        <p:spPr>
+          <a:xfrm>
+            <a:off x="1825231" y="1882400"/>
+            <a:ext cx="0" cy="405386"/>
+          </a:xfrm>
+          <a:prstGeom prst="straightConnector1">
+            <a:avLst/>
+          </a:prstGeom>
+          <a:ln w="25400">
+            <a:solidFill>
+              <a:schemeClr val="tx1"/>
+            </a:solidFill>
+            <a:tailEnd type="triangle"/>
+          </a:ln>
+        </p:spPr>
+        <p:style>
+          <a:lnRef idx="1">
+            <a:schemeClr val="accent1"/>
+          </a:lnRef>
+          <a:fillRef idx="0">
+            <a:schemeClr val="accent1"/>
+          </a:fillRef>
+          <a:effectRef idx="0">
+            <a:schemeClr val="accent1"/>
+          </a:effectRef>
+          <a:fontRef idx="minor">
+            <a:schemeClr val="tx1"/>
+          </a:fontRef>
+        </p:style>
+      </p:cxnSp>
+      <p:cxnSp>
+        <p:nvCxnSpPr>
+          <p:cNvPr id="81" name="Lige pilforbindelse 80"/>
+          <p:cNvCxnSpPr>
+            <a:stCxn id="73" idx="2"/>
+            <a:endCxn id="20" idx="3"/>
+          </p:cNvCxnSpPr>
+          <p:nvPr/>
+        </p:nvCxnSpPr>
+        <p:spPr>
+          <a:xfrm>
+            <a:off x="5445799" y="1882400"/>
+            <a:ext cx="0" cy="405384"/>
+          </a:xfrm>
+          <a:prstGeom prst="straightConnector1">
+            <a:avLst/>
+          </a:prstGeom>
+          <a:ln w="25400">
+            <a:solidFill>
+              <a:schemeClr val="tx1"/>
+            </a:solidFill>
+            <a:tailEnd type="triangle"/>
+          </a:ln>
+        </p:spPr>
+        <p:style>
+          <a:lnRef idx="1">
+            <a:schemeClr val="accent1"/>
+          </a:lnRef>
+          <a:fillRef idx="0">
+            <a:schemeClr val="accent1"/>
+          </a:fillRef>
+          <a:effectRef idx="0">
+            <a:schemeClr val="accent1"/>
+          </a:effectRef>
+          <a:fontRef idx="minor">
+            <a:schemeClr val="tx1"/>
+          </a:fontRef>
+        </p:style>
+      </p:cxnSp>
+      <p:cxnSp>
+        <p:nvCxnSpPr>
+          <p:cNvPr id="82" name="Lige pilforbindelse 81"/>
+          <p:cNvCxnSpPr>
+            <a:stCxn id="74" idx="2"/>
+            <a:endCxn id="16" idx="3"/>
+          </p:cNvCxnSpPr>
+          <p:nvPr/>
+        </p:nvCxnSpPr>
+        <p:spPr>
+          <a:xfrm>
+            <a:off x="3465796" y="1882400"/>
+            <a:ext cx="1" cy="405384"/>
+          </a:xfrm>
+          <a:prstGeom prst="straightConnector1">
+            <a:avLst/>
+          </a:prstGeom>
+          <a:ln w="25400">
+            <a:solidFill>
+              <a:schemeClr val="tx1"/>
+            </a:solidFill>
+            <a:tailEnd type="triangle"/>
+          </a:ln>
+        </p:spPr>
+        <p:style>
+          <a:lnRef idx="1">
+            <a:schemeClr val="accent1"/>
+          </a:lnRef>
+          <a:fillRef idx="0">
+            <a:schemeClr val="accent1"/>
+          </a:fillRef>
+          <a:effectRef idx="0">
+            <a:schemeClr val="accent1"/>
+          </a:effectRef>
+          <a:fontRef idx="minor">
+            <a:schemeClr val="tx1"/>
+          </a:fontRef>
+        </p:style>
+      </p:cxnSp>
+      <p:cxnSp>
+        <p:nvCxnSpPr>
+          <p:cNvPr id="88" name="Lige pilforbindelse 87"/>
+          <p:cNvCxnSpPr>
+            <a:stCxn id="71" idx="2"/>
+            <a:endCxn id="24" idx="3"/>
+          </p:cNvCxnSpPr>
+          <p:nvPr/>
+        </p:nvCxnSpPr>
+        <p:spPr>
+          <a:xfrm>
+            <a:off x="7425271" y="1882400"/>
+            <a:ext cx="530" cy="405383"/>
+          </a:xfrm>
+          <a:prstGeom prst="straightConnector1">
+            <a:avLst/>
+          </a:prstGeom>
+          <a:ln w="25400">
+            <a:solidFill>
+              <a:schemeClr val="tx1"/>
+            </a:solidFill>
+            <a:tailEnd type="triangle"/>
+          </a:ln>
+        </p:spPr>
+        <p:style>
+          <a:lnRef idx="1">
+            <a:schemeClr val="accent1"/>
+          </a:lnRef>
+          <a:fillRef idx="0">
+            <a:schemeClr val="accent1"/>
+          </a:fillRef>
+          <a:effectRef idx="0">
+            <a:schemeClr val="accent1"/>
+          </a:effectRef>
+          <a:fontRef idx="minor">
+            <a:schemeClr val="tx1"/>
+          </a:fontRef>
+        </p:style>
+      </p:cxnSp>
+      <p:cxnSp>
+        <p:nvCxnSpPr>
+          <p:cNvPr id="91" name="Lige pilforbindelse 90"/>
+          <p:cNvCxnSpPr>
+            <a:stCxn id="75" idx="2"/>
+            <a:endCxn id="28" idx="3"/>
+          </p:cNvCxnSpPr>
+          <p:nvPr/>
+        </p:nvCxnSpPr>
+        <p:spPr>
+          <a:xfrm>
+            <a:off x="9405803" y="1882400"/>
+            <a:ext cx="0" cy="405383"/>
+          </a:xfrm>
+          <a:prstGeom prst="straightConnector1">
+            <a:avLst/>
+          </a:prstGeom>
+          <a:ln w="25400">
+            <a:solidFill>
+              <a:schemeClr val="tx1"/>
+            </a:solidFill>
+            <a:tailEnd type="triangle"/>
+          </a:ln>
+        </p:spPr>
+        <p:style>
+          <a:lnRef idx="1">
+            <a:schemeClr val="accent1"/>
+          </a:lnRef>
+          <a:fillRef idx="0">
+            <a:schemeClr val="accent1"/>
+          </a:fillRef>
+          <a:effectRef idx="0">
+            <a:schemeClr val="accent1"/>
+          </a:effectRef>
+          <a:fontRef idx="minor">
+            <a:schemeClr val="tx1"/>
+          </a:fontRef>
+        </p:style>
+      </p:cxnSp>
+      <p:sp>
+        <p:nvSpPr>
+          <p:cNvPr id="94" name="Højre klammeparentes 93"/>
+          <p:cNvSpPr/>
+          <p:nvPr/>
+        </p:nvSpPr>
+        <p:spPr>
+          <a:xfrm rot="5400000">
+            <a:off x="4852148" y="301517"/>
+            <a:ext cx="663198" cy="9097999"/>
+          </a:xfrm>
+          <a:prstGeom prst="rightBrace">
+            <a:avLst/>
+          </a:prstGeom>
+          <a:ln w="38100">
+            <a:solidFill>
+              <a:schemeClr val="tx1"/>
+            </a:solidFill>
+          </a:ln>
+        </p:spPr>
+        <p:style>
+          <a:lnRef idx="1">
+            <a:schemeClr val="accent1"/>
+          </a:lnRef>
+          <a:fillRef idx="0">
+            <a:schemeClr val="accent1"/>
+          </a:fillRef>
+          <a:effectRef idx="0">
+            <a:schemeClr val="accent1"/>
+          </a:effectRef>
+          <a:fontRef idx="minor">
+            <a:schemeClr val="tx1"/>
+          </a:fontRef>
+        </p:style>
+        <p:txBody>
+          <a:bodyPr rtlCol="0" anchor="ctr"/>
+          <a:lstStyle/>
+          <a:p>
+            <a:pPr algn="ctr"/>
+            <a:endParaRPr lang="da-DK"/>
+          </a:p>
+        </p:txBody>
+      </p:sp>
+      <p:sp>
+        <p:nvSpPr>
+          <p:cNvPr id="95" name="Tekstfelt 94"/>
+          <p:cNvSpPr txBox="1"/>
+          <p:nvPr/>
+        </p:nvSpPr>
+        <p:spPr>
+          <a:xfrm>
+            <a:off x="3739660" y="5182116"/>
+            <a:ext cx="2888173" cy="369332"/>
+          </a:xfrm>
+          <a:prstGeom prst="rect">
+            <a:avLst/>
+          </a:prstGeom>
+          <a:noFill/>
+        </p:spPr>
+        <p:txBody>
+          <a:bodyPr wrap="square" rtlCol="0">
+            <a:spAutoFit/>
+          </a:bodyPr>
+          <a:lstStyle/>
+          <a:p>
+            <a:r>
+              <a:rPr lang="en-GB" dirty="0" smtClean="0"/>
+              <a:t>Feature extractor network</a:t>
+            </a:r>
+            <a:endParaRPr lang="en-GB" dirty="0"/>
+          </a:p>
+        </p:txBody>
+      </p:sp>
+    </p:spTree>
+    <p:extLst>
+      <p:ext uri="{BB962C8B-B14F-4D97-AF65-F5344CB8AC3E}">
+        <p14:creationId xmlns:p14="http://schemas.microsoft.com/office/powerpoint/2010/main" val="41099850"/>
       </p:ext>
     </p:extLst>
   </p:cSld>

--- a/Figurer.pptx
+++ b/Figurer.pptx
@@ -6589,7 +6589,7 @@
         </p:nvSpPr>
         <p:spPr>
           <a:xfrm rot="16200000">
-            <a:off x="10903594" y="3218685"/>
+            <a:off x="10873415" y="3218685"/>
             <a:ext cx="2231136" cy="369332"/>
           </a:xfrm>
           <a:prstGeom prst="rect">
@@ -7052,14 +7052,15 @@
         <p:nvCxnSpPr>
           <p:cNvPr id="68" name="Lige pilforbindelse 67"/>
           <p:cNvCxnSpPr>
+            <a:stCxn id="31" idx="2"/>
             <a:endCxn id="33" idx="0"/>
           </p:cNvCxnSpPr>
           <p:nvPr/>
         </p:nvCxnSpPr>
         <p:spPr>
           <a:xfrm>
-            <a:off x="11462530" y="3403349"/>
-            <a:ext cx="371966" cy="2"/>
+            <a:off x="11462530" y="3403351"/>
+            <a:ext cx="341787" cy="0"/>
           </a:xfrm>
           <a:prstGeom prst="straightConnector1">
             <a:avLst/>

--- a/Figurer.pptx
+++ b/Figurer.pptx
@@ -7,7 +7,14 @@
   <p:sldIdLst>
     <p:sldId id="256" r:id="rId2"/>
     <p:sldId id="257" r:id="rId3"/>
-    <p:sldId id="258" r:id="rId4"/>
+    <p:sldId id="259" r:id="rId4"/>
+    <p:sldId id="260" r:id="rId5"/>
+    <p:sldId id="261" r:id="rId6"/>
+    <p:sldId id="263" r:id="rId7"/>
+    <p:sldId id="262" r:id="rId8"/>
+    <p:sldId id="264" r:id="rId9"/>
+    <p:sldId id="265" r:id="rId10"/>
+    <p:sldId id="258" r:id="rId11"/>
   </p:sldIdLst>
   <p:sldSz cx="12192000" cy="6858000"/>
   <p:notesSz cx="6858000" cy="9144000"/>
@@ -245,7 +252,7 @@
           <a:p>
             <a:fld id="{7563E4E8-7802-6143-964B-DF3D472E9C93}" type="datetimeFigureOut">
               <a:rPr lang="da-DK" smtClean="0"/>
-              <a:t>24/04/2018</a:t>
+              <a:t>30/04/2018</a:t>
             </a:fld>
             <a:endParaRPr lang="da-DK"/>
           </a:p>
@@ -415,7 +422,7 @@
           <a:p>
             <a:fld id="{7563E4E8-7802-6143-964B-DF3D472E9C93}" type="datetimeFigureOut">
               <a:rPr lang="da-DK" smtClean="0"/>
-              <a:t>24/04/2018</a:t>
+              <a:t>30/04/2018</a:t>
             </a:fld>
             <a:endParaRPr lang="da-DK"/>
           </a:p>
@@ -595,7 +602,7 @@
           <a:p>
             <a:fld id="{7563E4E8-7802-6143-964B-DF3D472E9C93}" type="datetimeFigureOut">
               <a:rPr lang="da-DK" smtClean="0"/>
-              <a:t>24/04/2018</a:t>
+              <a:t>30/04/2018</a:t>
             </a:fld>
             <a:endParaRPr lang="da-DK"/>
           </a:p>
@@ -765,7 +772,7 @@
           <a:p>
             <a:fld id="{7563E4E8-7802-6143-964B-DF3D472E9C93}" type="datetimeFigureOut">
               <a:rPr lang="da-DK" smtClean="0"/>
-              <a:t>24/04/2018</a:t>
+              <a:t>30/04/2018</a:t>
             </a:fld>
             <a:endParaRPr lang="da-DK"/>
           </a:p>
@@ -1011,7 +1018,7 @@
           <a:p>
             <a:fld id="{7563E4E8-7802-6143-964B-DF3D472E9C93}" type="datetimeFigureOut">
               <a:rPr lang="da-DK" smtClean="0"/>
-              <a:t>24/04/2018</a:t>
+              <a:t>30/04/2018</a:t>
             </a:fld>
             <a:endParaRPr lang="da-DK"/>
           </a:p>
@@ -1243,7 +1250,7 @@
           <a:p>
             <a:fld id="{7563E4E8-7802-6143-964B-DF3D472E9C93}" type="datetimeFigureOut">
               <a:rPr lang="da-DK" smtClean="0"/>
-              <a:t>24/04/2018</a:t>
+              <a:t>30/04/2018</a:t>
             </a:fld>
             <a:endParaRPr lang="da-DK"/>
           </a:p>
@@ -1610,7 +1617,7 @@
           <a:p>
             <a:fld id="{7563E4E8-7802-6143-964B-DF3D472E9C93}" type="datetimeFigureOut">
               <a:rPr lang="da-DK" smtClean="0"/>
-              <a:t>24/04/2018</a:t>
+              <a:t>30/04/2018</a:t>
             </a:fld>
             <a:endParaRPr lang="da-DK"/>
           </a:p>
@@ -1728,7 +1735,7 @@
           <a:p>
             <a:fld id="{7563E4E8-7802-6143-964B-DF3D472E9C93}" type="datetimeFigureOut">
               <a:rPr lang="da-DK" smtClean="0"/>
-              <a:t>24/04/2018</a:t>
+              <a:t>30/04/2018</a:t>
             </a:fld>
             <a:endParaRPr lang="da-DK"/>
           </a:p>
@@ -1823,7 +1830,7 @@
           <a:p>
             <a:fld id="{7563E4E8-7802-6143-964B-DF3D472E9C93}" type="datetimeFigureOut">
               <a:rPr lang="da-DK" smtClean="0"/>
-              <a:t>24/04/2018</a:t>
+              <a:t>30/04/2018</a:t>
             </a:fld>
             <a:endParaRPr lang="da-DK"/>
           </a:p>
@@ -2100,7 +2107,7 @@
           <a:p>
             <a:fld id="{7563E4E8-7802-6143-964B-DF3D472E9C93}" type="datetimeFigureOut">
               <a:rPr lang="da-DK" smtClean="0"/>
-              <a:t>24/04/2018</a:t>
+              <a:t>30/04/2018</a:t>
             </a:fld>
             <a:endParaRPr lang="da-DK"/>
           </a:p>
@@ -2353,7 +2360,7 @@
           <a:p>
             <a:fld id="{7563E4E8-7802-6143-964B-DF3D472E9C93}" type="datetimeFigureOut">
               <a:rPr lang="da-DK" smtClean="0"/>
-              <a:t>24/04/2018</a:t>
+              <a:t>30/04/2018</a:t>
             </a:fld>
             <a:endParaRPr lang="da-DK"/>
           </a:p>
@@ -2566,7 +2573,7 @@
           <a:p>
             <a:fld id="{7563E4E8-7802-6143-964B-DF3D472E9C93}" type="datetimeFigureOut">
               <a:rPr lang="da-DK" smtClean="0"/>
-              <a:t>24/04/2018</a:t>
+              <a:t>30/04/2018</a:t>
             </a:fld>
             <a:endParaRPr lang="da-DK"/>
           </a:p>
@@ -3952,6 +3959,1926 @@
 </p:sld>
 </file>
 
+<file path=ppt/slides/slide10.xml><?xml version="1.0" encoding="utf-8"?>
+<p:sld xmlns:a="http://schemas.openxmlformats.org/drawingml/2006/main" xmlns:r="http://schemas.openxmlformats.org/officeDocument/2006/relationships" xmlns:p="http://schemas.openxmlformats.org/presentationml/2006/main">
+  <p:cSld>
+    <p:spTree>
+      <p:nvGrpSpPr>
+        <p:cNvPr id="1" name=""/>
+        <p:cNvGrpSpPr/>
+        <p:nvPr/>
+      </p:nvGrpSpPr>
+      <p:grpSpPr>
+        <a:xfrm>
+          <a:off x="0" y="0"/>
+          <a:ext cx="0" cy="0"/>
+          <a:chOff x="0" y="0"/>
+          <a:chExt cx="0" cy="0"/>
+        </a:xfrm>
+      </p:grpSpPr>
+      <p:sp>
+        <p:nvSpPr>
+          <p:cNvPr id="4" name="Tekstfelt 3"/>
+          <p:cNvSpPr txBox="1"/>
+          <p:nvPr/>
+        </p:nvSpPr>
+        <p:spPr>
+          <a:xfrm rot="16200000">
+            <a:off x="-930902" y="3218688"/>
+            <a:ext cx="2231136" cy="369332"/>
+          </a:xfrm>
+          <a:prstGeom prst="rect">
+            <a:avLst/>
+          </a:prstGeom>
+          <a:solidFill>
+            <a:schemeClr val="accent1"/>
+          </a:solidFill>
+          <a:ln>
+            <a:solidFill>
+              <a:schemeClr val="tx1"/>
+            </a:solidFill>
+          </a:ln>
+        </p:spPr>
+        <p:txBody>
+          <a:bodyPr wrap="square" rtlCol="0">
+            <a:spAutoFit/>
+          </a:bodyPr>
+          <a:lstStyle/>
+          <a:p>
+            <a:pPr algn="ctr"/>
+            <a:r>
+              <a:rPr lang="da-DK" smtClean="0"/>
+              <a:t>Data</a:t>
+            </a:r>
+            <a:endParaRPr lang="da-DK"/>
+          </a:p>
+        </p:txBody>
+      </p:sp>
+      <p:sp>
+        <p:nvSpPr>
+          <p:cNvPr id="5" name="Tekstfelt 4"/>
+          <p:cNvSpPr txBox="1"/>
+          <p:nvPr/>
+        </p:nvSpPr>
+        <p:spPr>
+          <a:xfrm rot="16200000">
+            <a:off x="709663" y="3218688"/>
+            <a:ext cx="2231136" cy="369332"/>
+          </a:xfrm>
+          <a:prstGeom prst="rect">
+            <a:avLst/>
+          </a:prstGeom>
+          <a:solidFill>
+            <a:schemeClr val="accent6"/>
+          </a:solidFill>
+          <a:ln>
+            <a:solidFill>
+              <a:schemeClr val="tx1"/>
+            </a:solidFill>
+          </a:ln>
+        </p:spPr>
+        <p:txBody>
+          <a:bodyPr wrap="square" rtlCol="0">
+            <a:spAutoFit/>
+          </a:bodyPr>
+          <a:lstStyle/>
+          <a:p>
+            <a:pPr algn="ctr"/>
+            <a:r>
+              <a:rPr lang="da-DK" dirty="0" smtClean="0"/>
+              <a:t>Pool1</a:t>
+            </a:r>
+            <a:endParaRPr lang="da-DK" dirty="0"/>
+          </a:p>
+        </p:txBody>
+      </p:sp>
+      <p:sp>
+        <p:nvSpPr>
+          <p:cNvPr id="6" name="Tekstfelt 5"/>
+          <p:cNvSpPr txBox="1"/>
+          <p:nvPr/>
+        </p:nvSpPr>
+        <p:spPr>
+          <a:xfrm rot="16200000">
+            <a:off x="185561" y="3218688"/>
+            <a:ext cx="2231136" cy="369332"/>
+          </a:xfrm>
+          <a:prstGeom prst="rect">
+            <a:avLst/>
+          </a:prstGeom>
+          <a:solidFill>
+            <a:schemeClr val="accent2"/>
+          </a:solidFill>
+          <a:ln>
+            <a:solidFill>
+              <a:schemeClr val="tx1"/>
+            </a:solidFill>
+          </a:ln>
+        </p:spPr>
+        <p:txBody>
+          <a:bodyPr wrap="square" rtlCol="0">
+            <a:spAutoFit/>
+          </a:bodyPr>
+          <a:lstStyle/>
+          <a:p>
+            <a:pPr algn="ctr"/>
+            <a:r>
+              <a:rPr lang="da-DK" dirty="0" smtClean="0"/>
+              <a:t>Conv1_2</a:t>
+            </a:r>
+            <a:endParaRPr lang="da-DK" dirty="0"/>
+          </a:p>
+        </p:txBody>
+      </p:sp>
+      <p:sp>
+        <p:nvSpPr>
+          <p:cNvPr id="7" name="Tekstfelt 6"/>
+          <p:cNvSpPr txBox="1"/>
+          <p:nvPr/>
+        </p:nvSpPr>
+        <p:spPr>
+          <a:xfrm rot="16200000">
+            <a:off x="-183772" y="3218688"/>
+            <a:ext cx="2231136" cy="369332"/>
+          </a:xfrm>
+          <a:prstGeom prst="rect">
+            <a:avLst/>
+          </a:prstGeom>
+          <a:solidFill>
+            <a:schemeClr val="accent2"/>
+          </a:solidFill>
+          <a:ln>
+            <a:solidFill>
+              <a:schemeClr val="tx1"/>
+            </a:solidFill>
+          </a:ln>
+        </p:spPr>
+        <p:txBody>
+          <a:bodyPr wrap="square" rtlCol="0">
+            <a:spAutoFit/>
+          </a:bodyPr>
+          <a:lstStyle/>
+          <a:p>
+            <a:pPr algn="ctr"/>
+            <a:r>
+              <a:rPr lang="da-DK" dirty="0" smtClean="0"/>
+              <a:t>Conv1_1</a:t>
+            </a:r>
+            <a:endParaRPr lang="da-DK" dirty="0"/>
+          </a:p>
+        </p:txBody>
+      </p:sp>
+      <p:cxnSp>
+        <p:nvCxnSpPr>
+          <p:cNvPr id="10" name="Lige pilforbindelse 9"/>
+          <p:cNvCxnSpPr>
+            <a:stCxn id="4" idx="2"/>
+            <a:endCxn id="7" idx="0"/>
+          </p:cNvCxnSpPr>
+          <p:nvPr/>
+        </p:nvCxnSpPr>
+        <p:spPr>
+          <a:xfrm>
+            <a:off x="369332" y="3403354"/>
+            <a:ext cx="377798" cy="0"/>
+          </a:xfrm>
+          <a:prstGeom prst="straightConnector1">
+            <a:avLst/>
+          </a:prstGeom>
+          <a:ln w="38100">
+            <a:solidFill>
+              <a:schemeClr val="tx1"/>
+            </a:solidFill>
+            <a:tailEnd type="triangle"/>
+          </a:ln>
+        </p:spPr>
+        <p:style>
+          <a:lnRef idx="1">
+            <a:schemeClr val="accent1"/>
+          </a:lnRef>
+          <a:fillRef idx="0">
+            <a:schemeClr val="accent1"/>
+          </a:fillRef>
+          <a:effectRef idx="0">
+            <a:schemeClr val="accent1"/>
+          </a:effectRef>
+          <a:fontRef idx="minor">
+            <a:schemeClr val="tx1"/>
+          </a:fontRef>
+        </p:style>
+      </p:cxnSp>
+      <p:cxnSp>
+        <p:nvCxnSpPr>
+          <p:cNvPr id="11" name="Lige pilforbindelse 10"/>
+          <p:cNvCxnSpPr>
+            <a:stCxn id="6" idx="2"/>
+            <a:endCxn id="5" idx="0"/>
+          </p:cNvCxnSpPr>
+          <p:nvPr/>
+        </p:nvCxnSpPr>
+        <p:spPr>
+          <a:xfrm>
+            <a:off x="1485795" y="3403354"/>
+            <a:ext cx="154770" cy="0"/>
+          </a:xfrm>
+          <a:prstGeom prst="straightConnector1">
+            <a:avLst/>
+          </a:prstGeom>
+          <a:ln w="38100">
+            <a:solidFill>
+              <a:schemeClr val="tx1"/>
+            </a:solidFill>
+            <a:tailEnd type="triangle"/>
+          </a:ln>
+        </p:spPr>
+        <p:style>
+          <a:lnRef idx="1">
+            <a:schemeClr val="accent1"/>
+          </a:lnRef>
+          <a:fillRef idx="0">
+            <a:schemeClr val="accent1"/>
+          </a:fillRef>
+          <a:effectRef idx="0">
+            <a:schemeClr val="accent1"/>
+          </a:effectRef>
+          <a:fontRef idx="minor">
+            <a:schemeClr val="tx1"/>
+          </a:fontRef>
+        </p:style>
+      </p:cxnSp>
+      <p:sp>
+        <p:nvSpPr>
+          <p:cNvPr id="14" name="Tekstfelt 13"/>
+          <p:cNvSpPr txBox="1"/>
+          <p:nvPr/>
+        </p:nvSpPr>
+        <p:spPr>
+          <a:xfrm rot="16200000">
+            <a:off x="1826128" y="3218687"/>
+            <a:ext cx="2231136" cy="369332"/>
+          </a:xfrm>
+          <a:prstGeom prst="rect">
+            <a:avLst/>
+          </a:prstGeom>
+          <a:solidFill>
+            <a:schemeClr val="accent2"/>
+          </a:solidFill>
+          <a:ln>
+            <a:solidFill>
+              <a:schemeClr val="tx1"/>
+            </a:solidFill>
+          </a:ln>
+        </p:spPr>
+        <p:txBody>
+          <a:bodyPr wrap="square" rtlCol="0">
+            <a:spAutoFit/>
+          </a:bodyPr>
+          <a:lstStyle/>
+          <a:p>
+            <a:pPr algn="ctr"/>
+            <a:r>
+              <a:rPr lang="da-DK" dirty="0" smtClean="0"/>
+              <a:t>Conv2_2</a:t>
+            </a:r>
+            <a:endParaRPr lang="da-DK" dirty="0"/>
+          </a:p>
+        </p:txBody>
+      </p:sp>
+      <p:sp>
+        <p:nvSpPr>
+          <p:cNvPr id="15" name="Tekstfelt 14"/>
+          <p:cNvSpPr txBox="1"/>
+          <p:nvPr/>
+        </p:nvSpPr>
+        <p:spPr>
+          <a:xfrm rot="16200000">
+            <a:off x="1456795" y="3218687"/>
+            <a:ext cx="2231136" cy="369332"/>
+          </a:xfrm>
+          <a:prstGeom prst="rect">
+            <a:avLst/>
+          </a:prstGeom>
+          <a:solidFill>
+            <a:schemeClr val="accent2"/>
+          </a:solidFill>
+          <a:ln>
+            <a:solidFill>
+              <a:schemeClr val="tx1"/>
+            </a:solidFill>
+          </a:ln>
+        </p:spPr>
+        <p:txBody>
+          <a:bodyPr wrap="square" rtlCol="0">
+            <a:spAutoFit/>
+          </a:bodyPr>
+          <a:lstStyle/>
+          <a:p>
+            <a:pPr algn="ctr"/>
+            <a:r>
+              <a:rPr lang="da-DK" dirty="0" smtClean="0"/>
+              <a:t>Conv2_1</a:t>
+            </a:r>
+            <a:endParaRPr lang="da-DK" dirty="0"/>
+          </a:p>
+        </p:txBody>
+      </p:sp>
+      <p:sp>
+        <p:nvSpPr>
+          <p:cNvPr id="16" name="Tekstfelt 15"/>
+          <p:cNvSpPr txBox="1"/>
+          <p:nvPr/>
+        </p:nvSpPr>
+        <p:spPr>
+          <a:xfrm rot="16200000">
+            <a:off x="2350229" y="3218686"/>
+            <a:ext cx="2231136" cy="369332"/>
+          </a:xfrm>
+          <a:prstGeom prst="rect">
+            <a:avLst/>
+          </a:prstGeom>
+          <a:solidFill>
+            <a:schemeClr val="accent6"/>
+          </a:solidFill>
+          <a:ln>
+            <a:solidFill>
+              <a:schemeClr val="tx1"/>
+            </a:solidFill>
+          </a:ln>
+        </p:spPr>
+        <p:txBody>
+          <a:bodyPr wrap="square" rtlCol="0">
+            <a:spAutoFit/>
+          </a:bodyPr>
+          <a:lstStyle/>
+          <a:p>
+            <a:pPr algn="ctr"/>
+            <a:r>
+              <a:rPr lang="da-DK" dirty="0" smtClean="0"/>
+              <a:t>Pool2</a:t>
+            </a:r>
+            <a:endParaRPr lang="da-DK" dirty="0"/>
+          </a:p>
+        </p:txBody>
+      </p:sp>
+      <p:sp>
+        <p:nvSpPr>
+          <p:cNvPr id="17" name="Tekstfelt 16"/>
+          <p:cNvSpPr txBox="1"/>
+          <p:nvPr/>
+        </p:nvSpPr>
+        <p:spPr>
+          <a:xfrm rot="16200000">
+            <a:off x="3466693" y="3218688"/>
+            <a:ext cx="2231136" cy="369332"/>
+          </a:xfrm>
+          <a:prstGeom prst="rect">
+            <a:avLst/>
+          </a:prstGeom>
+          <a:solidFill>
+            <a:schemeClr val="accent2"/>
+          </a:solidFill>
+          <a:ln>
+            <a:solidFill>
+              <a:schemeClr val="tx1"/>
+            </a:solidFill>
+          </a:ln>
+        </p:spPr>
+        <p:txBody>
+          <a:bodyPr wrap="square" rtlCol="0">
+            <a:spAutoFit/>
+          </a:bodyPr>
+          <a:lstStyle/>
+          <a:p>
+            <a:pPr algn="ctr"/>
+            <a:r>
+              <a:rPr lang="da-DK" dirty="0" smtClean="0"/>
+              <a:t>Conv3_2</a:t>
+            </a:r>
+            <a:endParaRPr lang="da-DK" dirty="0"/>
+          </a:p>
+        </p:txBody>
+      </p:sp>
+      <p:sp>
+        <p:nvSpPr>
+          <p:cNvPr id="18" name="Tekstfelt 17"/>
+          <p:cNvSpPr txBox="1"/>
+          <p:nvPr/>
+        </p:nvSpPr>
+        <p:spPr>
+          <a:xfrm rot="16200000">
+            <a:off x="3097360" y="3218688"/>
+            <a:ext cx="2231136" cy="369332"/>
+          </a:xfrm>
+          <a:prstGeom prst="rect">
+            <a:avLst/>
+          </a:prstGeom>
+          <a:solidFill>
+            <a:schemeClr val="accent2"/>
+          </a:solidFill>
+          <a:ln>
+            <a:solidFill>
+              <a:schemeClr val="tx1"/>
+            </a:solidFill>
+          </a:ln>
+        </p:spPr>
+        <p:txBody>
+          <a:bodyPr wrap="square" rtlCol="0">
+            <a:spAutoFit/>
+          </a:bodyPr>
+          <a:lstStyle/>
+          <a:p>
+            <a:pPr algn="ctr"/>
+            <a:r>
+              <a:rPr lang="da-DK" dirty="0" smtClean="0"/>
+              <a:t>Conv3_1</a:t>
+            </a:r>
+            <a:endParaRPr lang="da-DK" dirty="0"/>
+          </a:p>
+        </p:txBody>
+      </p:sp>
+      <p:sp>
+        <p:nvSpPr>
+          <p:cNvPr id="19" name="Tekstfelt 18"/>
+          <p:cNvSpPr txBox="1"/>
+          <p:nvPr/>
+        </p:nvSpPr>
+        <p:spPr>
+          <a:xfrm rot="16200000">
+            <a:off x="3806129" y="3218686"/>
+            <a:ext cx="2231136" cy="369332"/>
+          </a:xfrm>
+          <a:prstGeom prst="rect">
+            <a:avLst/>
+          </a:prstGeom>
+          <a:solidFill>
+            <a:schemeClr val="accent2"/>
+          </a:solidFill>
+          <a:ln>
+            <a:solidFill>
+              <a:schemeClr val="tx1"/>
+            </a:solidFill>
+          </a:ln>
+        </p:spPr>
+        <p:txBody>
+          <a:bodyPr wrap="square" rtlCol="0">
+            <a:spAutoFit/>
+          </a:bodyPr>
+          <a:lstStyle/>
+          <a:p>
+            <a:pPr algn="ctr"/>
+            <a:r>
+              <a:rPr lang="da-DK" dirty="0" smtClean="0"/>
+              <a:t>Conv3_3</a:t>
+            </a:r>
+            <a:endParaRPr lang="da-DK" dirty="0"/>
+          </a:p>
+        </p:txBody>
+      </p:sp>
+      <p:sp>
+        <p:nvSpPr>
+          <p:cNvPr id="20" name="Tekstfelt 19"/>
+          <p:cNvSpPr txBox="1"/>
+          <p:nvPr/>
+        </p:nvSpPr>
+        <p:spPr>
+          <a:xfrm rot="16200000">
+            <a:off x="4330231" y="3218686"/>
+            <a:ext cx="2231136" cy="369332"/>
+          </a:xfrm>
+          <a:prstGeom prst="rect">
+            <a:avLst/>
+          </a:prstGeom>
+          <a:solidFill>
+            <a:schemeClr val="accent6"/>
+          </a:solidFill>
+          <a:ln>
+            <a:solidFill>
+              <a:schemeClr val="tx1"/>
+            </a:solidFill>
+          </a:ln>
+        </p:spPr>
+        <p:txBody>
+          <a:bodyPr wrap="square" rtlCol="0">
+            <a:spAutoFit/>
+          </a:bodyPr>
+          <a:lstStyle/>
+          <a:p>
+            <a:pPr algn="ctr"/>
+            <a:r>
+              <a:rPr lang="da-DK" dirty="0" smtClean="0"/>
+              <a:t>Pool3</a:t>
+            </a:r>
+            <a:endParaRPr lang="da-DK" dirty="0"/>
+          </a:p>
+        </p:txBody>
+      </p:sp>
+      <p:sp>
+        <p:nvSpPr>
+          <p:cNvPr id="21" name="Tekstfelt 20"/>
+          <p:cNvSpPr txBox="1"/>
+          <p:nvPr/>
+        </p:nvSpPr>
+        <p:spPr>
+          <a:xfrm rot="16200000">
+            <a:off x="5446695" y="3218688"/>
+            <a:ext cx="2231136" cy="369332"/>
+          </a:xfrm>
+          <a:prstGeom prst="rect">
+            <a:avLst/>
+          </a:prstGeom>
+          <a:solidFill>
+            <a:schemeClr val="accent2"/>
+          </a:solidFill>
+          <a:ln>
+            <a:solidFill>
+              <a:schemeClr val="tx1"/>
+            </a:solidFill>
+          </a:ln>
+        </p:spPr>
+        <p:txBody>
+          <a:bodyPr wrap="square" rtlCol="0">
+            <a:spAutoFit/>
+          </a:bodyPr>
+          <a:lstStyle/>
+          <a:p>
+            <a:pPr algn="ctr"/>
+            <a:r>
+              <a:rPr lang="da-DK" dirty="0" smtClean="0"/>
+              <a:t>Conv4_2</a:t>
+            </a:r>
+            <a:endParaRPr lang="da-DK" dirty="0"/>
+          </a:p>
+        </p:txBody>
+      </p:sp>
+      <p:sp>
+        <p:nvSpPr>
+          <p:cNvPr id="22" name="Tekstfelt 21"/>
+          <p:cNvSpPr txBox="1"/>
+          <p:nvPr/>
+        </p:nvSpPr>
+        <p:spPr>
+          <a:xfrm rot="16200000">
+            <a:off x="5077362" y="3218688"/>
+            <a:ext cx="2231136" cy="369332"/>
+          </a:xfrm>
+          <a:prstGeom prst="rect">
+            <a:avLst/>
+          </a:prstGeom>
+          <a:solidFill>
+            <a:schemeClr val="accent2"/>
+          </a:solidFill>
+          <a:ln>
+            <a:solidFill>
+              <a:schemeClr val="tx1"/>
+            </a:solidFill>
+          </a:ln>
+        </p:spPr>
+        <p:txBody>
+          <a:bodyPr wrap="square" rtlCol="0">
+            <a:spAutoFit/>
+          </a:bodyPr>
+          <a:lstStyle/>
+          <a:p>
+            <a:pPr algn="ctr"/>
+            <a:r>
+              <a:rPr lang="da-DK" dirty="0" smtClean="0"/>
+              <a:t>Conv4_1</a:t>
+            </a:r>
+            <a:endParaRPr lang="da-DK" dirty="0"/>
+          </a:p>
+        </p:txBody>
+      </p:sp>
+      <p:sp>
+        <p:nvSpPr>
+          <p:cNvPr id="23" name="Tekstfelt 22"/>
+          <p:cNvSpPr txBox="1"/>
+          <p:nvPr/>
+        </p:nvSpPr>
+        <p:spPr>
+          <a:xfrm rot="16200000">
+            <a:off x="5786131" y="3218686"/>
+            <a:ext cx="2231136" cy="369332"/>
+          </a:xfrm>
+          <a:prstGeom prst="rect">
+            <a:avLst/>
+          </a:prstGeom>
+          <a:solidFill>
+            <a:schemeClr val="accent2"/>
+          </a:solidFill>
+          <a:ln>
+            <a:solidFill>
+              <a:schemeClr val="tx1"/>
+            </a:solidFill>
+          </a:ln>
+        </p:spPr>
+        <p:txBody>
+          <a:bodyPr wrap="square" rtlCol="0">
+            <a:spAutoFit/>
+          </a:bodyPr>
+          <a:lstStyle/>
+          <a:p>
+            <a:pPr algn="ctr"/>
+            <a:r>
+              <a:rPr lang="da-DK" dirty="0" smtClean="0"/>
+              <a:t>Conv4_3</a:t>
+            </a:r>
+            <a:endParaRPr lang="da-DK" dirty="0"/>
+          </a:p>
+        </p:txBody>
+      </p:sp>
+      <p:sp>
+        <p:nvSpPr>
+          <p:cNvPr id="24" name="Tekstfelt 23"/>
+          <p:cNvSpPr txBox="1"/>
+          <p:nvPr/>
+        </p:nvSpPr>
+        <p:spPr>
+          <a:xfrm rot="16200000">
+            <a:off x="6310233" y="3218685"/>
+            <a:ext cx="2231136" cy="369332"/>
+          </a:xfrm>
+          <a:prstGeom prst="rect">
+            <a:avLst/>
+          </a:prstGeom>
+          <a:solidFill>
+            <a:schemeClr val="accent6"/>
+          </a:solidFill>
+          <a:ln>
+            <a:solidFill>
+              <a:schemeClr val="tx1"/>
+            </a:solidFill>
+          </a:ln>
+        </p:spPr>
+        <p:txBody>
+          <a:bodyPr wrap="square" rtlCol="0">
+            <a:spAutoFit/>
+          </a:bodyPr>
+          <a:lstStyle/>
+          <a:p>
+            <a:pPr algn="ctr"/>
+            <a:r>
+              <a:rPr lang="da-DK" dirty="0" smtClean="0"/>
+              <a:t>Pool4</a:t>
+            </a:r>
+            <a:endParaRPr lang="da-DK" dirty="0"/>
+          </a:p>
+        </p:txBody>
+      </p:sp>
+      <p:sp>
+        <p:nvSpPr>
+          <p:cNvPr id="25" name="Tekstfelt 24"/>
+          <p:cNvSpPr txBox="1"/>
+          <p:nvPr/>
+        </p:nvSpPr>
+        <p:spPr>
+          <a:xfrm rot="16200000">
+            <a:off x="7426697" y="3218688"/>
+            <a:ext cx="2231136" cy="369332"/>
+          </a:xfrm>
+          <a:prstGeom prst="rect">
+            <a:avLst/>
+          </a:prstGeom>
+          <a:solidFill>
+            <a:schemeClr val="accent2"/>
+          </a:solidFill>
+          <a:ln>
+            <a:solidFill>
+              <a:schemeClr val="tx1"/>
+            </a:solidFill>
+          </a:ln>
+        </p:spPr>
+        <p:txBody>
+          <a:bodyPr wrap="square" rtlCol="0">
+            <a:spAutoFit/>
+          </a:bodyPr>
+          <a:lstStyle/>
+          <a:p>
+            <a:pPr algn="ctr"/>
+            <a:r>
+              <a:rPr lang="da-DK" dirty="0" smtClean="0"/>
+              <a:t>Conv5_2</a:t>
+            </a:r>
+            <a:endParaRPr lang="da-DK" dirty="0"/>
+          </a:p>
+        </p:txBody>
+      </p:sp>
+      <p:sp>
+        <p:nvSpPr>
+          <p:cNvPr id="26" name="Tekstfelt 25"/>
+          <p:cNvSpPr txBox="1"/>
+          <p:nvPr/>
+        </p:nvSpPr>
+        <p:spPr>
+          <a:xfrm rot="16200000">
+            <a:off x="7057364" y="3218688"/>
+            <a:ext cx="2231136" cy="369332"/>
+          </a:xfrm>
+          <a:prstGeom prst="rect">
+            <a:avLst/>
+          </a:prstGeom>
+          <a:solidFill>
+            <a:schemeClr val="accent2"/>
+          </a:solidFill>
+          <a:ln>
+            <a:solidFill>
+              <a:schemeClr val="tx1"/>
+            </a:solidFill>
+          </a:ln>
+        </p:spPr>
+        <p:txBody>
+          <a:bodyPr wrap="square" rtlCol="0">
+            <a:spAutoFit/>
+          </a:bodyPr>
+          <a:lstStyle/>
+          <a:p>
+            <a:pPr algn="ctr"/>
+            <a:r>
+              <a:rPr lang="da-DK" dirty="0" smtClean="0"/>
+              <a:t>Conv5_1</a:t>
+            </a:r>
+            <a:endParaRPr lang="da-DK" dirty="0"/>
+          </a:p>
+        </p:txBody>
+      </p:sp>
+      <p:sp>
+        <p:nvSpPr>
+          <p:cNvPr id="27" name="Tekstfelt 26"/>
+          <p:cNvSpPr txBox="1"/>
+          <p:nvPr/>
+        </p:nvSpPr>
+        <p:spPr>
+          <a:xfrm rot="16200000">
+            <a:off x="7766133" y="3218686"/>
+            <a:ext cx="2231136" cy="369332"/>
+          </a:xfrm>
+          <a:prstGeom prst="rect">
+            <a:avLst/>
+          </a:prstGeom>
+          <a:solidFill>
+            <a:schemeClr val="accent2"/>
+          </a:solidFill>
+          <a:ln>
+            <a:solidFill>
+              <a:schemeClr val="tx1"/>
+            </a:solidFill>
+          </a:ln>
+        </p:spPr>
+        <p:txBody>
+          <a:bodyPr wrap="square" rtlCol="0">
+            <a:spAutoFit/>
+          </a:bodyPr>
+          <a:lstStyle/>
+          <a:p>
+            <a:pPr algn="ctr"/>
+            <a:r>
+              <a:rPr lang="da-DK" dirty="0" smtClean="0"/>
+              <a:t>Conv5_3</a:t>
+            </a:r>
+            <a:endParaRPr lang="da-DK" dirty="0"/>
+          </a:p>
+        </p:txBody>
+      </p:sp>
+      <p:sp>
+        <p:nvSpPr>
+          <p:cNvPr id="28" name="Tekstfelt 27"/>
+          <p:cNvSpPr txBox="1"/>
+          <p:nvPr/>
+        </p:nvSpPr>
+        <p:spPr>
+          <a:xfrm rot="16200000">
+            <a:off x="8290235" y="3218685"/>
+            <a:ext cx="2231136" cy="369332"/>
+          </a:xfrm>
+          <a:prstGeom prst="rect">
+            <a:avLst/>
+          </a:prstGeom>
+          <a:solidFill>
+            <a:schemeClr val="accent6"/>
+          </a:solidFill>
+          <a:ln>
+            <a:solidFill>
+              <a:schemeClr val="tx1"/>
+            </a:solidFill>
+          </a:ln>
+        </p:spPr>
+        <p:txBody>
+          <a:bodyPr wrap="square" rtlCol="0">
+            <a:spAutoFit/>
+          </a:bodyPr>
+          <a:lstStyle/>
+          <a:p>
+            <a:pPr algn="ctr"/>
+            <a:r>
+              <a:rPr lang="da-DK" dirty="0" smtClean="0"/>
+              <a:t>Pool5</a:t>
+            </a:r>
+            <a:endParaRPr lang="da-DK" dirty="0"/>
+          </a:p>
+        </p:txBody>
+      </p:sp>
+      <p:sp>
+        <p:nvSpPr>
+          <p:cNvPr id="29" name="Tekstfelt 28"/>
+          <p:cNvSpPr txBox="1"/>
+          <p:nvPr/>
+        </p:nvSpPr>
+        <p:spPr>
+          <a:xfrm rot="16200000">
+            <a:off x="9037366" y="3218685"/>
+            <a:ext cx="2231136" cy="369332"/>
+          </a:xfrm>
+          <a:prstGeom prst="rect">
+            <a:avLst/>
+          </a:prstGeom>
+          <a:solidFill>
+            <a:srgbClr val="C00000"/>
+          </a:solidFill>
+          <a:ln>
+            <a:solidFill>
+              <a:schemeClr val="tx1"/>
+            </a:solidFill>
+          </a:ln>
+        </p:spPr>
+        <p:txBody>
+          <a:bodyPr wrap="square" rtlCol="0">
+            <a:spAutoFit/>
+          </a:bodyPr>
+          <a:lstStyle/>
+          <a:p>
+            <a:pPr algn="ctr"/>
+            <a:r>
+              <a:rPr lang="da-DK" dirty="0"/>
+              <a:t>f</a:t>
+            </a:r>
+            <a:r>
+              <a:rPr lang="da-DK" dirty="0" smtClean="0"/>
+              <a:t>c6 </a:t>
+            </a:r>
+            <a:r>
+              <a:rPr lang="mr-IN" dirty="0" smtClean="0"/>
+              <a:t>–</a:t>
+            </a:r>
+            <a:r>
+              <a:rPr lang="da-DK" dirty="0" smtClean="0"/>
+              <a:t> drop6</a:t>
+            </a:r>
+            <a:endParaRPr lang="da-DK" dirty="0"/>
+          </a:p>
+        </p:txBody>
+      </p:sp>
+      <p:sp>
+        <p:nvSpPr>
+          <p:cNvPr id="30" name="Tekstfelt 29"/>
+          <p:cNvSpPr txBox="1"/>
+          <p:nvPr/>
+        </p:nvSpPr>
+        <p:spPr>
+          <a:xfrm rot="16200000">
+            <a:off x="9599831" y="3218688"/>
+            <a:ext cx="2231136" cy="369332"/>
+          </a:xfrm>
+          <a:prstGeom prst="rect">
+            <a:avLst/>
+          </a:prstGeom>
+          <a:solidFill>
+            <a:srgbClr val="C00000"/>
+          </a:solidFill>
+          <a:ln>
+            <a:solidFill>
+              <a:schemeClr val="tx1"/>
+            </a:solidFill>
+          </a:ln>
+        </p:spPr>
+        <p:txBody>
+          <a:bodyPr wrap="square" rtlCol="0">
+            <a:spAutoFit/>
+          </a:bodyPr>
+          <a:lstStyle/>
+          <a:p>
+            <a:pPr algn="ctr"/>
+            <a:r>
+              <a:rPr lang="da-DK" dirty="0" smtClean="0"/>
+              <a:t>fc7 </a:t>
+            </a:r>
+            <a:r>
+              <a:rPr lang="mr-IN" dirty="0" smtClean="0"/>
+              <a:t>–</a:t>
+            </a:r>
+            <a:r>
+              <a:rPr lang="da-DK" dirty="0" smtClean="0"/>
+              <a:t> drop7</a:t>
+            </a:r>
+            <a:endParaRPr lang="da-DK" dirty="0"/>
+          </a:p>
+        </p:txBody>
+      </p:sp>
+      <p:sp>
+        <p:nvSpPr>
+          <p:cNvPr id="31" name="Tekstfelt 30"/>
+          <p:cNvSpPr txBox="1"/>
+          <p:nvPr/>
+        </p:nvSpPr>
+        <p:spPr>
+          <a:xfrm rot="16200000">
+            <a:off x="10162296" y="3218685"/>
+            <a:ext cx="2231136" cy="369332"/>
+          </a:xfrm>
+          <a:prstGeom prst="rect">
+            <a:avLst/>
+          </a:prstGeom>
+          <a:solidFill>
+            <a:srgbClr val="C00000"/>
+          </a:solidFill>
+          <a:ln>
+            <a:solidFill>
+              <a:schemeClr val="tx1"/>
+            </a:solidFill>
+          </a:ln>
+        </p:spPr>
+        <p:txBody>
+          <a:bodyPr wrap="square" rtlCol="0">
+            <a:spAutoFit/>
+          </a:bodyPr>
+          <a:lstStyle/>
+          <a:p>
+            <a:pPr algn="ctr"/>
+            <a:r>
+              <a:rPr lang="da-DK" dirty="0" smtClean="0"/>
+              <a:t>fc8</a:t>
+            </a:r>
+            <a:endParaRPr lang="da-DK" dirty="0"/>
+          </a:p>
+        </p:txBody>
+      </p:sp>
+      <p:sp>
+        <p:nvSpPr>
+          <p:cNvPr id="33" name="Tekstfelt 32"/>
+          <p:cNvSpPr txBox="1"/>
+          <p:nvPr/>
+        </p:nvSpPr>
+        <p:spPr>
+          <a:xfrm rot="16200000">
+            <a:off x="10873415" y="3218685"/>
+            <a:ext cx="2231136" cy="369332"/>
+          </a:xfrm>
+          <a:prstGeom prst="rect">
+            <a:avLst/>
+          </a:prstGeom>
+          <a:solidFill>
+            <a:schemeClr val="bg1"/>
+          </a:solidFill>
+          <a:ln>
+            <a:solidFill>
+              <a:schemeClr val="tx1"/>
+            </a:solidFill>
+          </a:ln>
+        </p:spPr>
+        <p:txBody>
+          <a:bodyPr wrap="square" rtlCol="0">
+            <a:spAutoFit/>
+          </a:bodyPr>
+          <a:lstStyle/>
+          <a:p>
+            <a:pPr algn="ctr"/>
+            <a:r>
+              <a:rPr lang="da-DK" dirty="0" smtClean="0"/>
+              <a:t>Prop</a:t>
+            </a:r>
+            <a:endParaRPr lang="da-DK" dirty="0"/>
+          </a:p>
+        </p:txBody>
+      </p:sp>
+      <p:cxnSp>
+        <p:nvCxnSpPr>
+          <p:cNvPr id="34" name="Lige pilforbindelse 33"/>
+          <p:cNvCxnSpPr>
+            <a:stCxn id="5" idx="2"/>
+            <a:endCxn id="15" idx="0"/>
+          </p:cNvCxnSpPr>
+          <p:nvPr/>
+        </p:nvCxnSpPr>
+        <p:spPr>
+          <a:xfrm flipV="1">
+            <a:off x="2009897" y="3403353"/>
+            <a:ext cx="377800" cy="1"/>
+          </a:xfrm>
+          <a:prstGeom prst="straightConnector1">
+            <a:avLst/>
+          </a:prstGeom>
+          <a:ln w="38100">
+            <a:solidFill>
+              <a:schemeClr val="tx1"/>
+            </a:solidFill>
+            <a:tailEnd type="triangle"/>
+          </a:ln>
+        </p:spPr>
+        <p:style>
+          <a:lnRef idx="1">
+            <a:schemeClr val="accent1"/>
+          </a:lnRef>
+          <a:fillRef idx="0">
+            <a:schemeClr val="accent1"/>
+          </a:fillRef>
+          <a:effectRef idx="0">
+            <a:schemeClr val="accent1"/>
+          </a:effectRef>
+          <a:fontRef idx="minor">
+            <a:schemeClr val="tx1"/>
+          </a:fontRef>
+        </p:style>
+      </p:cxnSp>
+      <p:cxnSp>
+        <p:nvCxnSpPr>
+          <p:cNvPr id="37" name="Lige pilforbindelse 36"/>
+          <p:cNvCxnSpPr>
+            <a:stCxn id="16" idx="2"/>
+            <a:endCxn id="18" idx="0"/>
+          </p:cNvCxnSpPr>
+          <p:nvPr/>
+        </p:nvCxnSpPr>
+        <p:spPr>
+          <a:xfrm>
+            <a:off x="3650463" y="3403352"/>
+            <a:ext cx="377799" cy="2"/>
+          </a:xfrm>
+          <a:prstGeom prst="straightConnector1">
+            <a:avLst/>
+          </a:prstGeom>
+          <a:ln w="38100">
+            <a:solidFill>
+              <a:schemeClr val="tx1"/>
+            </a:solidFill>
+            <a:tailEnd type="triangle"/>
+          </a:ln>
+        </p:spPr>
+        <p:style>
+          <a:lnRef idx="1">
+            <a:schemeClr val="accent1"/>
+          </a:lnRef>
+          <a:fillRef idx="0">
+            <a:schemeClr val="accent1"/>
+          </a:fillRef>
+          <a:effectRef idx="0">
+            <a:schemeClr val="accent1"/>
+          </a:effectRef>
+          <a:fontRef idx="minor">
+            <a:schemeClr val="tx1"/>
+          </a:fontRef>
+        </p:style>
+      </p:cxnSp>
+      <p:cxnSp>
+        <p:nvCxnSpPr>
+          <p:cNvPr id="40" name="Lige pilforbindelse 39"/>
+          <p:cNvCxnSpPr>
+            <a:stCxn id="14" idx="2"/>
+            <a:endCxn id="16" idx="0"/>
+          </p:cNvCxnSpPr>
+          <p:nvPr/>
+        </p:nvCxnSpPr>
+        <p:spPr>
+          <a:xfrm flipV="1">
+            <a:off x="3126362" y="3403352"/>
+            <a:ext cx="154769" cy="1"/>
+          </a:xfrm>
+          <a:prstGeom prst="straightConnector1">
+            <a:avLst/>
+          </a:prstGeom>
+          <a:ln w="38100">
+            <a:solidFill>
+              <a:schemeClr val="tx1"/>
+            </a:solidFill>
+            <a:tailEnd type="triangle"/>
+          </a:ln>
+        </p:spPr>
+        <p:style>
+          <a:lnRef idx="1">
+            <a:schemeClr val="accent1"/>
+          </a:lnRef>
+          <a:fillRef idx="0">
+            <a:schemeClr val="accent1"/>
+          </a:fillRef>
+          <a:effectRef idx="0">
+            <a:schemeClr val="accent1"/>
+          </a:effectRef>
+          <a:fontRef idx="minor">
+            <a:schemeClr val="tx1"/>
+          </a:fontRef>
+        </p:style>
+      </p:cxnSp>
+      <p:cxnSp>
+        <p:nvCxnSpPr>
+          <p:cNvPr id="43" name="Lige pilforbindelse 42"/>
+          <p:cNvCxnSpPr>
+            <a:stCxn id="19" idx="2"/>
+            <a:endCxn id="20" idx="0"/>
+          </p:cNvCxnSpPr>
+          <p:nvPr/>
+        </p:nvCxnSpPr>
+        <p:spPr>
+          <a:xfrm>
+            <a:off x="5106363" y="3403352"/>
+            <a:ext cx="154770" cy="0"/>
+          </a:xfrm>
+          <a:prstGeom prst="straightConnector1">
+            <a:avLst/>
+          </a:prstGeom>
+          <a:ln w="38100">
+            <a:solidFill>
+              <a:schemeClr val="tx1"/>
+            </a:solidFill>
+            <a:tailEnd type="triangle"/>
+          </a:ln>
+        </p:spPr>
+        <p:style>
+          <a:lnRef idx="1">
+            <a:schemeClr val="accent1"/>
+          </a:lnRef>
+          <a:fillRef idx="0">
+            <a:schemeClr val="accent1"/>
+          </a:fillRef>
+          <a:effectRef idx="0">
+            <a:schemeClr val="accent1"/>
+          </a:effectRef>
+          <a:fontRef idx="minor">
+            <a:schemeClr val="tx1"/>
+          </a:fontRef>
+        </p:style>
+      </p:cxnSp>
+      <p:cxnSp>
+        <p:nvCxnSpPr>
+          <p:cNvPr id="46" name="Lige pilforbindelse 45"/>
+          <p:cNvCxnSpPr>
+            <a:stCxn id="20" idx="2"/>
+            <a:endCxn id="22" idx="0"/>
+          </p:cNvCxnSpPr>
+          <p:nvPr/>
+        </p:nvCxnSpPr>
+        <p:spPr>
+          <a:xfrm>
+            <a:off x="5630465" y="3403352"/>
+            <a:ext cx="377799" cy="2"/>
+          </a:xfrm>
+          <a:prstGeom prst="straightConnector1">
+            <a:avLst/>
+          </a:prstGeom>
+          <a:ln w="38100">
+            <a:solidFill>
+              <a:schemeClr val="tx1"/>
+            </a:solidFill>
+            <a:tailEnd type="triangle"/>
+          </a:ln>
+        </p:spPr>
+        <p:style>
+          <a:lnRef idx="1">
+            <a:schemeClr val="accent1"/>
+          </a:lnRef>
+          <a:fillRef idx="0">
+            <a:schemeClr val="accent1"/>
+          </a:fillRef>
+          <a:effectRef idx="0">
+            <a:schemeClr val="accent1"/>
+          </a:effectRef>
+          <a:fontRef idx="minor">
+            <a:schemeClr val="tx1"/>
+          </a:fontRef>
+        </p:style>
+      </p:cxnSp>
+      <p:cxnSp>
+        <p:nvCxnSpPr>
+          <p:cNvPr id="49" name="Lige pilforbindelse 48"/>
+          <p:cNvCxnSpPr>
+            <a:stCxn id="23" idx="2"/>
+            <a:endCxn id="24" idx="0"/>
+          </p:cNvCxnSpPr>
+          <p:nvPr/>
+        </p:nvCxnSpPr>
+        <p:spPr>
+          <a:xfrm flipV="1">
+            <a:off x="7086365" y="3403351"/>
+            <a:ext cx="154770" cy="1"/>
+          </a:xfrm>
+          <a:prstGeom prst="straightConnector1">
+            <a:avLst/>
+          </a:prstGeom>
+          <a:ln w="38100">
+            <a:solidFill>
+              <a:schemeClr val="tx1"/>
+            </a:solidFill>
+            <a:tailEnd type="triangle"/>
+          </a:ln>
+        </p:spPr>
+        <p:style>
+          <a:lnRef idx="1">
+            <a:schemeClr val="accent1"/>
+          </a:lnRef>
+          <a:fillRef idx="0">
+            <a:schemeClr val="accent1"/>
+          </a:fillRef>
+          <a:effectRef idx="0">
+            <a:schemeClr val="accent1"/>
+          </a:effectRef>
+          <a:fontRef idx="minor">
+            <a:schemeClr val="tx1"/>
+          </a:fontRef>
+        </p:style>
+      </p:cxnSp>
+      <p:cxnSp>
+        <p:nvCxnSpPr>
+          <p:cNvPr id="52" name="Lige pilforbindelse 51"/>
+          <p:cNvCxnSpPr>
+            <a:stCxn id="24" idx="2"/>
+            <a:endCxn id="26" idx="0"/>
+          </p:cNvCxnSpPr>
+          <p:nvPr/>
+        </p:nvCxnSpPr>
+        <p:spPr>
+          <a:xfrm>
+            <a:off x="7610467" y="3403351"/>
+            <a:ext cx="377799" cy="3"/>
+          </a:xfrm>
+          <a:prstGeom prst="straightConnector1">
+            <a:avLst/>
+          </a:prstGeom>
+          <a:ln w="38100">
+            <a:solidFill>
+              <a:schemeClr val="tx1"/>
+            </a:solidFill>
+            <a:tailEnd type="triangle"/>
+          </a:ln>
+        </p:spPr>
+        <p:style>
+          <a:lnRef idx="1">
+            <a:schemeClr val="accent1"/>
+          </a:lnRef>
+          <a:fillRef idx="0">
+            <a:schemeClr val="accent1"/>
+          </a:fillRef>
+          <a:effectRef idx="0">
+            <a:schemeClr val="accent1"/>
+          </a:effectRef>
+          <a:fontRef idx="minor">
+            <a:schemeClr val="tx1"/>
+          </a:fontRef>
+        </p:style>
+      </p:cxnSp>
+      <p:cxnSp>
+        <p:nvCxnSpPr>
+          <p:cNvPr id="55" name="Lige pilforbindelse 54"/>
+          <p:cNvCxnSpPr>
+            <a:stCxn id="27" idx="2"/>
+            <a:endCxn id="28" idx="0"/>
+          </p:cNvCxnSpPr>
+          <p:nvPr/>
+        </p:nvCxnSpPr>
+        <p:spPr>
+          <a:xfrm flipV="1">
+            <a:off x="9066367" y="3403351"/>
+            <a:ext cx="154770" cy="1"/>
+          </a:xfrm>
+          <a:prstGeom prst="straightConnector1">
+            <a:avLst/>
+          </a:prstGeom>
+          <a:ln w="38100">
+            <a:solidFill>
+              <a:schemeClr val="tx1"/>
+            </a:solidFill>
+            <a:tailEnd type="triangle"/>
+          </a:ln>
+        </p:spPr>
+        <p:style>
+          <a:lnRef idx="1">
+            <a:schemeClr val="accent1"/>
+          </a:lnRef>
+          <a:fillRef idx="0">
+            <a:schemeClr val="accent1"/>
+          </a:fillRef>
+          <a:effectRef idx="0">
+            <a:schemeClr val="accent1"/>
+          </a:effectRef>
+          <a:fontRef idx="minor">
+            <a:schemeClr val="tx1"/>
+          </a:fontRef>
+        </p:style>
+      </p:cxnSp>
+      <p:cxnSp>
+        <p:nvCxnSpPr>
+          <p:cNvPr id="59" name="Lige pilforbindelse 58"/>
+          <p:cNvCxnSpPr>
+            <a:stCxn id="28" idx="2"/>
+            <a:endCxn id="29" idx="0"/>
+          </p:cNvCxnSpPr>
+          <p:nvPr/>
+        </p:nvCxnSpPr>
+        <p:spPr>
+          <a:xfrm>
+            <a:off x="9590469" y="3403351"/>
+            <a:ext cx="377799" cy="0"/>
+          </a:xfrm>
+          <a:prstGeom prst="straightConnector1">
+            <a:avLst/>
+          </a:prstGeom>
+          <a:ln w="38100">
+            <a:solidFill>
+              <a:schemeClr val="tx1"/>
+            </a:solidFill>
+            <a:tailEnd type="triangle"/>
+          </a:ln>
+        </p:spPr>
+        <p:style>
+          <a:lnRef idx="1">
+            <a:schemeClr val="accent1"/>
+          </a:lnRef>
+          <a:fillRef idx="0">
+            <a:schemeClr val="accent1"/>
+          </a:fillRef>
+          <a:effectRef idx="0">
+            <a:schemeClr val="accent1"/>
+          </a:effectRef>
+          <a:fontRef idx="minor">
+            <a:schemeClr val="tx1"/>
+          </a:fontRef>
+        </p:style>
+      </p:cxnSp>
+      <p:cxnSp>
+        <p:nvCxnSpPr>
+          <p:cNvPr id="62" name="Lige pilforbindelse 61"/>
+          <p:cNvCxnSpPr>
+            <a:stCxn id="29" idx="2"/>
+            <a:endCxn id="30" idx="0"/>
+          </p:cNvCxnSpPr>
+          <p:nvPr/>
+        </p:nvCxnSpPr>
+        <p:spPr>
+          <a:xfrm>
+            <a:off x="10337600" y="3403351"/>
+            <a:ext cx="193133" cy="3"/>
+          </a:xfrm>
+          <a:prstGeom prst="straightConnector1">
+            <a:avLst/>
+          </a:prstGeom>
+          <a:ln w="38100">
+            <a:solidFill>
+              <a:schemeClr val="tx1"/>
+            </a:solidFill>
+            <a:tailEnd type="triangle"/>
+          </a:ln>
+        </p:spPr>
+        <p:style>
+          <a:lnRef idx="1">
+            <a:schemeClr val="accent1"/>
+          </a:lnRef>
+          <a:fillRef idx="0">
+            <a:schemeClr val="accent1"/>
+          </a:fillRef>
+          <a:effectRef idx="0">
+            <a:schemeClr val="accent1"/>
+          </a:effectRef>
+          <a:fontRef idx="minor">
+            <a:schemeClr val="tx1"/>
+          </a:fontRef>
+        </p:style>
+      </p:cxnSp>
+      <p:cxnSp>
+        <p:nvCxnSpPr>
+          <p:cNvPr id="65" name="Lige pilforbindelse 64"/>
+          <p:cNvCxnSpPr>
+            <a:stCxn id="30" idx="2"/>
+            <a:endCxn id="31" idx="0"/>
+          </p:cNvCxnSpPr>
+          <p:nvPr/>
+        </p:nvCxnSpPr>
+        <p:spPr>
+          <a:xfrm flipV="1">
+            <a:off x="10900065" y="3403351"/>
+            <a:ext cx="193133" cy="3"/>
+          </a:xfrm>
+          <a:prstGeom prst="straightConnector1">
+            <a:avLst/>
+          </a:prstGeom>
+          <a:ln w="38100">
+            <a:solidFill>
+              <a:schemeClr val="tx1"/>
+            </a:solidFill>
+            <a:tailEnd type="triangle"/>
+          </a:ln>
+        </p:spPr>
+        <p:style>
+          <a:lnRef idx="1">
+            <a:schemeClr val="accent1"/>
+          </a:lnRef>
+          <a:fillRef idx="0">
+            <a:schemeClr val="accent1"/>
+          </a:fillRef>
+          <a:effectRef idx="0">
+            <a:schemeClr val="accent1"/>
+          </a:effectRef>
+          <a:fontRef idx="minor">
+            <a:schemeClr val="tx1"/>
+          </a:fontRef>
+        </p:style>
+      </p:cxnSp>
+      <p:cxnSp>
+        <p:nvCxnSpPr>
+          <p:cNvPr id="68" name="Lige pilforbindelse 67"/>
+          <p:cNvCxnSpPr>
+            <a:stCxn id="31" idx="2"/>
+            <a:endCxn id="33" idx="0"/>
+          </p:cNvCxnSpPr>
+          <p:nvPr/>
+        </p:nvCxnSpPr>
+        <p:spPr>
+          <a:xfrm>
+            <a:off x="11462530" y="3403351"/>
+            <a:ext cx="341787" cy="0"/>
+          </a:xfrm>
+          <a:prstGeom prst="straightConnector1">
+            <a:avLst/>
+          </a:prstGeom>
+          <a:ln w="38100">
+            <a:solidFill>
+              <a:schemeClr val="tx1"/>
+            </a:solidFill>
+            <a:tailEnd type="triangle"/>
+          </a:ln>
+        </p:spPr>
+        <p:style>
+          <a:lnRef idx="1">
+            <a:schemeClr val="accent1"/>
+          </a:lnRef>
+          <a:fillRef idx="0">
+            <a:schemeClr val="accent1"/>
+          </a:fillRef>
+          <a:effectRef idx="0">
+            <a:schemeClr val="accent1"/>
+          </a:effectRef>
+          <a:fontRef idx="minor">
+            <a:schemeClr val="tx1"/>
+          </a:fontRef>
+        </p:style>
+      </p:cxnSp>
+      <p:sp>
+        <p:nvSpPr>
+          <p:cNvPr id="71" name="Tekstfelt 70"/>
+          <p:cNvSpPr txBox="1"/>
+          <p:nvPr/>
+        </p:nvSpPr>
+        <p:spPr>
+          <a:xfrm>
+            <a:off x="6780575" y="1513068"/>
+            <a:ext cx="1289391" cy="646331"/>
+          </a:xfrm>
+          <a:prstGeom prst="rect">
+            <a:avLst/>
+          </a:prstGeom>
+          <a:noFill/>
+        </p:spPr>
+        <p:txBody>
+          <a:bodyPr wrap="square" rtlCol="0">
+            <a:spAutoFit/>
+          </a:bodyPr>
+          <a:lstStyle/>
+          <a:p>
+            <a:r>
+              <a:rPr lang="da-DK" dirty="0" smtClean="0"/>
+              <a:t>Output</a:t>
+            </a:r>
+          </a:p>
+          <a:p>
+            <a:r>
+              <a:rPr lang="da-DK" dirty="0" smtClean="0"/>
+              <a:t>stride = 16</a:t>
+            </a:r>
+            <a:endParaRPr lang="da-DK" dirty="0"/>
+          </a:p>
+        </p:txBody>
+      </p:sp>
+      <p:sp>
+        <p:nvSpPr>
+          <p:cNvPr id="72" name="Tekstfelt 71"/>
+          <p:cNvSpPr txBox="1"/>
+          <p:nvPr/>
+        </p:nvSpPr>
+        <p:spPr>
+          <a:xfrm>
+            <a:off x="1281947" y="1513068"/>
+            <a:ext cx="1086568" cy="646331"/>
+          </a:xfrm>
+          <a:prstGeom prst="rect">
+            <a:avLst/>
+          </a:prstGeom>
+          <a:noFill/>
+        </p:spPr>
+        <p:txBody>
+          <a:bodyPr wrap="square" rtlCol="0">
+            <a:spAutoFit/>
+          </a:bodyPr>
+          <a:lstStyle/>
+          <a:p>
+            <a:r>
+              <a:rPr lang="da-DK" dirty="0" smtClean="0"/>
+              <a:t>Output stride = 2</a:t>
+            </a:r>
+            <a:endParaRPr lang="da-DK" dirty="0"/>
+          </a:p>
+        </p:txBody>
+      </p:sp>
+      <p:sp>
+        <p:nvSpPr>
+          <p:cNvPr id="73" name="Tekstfelt 72"/>
+          <p:cNvSpPr txBox="1"/>
+          <p:nvPr/>
+        </p:nvSpPr>
+        <p:spPr>
+          <a:xfrm>
+            <a:off x="4902515" y="1513068"/>
+            <a:ext cx="1086568" cy="646331"/>
+          </a:xfrm>
+          <a:prstGeom prst="rect">
+            <a:avLst/>
+          </a:prstGeom>
+          <a:noFill/>
+        </p:spPr>
+        <p:txBody>
+          <a:bodyPr wrap="square" rtlCol="0">
+            <a:spAutoFit/>
+          </a:bodyPr>
+          <a:lstStyle/>
+          <a:p>
+            <a:r>
+              <a:rPr lang="da-DK" dirty="0" smtClean="0"/>
+              <a:t>Output</a:t>
+            </a:r>
+          </a:p>
+          <a:p>
+            <a:r>
+              <a:rPr lang="da-DK" dirty="0"/>
+              <a:t>s</a:t>
+            </a:r>
+            <a:r>
+              <a:rPr lang="da-DK" dirty="0" smtClean="0"/>
+              <a:t>tride = 8</a:t>
+            </a:r>
+            <a:endParaRPr lang="da-DK" dirty="0"/>
+          </a:p>
+        </p:txBody>
+      </p:sp>
+      <p:sp>
+        <p:nvSpPr>
+          <p:cNvPr id="74" name="Tekstfelt 73"/>
+          <p:cNvSpPr txBox="1"/>
+          <p:nvPr/>
+        </p:nvSpPr>
+        <p:spPr>
+          <a:xfrm>
+            <a:off x="2922512" y="1513068"/>
+            <a:ext cx="1086568" cy="646331"/>
+          </a:xfrm>
+          <a:prstGeom prst="rect">
+            <a:avLst/>
+          </a:prstGeom>
+          <a:noFill/>
+        </p:spPr>
+        <p:txBody>
+          <a:bodyPr wrap="square" rtlCol="0">
+            <a:spAutoFit/>
+          </a:bodyPr>
+          <a:lstStyle/>
+          <a:p>
+            <a:r>
+              <a:rPr lang="da-DK" dirty="0" smtClean="0"/>
+              <a:t>Output</a:t>
+            </a:r>
+          </a:p>
+          <a:p>
+            <a:r>
+              <a:rPr lang="da-DK" dirty="0"/>
+              <a:t>s</a:t>
+            </a:r>
+            <a:r>
+              <a:rPr lang="da-DK" dirty="0" smtClean="0"/>
+              <a:t>tride = 4</a:t>
+            </a:r>
+            <a:endParaRPr lang="da-DK" dirty="0"/>
+          </a:p>
+        </p:txBody>
+      </p:sp>
+      <p:sp>
+        <p:nvSpPr>
+          <p:cNvPr id="75" name="Tekstfelt 74"/>
+          <p:cNvSpPr txBox="1"/>
+          <p:nvPr/>
+        </p:nvSpPr>
+        <p:spPr>
+          <a:xfrm>
+            <a:off x="8761107" y="1513068"/>
+            <a:ext cx="1289391" cy="646331"/>
+          </a:xfrm>
+          <a:prstGeom prst="rect">
+            <a:avLst/>
+          </a:prstGeom>
+          <a:noFill/>
+        </p:spPr>
+        <p:txBody>
+          <a:bodyPr wrap="square" rtlCol="0">
+            <a:spAutoFit/>
+          </a:bodyPr>
+          <a:lstStyle/>
+          <a:p>
+            <a:r>
+              <a:rPr lang="da-DK" dirty="0" smtClean="0"/>
+              <a:t>Output</a:t>
+            </a:r>
+          </a:p>
+          <a:p>
+            <a:r>
+              <a:rPr lang="da-DK" dirty="0" smtClean="0"/>
+              <a:t>stride = 32</a:t>
+            </a:r>
+            <a:endParaRPr lang="da-DK" dirty="0"/>
+          </a:p>
+        </p:txBody>
+      </p:sp>
+      <p:cxnSp>
+        <p:nvCxnSpPr>
+          <p:cNvPr id="78" name="Lige pilforbindelse 77"/>
+          <p:cNvCxnSpPr>
+            <a:stCxn id="72" idx="2"/>
+            <a:endCxn id="5" idx="3"/>
+          </p:cNvCxnSpPr>
+          <p:nvPr/>
+        </p:nvCxnSpPr>
+        <p:spPr>
+          <a:xfrm>
+            <a:off x="1825231" y="2159399"/>
+            <a:ext cx="0" cy="128387"/>
+          </a:xfrm>
+          <a:prstGeom prst="straightConnector1">
+            <a:avLst/>
+          </a:prstGeom>
+          <a:ln w="25400">
+            <a:solidFill>
+              <a:schemeClr val="tx1"/>
+            </a:solidFill>
+            <a:tailEnd type="triangle"/>
+          </a:ln>
+        </p:spPr>
+        <p:style>
+          <a:lnRef idx="1">
+            <a:schemeClr val="accent1"/>
+          </a:lnRef>
+          <a:fillRef idx="0">
+            <a:schemeClr val="accent1"/>
+          </a:fillRef>
+          <a:effectRef idx="0">
+            <a:schemeClr val="accent1"/>
+          </a:effectRef>
+          <a:fontRef idx="minor">
+            <a:schemeClr val="tx1"/>
+          </a:fontRef>
+        </p:style>
+      </p:cxnSp>
+      <p:cxnSp>
+        <p:nvCxnSpPr>
+          <p:cNvPr id="81" name="Lige pilforbindelse 80"/>
+          <p:cNvCxnSpPr>
+            <a:stCxn id="73" idx="2"/>
+            <a:endCxn id="20" idx="3"/>
+          </p:cNvCxnSpPr>
+          <p:nvPr/>
+        </p:nvCxnSpPr>
+        <p:spPr>
+          <a:xfrm>
+            <a:off x="5445799" y="2159399"/>
+            <a:ext cx="0" cy="128385"/>
+          </a:xfrm>
+          <a:prstGeom prst="straightConnector1">
+            <a:avLst/>
+          </a:prstGeom>
+          <a:ln w="25400">
+            <a:solidFill>
+              <a:schemeClr val="tx1"/>
+            </a:solidFill>
+            <a:tailEnd type="triangle"/>
+          </a:ln>
+        </p:spPr>
+        <p:style>
+          <a:lnRef idx="1">
+            <a:schemeClr val="accent1"/>
+          </a:lnRef>
+          <a:fillRef idx="0">
+            <a:schemeClr val="accent1"/>
+          </a:fillRef>
+          <a:effectRef idx="0">
+            <a:schemeClr val="accent1"/>
+          </a:effectRef>
+          <a:fontRef idx="minor">
+            <a:schemeClr val="tx1"/>
+          </a:fontRef>
+        </p:style>
+      </p:cxnSp>
+      <p:cxnSp>
+        <p:nvCxnSpPr>
+          <p:cNvPr id="82" name="Lige pilforbindelse 81"/>
+          <p:cNvCxnSpPr>
+            <a:stCxn id="74" idx="2"/>
+            <a:endCxn id="16" idx="3"/>
+          </p:cNvCxnSpPr>
+          <p:nvPr/>
+        </p:nvCxnSpPr>
+        <p:spPr>
+          <a:xfrm>
+            <a:off x="3465796" y="2159399"/>
+            <a:ext cx="1" cy="128385"/>
+          </a:xfrm>
+          <a:prstGeom prst="straightConnector1">
+            <a:avLst/>
+          </a:prstGeom>
+          <a:ln w="25400">
+            <a:solidFill>
+              <a:schemeClr val="tx1"/>
+            </a:solidFill>
+            <a:tailEnd type="triangle"/>
+          </a:ln>
+        </p:spPr>
+        <p:style>
+          <a:lnRef idx="1">
+            <a:schemeClr val="accent1"/>
+          </a:lnRef>
+          <a:fillRef idx="0">
+            <a:schemeClr val="accent1"/>
+          </a:fillRef>
+          <a:effectRef idx="0">
+            <a:schemeClr val="accent1"/>
+          </a:effectRef>
+          <a:fontRef idx="minor">
+            <a:schemeClr val="tx1"/>
+          </a:fontRef>
+        </p:style>
+      </p:cxnSp>
+      <p:cxnSp>
+        <p:nvCxnSpPr>
+          <p:cNvPr id="88" name="Lige pilforbindelse 87"/>
+          <p:cNvCxnSpPr>
+            <a:stCxn id="71" idx="2"/>
+            <a:endCxn id="24" idx="3"/>
+          </p:cNvCxnSpPr>
+          <p:nvPr/>
+        </p:nvCxnSpPr>
+        <p:spPr>
+          <a:xfrm>
+            <a:off x="7425271" y="2159399"/>
+            <a:ext cx="530" cy="128384"/>
+          </a:xfrm>
+          <a:prstGeom prst="straightConnector1">
+            <a:avLst/>
+          </a:prstGeom>
+          <a:ln w="25400">
+            <a:solidFill>
+              <a:schemeClr val="tx1"/>
+            </a:solidFill>
+            <a:tailEnd type="triangle"/>
+          </a:ln>
+        </p:spPr>
+        <p:style>
+          <a:lnRef idx="1">
+            <a:schemeClr val="accent1"/>
+          </a:lnRef>
+          <a:fillRef idx="0">
+            <a:schemeClr val="accent1"/>
+          </a:fillRef>
+          <a:effectRef idx="0">
+            <a:schemeClr val="accent1"/>
+          </a:effectRef>
+          <a:fontRef idx="minor">
+            <a:schemeClr val="tx1"/>
+          </a:fontRef>
+        </p:style>
+      </p:cxnSp>
+      <p:cxnSp>
+        <p:nvCxnSpPr>
+          <p:cNvPr id="91" name="Lige pilforbindelse 90"/>
+          <p:cNvCxnSpPr>
+            <a:stCxn id="75" idx="2"/>
+            <a:endCxn id="28" idx="3"/>
+          </p:cNvCxnSpPr>
+          <p:nvPr/>
+        </p:nvCxnSpPr>
+        <p:spPr>
+          <a:xfrm>
+            <a:off x="9405803" y="2159399"/>
+            <a:ext cx="0" cy="128384"/>
+          </a:xfrm>
+          <a:prstGeom prst="straightConnector1">
+            <a:avLst/>
+          </a:prstGeom>
+          <a:ln w="25400">
+            <a:solidFill>
+              <a:schemeClr val="tx1"/>
+            </a:solidFill>
+            <a:tailEnd type="triangle"/>
+          </a:ln>
+        </p:spPr>
+        <p:style>
+          <a:lnRef idx="1">
+            <a:schemeClr val="accent1"/>
+          </a:lnRef>
+          <a:fillRef idx="0">
+            <a:schemeClr val="accent1"/>
+          </a:fillRef>
+          <a:effectRef idx="0">
+            <a:schemeClr val="accent1"/>
+          </a:effectRef>
+          <a:fontRef idx="minor">
+            <a:schemeClr val="tx1"/>
+          </a:fontRef>
+        </p:style>
+      </p:cxnSp>
+      <p:sp>
+        <p:nvSpPr>
+          <p:cNvPr id="94" name="Højre klammeparentes 93"/>
+          <p:cNvSpPr/>
+          <p:nvPr/>
+        </p:nvSpPr>
+        <p:spPr>
+          <a:xfrm rot="5400000">
+            <a:off x="4575148" y="690898"/>
+            <a:ext cx="663198" cy="8319238"/>
+          </a:xfrm>
+          <a:prstGeom prst="rightBrace">
+            <a:avLst/>
+          </a:prstGeom>
+          <a:ln w="38100">
+            <a:solidFill>
+              <a:schemeClr val="tx1"/>
+            </a:solidFill>
+          </a:ln>
+        </p:spPr>
+        <p:style>
+          <a:lnRef idx="1">
+            <a:schemeClr val="accent1"/>
+          </a:lnRef>
+          <a:fillRef idx="0">
+            <a:schemeClr val="accent1"/>
+          </a:fillRef>
+          <a:effectRef idx="0">
+            <a:schemeClr val="accent1"/>
+          </a:effectRef>
+          <a:fontRef idx="minor">
+            <a:schemeClr val="tx1"/>
+          </a:fontRef>
+        </p:style>
+        <p:txBody>
+          <a:bodyPr rtlCol="0" anchor="ctr"/>
+          <a:lstStyle/>
+          <a:p>
+            <a:pPr algn="ctr"/>
+            <a:endParaRPr lang="da-DK"/>
+          </a:p>
+        </p:txBody>
+      </p:sp>
+      <p:sp>
+        <p:nvSpPr>
+          <p:cNvPr id="95" name="Tekstfelt 94"/>
+          <p:cNvSpPr txBox="1"/>
+          <p:nvPr/>
+        </p:nvSpPr>
+        <p:spPr>
+          <a:xfrm>
+            <a:off x="3739660" y="5182116"/>
+            <a:ext cx="2888173" cy="369332"/>
+          </a:xfrm>
+          <a:prstGeom prst="rect">
+            <a:avLst/>
+          </a:prstGeom>
+          <a:noFill/>
+        </p:spPr>
+        <p:txBody>
+          <a:bodyPr wrap="square" rtlCol="0">
+            <a:spAutoFit/>
+          </a:bodyPr>
+          <a:lstStyle/>
+          <a:p>
+            <a:r>
+              <a:rPr lang="en-GB" dirty="0" smtClean="0"/>
+              <a:t>Feature extractor network</a:t>
+            </a:r>
+            <a:endParaRPr lang="en-GB" dirty="0"/>
+          </a:p>
+        </p:txBody>
+      </p:sp>
+    </p:spTree>
+    <p:extLst>
+      <p:ext uri="{BB962C8B-B14F-4D97-AF65-F5344CB8AC3E}">
+        <p14:creationId xmlns:p14="http://schemas.microsoft.com/office/powerpoint/2010/main" val="41099850"/>
+      </p:ext>
+    </p:extLst>
+  </p:cSld>
+  <p:clrMapOvr>
+    <a:masterClrMapping/>
+  </p:clrMapOvr>
+</p:sld>
+</file>
+
 <file path=ppt/slides/slide2.xml><?xml version="1.0" encoding="utf-8"?>
 <p:sld xmlns:a="http://schemas.openxmlformats.org/drawingml/2006/main" xmlns:r="http://schemas.openxmlformats.org/officeDocument/2006/relationships" xmlns:p="http://schemas.openxmlformats.org/presentationml/2006/main">
   <p:cSld>
@@ -3969,62 +5896,6 @@
           <a:chExt cx="0" cy="0"/>
         </a:xfrm>
       </p:grpSpPr>
-      <p:sp>
-        <p:nvSpPr>
-          <p:cNvPr id="147" name="Tekstfelt 146"/>
-          <p:cNvSpPr txBox="1"/>
-          <p:nvPr/>
-        </p:nvSpPr>
-        <p:spPr>
-          <a:xfrm>
-            <a:off x="6230611" y="3101040"/>
-            <a:ext cx="3415024" cy="2308324"/>
-          </a:xfrm>
-          <a:prstGeom prst="rect">
-            <a:avLst/>
-          </a:prstGeom>
-          <a:noFill/>
-          <a:ln>
-            <a:solidFill>
-              <a:schemeClr val="tx1"/>
-            </a:solidFill>
-          </a:ln>
-        </p:spPr>
-        <p:txBody>
-          <a:bodyPr wrap="square" rtlCol="0">
-            <a:spAutoFit/>
-          </a:bodyPr>
-          <a:lstStyle/>
-          <a:p>
-            <a:endParaRPr lang="da-DK" dirty="0" smtClean="0"/>
-          </a:p>
-          <a:p>
-            <a:endParaRPr lang="da-DK" dirty="0"/>
-          </a:p>
-          <a:p>
-            <a:endParaRPr lang="da-DK" dirty="0" smtClean="0"/>
-          </a:p>
-          <a:p>
-            <a:endParaRPr lang="da-DK" dirty="0"/>
-          </a:p>
-          <a:p>
-            <a:endParaRPr lang="da-DK" dirty="0" smtClean="0"/>
-          </a:p>
-          <a:p>
-            <a:endParaRPr lang="da-DK" dirty="0" smtClean="0"/>
-          </a:p>
-          <a:p>
-            <a:endParaRPr lang="da-DK" dirty="0"/>
-          </a:p>
-          <a:p>
-            <a:r>
-              <a:rPr lang="da-DK" dirty="0" smtClean="0"/>
-              <a:t>Fast R-CNN</a:t>
-            </a:r>
-            <a:endParaRPr lang="da-DK" dirty="0"/>
-          </a:p>
-        </p:txBody>
-      </p:sp>
       <p:pic>
         <p:nvPicPr>
           <p:cNvPr id="2" name="Billede 1"/>
@@ -4072,113 +5943,6 @@
       </p:pic>
       <p:sp>
         <p:nvSpPr>
-          <p:cNvPr id="3" name="Rektangel 2"/>
-          <p:cNvSpPr/>
-          <p:nvPr/>
-        </p:nvSpPr>
-        <p:spPr>
-          <a:xfrm>
-            <a:off x="2686769" y="2894246"/>
-            <a:ext cx="1841603" cy="1106980"/>
-          </a:xfrm>
-          <a:prstGeom prst="rect">
-            <a:avLst/>
-          </a:prstGeom>
-          <a:solidFill>
-            <a:schemeClr val="accent1">
-              <a:lumMod val="60000"/>
-              <a:lumOff val="40000"/>
-            </a:schemeClr>
-          </a:solidFill>
-        </p:spPr>
-        <p:style>
-          <a:lnRef idx="2">
-            <a:schemeClr val="accent1">
-              <a:shade val="50000"/>
-            </a:schemeClr>
-          </a:lnRef>
-          <a:fillRef idx="1">
-            <a:schemeClr val="accent1"/>
-          </a:fillRef>
-          <a:effectRef idx="0">
-            <a:schemeClr val="accent1"/>
-          </a:effectRef>
-          <a:fontRef idx="minor">
-            <a:schemeClr val="lt1"/>
-          </a:fontRef>
-        </p:style>
-        <p:txBody>
-          <a:bodyPr rtlCol="0" anchor="ctr"/>
-          <a:lstStyle/>
-          <a:p>
-            <a:pPr algn="ctr"/>
-            <a:endParaRPr lang="da-DK"/>
-          </a:p>
-        </p:txBody>
-      </p:sp>
-      <p:sp>
-        <p:nvSpPr>
-          <p:cNvPr id="4" name="Tekstfelt 3"/>
-          <p:cNvSpPr txBox="1"/>
-          <p:nvPr/>
-        </p:nvSpPr>
-        <p:spPr>
-          <a:xfrm>
-            <a:off x="2594829" y="2918660"/>
-            <a:ext cx="1930400" cy="523220"/>
-          </a:xfrm>
-          <a:prstGeom prst="rect">
-            <a:avLst/>
-          </a:prstGeom>
-          <a:noFill/>
-        </p:spPr>
-        <p:txBody>
-          <a:bodyPr wrap="square" rtlCol="0">
-            <a:spAutoFit/>
-          </a:bodyPr>
-          <a:lstStyle/>
-          <a:p>
-            <a:pPr algn="ctr"/>
-            <a:r>
-              <a:rPr lang="da-DK" sz="2800" b="1" dirty="0" err="1" smtClean="0"/>
-              <a:t>ConvNet</a:t>
-            </a:r>
-            <a:endParaRPr lang="da-DK" sz="2800" b="1" dirty="0" smtClean="0"/>
-          </a:p>
-        </p:txBody>
-      </p:sp>
-      <p:sp>
-        <p:nvSpPr>
-          <p:cNvPr id="5" name="Tekstfelt 4"/>
-          <p:cNvSpPr txBox="1"/>
-          <p:nvPr/>
-        </p:nvSpPr>
-        <p:spPr>
-          <a:xfrm>
-            <a:off x="2729632" y="3427646"/>
-            <a:ext cx="2573866" cy="369332"/>
-          </a:xfrm>
-          <a:prstGeom prst="rect">
-            <a:avLst/>
-          </a:prstGeom>
-          <a:noFill/>
-        </p:spPr>
-        <p:txBody>
-          <a:bodyPr wrap="square" rtlCol="0">
-            <a:spAutoFit/>
-          </a:bodyPr>
-          <a:lstStyle/>
-          <a:p>
-            <a:r>
-              <a:rPr lang="da-DK" dirty="0" smtClean="0"/>
-              <a:t>Ex. VGG16, ZF</a:t>
-            </a:r>
-            <a:endParaRPr lang="da-DK" dirty="0"/>
-          </a:p>
-        </p:txBody>
-      </p:sp>
-      <p:sp>
-        <p:nvSpPr>
           <p:cNvPr id="9" name="Tekstfelt 8"/>
           <p:cNvSpPr txBox="1"/>
           <p:nvPr/>
@@ -4220,19 +5984,19 @@
           <p:cNvPr id="24" name="Buet forbindelse 23"/>
           <p:cNvCxnSpPr>
             <a:stCxn id="9" idx="0"/>
-            <a:endCxn id="33" idx="1"/>
+            <a:endCxn id="148" idx="1"/>
           </p:cNvCxnSpPr>
           <p:nvPr/>
         </p:nvCxnSpPr>
         <p:spPr>
           <a:xfrm rot="16200000" flipV="1">
-            <a:off x="3688510" y="1269123"/>
-            <a:ext cx="2027488" cy="1671695"/>
+            <a:off x="3622349" y="1202962"/>
+            <a:ext cx="2026494" cy="1805011"/>
           </a:xfrm>
           <a:prstGeom prst="curvedConnector4">
             <a:avLst>
-              <a:gd name="adj1" fmla="val 45446"/>
-              <a:gd name="adj2" fmla="val 113675"/>
+              <a:gd name="adj1" fmla="val 28358"/>
+              <a:gd name="adj2" fmla="val 112665"/>
             </a:avLst>
           </a:prstGeom>
           <a:ln w="38100">
@@ -4335,7 +6099,6 @@
               <a:rPr lang="da-DK" dirty="0" smtClean="0"/>
               <a:t>.</a:t>
             </a:r>
-            <a:endParaRPr lang="da-DK" dirty="0" smtClean="0"/>
           </a:p>
         </p:txBody>
       </p:sp>
@@ -4716,59 +6479,16 @@
           <a:p>
             <a:r>
               <a:rPr lang="da-DK" dirty="0" smtClean="0"/>
-              <a:t>NMS/</a:t>
-            </a:r>
-          </a:p>
-          <a:p>
+              <a:t>Post </a:t>
+            </a:r>
             <a:r>
               <a:rPr lang="da-DK" dirty="0" err="1" smtClean="0"/>
-              <a:t>threshold</a:t>
+              <a:t>processing</a:t>
             </a:r>
             <a:endParaRPr lang="da-DK" dirty="0" smtClean="0"/>
           </a:p>
         </p:txBody>
       </p:sp>
-      <p:cxnSp>
-        <p:nvCxnSpPr>
-          <p:cNvPr id="76" name="Buet forbindelse 75"/>
-          <p:cNvCxnSpPr>
-            <a:stCxn id="51" idx="3"/>
-            <a:endCxn id="75" idx="1"/>
-          </p:cNvCxnSpPr>
-          <p:nvPr/>
-        </p:nvCxnSpPr>
-        <p:spPr>
-          <a:xfrm flipV="1">
-            <a:off x="7746698" y="1039304"/>
-            <a:ext cx="447043" cy="492587"/>
-          </a:xfrm>
-          <a:prstGeom prst="curvedConnector3">
-            <a:avLst>
-              <a:gd name="adj1" fmla="val 50000"/>
-            </a:avLst>
-          </a:prstGeom>
-          <a:ln w="38100">
-            <a:solidFill>
-              <a:schemeClr val="tx1"/>
-            </a:solidFill>
-            <a:tailEnd type="triangle"/>
-          </a:ln>
-        </p:spPr>
-        <p:style>
-          <a:lnRef idx="1">
-            <a:schemeClr val="accent1"/>
-          </a:lnRef>
-          <a:fillRef idx="0">
-            <a:schemeClr val="accent1"/>
-          </a:fillRef>
-          <a:effectRef idx="0">
-            <a:schemeClr val="accent1"/>
-          </a:effectRef>
-          <a:fontRef idx="minor">
-            <a:schemeClr val="tx1"/>
-          </a:fontRef>
-        </p:style>
-      </p:cxnSp>
       <p:sp>
         <p:nvSpPr>
           <p:cNvPr id="94" name="Tekstfelt 93"/>
@@ -4890,7 +6610,6 @@
         <p:nvCxnSpPr>
           <p:cNvPr id="101" name="Buet forbindelse 100"/>
           <p:cNvCxnSpPr>
-            <a:stCxn id="3" idx="3"/>
             <a:endCxn id="9" idx="1"/>
           </p:cNvCxnSpPr>
           <p:nvPr/>
@@ -4930,9 +6649,7 @@
       <p:cxnSp>
         <p:nvCxnSpPr>
           <p:cNvPr id="104" name="Buet forbindelse 103"/>
-          <p:cNvCxnSpPr>
-            <a:endCxn id="3" idx="1"/>
-          </p:cNvCxnSpPr>
+          <p:cNvCxnSpPr/>
           <p:nvPr/>
         </p:nvCxnSpPr>
         <p:spPr>
@@ -5396,13 +7113,11 @@
           <a:p>
             <a:r>
               <a:rPr lang="da-DK" dirty="0" smtClean="0"/>
-              <a:t>NMS/</a:t>
-            </a:r>
-          </a:p>
-          <a:p>
-            <a:r>
-              <a:rPr lang="da-DK" dirty="0" err="1" smtClean="0"/>
-              <a:t>threshold</a:t>
+              <a:t>Post </a:t>
+            </a:r>
+            <a:r>
+              <a:rPr lang="da-DK" smtClean="0"/>
+              <a:t>processing</a:t>
             </a:r>
             <a:endParaRPr lang="da-DK" dirty="0" smtClean="0"/>
           </a:p>
@@ -5617,6 +7332,141 @@
           </a:p>
         </p:txBody>
       </p:sp>
+      <p:sp>
+        <p:nvSpPr>
+          <p:cNvPr id="147" name="Tekstfelt 146"/>
+          <p:cNvSpPr txBox="1"/>
+          <p:nvPr/>
+        </p:nvSpPr>
+        <p:spPr>
+          <a:xfrm>
+            <a:off x="6230611" y="3101040"/>
+            <a:ext cx="3415024" cy="2308324"/>
+          </a:xfrm>
+          <a:prstGeom prst="rect">
+            <a:avLst/>
+          </a:prstGeom>
+          <a:noFill/>
+          <a:ln>
+            <a:solidFill>
+              <a:schemeClr val="tx1"/>
+            </a:solidFill>
+          </a:ln>
+        </p:spPr>
+        <p:txBody>
+          <a:bodyPr wrap="square" rtlCol="0">
+            <a:spAutoFit/>
+          </a:bodyPr>
+          <a:lstStyle/>
+          <a:p>
+            <a:endParaRPr lang="da-DK" dirty="0" smtClean="0"/>
+          </a:p>
+          <a:p>
+            <a:endParaRPr lang="da-DK" dirty="0"/>
+          </a:p>
+          <a:p>
+            <a:endParaRPr lang="da-DK" dirty="0" smtClean="0"/>
+          </a:p>
+          <a:p>
+            <a:endParaRPr lang="da-DK" dirty="0"/>
+          </a:p>
+          <a:p>
+            <a:endParaRPr lang="da-DK" dirty="0" smtClean="0"/>
+          </a:p>
+          <a:p>
+            <a:endParaRPr lang="da-DK" dirty="0" smtClean="0"/>
+          </a:p>
+          <a:p>
+            <a:endParaRPr lang="da-DK" dirty="0"/>
+          </a:p>
+          <a:p>
+            <a:r>
+              <a:rPr lang="da-DK" dirty="0" smtClean="0"/>
+              <a:t>Fast R-CNN</a:t>
+            </a:r>
+            <a:endParaRPr lang="da-DK" dirty="0"/>
+          </a:p>
+        </p:txBody>
+      </p:sp>
+      <p:sp>
+        <p:nvSpPr>
+          <p:cNvPr id="193" name="Tekstfelt 192"/>
+          <p:cNvSpPr txBox="1"/>
+          <p:nvPr/>
+        </p:nvSpPr>
+        <p:spPr>
+          <a:xfrm>
+            <a:off x="2686769" y="2909929"/>
+            <a:ext cx="1841603" cy="1200329"/>
+          </a:xfrm>
+          <a:prstGeom prst="rect">
+            <a:avLst/>
+          </a:prstGeom>
+          <a:solidFill>
+            <a:schemeClr val="accent1"/>
+          </a:solidFill>
+        </p:spPr>
+        <p:txBody>
+          <a:bodyPr wrap="square" rtlCol="0">
+            <a:spAutoFit/>
+          </a:bodyPr>
+          <a:lstStyle/>
+          <a:p>
+            <a:pPr algn="ctr"/>
+            <a:r>
+              <a:rPr lang="da-DK" sz="2400" b="1" dirty="0" smtClean="0"/>
+              <a:t>Feature </a:t>
+            </a:r>
+            <a:r>
+              <a:rPr lang="da-DK" sz="2400" b="1" dirty="0" err="1" smtClean="0"/>
+              <a:t>extractor</a:t>
+            </a:r>
+            <a:endParaRPr lang="da-DK" sz="2400" b="1" dirty="0" smtClean="0"/>
+          </a:p>
+          <a:p>
+            <a:pPr algn="ctr"/>
+            <a:endParaRPr lang="da-DK" sz="2400" b="1" dirty="0"/>
+          </a:p>
+        </p:txBody>
+      </p:sp>
+      <p:cxnSp>
+        <p:nvCxnSpPr>
+          <p:cNvPr id="39" name="Buet forbindelse 38"/>
+          <p:cNvCxnSpPr>
+            <a:endCxn id="75" idx="1"/>
+          </p:cNvCxnSpPr>
+          <p:nvPr/>
+        </p:nvCxnSpPr>
+        <p:spPr>
+          <a:xfrm rot="5400000" flipH="1" flipV="1">
+            <a:off x="7723926" y="1062077"/>
+            <a:ext cx="492587" cy="447043"/>
+          </a:xfrm>
+          <a:prstGeom prst="curvedConnector2">
+            <a:avLst/>
+          </a:prstGeom>
+          <a:ln w="38100">
+            <a:solidFill>
+              <a:schemeClr val="tx1"/>
+            </a:solidFill>
+            <a:tailEnd type="triangle"/>
+          </a:ln>
+        </p:spPr>
+        <p:style>
+          <a:lnRef idx="1">
+            <a:schemeClr val="accent1"/>
+          </a:lnRef>
+          <a:fillRef idx="0">
+            <a:schemeClr val="accent1"/>
+          </a:fillRef>
+          <a:effectRef idx="0">
+            <a:schemeClr val="accent1"/>
+          </a:effectRef>
+          <a:fontRef idx="minor">
+            <a:schemeClr val="tx1"/>
+          </a:fontRef>
+        </p:style>
+      </p:cxnSp>
     </p:spTree>
     <p:extLst>
       <p:ext uri="{BB962C8B-B14F-4D97-AF65-F5344CB8AC3E}">
@@ -5649,26 +7499,23 @@
       </p:grpSpPr>
       <p:sp>
         <p:nvSpPr>
-          <p:cNvPr id="4" name="Tekstfelt 3"/>
+          <p:cNvPr id="5" name="Tekstfelt 4"/>
           <p:cNvSpPr txBox="1"/>
           <p:nvPr/>
         </p:nvSpPr>
         <p:spPr>
-          <a:xfrm rot="16200000">
-            <a:off x="-930902" y="3218688"/>
-            <a:ext cx="2231136" cy="369332"/>
+          <a:xfrm>
+            <a:off x="4996234" y="3118715"/>
+            <a:ext cx="1083733" cy="646331"/>
           </a:xfrm>
           <a:prstGeom prst="rect">
             <a:avLst/>
           </a:prstGeom>
           <a:solidFill>
-            <a:schemeClr val="accent1"/>
+            <a:schemeClr val="bg1">
+              <a:lumMod val="50000"/>
+            </a:schemeClr>
           </a:solidFill>
-          <a:ln>
-            <a:solidFill>
-              <a:schemeClr val="tx1"/>
-            </a:solidFill>
-          </a:ln>
         </p:spPr>
         <p:txBody>
           <a:bodyPr wrap="square" rtlCol="0">
@@ -5676,124 +7523,13 @@
           </a:bodyPr>
           <a:lstStyle/>
           <a:p>
-            <a:pPr algn="ctr"/>
-            <a:r>
-              <a:rPr lang="da-DK" smtClean="0"/>
-              <a:t>Data</a:t>
-            </a:r>
-            <a:endParaRPr lang="da-DK"/>
-          </a:p>
-        </p:txBody>
-      </p:sp>
-      <p:sp>
-        <p:nvSpPr>
-          <p:cNvPr id="5" name="Tekstfelt 4"/>
-          <p:cNvSpPr txBox="1"/>
-          <p:nvPr/>
-        </p:nvSpPr>
-        <p:spPr>
-          <a:xfrm rot="16200000">
-            <a:off x="709663" y="3218688"/>
-            <a:ext cx="2231136" cy="369332"/>
-          </a:xfrm>
-          <a:prstGeom prst="rect">
-            <a:avLst/>
-          </a:prstGeom>
-          <a:solidFill>
-            <a:schemeClr val="accent6"/>
-          </a:solidFill>
-          <a:ln>
-            <a:solidFill>
-              <a:schemeClr val="tx1"/>
-            </a:solidFill>
-          </a:ln>
-        </p:spPr>
-        <p:txBody>
-          <a:bodyPr wrap="square" rtlCol="0">
-            <a:spAutoFit/>
-          </a:bodyPr>
-          <a:lstStyle/>
-          <a:p>
-            <a:pPr algn="ctr"/>
             <a:r>
               <a:rPr lang="da-DK" dirty="0" smtClean="0"/>
-              <a:t>Pool1</a:t>
-            </a:r>
-            <a:endParaRPr lang="da-DK" dirty="0"/>
-          </a:p>
-        </p:txBody>
-      </p:sp>
-      <p:sp>
-        <p:nvSpPr>
-          <p:cNvPr id="6" name="Tekstfelt 5"/>
-          <p:cNvSpPr txBox="1"/>
-          <p:nvPr/>
-        </p:nvSpPr>
-        <p:spPr>
-          <a:xfrm rot="16200000">
-            <a:off x="185561" y="3218688"/>
-            <a:ext cx="2231136" cy="369332"/>
-          </a:xfrm>
-          <a:prstGeom prst="rect">
-            <a:avLst/>
-          </a:prstGeom>
-          <a:solidFill>
-            <a:schemeClr val="accent2"/>
-          </a:solidFill>
-          <a:ln>
-            <a:solidFill>
-              <a:schemeClr val="tx1"/>
-            </a:solidFill>
-          </a:ln>
-        </p:spPr>
-        <p:txBody>
-          <a:bodyPr wrap="square" rtlCol="0">
-            <a:spAutoFit/>
-          </a:bodyPr>
-          <a:lstStyle/>
-          <a:p>
-            <a:pPr algn="ctr"/>
-            <a:r>
-              <a:rPr lang="da-DK" dirty="0" smtClean="0"/>
-              <a:t>Conv1_2</a:t>
-            </a:r>
-            <a:endParaRPr lang="da-DK" dirty="0"/>
-          </a:p>
-        </p:txBody>
-      </p:sp>
-      <p:sp>
-        <p:nvSpPr>
-          <p:cNvPr id="7" name="Tekstfelt 6"/>
-          <p:cNvSpPr txBox="1"/>
-          <p:nvPr/>
-        </p:nvSpPr>
-        <p:spPr>
-          <a:xfrm rot="16200000">
-            <a:off x="-183772" y="3218688"/>
-            <a:ext cx="2231136" cy="369332"/>
-          </a:xfrm>
-          <a:prstGeom prst="rect">
-            <a:avLst/>
-          </a:prstGeom>
-          <a:solidFill>
-            <a:schemeClr val="accent2"/>
-          </a:solidFill>
-          <a:ln>
-            <a:solidFill>
-              <a:schemeClr val="tx1"/>
-            </a:solidFill>
-          </a:ln>
-        </p:spPr>
-        <p:txBody>
-          <a:bodyPr wrap="square" rtlCol="0">
-            <a:spAutoFit/>
-          </a:bodyPr>
-          <a:lstStyle/>
-          <a:p>
-            <a:pPr algn="ctr"/>
-            <a:r>
-              <a:rPr lang="da-DK" dirty="0" smtClean="0"/>
-              <a:t>Conv1_1</a:t>
+              <a:t>Feature </a:t>
+            </a:r>
+            <a:r>
+              <a:rPr lang="da-DK" dirty="0" err="1" smtClean="0"/>
+              <a:t>map</a:t>
             </a:r>
             <a:endParaRPr lang="da-DK" dirty="0"/>
           </a:p>
@@ -5801,20 +7537,22 @@
       </p:sp>
       <p:cxnSp>
         <p:nvCxnSpPr>
-          <p:cNvPr id="10" name="Lige pilforbindelse 9"/>
+          <p:cNvPr id="6" name="Buet forbindelse 5"/>
           <p:cNvCxnSpPr>
-            <a:stCxn id="4" idx="2"/>
-            <a:endCxn id="7" idx="0"/>
+            <a:endCxn id="41" idx="1"/>
           </p:cNvCxnSpPr>
           <p:nvPr/>
         </p:nvCxnSpPr>
         <p:spPr>
-          <a:xfrm>
-            <a:off x="369332" y="3403354"/>
-            <a:ext cx="377798" cy="0"/>
-          </a:xfrm>
-          <a:prstGeom prst="straightConnector1">
-            <a:avLst/>
+          <a:xfrm rot="16200000" flipV="1">
+            <a:off x="4344059" y="1924672"/>
+            <a:ext cx="1769729" cy="618358"/>
+          </a:xfrm>
+          <a:prstGeom prst="curvedConnector4">
+            <a:avLst>
+              <a:gd name="adj1" fmla="val 39565"/>
+              <a:gd name="adj2" fmla="val 136969"/>
+            </a:avLst>
           </a:prstGeom>
           <a:ln w="38100">
             <a:solidFill>
@@ -5840,801 +7578,22 @@
       </p:cxnSp>
       <p:cxnSp>
         <p:nvCxnSpPr>
-          <p:cNvPr id="11" name="Lige pilforbindelse 10"/>
+          <p:cNvPr id="7" name="Buet forbindelse 6"/>
           <p:cNvCxnSpPr>
-            <a:stCxn id="6" idx="2"/>
-            <a:endCxn id="5" idx="0"/>
+            <a:stCxn id="17" idx="2"/>
+            <a:endCxn id="16" idx="0"/>
           </p:cNvCxnSpPr>
           <p:nvPr/>
         </p:nvCxnSpPr>
         <p:spPr>
-          <a:xfrm>
-            <a:off x="1485795" y="3403354"/>
-            <a:ext cx="154770" cy="0"/>
-          </a:xfrm>
-          <a:prstGeom prst="straightConnector1">
-            <a:avLst/>
-          </a:prstGeom>
-          <a:ln w="38100">
-            <a:solidFill>
-              <a:schemeClr val="tx1"/>
-            </a:solidFill>
-            <a:tailEnd type="triangle"/>
-          </a:ln>
-        </p:spPr>
-        <p:style>
-          <a:lnRef idx="1">
-            <a:schemeClr val="accent1"/>
-          </a:lnRef>
-          <a:fillRef idx="0">
-            <a:schemeClr val="accent1"/>
-          </a:fillRef>
-          <a:effectRef idx="0">
-            <a:schemeClr val="accent1"/>
-          </a:effectRef>
-          <a:fontRef idx="minor">
-            <a:schemeClr val="tx1"/>
-          </a:fontRef>
-        </p:style>
-      </p:cxnSp>
-      <p:sp>
-        <p:nvSpPr>
-          <p:cNvPr id="14" name="Tekstfelt 13"/>
-          <p:cNvSpPr txBox="1"/>
-          <p:nvPr/>
-        </p:nvSpPr>
-        <p:spPr>
-          <a:xfrm rot="16200000">
-            <a:off x="1826128" y="3218687"/>
-            <a:ext cx="2231136" cy="369332"/>
-          </a:xfrm>
-          <a:prstGeom prst="rect">
-            <a:avLst/>
-          </a:prstGeom>
-          <a:solidFill>
-            <a:schemeClr val="accent2"/>
-          </a:solidFill>
-          <a:ln>
-            <a:solidFill>
-              <a:schemeClr val="tx1"/>
-            </a:solidFill>
-          </a:ln>
-        </p:spPr>
-        <p:txBody>
-          <a:bodyPr wrap="square" rtlCol="0">
-            <a:spAutoFit/>
-          </a:bodyPr>
-          <a:lstStyle/>
-          <a:p>
-            <a:pPr algn="ctr"/>
-            <a:r>
-              <a:rPr lang="da-DK" dirty="0" smtClean="0"/>
-              <a:t>Conv2_2</a:t>
-            </a:r>
-            <a:endParaRPr lang="da-DK" dirty="0"/>
-          </a:p>
-        </p:txBody>
-      </p:sp>
-      <p:sp>
-        <p:nvSpPr>
-          <p:cNvPr id="15" name="Tekstfelt 14"/>
-          <p:cNvSpPr txBox="1"/>
-          <p:nvPr/>
-        </p:nvSpPr>
-        <p:spPr>
-          <a:xfrm rot="16200000">
-            <a:off x="1456795" y="3218687"/>
-            <a:ext cx="2231136" cy="369332"/>
-          </a:xfrm>
-          <a:prstGeom prst="rect">
-            <a:avLst/>
-          </a:prstGeom>
-          <a:solidFill>
-            <a:schemeClr val="accent2"/>
-          </a:solidFill>
-          <a:ln>
-            <a:solidFill>
-              <a:schemeClr val="tx1"/>
-            </a:solidFill>
-          </a:ln>
-        </p:spPr>
-        <p:txBody>
-          <a:bodyPr wrap="square" rtlCol="0">
-            <a:spAutoFit/>
-          </a:bodyPr>
-          <a:lstStyle/>
-          <a:p>
-            <a:pPr algn="ctr"/>
-            <a:r>
-              <a:rPr lang="da-DK" dirty="0" smtClean="0"/>
-              <a:t>Conv2_1</a:t>
-            </a:r>
-            <a:endParaRPr lang="da-DK" dirty="0"/>
-          </a:p>
-        </p:txBody>
-      </p:sp>
-      <p:sp>
-        <p:nvSpPr>
-          <p:cNvPr id="16" name="Tekstfelt 15"/>
-          <p:cNvSpPr txBox="1"/>
-          <p:nvPr/>
-        </p:nvSpPr>
-        <p:spPr>
-          <a:xfrm rot="16200000">
-            <a:off x="2350229" y="3218686"/>
-            <a:ext cx="2231136" cy="369332"/>
-          </a:xfrm>
-          <a:prstGeom prst="rect">
-            <a:avLst/>
-          </a:prstGeom>
-          <a:solidFill>
-            <a:schemeClr val="accent6"/>
-          </a:solidFill>
-          <a:ln>
-            <a:solidFill>
-              <a:schemeClr val="tx1"/>
-            </a:solidFill>
-          </a:ln>
-        </p:spPr>
-        <p:txBody>
-          <a:bodyPr wrap="square" rtlCol="0">
-            <a:spAutoFit/>
-          </a:bodyPr>
-          <a:lstStyle/>
-          <a:p>
-            <a:pPr algn="ctr"/>
-            <a:r>
-              <a:rPr lang="da-DK" dirty="0" smtClean="0"/>
-              <a:t>Pool2</a:t>
-            </a:r>
-            <a:endParaRPr lang="da-DK" dirty="0"/>
-          </a:p>
-        </p:txBody>
-      </p:sp>
-      <p:sp>
-        <p:nvSpPr>
-          <p:cNvPr id="17" name="Tekstfelt 16"/>
-          <p:cNvSpPr txBox="1"/>
-          <p:nvPr/>
-        </p:nvSpPr>
-        <p:spPr>
-          <a:xfrm rot="16200000">
-            <a:off x="3466693" y="3218688"/>
-            <a:ext cx="2231136" cy="369332"/>
-          </a:xfrm>
-          <a:prstGeom prst="rect">
-            <a:avLst/>
-          </a:prstGeom>
-          <a:solidFill>
-            <a:schemeClr val="accent2"/>
-          </a:solidFill>
-          <a:ln>
-            <a:solidFill>
-              <a:schemeClr val="tx1"/>
-            </a:solidFill>
-          </a:ln>
-        </p:spPr>
-        <p:txBody>
-          <a:bodyPr wrap="square" rtlCol="0">
-            <a:spAutoFit/>
-          </a:bodyPr>
-          <a:lstStyle/>
-          <a:p>
-            <a:pPr algn="ctr"/>
-            <a:r>
-              <a:rPr lang="da-DK" dirty="0" smtClean="0"/>
-              <a:t>Conv3_2</a:t>
-            </a:r>
-            <a:endParaRPr lang="da-DK" dirty="0"/>
-          </a:p>
-        </p:txBody>
-      </p:sp>
-      <p:sp>
-        <p:nvSpPr>
-          <p:cNvPr id="18" name="Tekstfelt 17"/>
-          <p:cNvSpPr txBox="1"/>
-          <p:nvPr/>
-        </p:nvSpPr>
-        <p:spPr>
-          <a:xfrm rot="16200000">
-            <a:off x="3097360" y="3218688"/>
-            <a:ext cx="2231136" cy="369332"/>
-          </a:xfrm>
-          <a:prstGeom prst="rect">
-            <a:avLst/>
-          </a:prstGeom>
-          <a:solidFill>
-            <a:schemeClr val="accent2"/>
-          </a:solidFill>
-          <a:ln>
-            <a:solidFill>
-              <a:schemeClr val="tx1"/>
-            </a:solidFill>
-          </a:ln>
-        </p:spPr>
-        <p:txBody>
-          <a:bodyPr wrap="square" rtlCol="0">
-            <a:spAutoFit/>
-          </a:bodyPr>
-          <a:lstStyle/>
-          <a:p>
-            <a:pPr algn="ctr"/>
-            <a:r>
-              <a:rPr lang="da-DK" dirty="0" smtClean="0"/>
-              <a:t>Conv3_1</a:t>
-            </a:r>
-            <a:endParaRPr lang="da-DK" dirty="0"/>
-          </a:p>
-        </p:txBody>
-      </p:sp>
-      <p:sp>
-        <p:nvSpPr>
-          <p:cNvPr id="19" name="Tekstfelt 18"/>
-          <p:cNvSpPr txBox="1"/>
-          <p:nvPr/>
-        </p:nvSpPr>
-        <p:spPr>
-          <a:xfrm rot="16200000">
-            <a:off x="3806129" y="3218686"/>
-            <a:ext cx="2231136" cy="369332"/>
-          </a:xfrm>
-          <a:prstGeom prst="rect">
-            <a:avLst/>
-          </a:prstGeom>
-          <a:solidFill>
-            <a:schemeClr val="accent2"/>
-          </a:solidFill>
-          <a:ln>
-            <a:solidFill>
-              <a:schemeClr val="tx1"/>
-            </a:solidFill>
-          </a:ln>
-        </p:spPr>
-        <p:txBody>
-          <a:bodyPr wrap="square" rtlCol="0">
-            <a:spAutoFit/>
-          </a:bodyPr>
-          <a:lstStyle/>
-          <a:p>
-            <a:pPr algn="ctr"/>
-            <a:r>
-              <a:rPr lang="da-DK" dirty="0" smtClean="0"/>
-              <a:t>Conv3_3</a:t>
-            </a:r>
-            <a:endParaRPr lang="da-DK" dirty="0"/>
-          </a:p>
-        </p:txBody>
-      </p:sp>
-      <p:sp>
-        <p:nvSpPr>
-          <p:cNvPr id="20" name="Tekstfelt 19"/>
-          <p:cNvSpPr txBox="1"/>
-          <p:nvPr/>
-        </p:nvSpPr>
-        <p:spPr>
-          <a:xfrm rot="16200000">
-            <a:off x="4330231" y="3218686"/>
-            <a:ext cx="2231136" cy="369332"/>
-          </a:xfrm>
-          <a:prstGeom prst="rect">
-            <a:avLst/>
-          </a:prstGeom>
-          <a:solidFill>
-            <a:schemeClr val="accent6"/>
-          </a:solidFill>
-          <a:ln>
-            <a:solidFill>
-              <a:schemeClr val="tx1"/>
-            </a:solidFill>
-          </a:ln>
-        </p:spPr>
-        <p:txBody>
-          <a:bodyPr wrap="square" rtlCol="0">
-            <a:spAutoFit/>
-          </a:bodyPr>
-          <a:lstStyle/>
-          <a:p>
-            <a:pPr algn="ctr"/>
-            <a:r>
-              <a:rPr lang="da-DK" dirty="0" smtClean="0"/>
-              <a:t>Pool3</a:t>
-            </a:r>
-            <a:endParaRPr lang="da-DK" dirty="0"/>
-          </a:p>
-        </p:txBody>
-      </p:sp>
-      <p:sp>
-        <p:nvSpPr>
-          <p:cNvPr id="21" name="Tekstfelt 20"/>
-          <p:cNvSpPr txBox="1"/>
-          <p:nvPr/>
-        </p:nvSpPr>
-        <p:spPr>
-          <a:xfrm rot="16200000">
-            <a:off x="5446695" y="3218688"/>
-            <a:ext cx="2231136" cy="369332"/>
-          </a:xfrm>
-          <a:prstGeom prst="rect">
-            <a:avLst/>
-          </a:prstGeom>
-          <a:solidFill>
-            <a:schemeClr val="accent2"/>
-          </a:solidFill>
-          <a:ln>
-            <a:solidFill>
-              <a:schemeClr val="tx1"/>
-            </a:solidFill>
-          </a:ln>
-        </p:spPr>
-        <p:txBody>
-          <a:bodyPr wrap="square" rtlCol="0">
-            <a:spAutoFit/>
-          </a:bodyPr>
-          <a:lstStyle/>
-          <a:p>
-            <a:pPr algn="ctr"/>
-            <a:r>
-              <a:rPr lang="da-DK" dirty="0" smtClean="0"/>
-              <a:t>Conv4_2</a:t>
-            </a:r>
-            <a:endParaRPr lang="da-DK" dirty="0"/>
-          </a:p>
-        </p:txBody>
-      </p:sp>
-      <p:sp>
-        <p:nvSpPr>
-          <p:cNvPr id="22" name="Tekstfelt 21"/>
-          <p:cNvSpPr txBox="1"/>
-          <p:nvPr/>
-        </p:nvSpPr>
-        <p:spPr>
-          <a:xfrm rot="16200000">
-            <a:off x="5077362" y="3218688"/>
-            <a:ext cx="2231136" cy="369332"/>
-          </a:xfrm>
-          <a:prstGeom prst="rect">
-            <a:avLst/>
-          </a:prstGeom>
-          <a:solidFill>
-            <a:schemeClr val="accent2"/>
-          </a:solidFill>
-          <a:ln>
-            <a:solidFill>
-              <a:schemeClr val="tx1"/>
-            </a:solidFill>
-          </a:ln>
-        </p:spPr>
-        <p:txBody>
-          <a:bodyPr wrap="square" rtlCol="0">
-            <a:spAutoFit/>
-          </a:bodyPr>
-          <a:lstStyle/>
-          <a:p>
-            <a:pPr algn="ctr"/>
-            <a:r>
-              <a:rPr lang="da-DK" dirty="0" smtClean="0"/>
-              <a:t>Conv4_1</a:t>
-            </a:r>
-            <a:endParaRPr lang="da-DK" dirty="0"/>
-          </a:p>
-        </p:txBody>
-      </p:sp>
-      <p:sp>
-        <p:nvSpPr>
-          <p:cNvPr id="23" name="Tekstfelt 22"/>
-          <p:cNvSpPr txBox="1"/>
-          <p:nvPr/>
-        </p:nvSpPr>
-        <p:spPr>
-          <a:xfrm rot="16200000">
-            <a:off x="5786131" y="3218686"/>
-            <a:ext cx="2231136" cy="369332"/>
-          </a:xfrm>
-          <a:prstGeom prst="rect">
-            <a:avLst/>
-          </a:prstGeom>
-          <a:solidFill>
-            <a:schemeClr val="accent2"/>
-          </a:solidFill>
-          <a:ln>
-            <a:solidFill>
-              <a:schemeClr val="tx1"/>
-            </a:solidFill>
-          </a:ln>
-        </p:spPr>
-        <p:txBody>
-          <a:bodyPr wrap="square" rtlCol="0">
-            <a:spAutoFit/>
-          </a:bodyPr>
-          <a:lstStyle/>
-          <a:p>
-            <a:pPr algn="ctr"/>
-            <a:r>
-              <a:rPr lang="da-DK" dirty="0" smtClean="0"/>
-              <a:t>Conv4_3</a:t>
-            </a:r>
-            <a:endParaRPr lang="da-DK" dirty="0"/>
-          </a:p>
-        </p:txBody>
-      </p:sp>
-      <p:sp>
-        <p:nvSpPr>
-          <p:cNvPr id="24" name="Tekstfelt 23"/>
-          <p:cNvSpPr txBox="1"/>
-          <p:nvPr/>
-        </p:nvSpPr>
-        <p:spPr>
-          <a:xfrm rot="16200000">
-            <a:off x="6310233" y="3218685"/>
-            <a:ext cx="2231136" cy="369332"/>
-          </a:xfrm>
-          <a:prstGeom prst="rect">
-            <a:avLst/>
-          </a:prstGeom>
-          <a:solidFill>
-            <a:schemeClr val="accent6"/>
-          </a:solidFill>
-          <a:ln>
-            <a:solidFill>
-              <a:schemeClr val="tx1"/>
-            </a:solidFill>
-          </a:ln>
-        </p:spPr>
-        <p:txBody>
-          <a:bodyPr wrap="square" rtlCol="0">
-            <a:spAutoFit/>
-          </a:bodyPr>
-          <a:lstStyle/>
-          <a:p>
-            <a:pPr algn="ctr"/>
-            <a:r>
-              <a:rPr lang="da-DK" dirty="0" smtClean="0"/>
-              <a:t>Pool4</a:t>
-            </a:r>
-            <a:endParaRPr lang="da-DK" dirty="0"/>
-          </a:p>
-        </p:txBody>
-      </p:sp>
-      <p:sp>
-        <p:nvSpPr>
-          <p:cNvPr id="25" name="Tekstfelt 24"/>
-          <p:cNvSpPr txBox="1"/>
-          <p:nvPr/>
-        </p:nvSpPr>
-        <p:spPr>
-          <a:xfrm rot="16200000">
-            <a:off x="7426697" y="3218688"/>
-            <a:ext cx="2231136" cy="369332"/>
-          </a:xfrm>
-          <a:prstGeom prst="rect">
-            <a:avLst/>
-          </a:prstGeom>
-          <a:solidFill>
-            <a:schemeClr val="accent2"/>
-          </a:solidFill>
-          <a:ln>
-            <a:solidFill>
-              <a:schemeClr val="tx1"/>
-            </a:solidFill>
-          </a:ln>
-        </p:spPr>
-        <p:txBody>
-          <a:bodyPr wrap="square" rtlCol="0">
-            <a:spAutoFit/>
-          </a:bodyPr>
-          <a:lstStyle/>
-          <a:p>
-            <a:pPr algn="ctr"/>
-            <a:r>
-              <a:rPr lang="da-DK" dirty="0" smtClean="0"/>
-              <a:t>Conv5_2</a:t>
-            </a:r>
-            <a:endParaRPr lang="da-DK" dirty="0"/>
-          </a:p>
-        </p:txBody>
-      </p:sp>
-      <p:sp>
-        <p:nvSpPr>
-          <p:cNvPr id="26" name="Tekstfelt 25"/>
-          <p:cNvSpPr txBox="1"/>
-          <p:nvPr/>
-        </p:nvSpPr>
-        <p:spPr>
-          <a:xfrm rot="16200000">
-            <a:off x="7057364" y="3218688"/>
-            <a:ext cx="2231136" cy="369332"/>
-          </a:xfrm>
-          <a:prstGeom prst="rect">
-            <a:avLst/>
-          </a:prstGeom>
-          <a:solidFill>
-            <a:schemeClr val="accent2"/>
-          </a:solidFill>
-          <a:ln>
-            <a:solidFill>
-              <a:schemeClr val="tx1"/>
-            </a:solidFill>
-          </a:ln>
-        </p:spPr>
-        <p:txBody>
-          <a:bodyPr wrap="square" rtlCol="0">
-            <a:spAutoFit/>
-          </a:bodyPr>
-          <a:lstStyle/>
-          <a:p>
-            <a:pPr algn="ctr"/>
-            <a:r>
-              <a:rPr lang="da-DK" dirty="0" smtClean="0"/>
-              <a:t>Conv5_1</a:t>
-            </a:r>
-            <a:endParaRPr lang="da-DK" dirty="0"/>
-          </a:p>
-        </p:txBody>
-      </p:sp>
-      <p:sp>
-        <p:nvSpPr>
-          <p:cNvPr id="27" name="Tekstfelt 26"/>
-          <p:cNvSpPr txBox="1"/>
-          <p:nvPr/>
-        </p:nvSpPr>
-        <p:spPr>
-          <a:xfrm rot="16200000">
-            <a:off x="7766133" y="3218686"/>
-            <a:ext cx="2231136" cy="369332"/>
-          </a:xfrm>
-          <a:prstGeom prst="rect">
-            <a:avLst/>
-          </a:prstGeom>
-          <a:solidFill>
-            <a:schemeClr val="accent2"/>
-          </a:solidFill>
-          <a:ln>
-            <a:solidFill>
-              <a:schemeClr val="tx1"/>
-            </a:solidFill>
-          </a:ln>
-        </p:spPr>
-        <p:txBody>
-          <a:bodyPr wrap="square" rtlCol="0">
-            <a:spAutoFit/>
-          </a:bodyPr>
-          <a:lstStyle/>
-          <a:p>
-            <a:pPr algn="ctr"/>
-            <a:r>
-              <a:rPr lang="da-DK" dirty="0" smtClean="0"/>
-              <a:t>Conv5_3</a:t>
-            </a:r>
-            <a:endParaRPr lang="da-DK" dirty="0"/>
-          </a:p>
-        </p:txBody>
-      </p:sp>
-      <p:sp>
-        <p:nvSpPr>
-          <p:cNvPr id="28" name="Tekstfelt 27"/>
-          <p:cNvSpPr txBox="1"/>
-          <p:nvPr/>
-        </p:nvSpPr>
-        <p:spPr>
-          <a:xfrm rot="16200000">
-            <a:off x="8290235" y="3218685"/>
-            <a:ext cx="2231136" cy="369332"/>
-          </a:xfrm>
-          <a:prstGeom prst="rect">
-            <a:avLst/>
-          </a:prstGeom>
-          <a:solidFill>
-            <a:schemeClr val="accent6"/>
-          </a:solidFill>
-          <a:ln>
-            <a:solidFill>
-              <a:schemeClr val="tx1"/>
-            </a:solidFill>
-          </a:ln>
-        </p:spPr>
-        <p:txBody>
-          <a:bodyPr wrap="square" rtlCol="0">
-            <a:spAutoFit/>
-          </a:bodyPr>
-          <a:lstStyle/>
-          <a:p>
-            <a:pPr algn="ctr"/>
-            <a:r>
-              <a:rPr lang="da-DK" dirty="0" smtClean="0"/>
-              <a:t>Pool5</a:t>
-            </a:r>
-            <a:endParaRPr lang="da-DK" dirty="0"/>
-          </a:p>
-        </p:txBody>
-      </p:sp>
-      <p:sp>
-        <p:nvSpPr>
-          <p:cNvPr id="29" name="Tekstfelt 28"/>
-          <p:cNvSpPr txBox="1"/>
-          <p:nvPr/>
-        </p:nvSpPr>
-        <p:spPr>
-          <a:xfrm rot="16200000">
-            <a:off x="9037366" y="3218685"/>
-            <a:ext cx="2231136" cy="369332"/>
-          </a:xfrm>
-          <a:prstGeom prst="rect">
-            <a:avLst/>
-          </a:prstGeom>
-          <a:solidFill>
-            <a:srgbClr val="C00000"/>
-          </a:solidFill>
-          <a:ln>
-            <a:solidFill>
-              <a:schemeClr val="tx1"/>
-            </a:solidFill>
-          </a:ln>
-        </p:spPr>
-        <p:txBody>
-          <a:bodyPr wrap="square" rtlCol="0">
-            <a:spAutoFit/>
-          </a:bodyPr>
-          <a:lstStyle/>
-          <a:p>
-            <a:pPr algn="ctr"/>
-            <a:r>
-              <a:rPr lang="da-DK" dirty="0"/>
-              <a:t>f</a:t>
-            </a:r>
-            <a:r>
-              <a:rPr lang="da-DK" dirty="0" smtClean="0"/>
-              <a:t>c6 </a:t>
-            </a:r>
-            <a:r>
-              <a:rPr lang="mr-IN" dirty="0" smtClean="0"/>
-              <a:t>–</a:t>
-            </a:r>
-            <a:r>
-              <a:rPr lang="da-DK" dirty="0" smtClean="0"/>
-              <a:t> drop6</a:t>
-            </a:r>
-            <a:endParaRPr lang="da-DK" dirty="0"/>
-          </a:p>
-        </p:txBody>
-      </p:sp>
-      <p:sp>
-        <p:nvSpPr>
-          <p:cNvPr id="30" name="Tekstfelt 29"/>
-          <p:cNvSpPr txBox="1"/>
-          <p:nvPr/>
-        </p:nvSpPr>
-        <p:spPr>
-          <a:xfrm rot="16200000">
-            <a:off x="9599831" y="3218688"/>
-            <a:ext cx="2231136" cy="369332"/>
-          </a:xfrm>
-          <a:prstGeom prst="rect">
-            <a:avLst/>
-          </a:prstGeom>
-          <a:solidFill>
-            <a:srgbClr val="C00000"/>
-          </a:solidFill>
-          <a:ln>
-            <a:solidFill>
-              <a:schemeClr val="tx1"/>
-            </a:solidFill>
-          </a:ln>
-        </p:spPr>
-        <p:txBody>
-          <a:bodyPr wrap="square" rtlCol="0">
-            <a:spAutoFit/>
-          </a:bodyPr>
-          <a:lstStyle/>
-          <a:p>
-            <a:pPr algn="ctr"/>
-            <a:r>
-              <a:rPr lang="da-DK" dirty="0" smtClean="0"/>
-              <a:t>fc7 </a:t>
-            </a:r>
-            <a:r>
-              <a:rPr lang="mr-IN" dirty="0" smtClean="0"/>
-              <a:t>–</a:t>
-            </a:r>
-            <a:r>
-              <a:rPr lang="da-DK" dirty="0" smtClean="0"/>
-              <a:t> drop7</a:t>
-            </a:r>
-            <a:endParaRPr lang="da-DK" dirty="0"/>
-          </a:p>
-        </p:txBody>
-      </p:sp>
-      <p:sp>
-        <p:nvSpPr>
-          <p:cNvPr id="31" name="Tekstfelt 30"/>
-          <p:cNvSpPr txBox="1"/>
-          <p:nvPr/>
-        </p:nvSpPr>
-        <p:spPr>
-          <a:xfrm rot="16200000">
-            <a:off x="10162296" y="3218685"/>
-            <a:ext cx="2231136" cy="369332"/>
-          </a:xfrm>
-          <a:prstGeom prst="rect">
-            <a:avLst/>
-          </a:prstGeom>
-          <a:solidFill>
-            <a:srgbClr val="C00000"/>
-          </a:solidFill>
-          <a:ln>
-            <a:solidFill>
-              <a:schemeClr val="tx1"/>
-            </a:solidFill>
-          </a:ln>
-        </p:spPr>
-        <p:txBody>
-          <a:bodyPr wrap="square" rtlCol="0">
-            <a:spAutoFit/>
-          </a:bodyPr>
-          <a:lstStyle/>
-          <a:p>
-            <a:pPr algn="ctr"/>
-            <a:r>
-              <a:rPr lang="da-DK" dirty="0" smtClean="0"/>
-              <a:t>fc8</a:t>
-            </a:r>
-            <a:endParaRPr lang="da-DK" dirty="0"/>
-          </a:p>
-        </p:txBody>
-      </p:sp>
-      <p:sp>
-        <p:nvSpPr>
-          <p:cNvPr id="33" name="Tekstfelt 32"/>
-          <p:cNvSpPr txBox="1"/>
-          <p:nvPr/>
-        </p:nvSpPr>
-        <p:spPr>
-          <a:xfrm rot="16200000">
-            <a:off x="10873415" y="3218685"/>
-            <a:ext cx="2231136" cy="369332"/>
-          </a:xfrm>
-          <a:prstGeom prst="rect">
-            <a:avLst/>
-          </a:prstGeom>
-          <a:solidFill>
-            <a:schemeClr val="bg1"/>
-          </a:solidFill>
-          <a:ln>
-            <a:solidFill>
-              <a:schemeClr val="tx1"/>
-            </a:solidFill>
-          </a:ln>
-        </p:spPr>
-        <p:txBody>
-          <a:bodyPr wrap="square" rtlCol="0">
-            <a:spAutoFit/>
-          </a:bodyPr>
-          <a:lstStyle/>
-          <a:p>
-            <a:pPr algn="ctr"/>
-            <a:r>
-              <a:rPr lang="da-DK" dirty="0" smtClean="0"/>
-              <a:t>Prop</a:t>
-            </a:r>
-            <a:endParaRPr lang="da-DK" dirty="0"/>
-          </a:p>
-        </p:txBody>
-      </p:sp>
-      <p:cxnSp>
-        <p:nvCxnSpPr>
-          <p:cNvPr id="34" name="Lige pilforbindelse 33"/>
-          <p:cNvCxnSpPr>
-            <a:stCxn id="5" idx="2"/>
-            <a:endCxn id="15" idx="0"/>
-          </p:cNvCxnSpPr>
-          <p:nvPr/>
-        </p:nvCxnSpPr>
-        <p:spPr>
-          <a:xfrm flipV="1">
-            <a:off x="2009897" y="3403353"/>
-            <a:ext cx="377800" cy="1"/>
-          </a:xfrm>
-          <a:prstGeom prst="straightConnector1">
-            <a:avLst/>
+          <a:xfrm rot="5400000">
+            <a:off x="7237274" y="1477524"/>
+            <a:ext cx="899757" cy="1226389"/>
+          </a:xfrm>
+          <a:prstGeom prst="curvedConnector3">
+            <a:avLst>
+              <a:gd name="adj1" fmla="val 50000"/>
+            </a:avLst>
           </a:prstGeom>
           <a:ln w="38100">
             <a:solidFill>
@@ -6660,20 +7619,142 @@
       </p:cxnSp>
       <p:cxnSp>
         <p:nvCxnSpPr>
-          <p:cNvPr id="37" name="Lige pilforbindelse 36"/>
+          <p:cNvPr id="14" name="Buet forbindelse 13"/>
+          <p:cNvCxnSpPr>
+            <a:stCxn id="41" idx="3"/>
+            <a:endCxn id="17" idx="1"/>
+          </p:cNvCxnSpPr>
+          <p:nvPr/>
+        </p:nvCxnSpPr>
+        <p:spPr>
+          <a:xfrm>
+            <a:off x="6911952" y="1348986"/>
+            <a:ext cx="703871" cy="107188"/>
+          </a:xfrm>
+          <a:prstGeom prst="curvedConnector3">
+            <a:avLst>
+              <a:gd name="adj1" fmla="val 50000"/>
+            </a:avLst>
+          </a:prstGeom>
+          <a:ln w="38100">
+            <a:solidFill>
+              <a:schemeClr val="tx1"/>
+            </a:solidFill>
+            <a:tailEnd type="triangle"/>
+          </a:ln>
+        </p:spPr>
+        <p:style>
+          <a:lnRef idx="1">
+            <a:schemeClr val="accent1"/>
+          </a:lnRef>
+          <a:fillRef idx="0">
+            <a:schemeClr val="accent1"/>
+          </a:fillRef>
+          <a:effectRef idx="0">
+            <a:schemeClr val="accent1"/>
+          </a:effectRef>
+          <a:fontRef idx="minor">
+            <a:schemeClr val="tx1"/>
+          </a:fontRef>
+        </p:style>
+      </p:cxnSp>
+      <p:sp>
+        <p:nvSpPr>
+          <p:cNvPr id="16" name="Tekstfelt 15"/>
+          <p:cNvSpPr txBox="1"/>
+          <p:nvPr/>
+        </p:nvSpPr>
+        <p:spPr>
+          <a:xfrm>
+            <a:off x="6532090" y="2540597"/>
+            <a:ext cx="1083733" cy="369332"/>
+          </a:xfrm>
+          <a:prstGeom prst="rect">
+            <a:avLst/>
+          </a:prstGeom>
+          <a:solidFill>
+            <a:schemeClr val="bg1">
+              <a:lumMod val="50000"/>
+            </a:schemeClr>
+          </a:solidFill>
+        </p:spPr>
+        <p:txBody>
+          <a:bodyPr wrap="square" rtlCol="0">
+            <a:spAutoFit/>
+          </a:bodyPr>
+          <a:lstStyle/>
+          <a:p>
+            <a:r>
+              <a:rPr lang="da-DK" dirty="0" err="1" smtClean="0"/>
+              <a:t>Proposals</a:t>
+            </a:r>
+            <a:endParaRPr lang="da-DK" dirty="0" smtClean="0"/>
+          </a:p>
+        </p:txBody>
+      </p:sp>
+      <p:sp>
+        <p:nvSpPr>
+          <p:cNvPr id="17" name="Tekstfelt 16"/>
+          <p:cNvSpPr txBox="1"/>
+          <p:nvPr/>
+        </p:nvSpPr>
+        <p:spPr>
+          <a:xfrm>
+            <a:off x="7615823" y="1271508"/>
+            <a:ext cx="1369046" cy="369332"/>
+          </a:xfrm>
+          <a:prstGeom prst="rect">
+            <a:avLst/>
+          </a:prstGeom>
+          <a:solidFill>
+            <a:schemeClr val="tx2">
+              <a:lumMod val="40000"/>
+              <a:lumOff val="60000"/>
+            </a:schemeClr>
+          </a:solidFill>
+          <a:ln>
+            <a:solidFill>
+              <a:schemeClr val="tx1"/>
+            </a:solidFill>
+          </a:ln>
+        </p:spPr>
+        <p:txBody>
+          <a:bodyPr wrap="square" rtlCol="0">
+            <a:spAutoFit/>
+          </a:bodyPr>
+          <a:lstStyle/>
+          <a:p>
+            <a:r>
+              <a:rPr lang="da-DK" dirty="0" smtClean="0"/>
+              <a:t>Post </a:t>
+            </a:r>
+            <a:r>
+              <a:rPr lang="da-DK" dirty="0" err="1" smtClean="0"/>
+              <a:t>process</a:t>
+            </a:r>
+            <a:endParaRPr lang="da-DK" dirty="0" smtClean="0"/>
+          </a:p>
+        </p:txBody>
+      </p:sp>
+      <p:cxnSp>
+        <p:nvCxnSpPr>
+          <p:cNvPr id="19" name="Buet forbindelse 18"/>
           <p:cNvCxnSpPr>
             <a:stCxn id="16" idx="2"/>
-            <a:endCxn id="18" idx="0"/>
+            <a:endCxn id="50" idx="1"/>
           </p:cNvCxnSpPr>
           <p:nvPr/>
         </p:nvCxnSpPr>
         <p:spPr>
-          <a:xfrm>
-            <a:off x="3650463" y="3403352"/>
-            <a:ext cx="377799" cy="2"/>
-          </a:xfrm>
-          <a:prstGeom prst="straightConnector1">
-            <a:avLst/>
+          <a:xfrm rot="5400000">
+            <a:off x="6700475" y="3202115"/>
+            <a:ext cx="665669" cy="81296"/>
+          </a:xfrm>
+          <a:prstGeom prst="curvedConnector4">
+            <a:avLst>
+              <a:gd name="adj1" fmla="val 22259"/>
+              <a:gd name="adj2" fmla="val 381195"/>
+            </a:avLst>
           </a:prstGeom>
           <a:ln w="38100">
             <a:solidFill>
@@ -6699,20 +7780,22 @@
       </p:cxnSp>
       <p:cxnSp>
         <p:nvCxnSpPr>
-          <p:cNvPr id="40" name="Lige pilforbindelse 39"/>
+          <p:cNvPr id="20" name="Buet forbindelse 19"/>
           <p:cNvCxnSpPr>
-            <a:stCxn id="14" idx="2"/>
-            <a:endCxn id="16" idx="0"/>
+            <a:stCxn id="5" idx="3"/>
+            <a:endCxn id="50" idx="1"/>
           </p:cNvCxnSpPr>
           <p:nvPr/>
         </p:nvCxnSpPr>
         <p:spPr>
-          <a:xfrm flipV="1">
-            <a:off x="3126362" y="3403352"/>
-            <a:ext cx="154769" cy="1"/>
-          </a:xfrm>
-          <a:prstGeom prst="straightConnector1">
-            <a:avLst/>
+          <a:xfrm>
+            <a:off x="6079967" y="3441881"/>
+            <a:ext cx="912694" cy="133717"/>
+          </a:xfrm>
+          <a:prstGeom prst="curvedConnector3">
+            <a:avLst>
+              <a:gd name="adj1" fmla="val 50000"/>
+            </a:avLst>
           </a:prstGeom>
           <a:ln w="38100">
             <a:solidFill>
@@ -6738,20 +7821,19 @@
       </p:cxnSp>
       <p:cxnSp>
         <p:nvCxnSpPr>
-          <p:cNvPr id="43" name="Lige pilforbindelse 42"/>
-          <p:cNvCxnSpPr>
-            <a:stCxn id="19" idx="2"/>
-            <a:endCxn id="20" idx="0"/>
-          </p:cNvCxnSpPr>
+          <p:cNvPr id="21" name="Buet forbindelse 20"/>
+          <p:cNvCxnSpPr/>
           <p:nvPr/>
         </p:nvCxnSpPr>
         <p:spPr>
-          <a:xfrm>
-            <a:off x="5106363" y="3403352"/>
-            <a:ext cx="154770" cy="0"/>
-          </a:xfrm>
-          <a:prstGeom prst="straightConnector1">
-            <a:avLst/>
+          <a:xfrm flipV="1">
+            <a:off x="4528372" y="3441881"/>
+            <a:ext cx="467862" cy="5855"/>
+          </a:xfrm>
+          <a:prstGeom prst="curvedConnector3">
+            <a:avLst>
+              <a:gd name="adj1" fmla="val 50000"/>
+            </a:avLst>
           </a:prstGeom>
           <a:ln w="38100">
             <a:solidFill>
@@ -6777,20 +7859,1253 @@
       </p:cxnSp>
       <p:cxnSp>
         <p:nvCxnSpPr>
-          <p:cNvPr id="46" name="Lige pilforbindelse 45"/>
+          <p:cNvPr id="22" name="Buet forbindelse 21"/>
+          <p:cNvCxnSpPr>
+            <a:stCxn id="25" idx="3"/>
+          </p:cNvCxnSpPr>
+          <p:nvPr/>
+        </p:nvCxnSpPr>
+        <p:spPr>
+          <a:xfrm>
+            <a:off x="2230424" y="3436120"/>
+            <a:ext cx="456345" cy="11616"/>
+          </a:xfrm>
+          <a:prstGeom prst="curvedConnector3">
+            <a:avLst>
+              <a:gd name="adj1" fmla="val 50000"/>
+            </a:avLst>
+          </a:prstGeom>
+          <a:ln w="38100">
+            <a:solidFill>
+              <a:schemeClr val="tx1"/>
+            </a:solidFill>
+            <a:tailEnd type="triangle"/>
+          </a:ln>
+        </p:spPr>
+        <p:style>
+          <a:lnRef idx="1">
+            <a:schemeClr val="accent1"/>
+          </a:lnRef>
+          <a:fillRef idx="0">
+            <a:schemeClr val="accent1"/>
+          </a:fillRef>
+          <a:effectRef idx="0">
+            <a:schemeClr val="accent1"/>
+          </a:effectRef>
+          <a:fontRef idx="minor">
+            <a:schemeClr val="tx1"/>
+          </a:fontRef>
+        </p:style>
+      </p:cxnSp>
+      <p:sp>
+        <p:nvSpPr>
+          <p:cNvPr id="33" name="Tekstfelt 32"/>
+          <p:cNvSpPr txBox="1"/>
+          <p:nvPr/>
+        </p:nvSpPr>
+        <p:spPr>
+          <a:xfrm>
+            <a:off x="8729663" y="2304140"/>
+            <a:ext cx="1338939" cy="369332"/>
+          </a:xfrm>
+          <a:prstGeom prst="rect">
+            <a:avLst/>
+          </a:prstGeom>
+          <a:solidFill>
+            <a:schemeClr val="tx2">
+              <a:lumMod val="40000"/>
+              <a:lumOff val="60000"/>
+            </a:schemeClr>
+          </a:solidFill>
+          <a:ln>
+            <a:solidFill>
+              <a:schemeClr val="tx1"/>
+            </a:solidFill>
+          </a:ln>
+        </p:spPr>
+        <p:txBody>
+          <a:bodyPr wrap="square" rtlCol="0">
+            <a:spAutoFit/>
+          </a:bodyPr>
+          <a:lstStyle/>
+          <a:p>
+            <a:r>
+              <a:rPr lang="da-DK" dirty="0"/>
+              <a:t>Post </a:t>
+            </a:r>
+            <a:r>
+              <a:rPr lang="da-DK" dirty="0" err="1"/>
+              <a:t>process</a:t>
+            </a:r>
+            <a:endParaRPr lang="da-DK" dirty="0"/>
+          </a:p>
+        </p:txBody>
+      </p:sp>
+      <p:cxnSp>
+        <p:nvCxnSpPr>
+          <p:cNvPr id="37" name="Buet forbindelse 36"/>
+          <p:cNvCxnSpPr>
+            <a:endCxn id="23" idx="1"/>
+          </p:cNvCxnSpPr>
+          <p:nvPr/>
+        </p:nvCxnSpPr>
+        <p:spPr>
+          <a:xfrm rot="16200000" flipH="1">
+            <a:off x="9989187" y="2706721"/>
+            <a:ext cx="775812" cy="616982"/>
+          </a:xfrm>
+          <a:prstGeom prst="curvedConnector2">
+            <a:avLst/>
+          </a:prstGeom>
+          <a:ln w="38100">
+            <a:solidFill>
+              <a:schemeClr val="tx1"/>
+            </a:solidFill>
+            <a:tailEnd type="triangle"/>
+          </a:ln>
+        </p:spPr>
+        <p:style>
+          <a:lnRef idx="1">
+            <a:schemeClr val="accent1"/>
+          </a:lnRef>
+          <a:fillRef idx="0">
+            <a:schemeClr val="accent1"/>
+          </a:fillRef>
+          <a:effectRef idx="0">
+            <a:schemeClr val="accent1"/>
+          </a:effectRef>
+          <a:fontRef idx="minor">
+            <a:schemeClr val="tx1"/>
+          </a:fontRef>
+        </p:style>
+      </p:cxnSp>
+      <p:sp>
+        <p:nvSpPr>
+          <p:cNvPr id="40" name="Tekstfelt 39"/>
+          <p:cNvSpPr txBox="1"/>
+          <p:nvPr/>
+        </p:nvSpPr>
+        <p:spPr>
+          <a:xfrm>
+            <a:off x="2686771" y="2909929"/>
+            <a:ext cx="1822316" cy="1200329"/>
+          </a:xfrm>
+          <a:prstGeom prst="rect">
+            <a:avLst/>
+          </a:prstGeom>
+          <a:solidFill>
+            <a:schemeClr val="accent1"/>
+          </a:solidFill>
+        </p:spPr>
+        <p:txBody>
+          <a:bodyPr wrap="square" rtlCol="0">
+            <a:spAutoFit/>
+          </a:bodyPr>
+          <a:lstStyle/>
+          <a:p>
+            <a:pPr algn="ctr"/>
+            <a:r>
+              <a:rPr lang="da-DK" sz="2400" b="1" dirty="0" smtClean="0"/>
+              <a:t>Feature </a:t>
+            </a:r>
+            <a:r>
+              <a:rPr lang="da-DK" sz="2400" b="1" dirty="0" err="1" smtClean="0"/>
+              <a:t>extractor</a:t>
+            </a:r>
+            <a:endParaRPr lang="da-DK" sz="2400" b="1" dirty="0" smtClean="0"/>
+          </a:p>
+          <a:p>
+            <a:pPr algn="ctr"/>
+            <a:endParaRPr lang="da-DK" sz="2400" b="1" dirty="0"/>
+          </a:p>
+        </p:txBody>
+      </p:sp>
+      <p:sp>
+        <p:nvSpPr>
+          <p:cNvPr id="41" name="Tekstfelt 40"/>
+          <p:cNvSpPr txBox="1"/>
+          <p:nvPr/>
+        </p:nvSpPr>
+        <p:spPr>
+          <a:xfrm>
+            <a:off x="4919744" y="979654"/>
+            <a:ext cx="1992208" cy="738664"/>
+          </a:xfrm>
+          <a:prstGeom prst="rect">
+            <a:avLst/>
+          </a:prstGeom>
+          <a:solidFill>
+            <a:schemeClr val="accent1">
+              <a:lumMod val="60000"/>
+              <a:lumOff val="40000"/>
+            </a:schemeClr>
+          </a:solidFill>
+        </p:spPr>
+        <p:txBody>
+          <a:bodyPr wrap="square" rtlCol="0">
+            <a:spAutoFit/>
+          </a:bodyPr>
+          <a:lstStyle/>
+          <a:p>
+            <a:r>
+              <a:rPr lang="da-DK" sz="2400" b="1" dirty="0" smtClean="0"/>
+              <a:t>RPN</a:t>
+            </a:r>
+          </a:p>
+          <a:p>
+            <a:endParaRPr lang="da-DK" b="1" dirty="0"/>
+          </a:p>
+        </p:txBody>
+      </p:sp>
+      <p:sp>
+        <p:nvSpPr>
+          <p:cNvPr id="50" name="Tekstfelt 49"/>
+          <p:cNvSpPr txBox="1"/>
+          <p:nvPr/>
+        </p:nvSpPr>
+        <p:spPr>
+          <a:xfrm>
+            <a:off x="6992661" y="3206266"/>
+            <a:ext cx="1992208" cy="738664"/>
+          </a:xfrm>
+          <a:prstGeom prst="rect">
+            <a:avLst/>
+          </a:prstGeom>
+          <a:solidFill>
+            <a:schemeClr val="accent1">
+              <a:lumMod val="60000"/>
+              <a:lumOff val="40000"/>
+            </a:schemeClr>
+          </a:solidFill>
+        </p:spPr>
+        <p:txBody>
+          <a:bodyPr wrap="square" rtlCol="0">
+            <a:spAutoFit/>
+          </a:bodyPr>
+          <a:lstStyle/>
+          <a:p>
+            <a:r>
+              <a:rPr lang="da-DK" sz="2400" b="1" dirty="0" smtClean="0"/>
+              <a:t>Fast R-CNN</a:t>
+            </a:r>
+          </a:p>
+          <a:p>
+            <a:endParaRPr lang="da-DK" b="1" dirty="0"/>
+          </a:p>
+        </p:txBody>
+      </p:sp>
+      <p:cxnSp>
+        <p:nvCxnSpPr>
+          <p:cNvPr id="56" name="Buet forbindelse 55"/>
+          <p:cNvCxnSpPr>
+            <a:stCxn id="50" idx="3"/>
+            <a:endCxn id="33" idx="2"/>
+          </p:cNvCxnSpPr>
+          <p:nvPr/>
+        </p:nvCxnSpPr>
+        <p:spPr>
+          <a:xfrm flipV="1">
+            <a:off x="8984869" y="2673472"/>
+            <a:ext cx="414264" cy="902126"/>
+          </a:xfrm>
+          <a:prstGeom prst="curvedConnector2">
+            <a:avLst/>
+          </a:prstGeom>
+          <a:ln w="38100">
+            <a:solidFill>
+              <a:schemeClr val="tx1"/>
+            </a:solidFill>
+            <a:tailEnd type="triangle"/>
+          </a:ln>
+        </p:spPr>
+        <p:style>
+          <a:lnRef idx="1">
+            <a:schemeClr val="accent1"/>
+          </a:lnRef>
+          <a:fillRef idx="0">
+            <a:schemeClr val="accent1"/>
+          </a:fillRef>
+          <a:effectRef idx="0">
+            <a:schemeClr val="accent1"/>
+          </a:effectRef>
+          <a:fontRef idx="minor">
+            <a:schemeClr val="tx1"/>
+          </a:fontRef>
+        </p:style>
+      </p:cxnSp>
+      <p:sp>
+        <p:nvSpPr>
+          <p:cNvPr id="23" name="Tekstfelt 22"/>
+          <p:cNvSpPr txBox="1"/>
+          <p:nvPr/>
+        </p:nvSpPr>
+        <p:spPr>
+          <a:xfrm>
+            <a:off x="10685584" y="3049175"/>
+            <a:ext cx="1248919" cy="707886"/>
+          </a:xfrm>
+          <a:prstGeom prst="rect">
+            <a:avLst/>
+          </a:prstGeom>
+          <a:solidFill>
+            <a:schemeClr val="bg1">
+              <a:lumMod val="50000"/>
+            </a:schemeClr>
+          </a:solidFill>
+        </p:spPr>
+        <p:txBody>
+          <a:bodyPr wrap="square" rtlCol="0">
+            <a:spAutoFit/>
+          </a:bodyPr>
+          <a:lstStyle/>
+          <a:p>
+            <a:pPr algn="ctr"/>
+            <a:r>
+              <a:rPr lang="da-DK" sz="2000" b="1" dirty="0" smtClean="0"/>
+              <a:t>Final</a:t>
+            </a:r>
+            <a:endParaRPr lang="da-DK" sz="2000" b="1" dirty="0" smtClean="0"/>
+          </a:p>
+          <a:p>
+            <a:pPr algn="ctr"/>
+            <a:r>
+              <a:rPr lang="da-DK" sz="2000" b="1" dirty="0" err="1" smtClean="0"/>
+              <a:t>proposals</a:t>
+            </a:r>
+            <a:endParaRPr lang="da-DK" sz="2000" b="1" dirty="0"/>
+          </a:p>
+        </p:txBody>
+      </p:sp>
+      <p:sp>
+        <p:nvSpPr>
+          <p:cNvPr id="25" name="Tekstfelt 24"/>
+          <p:cNvSpPr txBox="1"/>
+          <p:nvPr/>
+        </p:nvSpPr>
+        <p:spPr>
+          <a:xfrm>
+            <a:off x="430424" y="2536120"/>
+            <a:ext cx="1800000" cy="1800000"/>
+          </a:xfrm>
+          <a:prstGeom prst="rect">
+            <a:avLst/>
+          </a:prstGeom>
+          <a:solidFill>
+            <a:schemeClr val="bg2"/>
+          </a:solidFill>
+        </p:spPr>
+        <p:txBody>
+          <a:bodyPr wrap="square" rtlCol="0">
+            <a:spAutoFit/>
+          </a:bodyPr>
+          <a:lstStyle/>
+          <a:p>
+            <a:pPr algn="ctr"/>
+            <a:endParaRPr lang="da-DK" sz="2400" b="1" dirty="0" smtClean="0"/>
+          </a:p>
+          <a:p>
+            <a:pPr algn="ctr"/>
+            <a:r>
+              <a:rPr lang="da-DK" sz="2400" b="1" dirty="0" smtClean="0"/>
+              <a:t>Image</a:t>
+            </a:r>
+          </a:p>
+          <a:p>
+            <a:pPr algn="ctr"/>
+            <a:r>
+              <a:rPr lang="da-DK" sz="2400" b="1" dirty="0" smtClean="0"/>
+              <a:t>256x256</a:t>
+            </a:r>
+          </a:p>
+          <a:p>
+            <a:pPr algn="ctr"/>
+            <a:endParaRPr lang="da-DK" sz="2400" b="1" dirty="0"/>
+          </a:p>
+        </p:txBody>
+      </p:sp>
+    </p:spTree>
+    <p:extLst>
+      <p:ext uri="{BB962C8B-B14F-4D97-AF65-F5344CB8AC3E}">
+        <p14:creationId xmlns:p14="http://schemas.microsoft.com/office/powerpoint/2010/main" val="1055251179"/>
+      </p:ext>
+    </p:extLst>
+  </p:cSld>
+  <p:clrMapOvr>
+    <a:masterClrMapping/>
+  </p:clrMapOvr>
+</p:sld>
+</file>
+
+<file path=ppt/slides/slide4.xml><?xml version="1.0" encoding="utf-8"?>
+<p:sld xmlns:a="http://schemas.openxmlformats.org/drawingml/2006/main" xmlns:r="http://schemas.openxmlformats.org/officeDocument/2006/relationships" xmlns:p="http://schemas.openxmlformats.org/presentationml/2006/main">
+  <p:cSld>
+    <p:spTree>
+      <p:nvGrpSpPr>
+        <p:cNvPr id="1" name=""/>
+        <p:cNvGrpSpPr/>
+        <p:nvPr/>
+      </p:nvGrpSpPr>
+      <p:grpSpPr>
+        <a:xfrm>
+          <a:off x="0" y="0"/>
+          <a:ext cx="0" cy="0"/>
+          <a:chOff x="0" y="0"/>
+          <a:chExt cx="0" cy="0"/>
+        </a:xfrm>
+      </p:grpSpPr>
+      <p:sp>
+        <p:nvSpPr>
+          <p:cNvPr id="5" name="Tekstfelt 4"/>
+          <p:cNvSpPr txBox="1"/>
+          <p:nvPr/>
+        </p:nvSpPr>
+        <p:spPr>
+          <a:xfrm>
+            <a:off x="731520" y="2980944"/>
+            <a:ext cx="1800000" cy="1800000"/>
+          </a:xfrm>
+          <a:prstGeom prst="rect">
+            <a:avLst/>
+          </a:prstGeom>
+          <a:solidFill>
+            <a:schemeClr val="bg2"/>
+          </a:solidFill>
+        </p:spPr>
+        <p:txBody>
+          <a:bodyPr wrap="square" rtlCol="0">
+            <a:spAutoFit/>
+          </a:bodyPr>
+          <a:lstStyle/>
+          <a:p>
+            <a:pPr algn="ctr"/>
+            <a:endParaRPr lang="da-DK" sz="2400" b="1" dirty="0" smtClean="0"/>
+          </a:p>
+          <a:p>
+            <a:pPr algn="ctr"/>
+            <a:r>
+              <a:rPr lang="da-DK" sz="2400" b="1" dirty="0" smtClean="0"/>
+              <a:t>Image</a:t>
+            </a:r>
+          </a:p>
+          <a:p>
+            <a:pPr algn="ctr"/>
+            <a:r>
+              <a:rPr lang="da-DK" sz="2400" b="1" dirty="0" smtClean="0"/>
+              <a:t>256x256</a:t>
+            </a:r>
+          </a:p>
+          <a:p>
+            <a:pPr algn="ctr"/>
+            <a:endParaRPr lang="da-DK" sz="2400" b="1" dirty="0"/>
+          </a:p>
+        </p:txBody>
+      </p:sp>
+      <p:sp>
+        <p:nvSpPr>
+          <p:cNvPr id="6" name="Tekstfelt 5"/>
+          <p:cNvSpPr txBox="1"/>
+          <p:nvPr/>
+        </p:nvSpPr>
+        <p:spPr>
+          <a:xfrm>
+            <a:off x="3308563" y="3280779"/>
+            <a:ext cx="1822316" cy="1200329"/>
+          </a:xfrm>
+          <a:prstGeom prst="rect">
+            <a:avLst/>
+          </a:prstGeom>
+          <a:solidFill>
+            <a:schemeClr val="accent1"/>
+          </a:solidFill>
+        </p:spPr>
+        <p:txBody>
+          <a:bodyPr wrap="square" rtlCol="0">
+            <a:spAutoFit/>
+          </a:bodyPr>
+          <a:lstStyle/>
+          <a:p>
+            <a:pPr algn="ctr"/>
+            <a:r>
+              <a:rPr lang="da-DK" sz="2400" b="1" dirty="0" smtClean="0"/>
+              <a:t>Feature </a:t>
+            </a:r>
+            <a:r>
+              <a:rPr lang="da-DK" sz="2400" b="1" dirty="0" err="1" smtClean="0"/>
+              <a:t>extractor</a:t>
+            </a:r>
+            <a:endParaRPr lang="da-DK" sz="2400" b="1" dirty="0" smtClean="0"/>
+          </a:p>
+          <a:p>
+            <a:pPr algn="ctr"/>
+            <a:r>
+              <a:rPr lang="da-DK" sz="2400" b="1" dirty="0" smtClean="0"/>
+              <a:t>VGG16</a:t>
+            </a:r>
+            <a:endParaRPr lang="da-DK" sz="2400" b="1" dirty="0"/>
+          </a:p>
+        </p:txBody>
+      </p:sp>
+      <p:cxnSp>
+        <p:nvCxnSpPr>
+          <p:cNvPr id="7" name="Buet forbindelse 6"/>
+          <p:cNvCxnSpPr>
+            <a:stCxn id="5" idx="3"/>
+            <a:endCxn id="6" idx="1"/>
+          </p:cNvCxnSpPr>
+          <p:nvPr/>
+        </p:nvCxnSpPr>
+        <p:spPr>
+          <a:xfrm>
+            <a:off x="2531520" y="3880944"/>
+            <a:ext cx="777043" cy="12700"/>
+          </a:xfrm>
+          <a:prstGeom prst="curvedConnector3">
+            <a:avLst>
+              <a:gd name="adj1" fmla="val 50000"/>
+            </a:avLst>
+          </a:prstGeom>
+          <a:ln w="38100">
+            <a:solidFill>
+              <a:schemeClr val="tx1"/>
+            </a:solidFill>
+            <a:tailEnd type="triangle"/>
+          </a:ln>
+        </p:spPr>
+        <p:style>
+          <a:lnRef idx="1">
+            <a:schemeClr val="accent1"/>
+          </a:lnRef>
+          <a:fillRef idx="0">
+            <a:schemeClr val="accent1"/>
+          </a:fillRef>
+          <a:effectRef idx="0">
+            <a:schemeClr val="accent1"/>
+          </a:effectRef>
+          <a:fontRef idx="minor">
+            <a:schemeClr val="tx1"/>
+          </a:fontRef>
+        </p:style>
+      </p:cxnSp>
+      <p:sp>
+        <p:nvSpPr>
+          <p:cNvPr id="11" name="Tekstfelt 10"/>
+          <p:cNvSpPr txBox="1"/>
+          <p:nvPr/>
+        </p:nvSpPr>
+        <p:spPr>
+          <a:xfrm>
+            <a:off x="5907922" y="3478145"/>
+            <a:ext cx="2645664" cy="830997"/>
+          </a:xfrm>
+          <a:prstGeom prst="rect">
+            <a:avLst/>
+          </a:prstGeom>
+          <a:solidFill>
+            <a:schemeClr val="bg1">
+              <a:lumMod val="50000"/>
+            </a:schemeClr>
+          </a:solidFill>
+        </p:spPr>
+        <p:txBody>
+          <a:bodyPr wrap="square" rtlCol="0">
+            <a:spAutoFit/>
+          </a:bodyPr>
+          <a:lstStyle/>
+          <a:p>
+            <a:pPr algn="ctr"/>
+            <a:r>
+              <a:rPr lang="da-DK" sz="2400" b="1" dirty="0" smtClean="0"/>
+              <a:t>Last </a:t>
+            </a:r>
+            <a:r>
+              <a:rPr lang="da-DK" sz="2400" b="1" dirty="0" err="1" smtClean="0"/>
+              <a:t>conv</a:t>
+            </a:r>
+            <a:r>
+              <a:rPr lang="da-DK" sz="2400" b="1" dirty="0" smtClean="0"/>
+              <a:t> </a:t>
+            </a:r>
+            <a:r>
+              <a:rPr lang="da-DK" sz="2400" b="1" dirty="0" err="1" smtClean="0"/>
+              <a:t>layer</a:t>
+            </a:r>
+            <a:r>
+              <a:rPr lang="da-DK" sz="2400" b="1" dirty="0" smtClean="0"/>
+              <a:t>/</a:t>
+            </a:r>
+          </a:p>
+          <a:p>
+            <a:pPr algn="ctr"/>
+            <a:r>
+              <a:rPr lang="da-DK" sz="2400" b="1" dirty="0" smtClean="0"/>
+              <a:t>feature </a:t>
+            </a:r>
+            <a:r>
+              <a:rPr lang="da-DK" sz="2400" b="1" dirty="0" err="1" smtClean="0"/>
+              <a:t>map</a:t>
+            </a:r>
+            <a:endParaRPr lang="da-DK" sz="2400" b="1" dirty="0" smtClean="0"/>
+          </a:p>
+        </p:txBody>
+      </p:sp>
+      <p:cxnSp>
+        <p:nvCxnSpPr>
+          <p:cNvPr id="12" name="Buet forbindelse 11"/>
+          <p:cNvCxnSpPr>
+            <a:stCxn id="6" idx="3"/>
+            <a:endCxn id="11" idx="1"/>
+          </p:cNvCxnSpPr>
+          <p:nvPr/>
+        </p:nvCxnSpPr>
+        <p:spPr>
+          <a:xfrm>
+            <a:off x="5130879" y="3880944"/>
+            <a:ext cx="777043" cy="12700"/>
+          </a:xfrm>
+          <a:prstGeom prst="curvedConnector3">
+            <a:avLst>
+              <a:gd name="adj1" fmla="val 50000"/>
+            </a:avLst>
+          </a:prstGeom>
+          <a:ln w="38100">
+            <a:solidFill>
+              <a:schemeClr val="tx1"/>
+            </a:solidFill>
+            <a:tailEnd type="triangle"/>
+          </a:ln>
+        </p:spPr>
+        <p:style>
+          <a:lnRef idx="1">
+            <a:schemeClr val="accent1"/>
+          </a:lnRef>
+          <a:fillRef idx="0">
+            <a:schemeClr val="accent1"/>
+          </a:fillRef>
+          <a:effectRef idx="0">
+            <a:schemeClr val="accent1"/>
+          </a:effectRef>
+          <a:fontRef idx="minor">
+            <a:schemeClr val="tx1"/>
+          </a:fontRef>
+        </p:style>
+      </p:cxnSp>
+      <p:sp>
+        <p:nvSpPr>
+          <p:cNvPr id="15" name="Tekstfelt 14"/>
+          <p:cNvSpPr txBox="1"/>
+          <p:nvPr/>
+        </p:nvSpPr>
+        <p:spPr>
+          <a:xfrm>
+            <a:off x="4156808" y="2624065"/>
+            <a:ext cx="2121408" cy="400110"/>
+          </a:xfrm>
+          <a:prstGeom prst="rect">
+            <a:avLst/>
+          </a:prstGeom>
+          <a:noFill/>
+        </p:spPr>
+        <p:txBody>
+          <a:bodyPr wrap="square" rtlCol="0">
+            <a:spAutoFit/>
+          </a:bodyPr>
+          <a:lstStyle/>
+          <a:p>
+            <a:r>
+              <a:rPr lang="da-DK" sz="2000" dirty="0" smtClean="0"/>
+              <a:t>Output stride = 16</a:t>
+            </a:r>
+            <a:endParaRPr lang="da-DK" sz="2000" dirty="0"/>
+          </a:p>
+        </p:txBody>
+      </p:sp>
+      <p:cxnSp>
+        <p:nvCxnSpPr>
+          <p:cNvPr id="16" name="Buet forbindelse 15"/>
+          <p:cNvCxnSpPr>
+            <a:stCxn id="15" idx="2"/>
+            <a:endCxn id="6" idx="3"/>
+          </p:cNvCxnSpPr>
+          <p:nvPr/>
+        </p:nvCxnSpPr>
+        <p:spPr>
+          <a:xfrm rot="5400000">
+            <a:off x="4745812" y="3409243"/>
+            <a:ext cx="856769" cy="86633"/>
+          </a:xfrm>
+          <a:prstGeom prst="curvedConnector2">
+            <a:avLst/>
+          </a:prstGeom>
+          <a:ln w="38100">
+            <a:solidFill>
+              <a:schemeClr val="tx1"/>
+            </a:solidFill>
+            <a:tailEnd type="triangle"/>
+          </a:ln>
+        </p:spPr>
+        <p:style>
+          <a:lnRef idx="1">
+            <a:schemeClr val="accent1"/>
+          </a:lnRef>
+          <a:fillRef idx="0">
+            <a:schemeClr val="accent1"/>
+          </a:fillRef>
+          <a:effectRef idx="0">
+            <a:schemeClr val="accent1"/>
+          </a:effectRef>
+          <a:fontRef idx="minor">
+            <a:schemeClr val="tx1"/>
+          </a:fontRef>
+        </p:style>
+      </p:cxnSp>
+      <p:sp>
+        <p:nvSpPr>
+          <p:cNvPr id="20" name="Tekstfelt 19"/>
+          <p:cNvSpPr txBox="1"/>
+          <p:nvPr/>
+        </p:nvSpPr>
+        <p:spPr>
+          <a:xfrm>
+            <a:off x="6170050" y="2230305"/>
+            <a:ext cx="2121408" cy="707886"/>
+          </a:xfrm>
+          <a:prstGeom prst="rect">
+            <a:avLst/>
+          </a:prstGeom>
+          <a:noFill/>
+        </p:spPr>
+        <p:txBody>
+          <a:bodyPr wrap="square" rtlCol="0">
+            <a:spAutoFit/>
+          </a:bodyPr>
+          <a:lstStyle/>
+          <a:p>
+            <a:pPr algn="ctr"/>
+            <a:r>
+              <a:rPr lang="da-DK" sz="2000" dirty="0" smtClean="0"/>
+              <a:t>Relu5_3</a:t>
+            </a:r>
+          </a:p>
+          <a:p>
+            <a:pPr algn="ctr"/>
+            <a:r>
+              <a:rPr lang="da-DK" sz="2000" dirty="0" smtClean="0"/>
+              <a:t>512x16x16</a:t>
+            </a:r>
+            <a:endParaRPr lang="da-DK" sz="2000" dirty="0"/>
+          </a:p>
+        </p:txBody>
+      </p:sp>
+      <p:cxnSp>
+        <p:nvCxnSpPr>
+          <p:cNvPr id="21" name="Buet forbindelse 20"/>
           <p:cNvCxnSpPr>
             <a:stCxn id="20" idx="2"/>
-            <a:endCxn id="22" idx="0"/>
+            <a:endCxn id="11" idx="0"/>
           </p:cNvCxnSpPr>
           <p:nvPr/>
         </p:nvCxnSpPr>
         <p:spPr>
-          <a:xfrm>
-            <a:off x="5630465" y="3403352"/>
-            <a:ext cx="377799" cy="2"/>
-          </a:xfrm>
-          <a:prstGeom prst="straightConnector1">
-            <a:avLst/>
+          <a:xfrm rot="5400000">
+            <a:off x="6960777" y="3208168"/>
+            <a:ext cx="539954" cy="12700"/>
+          </a:xfrm>
+          <a:prstGeom prst="curvedConnector3">
+            <a:avLst>
+              <a:gd name="adj1" fmla="val 50000"/>
+            </a:avLst>
+          </a:prstGeom>
+          <a:ln w="38100">
+            <a:solidFill>
+              <a:schemeClr val="tx1"/>
+            </a:solidFill>
+            <a:tailEnd type="triangle"/>
+          </a:ln>
+        </p:spPr>
+        <p:style>
+          <a:lnRef idx="1">
+            <a:schemeClr val="accent1"/>
+          </a:lnRef>
+          <a:fillRef idx="0">
+            <a:schemeClr val="accent1"/>
+          </a:fillRef>
+          <a:effectRef idx="0">
+            <a:schemeClr val="accent1"/>
+          </a:effectRef>
+          <a:fontRef idx="minor">
+            <a:schemeClr val="tx1"/>
+          </a:fontRef>
+        </p:style>
+      </p:cxnSp>
+      <p:pic>
+        <p:nvPicPr>
+          <p:cNvPr id="25" name="Billede 24"/>
+          <p:cNvPicPr>
+            <a:picLocks noChangeAspect="1"/>
+          </p:cNvPicPr>
+          <p:nvPr/>
+        </p:nvPicPr>
+        <p:blipFill rotWithShape="1">
+          <a:blip r:embed="rId2"/>
+          <a:srcRect l="10206" b="8804"/>
+          <a:stretch/>
+        </p:blipFill>
+        <p:spPr>
+          <a:xfrm>
+            <a:off x="9015984" y="2293444"/>
+            <a:ext cx="2907966" cy="2918636"/>
+          </a:xfrm>
+          <a:prstGeom prst="rect">
+            <a:avLst/>
+          </a:prstGeom>
+        </p:spPr>
+      </p:pic>
+      <p:sp>
+        <p:nvSpPr>
+          <p:cNvPr id="26" name="Tekstfelt 25"/>
+          <p:cNvSpPr txBox="1"/>
+          <p:nvPr/>
+        </p:nvSpPr>
+        <p:spPr>
+          <a:xfrm>
+            <a:off x="9212623" y="1830195"/>
+            <a:ext cx="2514687" cy="400110"/>
+          </a:xfrm>
+          <a:prstGeom prst="rect">
+            <a:avLst/>
+          </a:prstGeom>
+          <a:noFill/>
+        </p:spPr>
+        <p:txBody>
+          <a:bodyPr wrap="square" rtlCol="0">
+            <a:spAutoFit/>
+          </a:bodyPr>
+          <a:lstStyle/>
+          <a:p>
+            <a:pPr algn="ctr"/>
+            <a:r>
+              <a:rPr lang="da-DK" sz="2000" smtClean="0"/>
+              <a:t>16x16 </a:t>
+            </a:r>
+            <a:r>
+              <a:rPr lang="da-DK" sz="2000" dirty="0" smtClean="0"/>
+              <a:t>feature output</a:t>
+            </a:r>
+            <a:endParaRPr lang="da-DK" sz="2000" dirty="0"/>
+          </a:p>
+        </p:txBody>
+      </p:sp>
+    </p:spTree>
+    <p:extLst>
+      <p:ext uri="{BB962C8B-B14F-4D97-AF65-F5344CB8AC3E}">
+        <p14:creationId xmlns:p14="http://schemas.microsoft.com/office/powerpoint/2010/main" val="1433406829"/>
+      </p:ext>
+    </p:extLst>
+  </p:cSld>
+  <p:clrMapOvr>
+    <a:masterClrMapping/>
+  </p:clrMapOvr>
+</p:sld>
+</file>
+
+<file path=ppt/slides/slide5.xml><?xml version="1.0" encoding="utf-8"?>
+<p:sld xmlns:a="http://schemas.openxmlformats.org/drawingml/2006/main" xmlns:r="http://schemas.openxmlformats.org/officeDocument/2006/relationships" xmlns:p="http://schemas.openxmlformats.org/presentationml/2006/main">
+  <p:cSld>
+    <p:spTree>
+      <p:nvGrpSpPr>
+        <p:cNvPr id="1" name=""/>
+        <p:cNvGrpSpPr/>
+        <p:nvPr/>
+      </p:nvGrpSpPr>
+      <p:grpSpPr>
+        <a:xfrm>
+          <a:off x="0" y="0"/>
+          <a:ext cx="0" cy="0"/>
+          <a:chOff x="0" y="0"/>
+          <a:chExt cx="0" cy="0"/>
+        </a:xfrm>
+      </p:grpSpPr>
+      <p:pic>
+        <p:nvPicPr>
+          <p:cNvPr id="5" name="Billede 4"/>
+          <p:cNvPicPr>
+            <a:picLocks noChangeAspect="1"/>
+          </p:cNvPicPr>
+          <p:nvPr/>
+        </p:nvPicPr>
+        <p:blipFill rotWithShape="1">
+          <a:blip r:embed="rId2"/>
+          <a:srcRect l="10164" b="8572"/>
+          <a:stretch/>
+        </p:blipFill>
+        <p:spPr>
+          <a:xfrm>
+            <a:off x="128016" y="2029968"/>
+            <a:ext cx="2909316" cy="2926080"/>
+          </a:xfrm>
+          <a:prstGeom prst="rect">
+            <a:avLst/>
+          </a:prstGeom>
+        </p:spPr>
+      </p:pic>
+      <p:sp>
+        <p:nvSpPr>
+          <p:cNvPr id="6" name="Tekstfelt 5"/>
+          <p:cNvSpPr txBox="1"/>
+          <p:nvPr/>
+        </p:nvSpPr>
+        <p:spPr>
+          <a:xfrm>
+            <a:off x="5468112" y="3039147"/>
+            <a:ext cx="1499616" cy="1200329"/>
+          </a:xfrm>
+          <a:prstGeom prst="rect">
+            <a:avLst/>
+          </a:prstGeom>
+          <a:solidFill>
+            <a:schemeClr val="accent1">
+              <a:lumMod val="60000"/>
+              <a:lumOff val="40000"/>
+            </a:schemeClr>
+          </a:solidFill>
+        </p:spPr>
+        <p:txBody>
+          <a:bodyPr wrap="square" rtlCol="0">
+            <a:spAutoFit/>
+          </a:bodyPr>
+          <a:lstStyle/>
+          <a:p>
+            <a:pPr algn="ctr"/>
+            <a:endParaRPr lang="da-DK" sz="2400" b="1" dirty="0" smtClean="0"/>
+          </a:p>
+          <a:p>
+            <a:pPr algn="ctr"/>
+            <a:r>
+              <a:rPr lang="da-DK" sz="2400" b="1" dirty="0" smtClean="0"/>
+              <a:t>3x3 </a:t>
+            </a:r>
+            <a:r>
+              <a:rPr lang="da-DK" sz="2400" b="1" dirty="0" err="1" smtClean="0"/>
+              <a:t>conv</a:t>
+            </a:r>
+            <a:endParaRPr lang="da-DK" sz="2400" b="1" dirty="0" smtClean="0"/>
+          </a:p>
+          <a:p>
+            <a:pPr algn="ctr"/>
+            <a:endParaRPr lang="da-DK" sz="2400" b="1" dirty="0"/>
+          </a:p>
+        </p:txBody>
+      </p:sp>
+      <p:cxnSp>
+        <p:nvCxnSpPr>
+          <p:cNvPr id="7" name="Buet forbindelse 6"/>
+          <p:cNvCxnSpPr>
+            <a:endCxn id="11" idx="1"/>
+          </p:cNvCxnSpPr>
+          <p:nvPr/>
+        </p:nvCxnSpPr>
+        <p:spPr>
+          <a:xfrm>
+            <a:off x="768096" y="2743200"/>
+            <a:ext cx="2579370" cy="896113"/>
+          </a:xfrm>
+          <a:prstGeom prst="curvedConnector3">
+            <a:avLst>
+              <a:gd name="adj1" fmla="val 50000"/>
+            </a:avLst>
+          </a:prstGeom>
+          <a:ln w="38100">
+            <a:solidFill>
+              <a:srgbClr val="FF0000"/>
+            </a:solidFill>
+            <a:tailEnd type="triangle"/>
+          </a:ln>
+        </p:spPr>
+        <p:style>
+          <a:lnRef idx="1">
+            <a:schemeClr val="accent1"/>
+          </a:lnRef>
+          <a:fillRef idx="0">
+            <a:schemeClr val="accent1"/>
+          </a:fillRef>
+          <a:effectRef idx="0">
+            <a:schemeClr val="accent1"/>
+          </a:effectRef>
+          <a:fontRef idx="minor">
+            <a:schemeClr val="tx1"/>
+          </a:fontRef>
+        </p:style>
+      </p:cxnSp>
+      <p:pic>
+        <p:nvPicPr>
+          <p:cNvPr id="11" name="Billede 10"/>
+          <p:cNvPicPr>
+            <a:picLocks noChangeAspect="1"/>
+          </p:cNvPicPr>
+          <p:nvPr/>
+        </p:nvPicPr>
+        <p:blipFill rotWithShape="1">
+          <a:blip r:embed="rId2"/>
+          <a:srcRect l="20594" t="14584" r="62427" b="68700"/>
+          <a:stretch/>
+        </p:blipFill>
+        <p:spPr>
+          <a:xfrm>
+            <a:off x="3347466" y="2980944"/>
+            <a:ext cx="1353312" cy="1316737"/>
+          </a:xfrm>
+          <a:prstGeom prst="rect">
+            <a:avLst/>
+          </a:prstGeom>
+        </p:spPr>
+      </p:pic>
+      <p:sp>
+        <p:nvSpPr>
+          <p:cNvPr id="14" name="Tekstfelt 13"/>
+          <p:cNvSpPr txBox="1"/>
+          <p:nvPr/>
+        </p:nvSpPr>
+        <p:spPr>
+          <a:xfrm>
+            <a:off x="285369" y="1479539"/>
+            <a:ext cx="2148078" cy="400110"/>
+          </a:xfrm>
+          <a:prstGeom prst="rect">
+            <a:avLst/>
+          </a:prstGeom>
+          <a:noFill/>
+        </p:spPr>
+        <p:txBody>
+          <a:bodyPr wrap="square" rtlCol="0">
+            <a:spAutoFit/>
+          </a:bodyPr>
+          <a:lstStyle/>
+          <a:p>
+            <a:r>
+              <a:rPr lang="da-DK" sz="2000" dirty="0" smtClean="0"/>
+              <a:t>3x3 </a:t>
+            </a:r>
+            <a:r>
+              <a:rPr lang="da-DK" sz="2000" dirty="0" err="1" smtClean="0"/>
+              <a:t>slidingwindow</a:t>
+            </a:r>
+            <a:endParaRPr lang="da-DK" sz="2000" dirty="0"/>
+          </a:p>
+        </p:txBody>
+      </p:sp>
+      <p:cxnSp>
+        <p:nvCxnSpPr>
+          <p:cNvPr id="15" name="Buet forbindelse 14"/>
+          <p:cNvCxnSpPr>
+            <a:stCxn id="11" idx="3"/>
+            <a:endCxn id="6" idx="1"/>
+          </p:cNvCxnSpPr>
+          <p:nvPr/>
+        </p:nvCxnSpPr>
+        <p:spPr>
+          <a:xfrm flipV="1">
+            <a:off x="4700778" y="3639312"/>
+            <a:ext cx="767334" cy="1"/>
+          </a:xfrm>
+          <a:prstGeom prst="curvedConnector3">
+            <a:avLst>
+              <a:gd name="adj1" fmla="val 50000"/>
+            </a:avLst>
+          </a:prstGeom>
+          <a:ln w="38100">
+            <a:solidFill>
+              <a:schemeClr val="tx1"/>
+            </a:solidFill>
+            <a:tailEnd type="triangle"/>
+          </a:ln>
+        </p:spPr>
+        <p:style>
+          <a:lnRef idx="1">
+            <a:schemeClr val="accent1"/>
+          </a:lnRef>
+          <a:fillRef idx="0">
+            <a:schemeClr val="accent1"/>
+          </a:fillRef>
+          <a:effectRef idx="0">
+            <a:schemeClr val="accent1"/>
+          </a:effectRef>
+          <a:fontRef idx="minor">
+            <a:schemeClr val="tx1"/>
+          </a:fontRef>
+        </p:style>
+      </p:cxnSp>
+      <p:sp>
+        <p:nvSpPr>
+          <p:cNvPr id="18" name="Tekstfelt 17"/>
+          <p:cNvSpPr txBox="1"/>
+          <p:nvPr/>
+        </p:nvSpPr>
+        <p:spPr>
+          <a:xfrm>
+            <a:off x="2950082" y="2442561"/>
+            <a:ext cx="2518029" cy="400110"/>
+          </a:xfrm>
+          <a:prstGeom prst="rect">
+            <a:avLst/>
+          </a:prstGeom>
+          <a:noFill/>
+        </p:spPr>
+        <p:txBody>
+          <a:bodyPr wrap="square" rtlCol="0">
+            <a:spAutoFit/>
+          </a:bodyPr>
+          <a:lstStyle/>
+          <a:p>
+            <a:r>
+              <a:rPr lang="da-DK" sz="2000" dirty="0" smtClean="0"/>
+              <a:t>512x3x3 feature </a:t>
+            </a:r>
+            <a:r>
+              <a:rPr lang="da-DK" sz="2000" dirty="0" err="1" smtClean="0"/>
+              <a:t>map</a:t>
+            </a:r>
+            <a:endParaRPr lang="da-DK" sz="2000" dirty="0"/>
+          </a:p>
+        </p:txBody>
+      </p:sp>
+      <p:sp>
+        <p:nvSpPr>
+          <p:cNvPr id="19" name="Tekstfelt 18"/>
+          <p:cNvSpPr txBox="1"/>
+          <p:nvPr/>
+        </p:nvSpPr>
+        <p:spPr>
+          <a:xfrm>
+            <a:off x="5468111" y="4368604"/>
+            <a:ext cx="2518029" cy="400110"/>
+          </a:xfrm>
+          <a:prstGeom prst="rect">
+            <a:avLst/>
+          </a:prstGeom>
+          <a:noFill/>
+        </p:spPr>
+        <p:txBody>
+          <a:bodyPr wrap="square" rtlCol="0">
+            <a:spAutoFit/>
+          </a:bodyPr>
+          <a:lstStyle/>
+          <a:p>
+            <a:r>
+              <a:rPr lang="da-DK" sz="2000" dirty="0" smtClean="0"/>
+              <a:t>Output 512</a:t>
+            </a:r>
+            <a:endParaRPr lang="da-DK" sz="2000" dirty="0"/>
+          </a:p>
+        </p:txBody>
+      </p:sp>
+      <p:sp>
+        <p:nvSpPr>
+          <p:cNvPr id="20" name="Tekstfelt 19"/>
+          <p:cNvSpPr txBox="1"/>
+          <p:nvPr/>
+        </p:nvSpPr>
+        <p:spPr>
+          <a:xfrm>
+            <a:off x="7236332" y="2208150"/>
+            <a:ext cx="1499616" cy="830997"/>
+          </a:xfrm>
+          <a:prstGeom prst="rect">
+            <a:avLst/>
+          </a:prstGeom>
+          <a:solidFill>
+            <a:schemeClr val="accent1">
+              <a:lumMod val="60000"/>
+              <a:lumOff val="40000"/>
+            </a:schemeClr>
+          </a:solidFill>
+        </p:spPr>
+        <p:txBody>
+          <a:bodyPr wrap="square" rtlCol="0">
+            <a:spAutoFit/>
+          </a:bodyPr>
+          <a:lstStyle/>
+          <a:p>
+            <a:pPr algn="ctr"/>
+            <a:r>
+              <a:rPr lang="da-DK" sz="2400" b="1" dirty="0" smtClean="0"/>
+              <a:t>1x1conv</a:t>
+            </a:r>
+          </a:p>
+          <a:p>
+            <a:pPr algn="ctr"/>
+            <a:r>
+              <a:rPr lang="da-DK" sz="2400" b="1" dirty="0" smtClean="0"/>
+              <a:t>Object</a:t>
+            </a:r>
+            <a:endParaRPr lang="da-DK" sz="2400" b="1" dirty="0"/>
+          </a:p>
+        </p:txBody>
+      </p:sp>
+      <p:sp>
+        <p:nvSpPr>
+          <p:cNvPr id="21" name="Tekstfelt 20"/>
+          <p:cNvSpPr txBox="1"/>
+          <p:nvPr/>
+        </p:nvSpPr>
+        <p:spPr>
+          <a:xfrm>
+            <a:off x="7236332" y="4239476"/>
+            <a:ext cx="1499616" cy="830997"/>
+          </a:xfrm>
+          <a:prstGeom prst="rect">
+            <a:avLst/>
+          </a:prstGeom>
+          <a:solidFill>
+            <a:schemeClr val="accent1">
+              <a:lumMod val="60000"/>
+              <a:lumOff val="40000"/>
+            </a:schemeClr>
+          </a:solidFill>
+        </p:spPr>
+        <p:txBody>
+          <a:bodyPr wrap="square" rtlCol="0">
+            <a:spAutoFit/>
+          </a:bodyPr>
+          <a:lstStyle/>
+          <a:p>
+            <a:pPr algn="ctr"/>
+            <a:r>
+              <a:rPr lang="da-DK" sz="2400" b="1" dirty="0" smtClean="0"/>
+              <a:t>1x1conv</a:t>
+            </a:r>
+          </a:p>
+          <a:p>
+            <a:pPr algn="ctr"/>
+            <a:r>
+              <a:rPr lang="da-DK" sz="2400" b="1" dirty="0" err="1" smtClean="0"/>
+              <a:t>Regre</a:t>
+            </a:r>
+            <a:r>
+              <a:rPr lang="da-DK" sz="2400" b="1" dirty="0" smtClean="0"/>
+              <a:t>.</a:t>
+            </a:r>
+            <a:endParaRPr lang="da-DK" sz="2400" b="1" dirty="0"/>
+          </a:p>
+        </p:txBody>
+      </p:sp>
+      <p:cxnSp>
+        <p:nvCxnSpPr>
+          <p:cNvPr id="22" name="Buet forbindelse 21"/>
+          <p:cNvCxnSpPr>
+            <a:stCxn id="6" idx="3"/>
+            <a:endCxn id="20" idx="1"/>
+          </p:cNvCxnSpPr>
+          <p:nvPr/>
+        </p:nvCxnSpPr>
+        <p:spPr>
+          <a:xfrm flipV="1">
+            <a:off x="6967728" y="2623649"/>
+            <a:ext cx="268604" cy="1015663"/>
+          </a:xfrm>
+          <a:prstGeom prst="curvedConnector3">
+            <a:avLst>
+              <a:gd name="adj1" fmla="val 50000"/>
+            </a:avLst>
           </a:prstGeom>
           <a:ln w="38100">
             <a:solidFill>
@@ -6816,20 +9131,165 @@
       </p:cxnSp>
       <p:cxnSp>
         <p:nvCxnSpPr>
-          <p:cNvPr id="49" name="Lige pilforbindelse 48"/>
+          <p:cNvPr id="25" name="Buet forbindelse 24"/>
           <p:cNvCxnSpPr>
-            <a:stCxn id="23" idx="2"/>
-            <a:endCxn id="24" idx="0"/>
+            <a:stCxn id="6" idx="3"/>
+            <a:endCxn id="21" idx="1"/>
           </p:cNvCxnSpPr>
           <p:nvPr/>
         </p:nvCxnSpPr>
         <p:spPr>
-          <a:xfrm flipV="1">
-            <a:off x="7086365" y="3403351"/>
-            <a:ext cx="154770" cy="1"/>
-          </a:xfrm>
-          <a:prstGeom prst="straightConnector1">
-            <a:avLst/>
+          <a:xfrm>
+            <a:off x="6967728" y="3639312"/>
+            <a:ext cx="268604" cy="1015663"/>
+          </a:xfrm>
+          <a:prstGeom prst="curvedConnector3">
+            <a:avLst>
+              <a:gd name="adj1" fmla="val 50000"/>
+            </a:avLst>
+          </a:prstGeom>
+          <a:ln w="38100">
+            <a:solidFill>
+              <a:schemeClr val="tx1"/>
+            </a:solidFill>
+            <a:tailEnd type="triangle"/>
+          </a:ln>
+        </p:spPr>
+        <p:style>
+          <a:lnRef idx="1">
+            <a:schemeClr val="accent1"/>
+          </a:lnRef>
+          <a:fillRef idx="0">
+            <a:schemeClr val="accent1"/>
+          </a:fillRef>
+          <a:effectRef idx="0">
+            <a:schemeClr val="accent1"/>
+          </a:effectRef>
+          <a:fontRef idx="minor">
+            <a:schemeClr val="tx1"/>
+          </a:fontRef>
+        </p:style>
+      </p:cxnSp>
+      <p:sp>
+        <p:nvSpPr>
+          <p:cNvPr id="28" name="Tekstfelt 27"/>
+          <p:cNvSpPr txBox="1"/>
+          <p:nvPr/>
+        </p:nvSpPr>
+        <p:spPr>
+          <a:xfrm>
+            <a:off x="7256523" y="3782493"/>
+            <a:ext cx="2518029" cy="400110"/>
+          </a:xfrm>
+          <a:prstGeom prst="rect">
+            <a:avLst/>
+          </a:prstGeom>
+          <a:noFill/>
+        </p:spPr>
+        <p:txBody>
+          <a:bodyPr wrap="square" rtlCol="0">
+            <a:spAutoFit/>
+          </a:bodyPr>
+          <a:lstStyle/>
+          <a:p>
+            <a:r>
+              <a:rPr lang="da-DK" sz="2000" dirty="0" smtClean="0"/>
+              <a:t>Output 9x4</a:t>
+            </a:r>
+            <a:endParaRPr lang="da-DK" sz="2000" dirty="0"/>
+          </a:p>
+        </p:txBody>
+      </p:sp>
+      <p:sp>
+        <p:nvSpPr>
+          <p:cNvPr id="29" name="Tekstfelt 28"/>
+          <p:cNvSpPr txBox="1"/>
+          <p:nvPr/>
+        </p:nvSpPr>
+        <p:spPr>
+          <a:xfrm>
+            <a:off x="7256523" y="2993987"/>
+            <a:ext cx="2518029" cy="400110"/>
+          </a:xfrm>
+          <a:prstGeom prst="rect">
+            <a:avLst/>
+          </a:prstGeom>
+          <a:noFill/>
+        </p:spPr>
+        <p:txBody>
+          <a:bodyPr wrap="square" rtlCol="0">
+            <a:spAutoFit/>
+          </a:bodyPr>
+          <a:lstStyle/>
+          <a:p>
+            <a:r>
+              <a:rPr lang="da-DK" sz="2000" dirty="0" smtClean="0"/>
+              <a:t>Output 9x2</a:t>
+            </a:r>
+            <a:endParaRPr lang="da-DK" sz="2000" dirty="0"/>
+          </a:p>
+        </p:txBody>
+      </p:sp>
+      <p:sp>
+        <p:nvSpPr>
+          <p:cNvPr id="30" name="Tekstfelt 29"/>
+          <p:cNvSpPr txBox="1"/>
+          <p:nvPr/>
+        </p:nvSpPr>
+        <p:spPr>
+          <a:xfrm>
+            <a:off x="9503282" y="3222478"/>
+            <a:ext cx="1499616" cy="830997"/>
+          </a:xfrm>
+          <a:prstGeom prst="rect">
+            <a:avLst/>
+          </a:prstGeom>
+          <a:solidFill>
+            <a:schemeClr val="bg1">
+              <a:lumMod val="50000"/>
+            </a:schemeClr>
+          </a:solidFill>
+        </p:spPr>
+        <p:txBody>
+          <a:bodyPr wrap="square" rtlCol="0">
+            <a:spAutoFit/>
+          </a:bodyPr>
+          <a:lstStyle/>
+          <a:p>
+            <a:pPr algn="ctr"/>
+            <a:r>
+              <a:rPr lang="da-DK" sz="2400" b="1" dirty="0" smtClean="0"/>
+              <a:t>16x16x9</a:t>
+            </a:r>
+          </a:p>
+          <a:p>
+            <a:pPr algn="ctr"/>
+            <a:r>
+              <a:rPr lang="da-DK" sz="2400" b="1" dirty="0" err="1" smtClean="0"/>
+              <a:t>proposals</a:t>
+            </a:r>
+            <a:endParaRPr lang="da-DK" sz="2400" b="1" dirty="0"/>
+          </a:p>
+        </p:txBody>
+      </p:sp>
+      <p:cxnSp>
+        <p:nvCxnSpPr>
+          <p:cNvPr id="31" name="Buet forbindelse 30"/>
+          <p:cNvCxnSpPr>
+            <a:stCxn id="20" idx="3"/>
+            <a:endCxn id="30" idx="1"/>
+          </p:cNvCxnSpPr>
+          <p:nvPr/>
+        </p:nvCxnSpPr>
+        <p:spPr>
+          <a:xfrm>
+            <a:off x="8735948" y="2623649"/>
+            <a:ext cx="767334" cy="1014328"/>
+          </a:xfrm>
+          <a:prstGeom prst="curvedConnector3">
+            <a:avLst>
+              <a:gd name="adj1" fmla="val 50000"/>
+            </a:avLst>
           </a:prstGeom>
           <a:ln w="38100">
             <a:solidFill>
@@ -6855,20 +9315,938 @@
       </p:cxnSp>
       <p:cxnSp>
         <p:nvCxnSpPr>
-          <p:cNvPr id="52" name="Lige pilforbindelse 51"/>
+          <p:cNvPr id="34" name="Buet forbindelse 33"/>
           <p:cNvCxnSpPr>
-            <a:stCxn id="24" idx="2"/>
-            <a:endCxn id="26" idx="0"/>
+            <a:stCxn id="21" idx="3"/>
+            <a:endCxn id="30" idx="1"/>
           </p:cNvCxnSpPr>
           <p:nvPr/>
         </p:nvCxnSpPr>
         <p:spPr>
-          <a:xfrm>
-            <a:off x="7610467" y="3403351"/>
-            <a:ext cx="377799" cy="3"/>
-          </a:xfrm>
-          <a:prstGeom prst="straightConnector1">
-            <a:avLst/>
+          <a:xfrm flipV="1">
+            <a:off x="8735948" y="3637977"/>
+            <a:ext cx="767334" cy="1016998"/>
+          </a:xfrm>
+          <a:prstGeom prst="curvedConnector3">
+            <a:avLst>
+              <a:gd name="adj1" fmla="val 50000"/>
+            </a:avLst>
+          </a:prstGeom>
+          <a:ln w="38100">
+            <a:solidFill>
+              <a:schemeClr val="tx1"/>
+            </a:solidFill>
+            <a:tailEnd type="triangle"/>
+          </a:ln>
+        </p:spPr>
+        <p:style>
+          <a:lnRef idx="1">
+            <a:schemeClr val="accent1"/>
+          </a:lnRef>
+          <a:fillRef idx="0">
+            <a:schemeClr val="accent1"/>
+          </a:fillRef>
+          <a:effectRef idx="0">
+            <a:schemeClr val="accent1"/>
+          </a:effectRef>
+          <a:fontRef idx="minor">
+            <a:schemeClr val="tx1"/>
+          </a:fontRef>
+        </p:style>
+      </p:cxnSp>
+      <p:sp>
+        <p:nvSpPr>
+          <p:cNvPr id="37" name="Tekstfelt 36"/>
+          <p:cNvSpPr txBox="1"/>
+          <p:nvPr/>
+        </p:nvSpPr>
+        <p:spPr>
+          <a:xfrm>
+            <a:off x="9503282" y="4124292"/>
+            <a:ext cx="2518029" cy="1015663"/>
+          </a:xfrm>
+          <a:prstGeom prst="rect">
+            <a:avLst/>
+          </a:prstGeom>
+          <a:noFill/>
+        </p:spPr>
+        <p:txBody>
+          <a:bodyPr wrap="square" rtlCol="0">
+            <a:spAutoFit/>
+          </a:bodyPr>
+          <a:lstStyle/>
+          <a:p>
+            <a:r>
+              <a:rPr lang="da-DK" sz="2000" dirty="0" err="1" smtClean="0"/>
+              <a:t>Proposal</a:t>
+            </a:r>
+            <a:r>
+              <a:rPr lang="da-DK" sz="2000" dirty="0" smtClean="0"/>
+              <a:t>:</a:t>
+            </a:r>
+          </a:p>
+          <a:p>
+            <a:r>
+              <a:rPr lang="da-DK" sz="2000" dirty="0" err="1" smtClean="0"/>
+              <a:t>Objectscore</a:t>
+            </a:r>
+            <a:endParaRPr lang="da-DK" sz="2000" dirty="0" smtClean="0"/>
+          </a:p>
+          <a:p>
+            <a:r>
+              <a:rPr lang="da-DK" sz="2000" dirty="0" err="1" smtClean="0"/>
+              <a:t>Boundary</a:t>
+            </a:r>
+            <a:r>
+              <a:rPr lang="da-DK" sz="2000" dirty="0" smtClean="0"/>
+              <a:t> </a:t>
+            </a:r>
+            <a:r>
+              <a:rPr lang="da-DK" sz="2000" dirty="0" err="1" smtClean="0"/>
+              <a:t>box</a:t>
+            </a:r>
+            <a:r>
+              <a:rPr lang="da-DK" sz="2000" dirty="0" smtClean="0"/>
+              <a:t> </a:t>
+            </a:r>
+            <a:r>
+              <a:rPr lang="da-DK" sz="2000" dirty="0" err="1" smtClean="0"/>
+              <a:t>coord</a:t>
+            </a:r>
+            <a:endParaRPr lang="da-DK" sz="2000" dirty="0"/>
+          </a:p>
+        </p:txBody>
+      </p:sp>
+      <mc:AlternateContent xmlns:mc="http://schemas.openxmlformats.org/markup-compatibility/2006">
+        <mc:Choice xmlns:a14="http://schemas.microsoft.com/office/drawing/2010/main" Requires="a14">
+          <p:sp>
+            <p:nvSpPr>
+              <p:cNvPr id="23" name="Tekstfelt 22"/>
+              <p:cNvSpPr txBox="1"/>
+              <p:nvPr/>
+            </p:nvSpPr>
+            <p:spPr>
+              <a:xfrm>
+                <a:off x="8515538" y="1064413"/>
+                <a:ext cx="2518029" cy="1152367"/>
+              </a:xfrm>
+              <a:prstGeom prst="rect">
+                <a:avLst/>
+              </a:prstGeom>
+              <a:noFill/>
+            </p:spPr>
+            <p:txBody>
+              <a:bodyPr wrap="square" rtlCol="0">
+                <a:spAutoFit/>
+              </a:bodyPr>
+              <a:lstStyle/>
+              <a:p>
+                <a:r>
+                  <a:rPr lang="da-DK" sz="2000" dirty="0" smtClean="0"/>
+                  <a:t>Loss:</a:t>
+                </a:r>
+              </a:p>
+              <a:p>
+                <a14:m>
+                  <m:oMathPara xmlns:m="http://schemas.openxmlformats.org/officeDocument/2006/math">
+                    <m:oMathParaPr>
+                      <m:jc m:val="centerGroup"/>
+                    </m:oMathParaPr>
+                    <m:oMath xmlns:m="http://schemas.openxmlformats.org/officeDocument/2006/math">
+                      <m:f>
+                        <m:fPr>
+                          <m:ctrlPr>
+                            <a:rPr lang="da-DK" sz="2000" b="0" i="1" smtClean="0">
+                              <a:latin typeface="Cambria Math" charset="0"/>
+                            </a:rPr>
+                          </m:ctrlPr>
+                        </m:fPr>
+                        <m:num>
+                          <m:r>
+                            <a:rPr lang="da-DK" sz="2000" b="0" i="1" smtClean="0">
+                              <a:latin typeface="Cambria Math" charset="0"/>
+                            </a:rPr>
+                            <m:t>1</m:t>
+                          </m:r>
+                        </m:num>
+                        <m:den>
+                          <m:sSub>
+                            <m:sSubPr>
+                              <m:ctrlPr>
+                                <a:rPr lang="da-DK" sz="2000" b="0" i="1" smtClean="0">
+                                  <a:latin typeface="Cambria Math" charset="0"/>
+                                </a:rPr>
+                              </m:ctrlPr>
+                            </m:sSubPr>
+                            <m:e>
+                              <m:r>
+                                <a:rPr lang="da-DK" sz="2000" b="0" i="1" smtClean="0">
+                                  <a:latin typeface="Cambria Math" charset="0"/>
+                                </a:rPr>
+                                <m:t>𝑁</m:t>
+                              </m:r>
+                            </m:e>
+                            <m:sub>
+                              <m:r>
+                                <a:rPr lang="da-DK" sz="2000" b="0" i="1" smtClean="0">
+                                  <a:latin typeface="Cambria Math" charset="0"/>
+                                </a:rPr>
+                                <m:t>𝑐𝑙𝑠</m:t>
+                              </m:r>
+                            </m:sub>
+                          </m:sSub>
+                        </m:den>
+                      </m:f>
+                      <m:nary>
+                        <m:naryPr>
+                          <m:chr m:val="∑"/>
+                          <m:supHide m:val="on"/>
+                          <m:ctrlPr>
+                            <a:rPr lang="da-DK" sz="2000" b="0" i="1" smtClean="0">
+                              <a:latin typeface="Cambria Math" charset="0"/>
+                            </a:rPr>
+                          </m:ctrlPr>
+                        </m:naryPr>
+                        <m:sub>
+                          <m:r>
+                            <m:rPr>
+                              <m:brk m:alnAt="7"/>
+                            </m:rPr>
+                            <a:rPr lang="da-DK" sz="2000" b="0" i="1" smtClean="0">
+                              <a:latin typeface="Cambria Math" charset="0"/>
+                            </a:rPr>
+                            <m:t>𝑖</m:t>
+                          </m:r>
+                        </m:sub>
+                        <m:sup/>
+                        <m:e>
+                          <m:sSub>
+                            <m:sSubPr>
+                              <m:ctrlPr>
+                                <a:rPr lang="da-DK" sz="2000" b="0" i="1" smtClean="0">
+                                  <a:latin typeface="Cambria Math" charset="0"/>
+                                </a:rPr>
+                              </m:ctrlPr>
+                            </m:sSubPr>
+                            <m:e>
+                              <m:r>
+                                <a:rPr lang="da-DK" sz="2000" b="0" i="1" smtClean="0">
+                                  <a:latin typeface="Cambria Math" charset="0"/>
+                                </a:rPr>
+                                <m:t>𝐿</m:t>
+                              </m:r>
+                            </m:e>
+                            <m:sub>
+                              <m:r>
+                                <a:rPr lang="da-DK" sz="2000" b="0" i="1" smtClean="0">
+                                  <a:latin typeface="Cambria Math" charset="0"/>
+                                </a:rPr>
+                                <m:t>𝑐𝑙𝑠</m:t>
+                              </m:r>
+                            </m:sub>
+                          </m:sSub>
+                          <m:r>
+                            <a:rPr lang="da-DK" sz="2000" b="0" i="1" smtClean="0">
+                              <a:latin typeface="Cambria Math" charset="0"/>
+                            </a:rPr>
+                            <m:t>(</m:t>
+                          </m:r>
+                          <m:sSub>
+                            <m:sSubPr>
+                              <m:ctrlPr>
+                                <a:rPr lang="da-DK" sz="2000" b="0" i="1" smtClean="0">
+                                  <a:latin typeface="Cambria Math" charset="0"/>
+                                </a:rPr>
+                              </m:ctrlPr>
+                            </m:sSubPr>
+                            <m:e>
+                              <m:r>
+                                <a:rPr lang="da-DK" sz="2000" b="0" i="1" smtClean="0">
+                                  <a:latin typeface="Cambria Math" charset="0"/>
+                                </a:rPr>
+                                <m:t>𝑝</m:t>
+                              </m:r>
+                            </m:e>
+                            <m:sub>
+                              <m:r>
+                                <a:rPr lang="da-DK" sz="2000" b="0" i="1" smtClean="0">
+                                  <a:latin typeface="Cambria Math" charset="0"/>
+                                </a:rPr>
+                                <m:t>𝑖</m:t>
+                              </m:r>
+                            </m:sub>
+                          </m:sSub>
+                          <m:r>
+                            <a:rPr lang="da-DK" sz="2000" b="0" i="1" smtClean="0">
+                              <a:latin typeface="Cambria Math" charset="0"/>
+                            </a:rPr>
+                            <m:t>,</m:t>
+                          </m:r>
+                          <m:sSubSup>
+                            <m:sSubSupPr>
+                              <m:ctrlPr>
+                                <a:rPr lang="da-DK" sz="2000" b="0" i="1" smtClean="0">
+                                  <a:latin typeface="Cambria Math" charset="0"/>
+                                </a:rPr>
+                              </m:ctrlPr>
+                            </m:sSubSupPr>
+                            <m:e>
+                              <m:r>
+                                <a:rPr lang="da-DK" sz="2000" b="0" i="1" smtClean="0">
+                                  <a:latin typeface="Cambria Math" charset="0"/>
+                                </a:rPr>
+                                <m:t>𝑝</m:t>
+                              </m:r>
+                            </m:e>
+                            <m:sub>
+                              <m:r>
+                                <a:rPr lang="da-DK" sz="2000" b="0" i="1" smtClean="0">
+                                  <a:latin typeface="Cambria Math" charset="0"/>
+                                </a:rPr>
+                                <m:t>𝑖</m:t>
+                              </m:r>
+                            </m:sub>
+                            <m:sup>
+                              <m:r>
+                                <a:rPr lang="da-DK" sz="2000" b="0" i="1" smtClean="0">
+                                  <a:latin typeface="Cambria Math" charset="0"/>
+                                </a:rPr>
+                                <m:t>∗</m:t>
+                              </m:r>
+                            </m:sup>
+                          </m:sSubSup>
+                          <m:r>
+                            <a:rPr lang="da-DK" sz="2000" b="0" i="1" smtClean="0">
+                              <a:latin typeface="Cambria Math" charset="0"/>
+                            </a:rPr>
+                            <m:t>)</m:t>
+                          </m:r>
+                        </m:e>
+                      </m:nary>
+                    </m:oMath>
+                  </m:oMathPara>
+                </a14:m>
+                <a:endParaRPr lang="da-DK" sz="2000" dirty="0"/>
+              </a:p>
+            </p:txBody>
+          </p:sp>
+        </mc:Choice>
+        <mc:Fallback>
+          <p:sp>
+            <p:nvSpPr>
+              <p:cNvPr id="23" name="Tekstfelt 22"/>
+              <p:cNvSpPr txBox="1">
+                <a:spLocks noRot="1" noChangeAspect="1" noMove="1" noResize="1" noEditPoints="1" noAdjustHandles="1" noChangeArrowheads="1" noChangeShapeType="1" noTextEdit="1"/>
+              </p:cNvSpPr>
+              <p:nvPr/>
+            </p:nvSpPr>
+            <p:spPr>
+              <a:xfrm>
+                <a:off x="8515538" y="1064413"/>
+                <a:ext cx="2518029" cy="1152367"/>
+              </a:xfrm>
+              <a:prstGeom prst="rect">
+                <a:avLst/>
+              </a:prstGeom>
+              <a:blipFill rotWithShape="0">
+                <a:blip r:embed="rId3"/>
+                <a:stretch>
+                  <a:fillRect l="-2663" t="-3175"/>
+                </a:stretch>
+              </a:blipFill>
+            </p:spPr>
+            <p:txBody>
+              <a:bodyPr/>
+              <a:lstStyle/>
+              <a:p>
+                <a:r>
+                  <a:rPr lang="da-DK">
+                    <a:noFill/>
+                  </a:rPr>
+                  <a:t> </a:t>
+                </a:r>
+              </a:p>
+            </p:txBody>
+          </p:sp>
+        </mc:Fallback>
+      </mc:AlternateContent>
+      <p:cxnSp>
+        <p:nvCxnSpPr>
+          <p:cNvPr id="3" name="Vinklet forbindelse 2"/>
+          <p:cNvCxnSpPr>
+            <a:stCxn id="20" idx="0"/>
+            <a:endCxn id="23" idx="1"/>
+          </p:cNvCxnSpPr>
+          <p:nvPr/>
+        </p:nvCxnSpPr>
+        <p:spPr>
+          <a:xfrm rot="5400000" flipH="1" flipV="1">
+            <a:off x="7967063" y="1659675"/>
+            <a:ext cx="567553" cy="529398"/>
+          </a:xfrm>
+          <a:prstGeom prst="bentConnector2">
+            <a:avLst/>
+          </a:prstGeom>
+          <a:ln>
+            <a:solidFill>
+              <a:schemeClr val="tx1"/>
+            </a:solidFill>
+          </a:ln>
+        </p:spPr>
+        <p:style>
+          <a:lnRef idx="1">
+            <a:schemeClr val="accent1"/>
+          </a:lnRef>
+          <a:fillRef idx="0">
+            <a:schemeClr val="accent1"/>
+          </a:fillRef>
+          <a:effectRef idx="0">
+            <a:schemeClr val="accent1"/>
+          </a:effectRef>
+          <a:fontRef idx="minor">
+            <a:schemeClr val="tx1"/>
+          </a:fontRef>
+        </p:style>
+      </p:cxnSp>
+      <mc:AlternateContent xmlns:mc="http://schemas.openxmlformats.org/markup-compatibility/2006">
+        <mc:Choice xmlns:a14="http://schemas.microsoft.com/office/drawing/2010/main" Requires="a14">
+          <p:sp>
+            <p:nvSpPr>
+              <p:cNvPr id="24" name="Tekstfelt 23"/>
+              <p:cNvSpPr txBox="1"/>
+              <p:nvPr/>
+            </p:nvSpPr>
+            <p:spPr>
+              <a:xfrm>
+                <a:off x="8515538" y="5094453"/>
+                <a:ext cx="2518029" cy="1152367"/>
+              </a:xfrm>
+              <a:prstGeom prst="rect">
+                <a:avLst/>
+              </a:prstGeom>
+              <a:noFill/>
+            </p:spPr>
+            <p:txBody>
+              <a:bodyPr wrap="square" rtlCol="0">
+                <a:spAutoFit/>
+              </a:bodyPr>
+              <a:lstStyle/>
+              <a:p>
+                <a:r>
+                  <a:rPr lang="da-DK" sz="2000" dirty="0" smtClean="0"/>
+                  <a:t>Loss:</a:t>
+                </a:r>
+              </a:p>
+              <a:p>
+                <a14:m>
+                  <m:oMathPara xmlns:m="http://schemas.openxmlformats.org/officeDocument/2006/math">
+                    <m:oMathParaPr>
+                      <m:jc m:val="centerGroup"/>
+                    </m:oMathParaPr>
+                    <m:oMath xmlns:m="http://schemas.openxmlformats.org/officeDocument/2006/math">
+                      <m:r>
+                        <a:rPr lang="da-DK" sz="2000" b="0" i="1" smtClean="0">
+                          <a:latin typeface="Cambria Math" charset="0"/>
+                          <a:ea typeface="Cambria Math" charset="0"/>
+                          <a:cs typeface="Cambria Math" charset="0"/>
+                        </a:rPr>
+                        <m:t>𝜆</m:t>
+                      </m:r>
+                      <m:f>
+                        <m:fPr>
+                          <m:ctrlPr>
+                            <a:rPr lang="da-DK" sz="2000" b="0" i="1" smtClean="0">
+                              <a:latin typeface="Cambria Math" charset="0"/>
+                            </a:rPr>
+                          </m:ctrlPr>
+                        </m:fPr>
+                        <m:num>
+                          <m:r>
+                            <a:rPr lang="da-DK" sz="2000" b="0" i="1" smtClean="0">
+                              <a:latin typeface="Cambria Math" charset="0"/>
+                            </a:rPr>
+                            <m:t>1</m:t>
+                          </m:r>
+                        </m:num>
+                        <m:den>
+                          <m:sSub>
+                            <m:sSubPr>
+                              <m:ctrlPr>
+                                <a:rPr lang="da-DK" sz="2000" b="0" i="1" smtClean="0">
+                                  <a:latin typeface="Cambria Math" charset="0"/>
+                                </a:rPr>
+                              </m:ctrlPr>
+                            </m:sSubPr>
+                            <m:e>
+                              <m:r>
+                                <a:rPr lang="da-DK" sz="2000" b="0" i="1" smtClean="0">
+                                  <a:latin typeface="Cambria Math" charset="0"/>
+                                </a:rPr>
+                                <m:t>𝑁</m:t>
+                              </m:r>
+                            </m:e>
+                            <m:sub>
+                              <m:r>
+                                <a:rPr lang="da-DK" sz="2000" b="0" i="1" smtClean="0">
+                                  <a:latin typeface="Cambria Math" charset="0"/>
+                                </a:rPr>
+                                <m:t>𝑟𝑒𝑔</m:t>
+                              </m:r>
+                            </m:sub>
+                          </m:sSub>
+                        </m:den>
+                      </m:f>
+                      <m:nary>
+                        <m:naryPr>
+                          <m:chr m:val="∑"/>
+                          <m:supHide m:val="on"/>
+                          <m:ctrlPr>
+                            <a:rPr lang="da-DK" sz="2000" b="0" i="1" smtClean="0">
+                              <a:latin typeface="Cambria Math" charset="0"/>
+                            </a:rPr>
+                          </m:ctrlPr>
+                        </m:naryPr>
+                        <m:sub>
+                          <m:r>
+                            <m:rPr>
+                              <m:brk m:alnAt="7"/>
+                            </m:rPr>
+                            <a:rPr lang="da-DK" sz="2000" b="0" i="1" smtClean="0">
+                              <a:latin typeface="Cambria Math" charset="0"/>
+                            </a:rPr>
+                            <m:t>𝑖</m:t>
+                          </m:r>
+                        </m:sub>
+                        <m:sup/>
+                        <m:e>
+                          <m:sSub>
+                            <m:sSubPr>
+                              <m:ctrlPr>
+                                <a:rPr lang="da-DK" sz="2000" b="0" i="1" smtClean="0">
+                                  <a:latin typeface="Cambria Math" charset="0"/>
+                                </a:rPr>
+                              </m:ctrlPr>
+                            </m:sSubPr>
+                            <m:e>
+                              <m:sSubSup>
+                                <m:sSubSupPr>
+                                  <m:ctrlPr>
+                                    <a:rPr lang="da-DK" sz="2000" b="0" i="1" smtClean="0">
+                                      <a:latin typeface="Cambria Math" charset="0"/>
+                                    </a:rPr>
+                                  </m:ctrlPr>
+                                </m:sSubSupPr>
+                                <m:e>
+                                  <m:r>
+                                    <a:rPr lang="da-DK" sz="2000" b="0" i="1" smtClean="0">
+                                      <a:latin typeface="Cambria Math" charset="0"/>
+                                    </a:rPr>
+                                    <m:t>𝑝</m:t>
+                                  </m:r>
+                                </m:e>
+                                <m:sub>
+                                  <m:r>
+                                    <a:rPr lang="da-DK" sz="2000" b="0" i="1" smtClean="0">
+                                      <a:latin typeface="Cambria Math" charset="0"/>
+                                    </a:rPr>
+                                    <m:t>𝑖</m:t>
+                                  </m:r>
+                                </m:sub>
+                                <m:sup>
+                                  <m:r>
+                                    <a:rPr lang="da-DK" sz="2000" b="0" i="1" smtClean="0">
+                                      <a:latin typeface="Cambria Math" charset="0"/>
+                                    </a:rPr>
+                                    <m:t>∗</m:t>
+                                  </m:r>
+                                </m:sup>
+                              </m:sSubSup>
+                              <m:r>
+                                <a:rPr lang="da-DK" sz="2000" b="0" i="1" smtClean="0">
+                                  <a:latin typeface="Cambria Math" charset="0"/>
+                                </a:rPr>
+                                <m:t>𝐿</m:t>
+                              </m:r>
+                            </m:e>
+                            <m:sub>
+                              <m:r>
+                                <a:rPr lang="da-DK" sz="2000" b="0" i="1" smtClean="0">
+                                  <a:latin typeface="Cambria Math" charset="0"/>
+                                </a:rPr>
+                                <m:t>𝑟𝑒𝑔</m:t>
+                              </m:r>
+                            </m:sub>
+                          </m:sSub>
+                          <m:r>
+                            <a:rPr lang="da-DK" sz="2000" b="0" i="1" smtClean="0">
+                              <a:latin typeface="Cambria Math" charset="0"/>
+                            </a:rPr>
+                            <m:t>(</m:t>
+                          </m:r>
+                          <m:sSub>
+                            <m:sSubPr>
+                              <m:ctrlPr>
+                                <a:rPr lang="da-DK" sz="2000" b="0" i="1" smtClean="0">
+                                  <a:latin typeface="Cambria Math" charset="0"/>
+                                </a:rPr>
+                              </m:ctrlPr>
+                            </m:sSubPr>
+                            <m:e>
+                              <m:r>
+                                <a:rPr lang="da-DK" sz="2000" b="0" i="1" smtClean="0">
+                                  <a:latin typeface="Cambria Math" charset="0"/>
+                                </a:rPr>
+                                <m:t>𝑡</m:t>
+                              </m:r>
+                            </m:e>
+                            <m:sub>
+                              <m:r>
+                                <a:rPr lang="da-DK" sz="2000" b="0" i="1" smtClean="0">
+                                  <a:latin typeface="Cambria Math" charset="0"/>
+                                </a:rPr>
+                                <m:t>𝑖</m:t>
+                              </m:r>
+                            </m:sub>
+                          </m:sSub>
+                          <m:r>
+                            <a:rPr lang="da-DK" sz="2000" b="0" i="1" smtClean="0">
+                              <a:latin typeface="Cambria Math" charset="0"/>
+                            </a:rPr>
+                            <m:t>,</m:t>
+                          </m:r>
+                          <m:sSubSup>
+                            <m:sSubSupPr>
+                              <m:ctrlPr>
+                                <a:rPr lang="da-DK" sz="2000" b="0" i="1" smtClean="0">
+                                  <a:latin typeface="Cambria Math" charset="0"/>
+                                </a:rPr>
+                              </m:ctrlPr>
+                            </m:sSubSupPr>
+                            <m:e>
+                              <m:r>
+                                <a:rPr lang="da-DK" sz="2000" b="0" i="1" smtClean="0">
+                                  <a:latin typeface="Cambria Math" charset="0"/>
+                                </a:rPr>
+                                <m:t>𝑡</m:t>
+                              </m:r>
+                            </m:e>
+                            <m:sub>
+                              <m:r>
+                                <a:rPr lang="da-DK" sz="2000" b="0" i="1" smtClean="0">
+                                  <a:latin typeface="Cambria Math" charset="0"/>
+                                </a:rPr>
+                                <m:t>𝑖</m:t>
+                              </m:r>
+                            </m:sub>
+                            <m:sup>
+                              <m:r>
+                                <a:rPr lang="da-DK" sz="2000" b="0" i="1" smtClean="0">
+                                  <a:latin typeface="Cambria Math" charset="0"/>
+                                </a:rPr>
+                                <m:t>∗</m:t>
+                              </m:r>
+                            </m:sup>
+                          </m:sSubSup>
+                          <m:r>
+                            <a:rPr lang="da-DK" sz="2000" b="0" i="1" smtClean="0">
+                              <a:latin typeface="Cambria Math" charset="0"/>
+                            </a:rPr>
+                            <m:t>)</m:t>
+                          </m:r>
+                        </m:e>
+                      </m:nary>
+                    </m:oMath>
+                  </m:oMathPara>
+                </a14:m>
+                <a:endParaRPr lang="da-DK" sz="2000" dirty="0"/>
+              </a:p>
+            </p:txBody>
+          </p:sp>
+        </mc:Choice>
+        <mc:Fallback>
+          <p:sp>
+            <p:nvSpPr>
+              <p:cNvPr id="24" name="Tekstfelt 23"/>
+              <p:cNvSpPr txBox="1">
+                <a:spLocks noRot="1" noChangeAspect="1" noMove="1" noResize="1" noEditPoints="1" noAdjustHandles="1" noChangeArrowheads="1" noChangeShapeType="1" noTextEdit="1"/>
+              </p:cNvSpPr>
+              <p:nvPr/>
+            </p:nvSpPr>
+            <p:spPr>
+              <a:xfrm>
+                <a:off x="8515538" y="5094453"/>
+                <a:ext cx="2518029" cy="1152367"/>
+              </a:xfrm>
+              <a:prstGeom prst="rect">
+                <a:avLst/>
+              </a:prstGeom>
+              <a:blipFill rotWithShape="0">
+                <a:blip r:embed="rId4"/>
+                <a:stretch>
+                  <a:fillRect l="-2663" t="-3175" r="-2906"/>
+                </a:stretch>
+              </a:blipFill>
+            </p:spPr>
+            <p:txBody>
+              <a:bodyPr/>
+              <a:lstStyle/>
+              <a:p>
+                <a:r>
+                  <a:rPr lang="da-DK">
+                    <a:noFill/>
+                  </a:rPr>
+                  <a:t> </a:t>
+                </a:r>
+              </a:p>
+            </p:txBody>
+          </p:sp>
+        </mc:Fallback>
+      </mc:AlternateContent>
+      <p:cxnSp>
+        <p:nvCxnSpPr>
+          <p:cNvPr id="26" name="Vinklet forbindelse 25"/>
+          <p:cNvCxnSpPr>
+            <a:stCxn id="21" idx="2"/>
+            <a:endCxn id="24" idx="1"/>
+          </p:cNvCxnSpPr>
+          <p:nvPr/>
+        </p:nvCxnSpPr>
+        <p:spPr>
+          <a:xfrm rot="16200000" flipH="1">
+            <a:off x="7950757" y="5105856"/>
+            <a:ext cx="600164" cy="529398"/>
+          </a:xfrm>
+          <a:prstGeom prst="bentConnector2">
+            <a:avLst/>
+          </a:prstGeom>
+          <a:ln>
+            <a:solidFill>
+              <a:schemeClr val="tx1"/>
+            </a:solidFill>
+          </a:ln>
+        </p:spPr>
+        <p:style>
+          <a:lnRef idx="1">
+            <a:schemeClr val="accent1"/>
+          </a:lnRef>
+          <a:fillRef idx="0">
+            <a:schemeClr val="accent1"/>
+          </a:fillRef>
+          <a:effectRef idx="0">
+            <a:schemeClr val="accent1"/>
+          </a:effectRef>
+          <a:fontRef idx="minor">
+            <a:schemeClr val="tx1"/>
+          </a:fontRef>
+        </p:style>
+      </p:cxnSp>
+    </p:spTree>
+    <p:extLst>
+      <p:ext uri="{BB962C8B-B14F-4D97-AF65-F5344CB8AC3E}">
+        <p14:creationId xmlns:p14="http://schemas.microsoft.com/office/powerpoint/2010/main" val="656329546"/>
+      </p:ext>
+    </p:extLst>
+  </p:cSld>
+  <p:clrMapOvr>
+    <a:masterClrMapping/>
+  </p:clrMapOvr>
+</p:sld>
+</file>
+
+<file path=ppt/slides/slide6.xml><?xml version="1.0" encoding="utf-8"?>
+<p:sld xmlns:a="http://schemas.openxmlformats.org/drawingml/2006/main" xmlns:r="http://schemas.openxmlformats.org/officeDocument/2006/relationships" xmlns:p="http://schemas.openxmlformats.org/presentationml/2006/main">
+  <p:cSld>
+    <p:spTree>
+      <p:nvGrpSpPr>
+        <p:cNvPr id="1" name=""/>
+        <p:cNvGrpSpPr/>
+        <p:nvPr/>
+      </p:nvGrpSpPr>
+      <p:grpSpPr>
+        <a:xfrm>
+          <a:off x="0" y="0"/>
+          <a:ext cx="0" cy="0"/>
+          <a:chOff x="0" y="0"/>
+          <a:chExt cx="0" cy="0"/>
+        </a:xfrm>
+      </p:grpSpPr>
+      <p:pic>
+        <p:nvPicPr>
+          <p:cNvPr id="11" name="Billede 10"/>
+          <p:cNvPicPr>
+            <a:picLocks noChangeAspect="1"/>
+          </p:cNvPicPr>
+          <p:nvPr/>
+        </p:nvPicPr>
+        <p:blipFill rotWithShape="1">
+          <a:blip r:embed="rId2"/>
+          <a:srcRect l="11927" b="8482"/>
+          <a:stretch/>
+        </p:blipFill>
+        <p:spPr>
+          <a:xfrm>
+            <a:off x="7094078" y="2179272"/>
+            <a:ext cx="2930525" cy="2928938"/>
+          </a:xfrm>
+          <a:prstGeom prst="rect">
+            <a:avLst/>
+          </a:prstGeom>
+        </p:spPr>
+      </p:pic>
+      <p:pic>
+        <p:nvPicPr>
+          <p:cNvPr id="12" name="Billede 11"/>
+          <p:cNvPicPr>
+            <a:picLocks noChangeAspect="1"/>
+          </p:cNvPicPr>
+          <p:nvPr/>
+        </p:nvPicPr>
+        <p:blipFill rotWithShape="1">
+          <a:blip r:embed="rId3"/>
+          <a:srcRect l="11603" b="8495"/>
+          <a:stretch/>
+        </p:blipFill>
+        <p:spPr>
+          <a:xfrm>
+            <a:off x="1753983" y="2179684"/>
+            <a:ext cx="2941336" cy="2928526"/>
+          </a:xfrm>
+          <a:prstGeom prst="rect">
+            <a:avLst/>
+          </a:prstGeom>
+        </p:spPr>
+      </p:pic>
+      <p:sp>
+        <p:nvSpPr>
+          <p:cNvPr id="13" name="Tekstfelt 12"/>
+          <p:cNvSpPr txBox="1"/>
+          <p:nvPr/>
+        </p:nvSpPr>
+        <p:spPr>
+          <a:xfrm>
+            <a:off x="1753983" y="1800991"/>
+            <a:ext cx="2789442" cy="400110"/>
+          </a:xfrm>
+          <a:prstGeom prst="rect">
+            <a:avLst/>
+          </a:prstGeom>
+          <a:noFill/>
+        </p:spPr>
+        <p:txBody>
+          <a:bodyPr wrap="square" rtlCol="0">
+            <a:spAutoFit/>
+          </a:bodyPr>
+          <a:lstStyle/>
+          <a:p>
+            <a:r>
+              <a:rPr lang="da-DK" sz="2000" dirty="0" err="1" smtClean="0"/>
+              <a:t>Anchor</a:t>
+            </a:r>
+            <a:r>
+              <a:rPr lang="da-DK" sz="2000" dirty="0" smtClean="0"/>
+              <a:t> centers in image</a:t>
+            </a:r>
+            <a:endParaRPr lang="da-DK" sz="2000" dirty="0"/>
+          </a:p>
+        </p:txBody>
+      </p:sp>
+      <p:sp>
+        <p:nvSpPr>
+          <p:cNvPr id="14" name="Tekstfelt 13"/>
+          <p:cNvSpPr txBox="1"/>
+          <p:nvPr/>
+        </p:nvSpPr>
+        <p:spPr>
+          <a:xfrm>
+            <a:off x="5040853" y="2905077"/>
+            <a:ext cx="1707690" cy="1477328"/>
+          </a:xfrm>
+          <a:prstGeom prst="rect">
+            <a:avLst/>
+          </a:prstGeom>
+          <a:noFill/>
+        </p:spPr>
+        <p:txBody>
+          <a:bodyPr wrap="square" rtlCol="0">
+            <a:spAutoFit/>
+          </a:bodyPr>
+          <a:lstStyle/>
+          <a:p>
+            <a:r>
+              <a:rPr lang="da-DK" b="1" dirty="0" err="1" smtClean="0"/>
+              <a:t>Each</a:t>
+            </a:r>
+            <a:r>
+              <a:rPr lang="da-DK" b="1" dirty="0" smtClean="0"/>
+              <a:t> </a:t>
+            </a:r>
+            <a:r>
+              <a:rPr lang="da-DK" b="1" dirty="0" err="1" smtClean="0"/>
+              <a:t>anchor</a:t>
+            </a:r>
+            <a:r>
+              <a:rPr lang="da-DK" b="1" dirty="0" smtClean="0"/>
+              <a:t>=</a:t>
+            </a:r>
+          </a:p>
+          <a:p>
+            <a:r>
+              <a:rPr lang="da-DK" b="1" dirty="0" smtClean="0"/>
+              <a:t>3 </a:t>
+            </a:r>
+            <a:r>
+              <a:rPr lang="da-DK" b="1" dirty="0" err="1" smtClean="0"/>
+              <a:t>scales</a:t>
+            </a:r>
+            <a:endParaRPr lang="da-DK" b="1" dirty="0" smtClean="0"/>
+          </a:p>
+          <a:p>
+            <a:r>
+              <a:rPr lang="da-DK" dirty="0" smtClean="0"/>
+              <a:t>Ex. 10, 30, 50</a:t>
+            </a:r>
+          </a:p>
+          <a:p>
+            <a:r>
+              <a:rPr lang="da-DK" b="1" dirty="0" smtClean="0"/>
+              <a:t>3 </a:t>
+            </a:r>
+            <a:r>
+              <a:rPr lang="da-DK" b="1" dirty="0" err="1" smtClean="0"/>
+              <a:t>aspect</a:t>
+            </a:r>
+            <a:r>
+              <a:rPr lang="da-DK" b="1" dirty="0" smtClean="0"/>
+              <a:t> ratios</a:t>
+            </a:r>
+          </a:p>
+          <a:p>
+            <a:r>
+              <a:rPr lang="da-DK" dirty="0" smtClean="0"/>
+              <a:t>Ex 1:1, 1:2, 2:1</a:t>
+            </a:r>
+            <a:endParaRPr lang="da-DK" dirty="0"/>
+          </a:p>
+        </p:txBody>
+      </p:sp>
+      <p:cxnSp>
+        <p:nvCxnSpPr>
+          <p:cNvPr id="15" name="Buet forbindelse 14"/>
+          <p:cNvCxnSpPr>
+            <a:stCxn id="12" idx="3"/>
+            <a:endCxn id="14" idx="1"/>
+          </p:cNvCxnSpPr>
+          <p:nvPr/>
+        </p:nvCxnSpPr>
+        <p:spPr>
+          <a:xfrm flipV="1">
+            <a:off x="4695319" y="3643741"/>
+            <a:ext cx="345534" cy="206"/>
+          </a:xfrm>
+          <a:prstGeom prst="curvedConnector3">
+            <a:avLst>
+              <a:gd name="adj1" fmla="val 50000"/>
+            </a:avLst>
           </a:prstGeom>
           <a:ln w="38100">
             <a:solidFill>
@@ -6894,20 +10272,520 @@
       </p:cxnSp>
       <p:cxnSp>
         <p:nvCxnSpPr>
-          <p:cNvPr id="55" name="Lige pilforbindelse 54"/>
+          <p:cNvPr id="18" name="Buet forbindelse 17"/>
           <p:cNvCxnSpPr>
-            <a:stCxn id="27" idx="2"/>
-            <a:endCxn id="28" idx="0"/>
+            <a:stCxn id="14" idx="3"/>
+            <a:endCxn id="11" idx="1"/>
           </p:cNvCxnSpPr>
           <p:nvPr/>
         </p:nvCxnSpPr>
         <p:spPr>
+          <a:xfrm>
+            <a:off x="6748543" y="3643741"/>
+            <a:ext cx="345535" cy="12700"/>
+          </a:xfrm>
+          <a:prstGeom prst="curvedConnector3">
+            <a:avLst>
+              <a:gd name="adj1" fmla="val 50000"/>
+            </a:avLst>
+          </a:prstGeom>
+          <a:ln w="38100">
+            <a:solidFill>
+              <a:schemeClr val="tx1"/>
+            </a:solidFill>
+            <a:tailEnd type="triangle"/>
+          </a:ln>
+        </p:spPr>
+        <p:style>
+          <a:lnRef idx="1">
+            <a:schemeClr val="accent1"/>
+          </a:lnRef>
+          <a:fillRef idx="0">
+            <a:schemeClr val="accent1"/>
+          </a:fillRef>
+          <a:effectRef idx="0">
+            <a:schemeClr val="accent1"/>
+          </a:effectRef>
+          <a:fontRef idx="minor">
+            <a:schemeClr val="tx1"/>
+          </a:fontRef>
+        </p:style>
+      </p:cxnSp>
+      <p:sp>
+        <p:nvSpPr>
+          <p:cNvPr id="22" name="Tekstfelt 21"/>
+          <p:cNvSpPr txBox="1"/>
+          <p:nvPr/>
+        </p:nvSpPr>
+        <p:spPr>
+          <a:xfrm>
+            <a:off x="7094078" y="1791862"/>
+            <a:ext cx="3250072" cy="400110"/>
+          </a:xfrm>
+          <a:prstGeom prst="rect">
+            <a:avLst/>
+          </a:prstGeom>
+          <a:noFill/>
+        </p:spPr>
+        <p:txBody>
+          <a:bodyPr wrap="square" rtlCol="0">
+            <a:spAutoFit/>
+          </a:bodyPr>
+          <a:lstStyle/>
+          <a:p>
+            <a:r>
+              <a:rPr lang="da-DK" sz="2000" dirty="0" err="1" smtClean="0"/>
+              <a:t>Anchors</a:t>
+            </a:r>
+            <a:r>
+              <a:rPr lang="da-DK" sz="2000" dirty="0" smtClean="0"/>
+              <a:t> in image for 1 center</a:t>
+            </a:r>
+            <a:endParaRPr lang="da-DK" sz="2000" dirty="0"/>
+          </a:p>
+        </p:txBody>
+      </p:sp>
+    </p:spTree>
+    <p:extLst>
+      <p:ext uri="{BB962C8B-B14F-4D97-AF65-F5344CB8AC3E}">
+        <p14:creationId xmlns:p14="http://schemas.microsoft.com/office/powerpoint/2010/main" val="1178671642"/>
+      </p:ext>
+    </p:extLst>
+  </p:cSld>
+  <p:clrMapOvr>
+    <a:masterClrMapping/>
+  </p:clrMapOvr>
+</p:sld>
+</file>
+
+<file path=ppt/slides/slide7.xml><?xml version="1.0" encoding="utf-8"?>
+<p:sld xmlns:a="http://schemas.openxmlformats.org/drawingml/2006/main" xmlns:r="http://schemas.openxmlformats.org/officeDocument/2006/relationships" xmlns:p="http://schemas.openxmlformats.org/presentationml/2006/main">
+  <p:cSld>
+    <p:spTree>
+      <p:nvGrpSpPr>
+        <p:cNvPr id="1" name=""/>
+        <p:cNvGrpSpPr/>
+        <p:nvPr/>
+      </p:nvGrpSpPr>
+      <p:grpSpPr>
+        <a:xfrm>
+          <a:off x="0" y="0"/>
+          <a:ext cx="0" cy="0"/>
+          <a:chOff x="0" y="0"/>
+          <a:chExt cx="0" cy="0"/>
+        </a:xfrm>
+      </p:grpSpPr>
+      <p:sp>
+        <p:nvSpPr>
+          <p:cNvPr id="4" name="Tekstfelt 3"/>
+          <p:cNvSpPr txBox="1"/>
+          <p:nvPr/>
+        </p:nvSpPr>
+        <p:spPr>
+          <a:xfrm>
+            <a:off x="322706" y="3021309"/>
+            <a:ext cx="1248919" cy="707886"/>
+          </a:xfrm>
+          <a:prstGeom prst="rect">
+            <a:avLst/>
+          </a:prstGeom>
+          <a:solidFill>
+            <a:schemeClr val="bg1">
+              <a:lumMod val="50000"/>
+            </a:schemeClr>
+          </a:solidFill>
+        </p:spPr>
+        <p:txBody>
+          <a:bodyPr wrap="square" rtlCol="0">
+            <a:spAutoFit/>
+          </a:bodyPr>
+          <a:lstStyle/>
+          <a:p>
+            <a:pPr algn="ctr"/>
+            <a:r>
+              <a:rPr lang="da-DK" sz="2000" b="1" dirty="0" smtClean="0"/>
+              <a:t>16x16x9</a:t>
+            </a:r>
+          </a:p>
+          <a:p>
+            <a:pPr algn="ctr"/>
+            <a:r>
+              <a:rPr lang="da-DK" sz="2000" b="1" dirty="0" err="1" smtClean="0"/>
+              <a:t>proposals</a:t>
+            </a:r>
+            <a:endParaRPr lang="da-DK" sz="2000" b="1" dirty="0"/>
+          </a:p>
+        </p:txBody>
+      </p:sp>
+      <p:sp>
+        <p:nvSpPr>
+          <p:cNvPr id="5" name="Tekstfelt 4"/>
+          <p:cNvSpPr txBox="1"/>
+          <p:nvPr/>
+        </p:nvSpPr>
+        <p:spPr>
+          <a:xfrm>
+            <a:off x="3936491" y="3007023"/>
+            <a:ext cx="1722882" cy="707886"/>
+          </a:xfrm>
+          <a:prstGeom prst="rect">
+            <a:avLst/>
+          </a:prstGeom>
+          <a:solidFill>
+            <a:schemeClr val="tx2">
+              <a:lumMod val="60000"/>
+              <a:lumOff val="40000"/>
+            </a:schemeClr>
+          </a:solidFill>
+          <a:ln>
+            <a:solidFill>
+              <a:schemeClr val="tx1"/>
+            </a:solidFill>
+          </a:ln>
+        </p:spPr>
+        <p:txBody>
+          <a:bodyPr wrap="square" rtlCol="0">
+            <a:spAutoFit/>
+          </a:bodyPr>
+          <a:lstStyle/>
+          <a:p>
+            <a:pPr algn="ctr"/>
+            <a:r>
+              <a:rPr lang="da-DK" sz="2000" b="1" dirty="0" err="1" smtClean="0"/>
+              <a:t>Threshold</a:t>
+            </a:r>
+            <a:endParaRPr lang="da-DK" sz="2000" b="1" dirty="0" smtClean="0"/>
+          </a:p>
+          <a:p>
+            <a:pPr algn="ctr"/>
+            <a:r>
+              <a:rPr lang="da-DK" sz="2000" b="1" dirty="0" err="1" smtClean="0"/>
+              <a:t>Keep</a:t>
+            </a:r>
+            <a:r>
+              <a:rPr lang="da-DK" sz="2000" b="1" dirty="0" smtClean="0"/>
+              <a:t> top </a:t>
+            </a:r>
+            <a:r>
+              <a:rPr lang="da-DK" sz="2000" b="1" dirty="0"/>
+              <a:t>6</a:t>
+            </a:r>
+            <a:r>
+              <a:rPr lang="da-DK" sz="2000" b="1" dirty="0" smtClean="0"/>
+              <a:t>000</a:t>
+            </a:r>
+            <a:endParaRPr lang="da-DK" sz="2000" b="1" dirty="0"/>
+          </a:p>
+        </p:txBody>
+      </p:sp>
+      <p:sp>
+        <p:nvSpPr>
+          <p:cNvPr id="6" name="Tekstfelt 5"/>
+          <p:cNvSpPr txBox="1"/>
+          <p:nvPr/>
+        </p:nvSpPr>
+        <p:spPr>
+          <a:xfrm>
+            <a:off x="3616451" y="2584880"/>
+            <a:ext cx="2518029" cy="369332"/>
+          </a:xfrm>
+          <a:prstGeom prst="rect">
+            <a:avLst/>
+          </a:prstGeom>
+          <a:noFill/>
+        </p:spPr>
+        <p:txBody>
+          <a:bodyPr wrap="square" rtlCol="0">
+            <a:spAutoFit/>
+          </a:bodyPr>
+          <a:lstStyle/>
+          <a:p>
+            <a:r>
+              <a:rPr lang="da-DK" dirty="0" err="1" smtClean="0"/>
+              <a:t>Threshold</a:t>
+            </a:r>
+            <a:r>
+              <a:rPr lang="da-DK" dirty="0" smtClean="0"/>
+              <a:t> </a:t>
+            </a:r>
+            <a:r>
+              <a:rPr lang="da-DK" dirty="0" err="1" smtClean="0"/>
+              <a:t>objectscore</a:t>
+            </a:r>
+            <a:endParaRPr lang="da-DK" dirty="0"/>
+          </a:p>
+        </p:txBody>
+      </p:sp>
+      <p:cxnSp>
+        <p:nvCxnSpPr>
+          <p:cNvPr id="7" name="Buet forbindelse 6"/>
+          <p:cNvCxnSpPr>
+            <a:stCxn id="4" idx="3"/>
+            <a:endCxn id="11" idx="1"/>
+          </p:cNvCxnSpPr>
+          <p:nvPr/>
+        </p:nvCxnSpPr>
+        <p:spPr>
           <a:xfrm flipV="1">
-            <a:off x="9066367" y="3403351"/>
-            <a:ext cx="154770" cy="1"/>
-          </a:xfrm>
-          <a:prstGeom prst="straightConnector1">
-            <a:avLst/>
+            <a:off x="1571625" y="3360966"/>
+            <a:ext cx="313562" cy="14286"/>
+          </a:xfrm>
+          <a:prstGeom prst="curvedConnector3">
+            <a:avLst>
+              <a:gd name="adj1" fmla="val 50000"/>
+            </a:avLst>
+          </a:prstGeom>
+          <a:ln w="38100">
+            <a:solidFill>
+              <a:schemeClr val="tx1"/>
+            </a:solidFill>
+            <a:tailEnd type="triangle"/>
+          </a:ln>
+        </p:spPr>
+        <p:style>
+          <a:lnRef idx="1">
+            <a:schemeClr val="accent1"/>
+          </a:lnRef>
+          <a:fillRef idx="0">
+            <a:schemeClr val="accent1"/>
+          </a:fillRef>
+          <a:effectRef idx="0">
+            <a:schemeClr val="accent1"/>
+          </a:effectRef>
+          <a:fontRef idx="minor">
+            <a:schemeClr val="tx1"/>
+          </a:fontRef>
+        </p:style>
+      </p:cxnSp>
+      <p:sp>
+        <p:nvSpPr>
+          <p:cNvPr id="11" name="Tekstfelt 10"/>
+          <p:cNvSpPr txBox="1"/>
+          <p:nvPr/>
+        </p:nvSpPr>
+        <p:spPr>
+          <a:xfrm>
+            <a:off x="1885187" y="3007023"/>
+            <a:ext cx="1731264" cy="707886"/>
+          </a:xfrm>
+          <a:prstGeom prst="rect">
+            <a:avLst/>
+          </a:prstGeom>
+          <a:solidFill>
+            <a:schemeClr val="tx2">
+              <a:lumMod val="60000"/>
+              <a:lumOff val="40000"/>
+            </a:schemeClr>
+          </a:solidFill>
+          <a:ln>
+            <a:solidFill>
+              <a:schemeClr val="tx1"/>
+            </a:solidFill>
+          </a:ln>
+        </p:spPr>
+        <p:txBody>
+          <a:bodyPr wrap="square" rtlCol="0">
+            <a:spAutoFit/>
+          </a:bodyPr>
+          <a:lstStyle/>
+          <a:p>
+            <a:pPr algn="ctr"/>
+            <a:r>
+              <a:rPr lang="da-DK" sz="2000" b="1" dirty="0" smtClean="0"/>
+              <a:t>Sort </a:t>
+            </a:r>
+            <a:r>
+              <a:rPr lang="da-DK" sz="2000" b="1" dirty="0" err="1" smtClean="0"/>
+              <a:t>proposals</a:t>
+            </a:r>
+            <a:r>
+              <a:rPr lang="da-DK" sz="2000" b="1" dirty="0" smtClean="0"/>
+              <a:t> by </a:t>
+            </a:r>
+            <a:r>
+              <a:rPr lang="da-DK" sz="2000" b="1" dirty="0" err="1" smtClean="0"/>
+              <a:t>objectscore</a:t>
+            </a:r>
+            <a:endParaRPr lang="da-DK" sz="2000" b="1" dirty="0" smtClean="0"/>
+          </a:p>
+        </p:txBody>
+      </p:sp>
+      <p:cxnSp>
+        <p:nvCxnSpPr>
+          <p:cNvPr id="12" name="Buet forbindelse 11"/>
+          <p:cNvCxnSpPr>
+            <a:stCxn id="11" idx="3"/>
+            <a:endCxn id="5" idx="1"/>
+          </p:cNvCxnSpPr>
+          <p:nvPr/>
+        </p:nvCxnSpPr>
+        <p:spPr>
+          <a:xfrm>
+            <a:off x="3616451" y="3360966"/>
+            <a:ext cx="320040" cy="12700"/>
+          </a:xfrm>
+          <a:prstGeom prst="curvedConnector3">
+            <a:avLst>
+              <a:gd name="adj1" fmla="val 50000"/>
+            </a:avLst>
+          </a:prstGeom>
+          <a:ln w="38100">
+            <a:solidFill>
+              <a:schemeClr val="tx1"/>
+            </a:solidFill>
+            <a:tailEnd type="triangle"/>
+          </a:ln>
+        </p:spPr>
+        <p:style>
+          <a:lnRef idx="1">
+            <a:schemeClr val="accent1"/>
+          </a:lnRef>
+          <a:fillRef idx="0">
+            <a:schemeClr val="accent1"/>
+          </a:fillRef>
+          <a:effectRef idx="0">
+            <a:schemeClr val="accent1"/>
+          </a:effectRef>
+          <a:fontRef idx="minor">
+            <a:schemeClr val="tx1"/>
+          </a:fontRef>
+        </p:style>
+      </p:cxnSp>
+      <p:sp>
+        <p:nvSpPr>
+          <p:cNvPr id="15" name="Tekstfelt 14"/>
+          <p:cNvSpPr txBox="1"/>
+          <p:nvPr/>
+        </p:nvSpPr>
+        <p:spPr>
+          <a:xfrm>
+            <a:off x="5979413" y="3000377"/>
+            <a:ext cx="1944815" cy="707886"/>
+          </a:xfrm>
+          <a:prstGeom prst="rect">
+            <a:avLst/>
+          </a:prstGeom>
+          <a:solidFill>
+            <a:schemeClr val="tx2">
+              <a:lumMod val="60000"/>
+              <a:lumOff val="40000"/>
+            </a:schemeClr>
+          </a:solidFill>
+          <a:ln>
+            <a:solidFill>
+              <a:schemeClr val="tx1"/>
+            </a:solidFill>
+          </a:ln>
+        </p:spPr>
+        <p:txBody>
+          <a:bodyPr wrap="square" rtlCol="0">
+            <a:spAutoFit/>
+          </a:bodyPr>
+          <a:lstStyle/>
+          <a:p>
+            <a:pPr algn="ctr"/>
+            <a:r>
+              <a:rPr lang="da-DK" sz="2000" b="1" dirty="0" smtClean="0"/>
+              <a:t>NMS</a:t>
+            </a:r>
+          </a:p>
+          <a:p>
+            <a:pPr algn="ctr"/>
+            <a:r>
+              <a:rPr lang="da-DK" sz="2000" b="1" dirty="0" err="1" smtClean="0"/>
+              <a:t>Remove</a:t>
+            </a:r>
+            <a:r>
+              <a:rPr lang="da-DK" sz="2000" b="1" dirty="0" smtClean="0"/>
+              <a:t> </a:t>
+            </a:r>
+            <a:r>
+              <a:rPr lang="da-DK" sz="2000" b="1" dirty="0" err="1" smtClean="0"/>
+              <a:t>IoU</a:t>
+            </a:r>
+            <a:r>
+              <a:rPr lang="da-DK" sz="2000" b="1" dirty="0" smtClean="0"/>
+              <a:t>&gt;0.7</a:t>
+            </a:r>
+            <a:endParaRPr lang="da-DK" sz="2000" b="1" dirty="0"/>
+          </a:p>
+        </p:txBody>
+      </p:sp>
+      <p:sp>
+        <p:nvSpPr>
+          <p:cNvPr id="16" name="Tekstfelt 15"/>
+          <p:cNvSpPr txBox="1"/>
+          <p:nvPr/>
+        </p:nvSpPr>
+        <p:spPr>
+          <a:xfrm>
+            <a:off x="8232263" y="2992738"/>
+            <a:ext cx="1780225" cy="707886"/>
+          </a:xfrm>
+          <a:prstGeom prst="rect">
+            <a:avLst/>
+          </a:prstGeom>
+          <a:solidFill>
+            <a:schemeClr val="tx2">
+              <a:lumMod val="60000"/>
+              <a:lumOff val="40000"/>
+            </a:schemeClr>
+          </a:solidFill>
+          <a:ln>
+            <a:solidFill>
+              <a:schemeClr val="tx1"/>
+            </a:solidFill>
+          </a:ln>
+        </p:spPr>
+        <p:txBody>
+          <a:bodyPr wrap="square" rtlCol="0">
+            <a:spAutoFit/>
+          </a:bodyPr>
+          <a:lstStyle/>
+          <a:p>
+            <a:pPr algn="ctr"/>
+            <a:r>
+              <a:rPr lang="da-DK" sz="2000" b="1" dirty="0" err="1" smtClean="0"/>
+              <a:t>Threshold</a:t>
+            </a:r>
+            <a:endParaRPr lang="da-DK" sz="2000" b="1" dirty="0" smtClean="0"/>
+          </a:p>
+          <a:p>
+            <a:pPr algn="ctr"/>
+            <a:r>
+              <a:rPr lang="da-DK" sz="2000" b="1" dirty="0" err="1" smtClean="0"/>
+              <a:t>Keep</a:t>
+            </a:r>
+            <a:r>
+              <a:rPr lang="da-DK" sz="2000" b="1" dirty="0" smtClean="0"/>
+              <a:t> top </a:t>
+            </a:r>
+            <a:r>
+              <a:rPr lang="da-DK" sz="2000" b="1" dirty="0" smtClean="0"/>
+              <a:t>300</a:t>
+            </a:r>
+            <a:endParaRPr lang="da-DK" sz="2000" b="1" dirty="0"/>
+          </a:p>
+        </p:txBody>
+      </p:sp>
+      <p:cxnSp>
+        <p:nvCxnSpPr>
+          <p:cNvPr id="17" name="Buet forbindelse 16"/>
+          <p:cNvCxnSpPr>
+            <a:stCxn id="5" idx="3"/>
+            <a:endCxn id="15" idx="1"/>
+          </p:cNvCxnSpPr>
+          <p:nvPr/>
+        </p:nvCxnSpPr>
+        <p:spPr>
+          <a:xfrm flipV="1">
+            <a:off x="5659373" y="3354320"/>
+            <a:ext cx="320040" cy="6646"/>
+          </a:xfrm>
+          <a:prstGeom prst="curvedConnector3">
+            <a:avLst>
+              <a:gd name="adj1" fmla="val 50000"/>
+            </a:avLst>
           </a:prstGeom>
           <a:ln w="38100">
             <a:solidFill>
@@ -6933,20 +10811,559 @@
       </p:cxnSp>
       <p:cxnSp>
         <p:nvCxnSpPr>
-          <p:cNvPr id="59" name="Lige pilforbindelse 58"/>
+          <p:cNvPr id="22" name="Buet forbindelse 21"/>
           <p:cNvCxnSpPr>
-            <a:stCxn id="28" idx="2"/>
-            <a:endCxn id="29" idx="0"/>
+            <a:stCxn id="15" idx="3"/>
+            <a:endCxn id="16" idx="1"/>
           </p:cNvCxnSpPr>
           <p:nvPr/>
         </p:nvCxnSpPr>
         <p:spPr>
-          <a:xfrm>
-            <a:off x="9590469" y="3403351"/>
-            <a:ext cx="377799" cy="0"/>
-          </a:xfrm>
-          <a:prstGeom prst="straightConnector1">
-            <a:avLst/>
+          <a:xfrm flipV="1">
+            <a:off x="7924228" y="3346681"/>
+            <a:ext cx="308035" cy="7639"/>
+          </a:xfrm>
+          <a:prstGeom prst="curvedConnector3">
+            <a:avLst>
+              <a:gd name="adj1" fmla="val 50000"/>
+            </a:avLst>
+          </a:prstGeom>
+          <a:ln w="38100">
+            <a:solidFill>
+              <a:schemeClr val="tx1"/>
+            </a:solidFill>
+            <a:tailEnd type="triangle"/>
+          </a:ln>
+        </p:spPr>
+        <p:style>
+          <a:lnRef idx="1">
+            <a:schemeClr val="accent1"/>
+          </a:lnRef>
+          <a:fillRef idx="0">
+            <a:schemeClr val="accent1"/>
+          </a:fillRef>
+          <a:effectRef idx="0">
+            <a:schemeClr val="accent1"/>
+          </a:effectRef>
+          <a:fontRef idx="minor">
+            <a:schemeClr val="tx1"/>
+          </a:fontRef>
+        </p:style>
+      </p:cxnSp>
+      <p:sp>
+        <p:nvSpPr>
+          <p:cNvPr id="25" name="Tekstfelt 24"/>
+          <p:cNvSpPr txBox="1"/>
+          <p:nvPr/>
+        </p:nvSpPr>
+        <p:spPr>
+          <a:xfrm>
+            <a:off x="5979413" y="2333197"/>
+            <a:ext cx="2518029" cy="646331"/>
+          </a:xfrm>
+          <a:prstGeom prst="rect">
+            <a:avLst/>
+          </a:prstGeom>
+          <a:noFill/>
+        </p:spPr>
+        <p:txBody>
+          <a:bodyPr wrap="square" rtlCol="0">
+            <a:spAutoFit/>
+          </a:bodyPr>
+          <a:lstStyle/>
+          <a:p>
+            <a:r>
+              <a:rPr lang="da-DK" dirty="0" smtClean="0"/>
+              <a:t>Through all </a:t>
+            </a:r>
+            <a:r>
+              <a:rPr lang="da-DK" dirty="0" err="1" smtClean="0"/>
+              <a:t>proposals</a:t>
+            </a:r>
+            <a:r>
+              <a:rPr lang="da-DK" dirty="0" smtClean="0"/>
+              <a:t> </a:t>
+            </a:r>
+          </a:p>
+          <a:p>
+            <a:r>
+              <a:rPr lang="da-DK" dirty="0" smtClean="0"/>
+              <a:t>by </a:t>
+            </a:r>
+            <a:r>
+              <a:rPr lang="da-DK" dirty="0" err="1" smtClean="0"/>
+              <a:t>objectscore</a:t>
+            </a:r>
+            <a:endParaRPr lang="da-DK" dirty="0"/>
+          </a:p>
+        </p:txBody>
+      </p:sp>
+      <p:sp>
+        <p:nvSpPr>
+          <p:cNvPr id="27" name="Tekstfelt 26"/>
+          <p:cNvSpPr txBox="1"/>
+          <p:nvPr/>
+        </p:nvSpPr>
+        <p:spPr>
+          <a:xfrm>
+            <a:off x="8078245" y="2598682"/>
+            <a:ext cx="2518029" cy="369332"/>
+          </a:xfrm>
+          <a:prstGeom prst="rect">
+            <a:avLst/>
+          </a:prstGeom>
+          <a:noFill/>
+        </p:spPr>
+        <p:txBody>
+          <a:bodyPr wrap="square" rtlCol="0">
+            <a:spAutoFit/>
+          </a:bodyPr>
+          <a:lstStyle/>
+          <a:p>
+            <a:r>
+              <a:rPr lang="da-DK" dirty="0" err="1" smtClean="0"/>
+              <a:t>Threshold</a:t>
+            </a:r>
+            <a:r>
+              <a:rPr lang="da-DK" dirty="0" smtClean="0"/>
+              <a:t> </a:t>
+            </a:r>
+            <a:r>
+              <a:rPr lang="da-DK" dirty="0" err="1" smtClean="0"/>
+              <a:t>objectscore</a:t>
+            </a:r>
+            <a:endParaRPr lang="da-DK" dirty="0"/>
+          </a:p>
+        </p:txBody>
+      </p:sp>
+      <p:sp>
+        <p:nvSpPr>
+          <p:cNvPr id="41" name="Tekstfelt 40"/>
+          <p:cNvSpPr txBox="1"/>
+          <p:nvPr/>
+        </p:nvSpPr>
+        <p:spPr>
+          <a:xfrm>
+            <a:off x="10453399" y="3007023"/>
+            <a:ext cx="1248919" cy="707886"/>
+          </a:xfrm>
+          <a:prstGeom prst="rect">
+            <a:avLst/>
+          </a:prstGeom>
+          <a:solidFill>
+            <a:schemeClr val="bg1">
+              <a:lumMod val="50000"/>
+            </a:schemeClr>
+          </a:solidFill>
+        </p:spPr>
+        <p:txBody>
+          <a:bodyPr wrap="square" rtlCol="0">
+            <a:spAutoFit/>
+          </a:bodyPr>
+          <a:lstStyle/>
+          <a:p>
+            <a:pPr algn="ctr"/>
+            <a:r>
+              <a:rPr lang="da-DK" sz="2000" b="1" dirty="0" smtClean="0"/>
+              <a:t>&gt;300</a:t>
+            </a:r>
+            <a:endParaRPr lang="da-DK" sz="2000" b="1" dirty="0" smtClean="0"/>
+          </a:p>
+          <a:p>
+            <a:pPr algn="ctr"/>
+            <a:r>
+              <a:rPr lang="da-DK" sz="2000" b="1" dirty="0" err="1" smtClean="0"/>
+              <a:t>proposals</a:t>
+            </a:r>
+            <a:endParaRPr lang="da-DK" sz="2000" b="1" dirty="0"/>
+          </a:p>
+        </p:txBody>
+      </p:sp>
+      <p:cxnSp>
+        <p:nvCxnSpPr>
+          <p:cNvPr id="42" name="Buet forbindelse 41"/>
+          <p:cNvCxnSpPr>
+            <a:stCxn id="16" idx="3"/>
+            <a:endCxn id="41" idx="1"/>
+          </p:cNvCxnSpPr>
+          <p:nvPr/>
+        </p:nvCxnSpPr>
+        <p:spPr>
+          <a:xfrm>
+            <a:off x="10012488" y="3346681"/>
+            <a:ext cx="440911" cy="14285"/>
+          </a:xfrm>
+          <a:prstGeom prst="curvedConnector3">
+            <a:avLst>
+              <a:gd name="adj1" fmla="val 50000"/>
+            </a:avLst>
+          </a:prstGeom>
+          <a:ln w="38100">
+            <a:solidFill>
+              <a:schemeClr val="tx1"/>
+            </a:solidFill>
+            <a:tailEnd type="triangle"/>
+          </a:ln>
+        </p:spPr>
+        <p:style>
+          <a:lnRef idx="1">
+            <a:schemeClr val="accent1"/>
+          </a:lnRef>
+          <a:fillRef idx="0">
+            <a:schemeClr val="accent1"/>
+          </a:fillRef>
+          <a:effectRef idx="0">
+            <a:schemeClr val="accent1"/>
+          </a:effectRef>
+          <a:fontRef idx="minor">
+            <a:schemeClr val="tx1"/>
+          </a:fontRef>
+        </p:style>
+      </p:cxnSp>
+      <p:sp>
+        <p:nvSpPr>
+          <p:cNvPr id="47" name="Tekstfelt 46"/>
+          <p:cNvSpPr txBox="1"/>
+          <p:nvPr/>
+        </p:nvSpPr>
+        <p:spPr>
+          <a:xfrm>
+            <a:off x="10443303" y="3753918"/>
+            <a:ext cx="2518029" cy="646331"/>
+          </a:xfrm>
+          <a:prstGeom prst="rect">
+            <a:avLst/>
+          </a:prstGeom>
+          <a:noFill/>
+        </p:spPr>
+        <p:txBody>
+          <a:bodyPr wrap="square" rtlCol="0">
+            <a:spAutoFit/>
+          </a:bodyPr>
+          <a:lstStyle/>
+          <a:p>
+            <a:r>
+              <a:rPr lang="da-DK" dirty="0" err="1" smtClean="0"/>
+              <a:t>Each</a:t>
+            </a:r>
+            <a:r>
+              <a:rPr lang="da-DK" dirty="0" smtClean="0"/>
+              <a:t> output:</a:t>
+            </a:r>
+          </a:p>
+          <a:p>
+            <a:r>
+              <a:rPr lang="da-DK" dirty="0" smtClean="0"/>
+              <a:t>x, y, w, h</a:t>
+            </a:r>
+            <a:endParaRPr lang="da-DK" dirty="0"/>
+          </a:p>
+        </p:txBody>
+      </p:sp>
+      <p:sp>
+        <p:nvSpPr>
+          <p:cNvPr id="48" name="Tekstfelt 47"/>
+          <p:cNvSpPr txBox="1"/>
+          <p:nvPr/>
+        </p:nvSpPr>
+        <p:spPr>
+          <a:xfrm>
+            <a:off x="8232263" y="3707751"/>
+            <a:ext cx="2518029" cy="369332"/>
+          </a:xfrm>
+          <a:prstGeom prst="rect">
+            <a:avLst/>
+          </a:prstGeom>
+          <a:noFill/>
+        </p:spPr>
+        <p:txBody>
+          <a:bodyPr wrap="square" rtlCol="0">
+            <a:spAutoFit/>
+          </a:bodyPr>
+          <a:lstStyle/>
+          <a:p>
+            <a:r>
+              <a:rPr lang="da-DK" smtClean="0"/>
+              <a:t>Training = top 2000</a:t>
+            </a:r>
+            <a:endParaRPr lang="da-DK" dirty="0"/>
+          </a:p>
+        </p:txBody>
+      </p:sp>
+    </p:spTree>
+    <p:extLst>
+      <p:ext uri="{BB962C8B-B14F-4D97-AF65-F5344CB8AC3E}">
+        <p14:creationId xmlns:p14="http://schemas.microsoft.com/office/powerpoint/2010/main" val="472293340"/>
+      </p:ext>
+    </p:extLst>
+  </p:cSld>
+  <p:clrMapOvr>
+    <a:masterClrMapping/>
+  </p:clrMapOvr>
+</p:sld>
+</file>
+
+<file path=ppt/slides/slide8.xml><?xml version="1.0" encoding="utf-8"?>
+<p:sld xmlns:a="http://schemas.openxmlformats.org/drawingml/2006/main" xmlns:r="http://schemas.openxmlformats.org/officeDocument/2006/relationships" xmlns:p="http://schemas.openxmlformats.org/presentationml/2006/main">
+  <p:cSld>
+    <p:spTree>
+      <p:nvGrpSpPr>
+        <p:cNvPr id="1" name=""/>
+        <p:cNvGrpSpPr/>
+        <p:nvPr/>
+      </p:nvGrpSpPr>
+      <p:grpSpPr>
+        <a:xfrm>
+          <a:off x="0" y="0"/>
+          <a:ext cx="0" cy="0"/>
+          <a:chOff x="0" y="0"/>
+          <a:chExt cx="0" cy="0"/>
+        </a:xfrm>
+      </p:grpSpPr>
+      <p:sp>
+        <p:nvSpPr>
+          <p:cNvPr id="4" name="Tekstfelt 3"/>
+          <p:cNvSpPr txBox="1"/>
+          <p:nvPr/>
+        </p:nvSpPr>
+        <p:spPr>
+          <a:xfrm>
+            <a:off x="221073" y="3378498"/>
+            <a:ext cx="2645664" cy="830997"/>
+          </a:xfrm>
+          <a:prstGeom prst="rect">
+            <a:avLst/>
+          </a:prstGeom>
+          <a:solidFill>
+            <a:schemeClr val="bg1">
+              <a:lumMod val="50000"/>
+            </a:schemeClr>
+          </a:solidFill>
+        </p:spPr>
+        <p:txBody>
+          <a:bodyPr wrap="square" rtlCol="0">
+            <a:spAutoFit/>
+          </a:bodyPr>
+          <a:lstStyle/>
+          <a:p>
+            <a:pPr algn="ctr"/>
+            <a:r>
+              <a:rPr lang="da-DK" sz="2400" b="1" dirty="0" smtClean="0"/>
+              <a:t>&gt;300</a:t>
+            </a:r>
+            <a:endParaRPr lang="da-DK" sz="2400" b="1" dirty="0" smtClean="0"/>
+          </a:p>
+          <a:p>
+            <a:pPr algn="ctr"/>
+            <a:r>
+              <a:rPr lang="da-DK" sz="2400" b="1" dirty="0" err="1" smtClean="0"/>
+              <a:t>proposals</a:t>
+            </a:r>
+            <a:endParaRPr lang="da-DK" sz="2400" b="1" dirty="0"/>
+          </a:p>
+        </p:txBody>
+      </p:sp>
+      <p:sp>
+        <p:nvSpPr>
+          <p:cNvPr id="5" name="Tekstfelt 4"/>
+          <p:cNvSpPr txBox="1"/>
+          <p:nvPr/>
+        </p:nvSpPr>
+        <p:spPr>
+          <a:xfrm>
+            <a:off x="221073" y="2120832"/>
+            <a:ext cx="2645664" cy="830997"/>
+          </a:xfrm>
+          <a:prstGeom prst="rect">
+            <a:avLst/>
+          </a:prstGeom>
+          <a:solidFill>
+            <a:schemeClr val="bg1">
+              <a:lumMod val="50000"/>
+            </a:schemeClr>
+          </a:solidFill>
+        </p:spPr>
+        <p:txBody>
+          <a:bodyPr wrap="square" rtlCol="0">
+            <a:spAutoFit/>
+          </a:bodyPr>
+          <a:lstStyle/>
+          <a:p>
+            <a:pPr algn="ctr"/>
+            <a:r>
+              <a:rPr lang="da-DK" sz="2400" b="1" dirty="0" smtClean="0"/>
+              <a:t>Last </a:t>
+            </a:r>
+            <a:r>
+              <a:rPr lang="da-DK" sz="2400" b="1" dirty="0" err="1" smtClean="0"/>
+              <a:t>conv</a:t>
+            </a:r>
+            <a:r>
+              <a:rPr lang="da-DK" sz="2400" b="1" dirty="0" smtClean="0"/>
+              <a:t> </a:t>
+            </a:r>
+            <a:r>
+              <a:rPr lang="da-DK" sz="2400" b="1" dirty="0" err="1" smtClean="0"/>
+              <a:t>layer</a:t>
+            </a:r>
+            <a:r>
+              <a:rPr lang="da-DK" sz="2400" b="1" dirty="0" smtClean="0"/>
+              <a:t>/</a:t>
+            </a:r>
+          </a:p>
+          <a:p>
+            <a:pPr algn="ctr"/>
+            <a:r>
+              <a:rPr lang="da-DK" sz="2400" b="1" dirty="0" smtClean="0"/>
+              <a:t>feature </a:t>
+            </a:r>
+            <a:r>
+              <a:rPr lang="da-DK" sz="2400" b="1" dirty="0" err="1" smtClean="0"/>
+              <a:t>map</a:t>
+            </a:r>
+            <a:endParaRPr lang="da-DK" sz="2400" b="1" dirty="0" smtClean="0"/>
+          </a:p>
+        </p:txBody>
+      </p:sp>
+      <p:sp>
+        <p:nvSpPr>
+          <p:cNvPr id="6" name="Tekstfelt 5"/>
+          <p:cNvSpPr txBox="1"/>
+          <p:nvPr/>
+        </p:nvSpPr>
+        <p:spPr>
+          <a:xfrm>
+            <a:off x="483201" y="1412946"/>
+            <a:ext cx="2121408" cy="707886"/>
+          </a:xfrm>
+          <a:prstGeom prst="rect">
+            <a:avLst/>
+          </a:prstGeom>
+          <a:noFill/>
+        </p:spPr>
+        <p:txBody>
+          <a:bodyPr wrap="square" rtlCol="0">
+            <a:spAutoFit/>
+          </a:bodyPr>
+          <a:lstStyle/>
+          <a:p>
+            <a:pPr algn="ctr"/>
+            <a:r>
+              <a:rPr lang="da-DK" sz="2000" dirty="0" smtClean="0"/>
+              <a:t>Relu5_3</a:t>
+            </a:r>
+          </a:p>
+          <a:p>
+            <a:pPr algn="ctr"/>
+            <a:r>
+              <a:rPr lang="da-DK" sz="2000" dirty="0" smtClean="0"/>
+              <a:t>512x16x16</a:t>
+            </a:r>
+            <a:endParaRPr lang="da-DK" sz="2000" dirty="0"/>
+          </a:p>
+        </p:txBody>
+      </p:sp>
+      <p:sp>
+        <p:nvSpPr>
+          <p:cNvPr id="8" name="Tekstfelt 7"/>
+          <p:cNvSpPr txBox="1"/>
+          <p:nvPr/>
+        </p:nvSpPr>
+        <p:spPr>
+          <a:xfrm>
+            <a:off x="483201" y="4282221"/>
+            <a:ext cx="2121408" cy="400110"/>
+          </a:xfrm>
+          <a:prstGeom prst="rect">
+            <a:avLst/>
+          </a:prstGeom>
+          <a:noFill/>
+        </p:spPr>
+        <p:txBody>
+          <a:bodyPr wrap="square" rtlCol="0">
+            <a:spAutoFit/>
+          </a:bodyPr>
+          <a:lstStyle/>
+          <a:p>
+            <a:pPr algn="ctr"/>
+            <a:r>
+              <a:rPr lang="da-DK" sz="2000" dirty="0" smtClean="0"/>
+              <a:t>x, y, w, h</a:t>
+            </a:r>
+            <a:endParaRPr lang="da-DK" sz="2000" dirty="0"/>
+          </a:p>
+        </p:txBody>
+      </p:sp>
+      <p:sp>
+        <p:nvSpPr>
+          <p:cNvPr id="10" name="Tekstfelt 9"/>
+          <p:cNvSpPr txBox="1"/>
+          <p:nvPr/>
+        </p:nvSpPr>
+        <p:spPr>
+          <a:xfrm>
+            <a:off x="3667887" y="2536330"/>
+            <a:ext cx="1618488" cy="1200329"/>
+          </a:xfrm>
+          <a:prstGeom prst="rect">
+            <a:avLst/>
+          </a:prstGeom>
+          <a:solidFill>
+            <a:schemeClr val="accent1">
+              <a:lumMod val="60000"/>
+              <a:lumOff val="40000"/>
+            </a:schemeClr>
+          </a:solidFill>
+        </p:spPr>
+        <p:txBody>
+          <a:bodyPr wrap="square" rtlCol="0">
+            <a:spAutoFit/>
+          </a:bodyPr>
+          <a:lstStyle/>
+          <a:p>
+            <a:pPr algn="ctr"/>
+            <a:endParaRPr lang="da-DK" sz="2400" b="1" dirty="0" smtClean="0"/>
+          </a:p>
+          <a:p>
+            <a:pPr algn="ctr"/>
+            <a:r>
+              <a:rPr lang="da-DK" sz="2400" b="1" dirty="0" err="1" smtClean="0"/>
+              <a:t>RoI</a:t>
+            </a:r>
+            <a:r>
+              <a:rPr lang="da-DK" sz="2400" b="1" dirty="0" smtClean="0"/>
+              <a:t> </a:t>
+            </a:r>
+            <a:r>
+              <a:rPr lang="da-DK" sz="2400" b="1" dirty="0" err="1" smtClean="0"/>
+              <a:t>pooling</a:t>
+            </a:r>
+            <a:endParaRPr lang="da-DK" sz="2400" b="1" dirty="0" smtClean="0"/>
+          </a:p>
+          <a:p>
+            <a:pPr algn="ctr"/>
+            <a:endParaRPr lang="da-DK" sz="2400" b="1" dirty="0"/>
+          </a:p>
+        </p:txBody>
+      </p:sp>
+      <p:cxnSp>
+        <p:nvCxnSpPr>
+          <p:cNvPr id="11" name="Buet forbindelse 10"/>
+          <p:cNvCxnSpPr>
+            <a:stCxn id="4" idx="3"/>
+            <a:endCxn id="10" idx="1"/>
+          </p:cNvCxnSpPr>
+          <p:nvPr/>
+        </p:nvCxnSpPr>
+        <p:spPr>
+          <a:xfrm flipV="1">
+            <a:off x="2866737" y="3136495"/>
+            <a:ext cx="801150" cy="657502"/>
+          </a:xfrm>
+          <a:prstGeom prst="curvedConnector3">
+            <a:avLst>
+              <a:gd name="adj1" fmla="val 50000"/>
+            </a:avLst>
           </a:prstGeom>
           <a:ln w="38100">
             <a:solidFill>
@@ -6972,20 +11389,493 @@
       </p:cxnSp>
       <p:cxnSp>
         <p:nvCxnSpPr>
-          <p:cNvPr id="62" name="Lige pilforbindelse 61"/>
+          <p:cNvPr id="14" name="Buet forbindelse 13"/>
           <p:cNvCxnSpPr>
-            <a:stCxn id="29" idx="2"/>
-            <a:endCxn id="30" idx="0"/>
+            <a:stCxn id="5" idx="3"/>
+            <a:endCxn id="10" idx="1"/>
           </p:cNvCxnSpPr>
           <p:nvPr/>
         </p:nvCxnSpPr>
         <p:spPr>
           <a:xfrm>
-            <a:off x="10337600" y="3403351"/>
-            <a:ext cx="193133" cy="3"/>
-          </a:xfrm>
-          <a:prstGeom prst="straightConnector1">
-            <a:avLst/>
+            <a:off x="2866737" y="2536331"/>
+            <a:ext cx="801150" cy="600164"/>
+          </a:xfrm>
+          <a:prstGeom prst="curvedConnector3">
+            <a:avLst>
+              <a:gd name="adj1" fmla="val 50000"/>
+            </a:avLst>
+          </a:prstGeom>
+          <a:ln w="38100">
+            <a:solidFill>
+              <a:schemeClr val="tx1"/>
+            </a:solidFill>
+            <a:tailEnd type="triangle"/>
+          </a:ln>
+        </p:spPr>
+        <p:style>
+          <a:lnRef idx="1">
+            <a:schemeClr val="accent1"/>
+          </a:lnRef>
+          <a:fillRef idx="0">
+            <a:schemeClr val="accent1"/>
+          </a:fillRef>
+          <a:effectRef idx="0">
+            <a:schemeClr val="accent1"/>
+          </a:effectRef>
+          <a:fontRef idx="minor">
+            <a:schemeClr val="tx1"/>
+          </a:fontRef>
+        </p:style>
+      </p:cxnSp>
+      <p:sp>
+        <p:nvSpPr>
+          <p:cNvPr id="17" name="Tekstfelt 16"/>
+          <p:cNvSpPr txBox="1"/>
+          <p:nvPr/>
+        </p:nvSpPr>
+        <p:spPr>
+          <a:xfrm>
+            <a:off x="3667887" y="3774390"/>
+            <a:ext cx="2121408" cy="707886"/>
+          </a:xfrm>
+          <a:prstGeom prst="rect">
+            <a:avLst/>
+          </a:prstGeom>
+          <a:noFill/>
+        </p:spPr>
+        <p:txBody>
+          <a:bodyPr wrap="square" rtlCol="0">
+            <a:spAutoFit/>
+          </a:bodyPr>
+          <a:lstStyle/>
+          <a:p>
+            <a:r>
+              <a:rPr lang="da-DK" sz="2000" dirty="0" smtClean="0"/>
+              <a:t>Output:</a:t>
+            </a:r>
+          </a:p>
+          <a:p>
+            <a:r>
+              <a:rPr lang="da-DK" sz="2000" dirty="0" smtClean="0"/>
+              <a:t>512x7x7</a:t>
+            </a:r>
+            <a:endParaRPr lang="da-DK" sz="2000" dirty="0"/>
+          </a:p>
+        </p:txBody>
+      </p:sp>
+      <p:sp>
+        <p:nvSpPr>
+          <p:cNvPr id="18" name="Tekstfelt 17"/>
+          <p:cNvSpPr txBox="1"/>
+          <p:nvPr/>
+        </p:nvSpPr>
+        <p:spPr>
+          <a:xfrm>
+            <a:off x="6413563" y="2536329"/>
+            <a:ext cx="858775" cy="1200329"/>
+          </a:xfrm>
+          <a:prstGeom prst="rect">
+            <a:avLst/>
+          </a:prstGeom>
+          <a:solidFill>
+            <a:srgbClr val="FF0000"/>
+          </a:solidFill>
+        </p:spPr>
+        <p:txBody>
+          <a:bodyPr wrap="square" rtlCol="0">
+            <a:spAutoFit/>
+          </a:bodyPr>
+          <a:lstStyle/>
+          <a:p>
+            <a:pPr algn="ctr"/>
+            <a:endParaRPr lang="da-DK" sz="2400" b="1" dirty="0" smtClean="0"/>
+          </a:p>
+          <a:p>
+            <a:pPr algn="ctr"/>
+            <a:r>
+              <a:rPr lang="da-DK" sz="2400" b="1" dirty="0" smtClean="0"/>
+              <a:t>FC</a:t>
+            </a:r>
+            <a:endParaRPr lang="da-DK" sz="2400" b="1" dirty="0" smtClean="0"/>
+          </a:p>
+          <a:p>
+            <a:pPr algn="ctr"/>
+            <a:endParaRPr lang="da-DK" sz="2400" b="1" dirty="0"/>
+          </a:p>
+        </p:txBody>
+      </p:sp>
+      <p:cxnSp>
+        <p:nvCxnSpPr>
+          <p:cNvPr id="19" name="Buet forbindelse 18"/>
+          <p:cNvCxnSpPr>
+            <a:stCxn id="10" idx="3"/>
+            <a:endCxn id="18" idx="1"/>
+          </p:cNvCxnSpPr>
+          <p:nvPr/>
+        </p:nvCxnSpPr>
+        <p:spPr>
+          <a:xfrm flipV="1">
+            <a:off x="5286375" y="3136494"/>
+            <a:ext cx="1127188" cy="1"/>
+          </a:xfrm>
+          <a:prstGeom prst="curvedConnector3">
+            <a:avLst>
+              <a:gd name="adj1" fmla="val 50000"/>
+            </a:avLst>
+          </a:prstGeom>
+          <a:ln w="38100">
+            <a:solidFill>
+              <a:schemeClr val="tx1"/>
+            </a:solidFill>
+            <a:tailEnd type="triangle"/>
+          </a:ln>
+        </p:spPr>
+        <p:style>
+          <a:lnRef idx="1">
+            <a:schemeClr val="accent1"/>
+          </a:lnRef>
+          <a:fillRef idx="0">
+            <a:schemeClr val="accent1"/>
+          </a:fillRef>
+          <a:effectRef idx="0">
+            <a:schemeClr val="accent1"/>
+          </a:effectRef>
+          <a:fontRef idx="minor">
+            <a:schemeClr val="tx1"/>
+          </a:fontRef>
+        </p:style>
+      </p:cxnSp>
+      <p:sp>
+        <p:nvSpPr>
+          <p:cNvPr id="22" name="Tekstfelt 21"/>
+          <p:cNvSpPr txBox="1"/>
+          <p:nvPr/>
+        </p:nvSpPr>
+        <p:spPr>
+          <a:xfrm>
+            <a:off x="5301712" y="2786687"/>
+            <a:ext cx="984314" cy="400110"/>
+          </a:xfrm>
+          <a:prstGeom prst="rect">
+            <a:avLst/>
+          </a:prstGeom>
+          <a:noFill/>
+        </p:spPr>
+        <p:txBody>
+          <a:bodyPr wrap="square" rtlCol="0">
+            <a:spAutoFit/>
+          </a:bodyPr>
+          <a:lstStyle/>
+          <a:p>
+            <a:r>
+              <a:rPr lang="da-DK" sz="2000" smtClean="0"/>
+              <a:t>Flatten</a:t>
+            </a:r>
+            <a:endParaRPr lang="da-DK" sz="2000" dirty="0"/>
+          </a:p>
+        </p:txBody>
+      </p:sp>
+      <p:sp>
+        <p:nvSpPr>
+          <p:cNvPr id="23" name="Tekstfelt 22"/>
+          <p:cNvSpPr txBox="1"/>
+          <p:nvPr/>
+        </p:nvSpPr>
+        <p:spPr>
+          <a:xfrm>
+            <a:off x="5357811" y="3155360"/>
+            <a:ext cx="1055751" cy="707886"/>
+          </a:xfrm>
+          <a:prstGeom prst="rect">
+            <a:avLst/>
+          </a:prstGeom>
+          <a:noFill/>
+        </p:spPr>
+        <p:txBody>
+          <a:bodyPr wrap="square" rtlCol="0">
+            <a:spAutoFit/>
+          </a:bodyPr>
+          <a:lstStyle/>
+          <a:p>
+            <a:r>
+              <a:rPr lang="da-DK" sz="2000" dirty="0" smtClean="0"/>
+              <a:t>Output:</a:t>
+            </a:r>
+          </a:p>
+          <a:p>
+            <a:r>
+              <a:rPr lang="da-DK" sz="2000" dirty="0" smtClean="0"/>
+              <a:t>25088</a:t>
+            </a:r>
+            <a:endParaRPr lang="da-DK" sz="2000" dirty="0"/>
+          </a:p>
+        </p:txBody>
+      </p:sp>
+      <p:sp>
+        <p:nvSpPr>
+          <p:cNvPr id="25" name="Tekstfelt 24"/>
+          <p:cNvSpPr txBox="1"/>
+          <p:nvPr/>
+        </p:nvSpPr>
+        <p:spPr>
+          <a:xfrm>
+            <a:off x="7525988" y="2536328"/>
+            <a:ext cx="858775" cy="1200329"/>
+          </a:xfrm>
+          <a:prstGeom prst="rect">
+            <a:avLst/>
+          </a:prstGeom>
+          <a:solidFill>
+            <a:srgbClr val="FF0000"/>
+          </a:solidFill>
+        </p:spPr>
+        <p:txBody>
+          <a:bodyPr wrap="square" rtlCol="0">
+            <a:spAutoFit/>
+          </a:bodyPr>
+          <a:lstStyle/>
+          <a:p>
+            <a:pPr algn="ctr"/>
+            <a:endParaRPr lang="da-DK" sz="2400" b="1" dirty="0" smtClean="0"/>
+          </a:p>
+          <a:p>
+            <a:pPr algn="ctr"/>
+            <a:r>
+              <a:rPr lang="da-DK" sz="2400" b="1" dirty="0" smtClean="0"/>
+              <a:t>FC</a:t>
+            </a:r>
+            <a:endParaRPr lang="da-DK" sz="2400" b="1" dirty="0" smtClean="0"/>
+          </a:p>
+          <a:p>
+            <a:pPr algn="ctr"/>
+            <a:endParaRPr lang="da-DK" sz="2400" b="1" dirty="0"/>
+          </a:p>
+        </p:txBody>
+      </p:sp>
+      <p:cxnSp>
+        <p:nvCxnSpPr>
+          <p:cNvPr id="26" name="Buet forbindelse 25"/>
+          <p:cNvCxnSpPr>
+            <a:stCxn id="18" idx="3"/>
+            <a:endCxn id="25" idx="1"/>
+          </p:cNvCxnSpPr>
+          <p:nvPr/>
+        </p:nvCxnSpPr>
+        <p:spPr>
+          <a:xfrm flipV="1">
+            <a:off x="7272338" y="3136493"/>
+            <a:ext cx="253650" cy="1"/>
+          </a:xfrm>
+          <a:prstGeom prst="curvedConnector3">
+            <a:avLst>
+              <a:gd name="adj1" fmla="val 50000"/>
+            </a:avLst>
+          </a:prstGeom>
+          <a:ln w="38100">
+            <a:solidFill>
+              <a:schemeClr val="tx1"/>
+            </a:solidFill>
+            <a:tailEnd type="triangle"/>
+          </a:ln>
+        </p:spPr>
+        <p:style>
+          <a:lnRef idx="1">
+            <a:schemeClr val="accent1"/>
+          </a:lnRef>
+          <a:fillRef idx="0">
+            <a:schemeClr val="accent1"/>
+          </a:fillRef>
+          <a:effectRef idx="0">
+            <a:schemeClr val="accent1"/>
+          </a:effectRef>
+          <a:fontRef idx="minor">
+            <a:schemeClr val="tx1"/>
+          </a:fontRef>
+        </p:style>
+      </p:cxnSp>
+      <p:sp>
+        <p:nvSpPr>
+          <p:cNvPr id="29" name="Tekstfelt 28"/>
+          <p:cNvSpPr txBox="1"/>
+          <p:nvPr/>
+        </p:nvSpPr>
+        <p:spPr>
+          <a:xfrm>
+            <a:off x="5782246" y="1755717"/>
+            <a:ext cx="2121408" cy="707886"/>
+          </a:xfrm>
+          <a:prstGeom prst="rect">
+            <a:avLst/>
+          </a:prstGeom>
+          <a:noFill/>
+        </p:spPr>
+        <p:txBody>
+          <a:bodyPr wrap="square" rtlCol="0">
+            <a:spAutoFit/>
+          </a:bodyPr>
+          <a:lstStyle/>
+          <a:p>
+            <a:pPr algn="ctr"/>
+            <a:r>
+              <a:rPr lang="da-DK" sz="2000" dirty="0"/>
+              <a:t>f</a:t>
+            </a:r>
+            <a:r>
+              <a:rPr lang="da-DK" sz="2000" dirty="0" smtClean="0"/>
+              <a:t>c6</a:t>
+            </a:r>
+          </a:p>
+          <a:p>
+            <a:pPr algn="ctr"/>
+            <a:r>
+              <a:rPr lang="da-DK" sz="2000" dirty="0" smtClean="0"/>
+              <a:t>4096</a:t>
+            </a:r>
+            <a:endParaRPr lang="da-DK" sz="2000" dirty="0"/>
+          </a:p>
+        </p:txBody>
+      </p:sp>
+      <p:sp>
+        <p:nvSpPr>
+          <p:cNvPr id="30" name="Tekstfelt 29"/>
+          <p:cNvSpPr txBox="1"/>
+          <p:nvPr/>
+        </p:nvSpPr>
+        <p:spPr>
+          <a:xfrm>
+            <a:off x="6894671" y="1738219"/>
+            <a:ext cx="2121408" cy="707886"/>
+          </a:xfrm>
+          <a:prstGeom prst="rect">
+            <a:avLst/>
+          </a:prstGeom>
+          <a:noFill/>
+        </p:spPr>
+        <p:txBody>
+          <a:bodyPr wrap="square" rtlCol="0">
+            <a:spAutoFit/>
+          </a:bodyPr>
+          <a:lstStyle/>
+          <a:p>
+            <a:pPr algn="ctr"/>
+            <a:r>
+              <a:rPr lang="da-DK" sz="2000" dirty="0" smtClean="0"/>
+              <a:t>fc7</a:t>
+            </a:r>
+          </a:p>
+          <a:p>
+            <a:pPr algn="ctr"/>
+            <a:r>
+              <a:rPr lang="da-DK" sz="2000" dirty="0" smtClean="0"/>
+              <a:t>4096</a:t>
+            </a:r>
+            <a:endParaRPr lang="da-DK" sz="2000" dirty="0"/>
+          </a:p>
+        </p:txBody>
+      </p:sp>
+      <p:sp>
+        <p:nvSpPr>
+          <p:cNvPr id="31" name="Tekstfelt 30"/>
+          <p:cNvSpPr txBox="1"/>
+          <p:nvPr/>
+        </p:nvSpPr>
+        <p:spPr>
+          <a:xfrm>
+            <a:off x="8833201" y="3509303"/>
+            <a:ext cx="1325212" cy="830997"/>
+          </a:xfrm>
+          <a:prstGeom prst="rect">
+            <a:avLst/>
+          </a:prstGeom>
+          <a:solidFill>
+            <a:srgbClr val="FF0000"/>
+          </a:solidFill>
+        </p:spPr>
+        <p:txBody>
+          <a:bodyPr wrap="square" rtlCol="0">
+            <a:spAutoFit/>
+          </a:bodyPr>
+          <a:lstStyle/>
+          <a:p>
+            <a:pPr algn="ctr"/>
+            <a:r>
+              <a:rPr lang="da-DK" sz="2400" b="1" dirty="0" smtClean="0"/>
+              <a:t>FC</a:t>
+            </a:r>
+          </a:p>
+          <a:p>
+            <a:pPr algn="ctr"/>
+            <a:r>
+              <a:rPr lang="da-DK" sz="2400" b="1" dirty="0" err="1" smtClean="0"/>
+              <a:t>Regre</a:t>
+            </a:r>
+            <a:r>
+              <a:rPr lang="da-DK" sz="2400" b="1" dirty="0" smtClean="0"/>
+              <a:t>.</a:t>
+            </a:r>
+            <a:endParaRPr lang="da-DK" sz="2400" b="1" dirty="0" smtClean="0"/>
+          </a:p>
+        </p:txBody>
+      </p:sp>
+      <p:sp>
+        <p:nvSpPr>
+          <p:cNvPr id="32" name="Tekstfelt 31"/>
+          <p:cNvSpPr txBox="1"/>
+          <p:nvPr/>
+        </p:nvSpPr>
+        <p:spPr>
+          <a:xfrm>
+            <a:off x="8833201" y="2030606"/>
+            <a:ext cx="1325212" cy="830997"/>
+          </a:xfrm>
+          <a:prstGeom prst="rect">
+            <a:avLst/>
+          </a:prstGeom>
+          <a:solidFill>
+            <a:srgbClr val="FF0000"/>
+          </a:solidFill>
+        </p:spPr>
+        <p:txBody>
+          <a:bodyPr wrap="square" rtlCol="0">
+            <a:spAutoFit/>
+          </a:bodyPr>
+          <a:lstStyle/>
+          <a:p>
+            <a:pPr algn="ctr"/>
+            <a:r>
+              <a:rPr lang="da-DK" sz="2400" b="1" dirty="0" smtClean="0"/>
+              <a:t>FC</a:t>
+            </a:r>
+          </a:p>
+          <a:p>
+            <a:pPr algn="ctr"/>
+            <a:r>
+              <a:rPr lang="da-DK" sz="2400" b="1" dirty="0" err="1" smtClean="0"/>
+              <a:t>Softmax</a:t>
+            </a:r>
+            <a:endParaRPr lang="da-DK" sz="2400" b="1" dirty="0" smtClean="0"/>
+          </a:p>
+        </p:txBody>
+      </p:sp>
+      <p:cxnSp>
+        <p:nvCxnSpPr>
+          <p:cNvPr id="33" name="Buet forbindelse 32"/>
+          <p:cNvCxnSpPr>
+            <a:stCxn id="25" idx="3"/>
+            <a:endCxn id="32" idx="1"/>
+          </p:cNvCxnSpPr>
+          <p:nvPr/>
+        </p:nvCxnSpPr>
+        <p:spPr>
+          <a:xfrm flipV="1">
+            <a:off x="8384763" y="2446105"/>
+            <a:ext cx="448438" cy="690388"/>
+          </a:xfrm>
+          <a:prstGeom prst="curvedConnector3">
+            <a:avLst>
+              <a:gd name="adj1" fmla="val 50000"/>
+            </a:avLst>
           </a:prstGeom>
           <a:ln w="38100">
             <a:solidFill>
@@ -7011,20 +11901,106 @@
       </p:cxnSp>
       <p:cxnSp>
         <p:nvCxnSpPr>
-          <p:cNvPr id="65" name="Lige pilforbindelse 64"/>
+          <p:cNvPr id="36" name="Buet forbindelse 35"/>
           <p:cNvCxnSpPr>
-            <a:stCxn id="30" idx="2"/>
-            <a:endCxn id="31" idx="0"/>
+            <a:stCxn id="25" idx="3"/>
+            <a:endCxn id="31" idx="1"/>
           </p:cNvCxnSpPr>
           <p:nvPr/>
         </p:nvCxnSpPr>
         <p:spPr>
-          <a:xfrm flipV="1">
-            <a:off x="10900065" y="3403351"/>
-            <a:ext cx="193133" cy="3"/>
-          </a:xfrm>
-          <a:prstGeom prst="straightConnector1">
-            <a:avLst/>
+          <a:xfrm>
+            <a:off x="8384763" y="3136493"/>
+            <a:ext cx="448438" cy="788309"/>
+          </a:xfrm>
+          <a:prstGeom prst="curvedConnector3">
+            <a:avLst>
+              <a:gd name="adj1" fmla="val 50000"/>
+            </a:avLst>
+          </a:prstGeom>
+          <a:ln w="38100">
+            <a:solidFill>
+              <a:schemeClr val="tx1"/>
+            </a:solidFill>
+            <a:tailEnd type="triangle"/>
+          </a:ln>
+        </p:spPr>
+        <p:style>
+          <a:lnRef idx="1">
+            <a:schemeClr val="accent1"/>
+          </a:lnRef>
+          <a:fillRef idx="0">
+            <a:schemeClr val="accent1"/>
+          </a:fillRef>
+          <a:effectRef idx="0">
+            <a:schemeClr val="accent1"/>
+          </a:effectRef>
+          <a:fontRef idx="minor">
+            <a:schemeClr val="tx1"/>
+          </a:fontRef>
+        </p:style>
+      </p:cxnSp>
+      <p:sp>
+        <p:nvSpPr>
+          <p:cNvPr id="39" name="Tekstfelt 38"/>
+          <p:cNvSpPr txBox="1"/>
+          <p:nvPr/>
+        </p:nvSpPr>
+        <p:spPr>
+          <a:xfrm>
+            <a:off x="10569894" y="2720993"/>
+            <a:ext cx="1568389" cy="830997"/>
+          </a:xfrm>
+          <a:prstGeom prst="rect">
+            <a:avLst/>
+          </a:prstGeom>
+          <a:solidFill>
+            <a:schemeClr val="bg1">
+              <a:lumMod val="50000"/>
+            </a:schemeClr>
+          </a:solidFill>
+        </p:spPr>
+        <p:txBody>
+          <a:bodyPr wrap="square" rtlCol="0">
+            <a:spAutoFit/>
+          </a:bodyPr>
+          <a:lstStyle/>
+          <a:p>
+            <a:pPr algn="ctr"/>
+            <a:r>
+              <a:rPr lang="da-DK" sz="2400" b="1" dirty="0" smtClean="0"/>
+              <a:t>&gt;300</a:t>
+            </a:r>
+            <a:endParaRPr lang="da-DK" sz="2400" b="1" dirty="0" smtClean="0"/>
+          </a:p>
+          <a:p>
+            <a:pPr algn="ctr"/>
+            <a:r>
+              <a:rPr lang="da-DK" sz="2400" b="1" dirty="0" err="1" smtClean="0"/>
+              <a:t>proposals</a:t>
+            </a:r>
+            <a:endParaRPr lang="da-DK" sz="2400" b="1" dirty="0"/>
+          </a:p>
+        </p:txBody>
+      </p:sp>
+      <p:cxnSp>
+        <p:nvCxnSpPr>
+          <p:cNvPr id="40" name="Buet forbindelse 39"/>
+          <p:cNvCxnSpPr>
+            <a:stCxn id="32" idx="3"/>
+            <a:endCxn id="39" idx="1"/>
+          </p:cNvCxnSpPr>
+          <p:nvPr/>
+        </p:nvCxnSpPr>
+        <p:spPr>
+          <a:xfrm>
+            <a:off x="10158413" y="2446105"/>
+            <a:ext cx="411481" cy="690387"/>
+          </a:xfrm>
+          <a:prstGeom prst="curvedConnector3">
+            <a:avLst>
+              <a:gd name="adj1" fmla="val 50000"/>
+            </a:avLst>
           </a:prstGeom>
           <a:ln w="38100">
             <a:solidFill>
@@ -7050,20 +12026,22 @@
       </p:cxnSp>
       <p:cxnSp>
         <p:nvCxnSpPr>
-          <p:cNvPr id="68" name="Lige pilforbindelse 67"/>
+          <p:cNvPr id="43" name="Buet forbindelse 42"/>
           <p:cNvCxnSpPr>
-            <a:stCxn id="31" idx="2"/>
-            <a:endCxn id="33" idx="0"/>
+            <a:stCxn id="31" idx="3"/>
+            <a:endCxn id="39" idx="1"/>
           </p:cNvCxnSpPr>
           <p:nvPr/>
         </p:nvCxnSpPr>
         <p:spPr>
-          <a:xfrm>
-            <a:off x="11462530" y="3403351"/>
-            <a:ext cx="341787" cy="0"/>
-          </a:xfrm>
-          <a:prstGeom prst="straightConnector1">
-            <a:avLst/>
+          <a:xfrm flipV="1">
+            <a:off x="10158413" y="3136492"/>
+            <a:ext cx="411481" cy="788310"/>
+          </a:xfrm>
+          <a:prstGeom prst="curvedConnector3">
+            <a:avLst>
+              <a:gd name="adj1" fmla="val 50000"/>
+            </a:avLst>
           </a:prstGeom>
           <a:ln w="38100">
             <a:solidFill>
@@ -7087,21 +12065,479 @@
           </a:fontRef>
         </p:style>
       </p:cxnSp>
-      <p:sp>
-        <p:nvSpPr>
-          <p:cNvPr id="71" name="Tekstfelt 70"/>
+      <mc:AlternateContent xmlns:mc="http://schemas.openxmlformats.org/markup-compatibility/2006">
+        <mc:Choice xmlns:a14="http://schemas.microsoft.com/office/drawing/2010/main" Requires="a14">
+          <p:sp>
+            <p:nvSpPr>
+              <p:cNvPr id="48" name="Tekstfelt 47"/>
+              <p:cNvSpPr txBox="1"/>
+              <p:nvPr/>
+            </p:nvSpPr>
+            <p:spPr>
+              <a:xfrm>
+                <a:off x="9822276" y="666112"/>
+                <a:ext cx="2518029" cy="707886"/>
+              </a:xfrm>
+              <a:prstGeom prst="rect">
+                <a:avLst/>
+              </a:prstGeom>
+              <a:noFill/>
+            </p:spPr>
+            <p:txBody>
+              <a:bodyPr wrap="square" rtlCol="0">
+                <a:spAutoFit/>
+              </a:bodyPr>
+              <a:lstStyle/>
+              <a:p>
+                <a:r>
+                  <a:rPr lang="da-DK" sz="2000" dirty="0" smtClean="0"/>
+                  <a:t>Loss:</a:t>
+                </a:r>
+              </a:p>
+              <a:p>
+                <a:pPr/>
+                <a14:m>
+                  <m:oMathPara xmlns:m="http://schemas.openxmlformats.org/officeDocument/2006/math">
+                    <m:oMathParaPr>
+                      <m:jc m:val="left"/>
+                    </m:oMathParaPr>
+                    <m:oMath xmlns:m="http://schemas.openxmlformats.org/officeDocument/2006/math">
+                      <m:sSub>
+                        <m:sSubPr>
+                          <m:ctrlPr>
+                            <a:rPr lang="da-DK" sz="2000" i="1">
+                              <a:latin typeface="Cambria Math" charset="0"/>
+                            </a:rPr>
+                          </m:ctrlPr>
+                        </m:sSubPr>
+                        <m:e>
+                          <m:r>
+                            <a:rPr lang="da-DK" sz="2000" i="1">
+                              <a:latin typeface="Cambria Math" charset="0"/>
+                            </a:rPr>
+                            <m:t>𝐿</m:t>
+                          </m:r>
+                        </m:e>
+                        <m:sub>
+                          <m:r>
+                            <a:rPr lang="da-DK" sz="2000" i="1">
+                              <a:latin typeface="Cambria Math" charset="0"/>
+                            </a:rPr>
+                            <m:t>𝑐𝑙𝑠</m:t>
+                          </m:r>
+                        </m:sub>
+                      </m:sSub>
+                      <m:r>
+                        <a:rPr lang="da-DK" sz="2000" i="1">
+                          <a:latin typeface="Cambria Math" charset="0"/>
+                        </a:rPr>
+                        <m:t>(</m:t>
+                      </m:r>
+                      <m:r>
+                        <a:rPr lang="da-DK" sz="2000" b="0" i="1" smtClean="0">
+                          <a:latin typeface="Cambria Math" charset="0"/>
+                        </a:rPr>
+                        <m:t>𝑝</m:t>
+                      </m:r>
+                      <m:r>
+                        <a:rPr lang="da-DK" sz="2000" i="1">
+                          <a:latin typeface="Cambria Math" charset="0"/>
+                        </a:rPr>
+                        <m:t>,</m:t>
+                      </m:r>
+                      <m:sSup>
+                        <m:sSupPr>
+                          <m:ctrlPr>
+                            <a:rPr lang="da-DK" sz="2000" i="1">
+                              <a:latin typeface="Cambria Math" charset="0"/>
+                            </a:rPr>
+                          </m:ctrlPr>
+                        </m:sSupPr>
+                        <m:e>
+                          <m:r>
+                            <a:rPr lang="da-DK" sz="2000" i="1">
+                              <a:latin typeface="Cambria Math" charset="0"/>
+                            </a:rPr>
+                            <m:t>𝑘</m:t>
+                          </m:r>
+                        </m:e>
+                        <m:sup>
+                          <m:r>
+                            <a:rPr lang="da-DK" sz="2000" i="1">
+                              <a:latin typeface="Cambria Math" charset="0"/>
+                            </a:rPr>
+                            <m:t>∗</m:t>
+                          </m:r>
+                        </m:sup>
+                      </m:sSup>
+                      <m:r>
+                        <a:rPr lang="da-DK" sz="2000" i="1">
+                          <a:latin typeface="Cambria Math" charset="0"/>
+                        </a:rPr>
+                        <m:t>)</m:t>
+                      </m:r>
+                    </m:oMath>
+                  </m:oMathPara>
+                </a14:m>
+                <a:endParaRPr lang="da-DK" sz="2000" dirty="0"/>
+              </a:p>
+            </p:txBody>
+          </p:sp>
+        </mc:Choice>
+        <mc:Fallback>
+          <p:sp>
+            <p:nvSpPr>
+              <p:cNvPr id="48" name="Tekstfelt 47"/>
+              <p:cNvSpPr txBox="1">
+                <a:spLocks noRot="1" noChangeAspect="1" noMove="1" noResize="1" noEditPoints="1" noAdjustHandles="1" noChangeArrowheads="1" noChangeShapeType="1" noTextEdit="1"/>
+              </p:cNvSpPr>
+              <p:nvPr/>
+            </p:nvSpPr>
+            <p:spPr>
+              <a:xfrm>
+                <a:off x="9822276" y="666112"/>
+                <a:ext cx="2518029" cy="707886"/>
+              </a:xfrm>
+              <a:prstGeom prst="rect">
+                <a:avLst/>
+              </a:prstGeom>
+              <a:blipFill rotWithShape="0">
+                <a:blip r:embed="rId2"/>
+                <a:stretch>
+                  <a:fillRect l="-2421" t="-4310" b="-8621"/>
+                </a:stretch>
+              </a:blipFill>
+            </p:spPr>
+            <p:txBody>
+              <a:bodyPr/>
+              <a:lstStyle/>
+              <a:p>
+                <a:r>
+                  <a:rPr lang="da-DK">
+                    <a:noFill/>
+                  </a:rPr>
+                  <a:t> </a:t>
+                </a:r>
+              </a:p>
+            </p:txBody>
+          </p:sp>
+        </mc:Fallback>
+      </mc:AlternateContent>
+      <p:cxnSp>
+        <p:nvCxnSpPr>
+          <p:cNvPr id="49" name="Vinklet forbindelse 48"/>
+          <p:cNvCxnSpPr>
+            <a:stCxn id="32" idx="0"/>
+            <a:endCxn id="48" idx="1"/>
+          </p:cNvCxnSpPr>
+          <p:nvPr/>
+        </p:nvCxnSpPr>
+        <p:spPr>
+          <a:xfrm rot="5400000" flipH="1" flipV="1">
+            <a:off x="9153766" y="1362097"/>
+            <a:ext cx="1010551" cy="326469"/>
+          </a:xfrm>
+          <a:prstGeom prst="bentConnector2">
+            <a:avLst/>
+          </a:prstGeom>
+          <a:ln>
+            <a:solidFill>
+              <a:schemeClr val="tx1"/>
+            </a:solidFill>
+          </a:ln>
+        </p:spPr>
+        <p:style>
+          <a:lnRef idx="1">
+            <a:schemeClr val="accent1"/>
+          </a:lnRef>
+          <a:fillRef idx="0">
+            <a:schemeClr val="accent1"/>
+          </a:fillRef>
+          <a:effectRef idx="0">
+            <a:schemeClr val="accent1"/>
+          </a:effectRef>
+          <a:fontRef idx="minor">
+            <a:schemeClr val="tx1"/>
+          </a:fontRef>
+        </p:style>
+      </p:cxnSp>
+      <mc:AlternateContent xmlns:mc="http://schemas.openxmlformats.org/markup-compatibility/2006">
+        <mc:Choice xmlns:a14="http://schemas.microsoft.com/office/drawing/2010/main" Requires="a14">
+          <p:sp>
+            <p:nvSpPr>
+              <p:cNvPr id="57" name="Tekstfelt 56"/>
+              <p:cNvSpPr txBox="1"/>
+              <p:nvPr/>
+            </p:nvSpPr>
+            <p:spPr>
+              <a:xfrm>
+                <a:off x="9620254" y="4524967"/>
+                <a:ext cx="2518029" cy="707886"/>
+              </a:xfrm>
+              <a:prstGeom prst="rect">
+                <a:avLst/>
+              </a:prstGeom>
+              <a:noFill/>
+            </p:spPr>
+            <p:txBody>
+              <a:bodyPr wrap="square" rtlCol="0">
+                <a:spAutoFit/>
+              </a:bodyPr>
+              <a:lstStyle/>
+              <a:p>
+                <a:r>
+                  <a:rPr lang="da-DK" sz="2000" dirty="0" smtClean="0"/>
+                  <a:t>Loss:</a:t>
+                </a:r>
+              </a:p>
+              <a:p>
+                <a14:m>
+                  <m:oMathPara xmlns:m="http://schemas.openxmlformats.org/officeDocument/2006/math">
+                    <m:oMathParaPr>
+                      <m:jc m:val="centerGroup"/>
+                    </m:oMathParaPr>
+                    <m:oMath xmlns:m="http://schemas.openxmlformats.org/officeDocument/2006/math">
+                      <m:r>
+                        <a:rPr lang="da-DK" sz="2000" b="0" i="1" smtClean="0">
+                          <a:latin typeface="Cambria Math" charset="0"/>
+                          <a:ea typeface="Cambria Math" charset="0"/>
+                          <a:cs typeface="Cambria Math" charset="0"/>
+                        </a:rPr>
+                        <m:t>𝜆</m:t>
+                      </m:r>
+                      <m:d>
+                        <m:dPr>
+                          <m:begChr m:val="["/>
+                          <m:endChr m:val="]"/>
+                          <m:ctrlPr>
+                            <a:rPr lang="da-DK" sz="2000" b="0" i="1" smtClean="0">
+                              <a:latin typeface="Cambria Math" charset="0"/>
+                            </a:rPr>
+                          </m:ctrlPr>
+                        </m:dPr>
+                        <m:e>
+                          <m:r>
+                            <a:rPr lang="da-DK" sz="2000" b="0" i="1" smtClean="0">
+                              <a:latin typeface="Cambria Math" charset="0"/>
+                            </a:rPr>
+                            <m:t>𝑘</m:t>
+                          </m:r>
+                          <m:r>
+                            <a:rPr lang="da-DK" sz="2000" b="0" i="1" smtClean="0">
+                              <a:latin typeface="Cambria Math" charset="0"/>
+                            </a:rPr>
+                            <m:t>∗≥0</m:t>
+                          </m:r>
+                        </m:e>
+                      </m:d>
+                      <m:sSub>
+                        <m:sSubPr>
+                          <m:ctrlPr>
+                            <a:rPr lang="da-DK" sz="2000" b="0" i="1" smtClean="0">
+                              <a:latin typeface="Cambria Math" charset="0"/>
+                            </a:rPr>
+                          </m:ctrlPr>
+                        </m:sSubPr>
+                        <m:e>
+                          <m:r>
+                            <a:rPr lang="da-DK" sz="2000" b="0" i="1" smtClean="0">
+                              <a:latin typeface="Cambria Math" charset="0"/>
+                            </a:rPr>
+                            <m:t>𝐿</m:t>
+                          </m:r>
+                        </m:e>
+                        <m:sub>
+                          <m:r>
+                            <a:rPr lang="da-DK" sz="2000" b="0" i="1" smtClean="0">
+                              <a:latin typeface="Cambria Math" charset="0"/>
+                            </a:rPr>
+                            <m:t>𝑙𝑜𝑐</m:t>
+                          </m:r>
+                        </m:sub>
+                      </m:sSub>
+                      <m:r>
+                        <a:rPr lang="da-DK" sz="2000" b="0" i="1" smtClean="0">
+                          <a:latin typeface="Cambria Math" charset="0"/>
+                        </a:rPr>
+                        <m:t>(</m:t>
+                      </m:r>
+                      <m:r>
+                        <a:rPr lang="da-DK" sz="2000" b="0" i="1" smtClean="0">
+                          <a:latin typeface="Cambria Math" charset="0"/>
+                        </a:rPr>
+                        <m:t>𝑡</m:t>
+                      </m:r>
+                      <m:r>
+                        <a:rPr lang="da-DK" sz="2000" b="0" i="1" smtClean="0">
+                          <a:latin typeface="Cambria Math" charset="0"/>
+                        </a:rPr>
+                        <m:t>,</m:t>
+                      </m:r>
+                      <m:sSup>
+                        <m:sSupPr>
+                          <m:ctrlPr>
+                            <a:rPr lang="da-DK" sz="2000" b="0" i="1" smtClean="0">
+                              <a:latin typeface="Cambria Math" charset="0"/>
+                            </a:rPr>
+                          </m:ctrlPr>
+                        </m:sSupPr>
+                        <m:e>
+                          <m:r>
+                            <a:rPr lang="da-DK" sz="2000" b="0" i="1" smtClean="0">
+                              <a:latin typeface="Cambria Math" charset="0"/>
+                            </a:rPr>
+                            <m:t>𝑡</m:t>
+                          </m:r>
+                        </m:e>
+                        <m:sup>
+                          <m:r>
+                            <a:rPr lang="da-DK" sz="2000" b="0" i="1" smtClean="0">
+                              <a:latin typeface="Cambria Math" charset="0"/>
+                            </a:rPr>
+                            <m:t>∗</m:t>
+                          </m:r>
+                        </m:sup>
+                      </m:sSup>
+                      <m:r>
+                        <a:rPr lang="da-DK" sz="2000" b="0" i="1" smtClean="0">
+                          <a:latin typeface="Cambria Math" charset="0"/>
+                        </a:rPr>
+                        <m:t>)</m:t>
+                      </m:r>
+                    </m:oMath>
+                  </m:oMathPara>
+                </a14:m>
+                <a:endParaRPr lang="da-DK" sz="2000" dirty="0"/>
+              </a:p>
+            </p:txBody>
+          </p:sp>
+        </mc:Choice>
+        <mc:Fallback>
+          <p:sp>
+            <p:nvSpPr>
+              <p:cNvPr id="57" name="Tekstfelt 56"/>
+              <p:cNvSpPr txBox="1">
+                <a:spLocks noRot="1" noChangeAspect="1" noMove="1" noResize="1" noEditPoints="1" noAdjustHandles="1" noChangeArrowheads="1" noChangeShapeType="1" noTextEdit="1"/>
+              </p:cNvSpPr>
+              <p:nvPr/>
+            </p:nvSpPr>
+            <p:spPr>
+              <a:xfrm>
+                <a:off x="9620254" y="4524967"/>
+                <a:ext cx="2518029" cy="707886"/>
+              </a:xfrm>
+              <a:prstGeom prst="rect">
+                <a:avLst/>
+              </a:prstGeom>
+              <a:blipFill rotWithShape="0">
+                <a:blip r:embed="rId3"/>
+                <a:stretch>
+                  <a:fillRect l="-2421" t="-4310" b="-8621"/>
+                </a:stretch>
+              </a:blipFill>
+            </p:spPr>
+            <p:txBody>
+              <a:bodyPr/>
+              <a:lstStyle/>
+              <a:p>
+                <a:r>
+                  <a:rPr lang="da-DK">
+                    <a:noFill/>
+                  </a:rPr>
+                  <a:t> </a:t>
+                </a:r>
+              </a:p>
+            </p:txBody>
+          </p:sp>
+        </mc:Fallback>
+      </mc:AlternateContent>
+      <p:cxnSp>
+        <p:nvCxnSpPr>
+          <p:cNvPr id="58" name="Vinklet forbindelse 57"/>
+          <p:cNvCxnSpPr>
+            <a:stCxn id="31" idx="2"/>
+            <a:endCxn id="57" idx="1"/>
+          </p:cNvCxnSpPr>
+          <p:nvPr/>
+        </p:nvCxnSpPr>
+        <p:spPr>
+          <a:xfrm rot="16200000" flipH="1">
+            <a:off x="9288725" y="4547381"/>
+            <a:ext cx="538610" cy="124447"/>
+          </a:xfrm>
+          <a:prstGeom prst="bentConnector2">
+            <a:avLst/>
+          </a:prstGeom>
+          <a:ln>
+            <a:solidFill>
+              <a:schemeClr val="tx1"/>
+            </a:solidFill>
+          </a:ln>
+        </p:spPr>
+        <p:style>
+          <a:lnRef idx="1">
+            <a:schemeClr val="accent1"/>
+          </a:lnRef>
+          <a:fillRef idx="0">
+            <a:schemeClr val="accent1"/>
+          </a:fillRef>
+          <a:effectRef idx="0">
+            <a:schemeClr val="accent1"/>
+          </a:effectRef>
+          <a:fontRef idx="minor">
+            <a:schemeClr val="tx1"/>
+          </a:fontRef>
+        </p:style>
+      </p:cxnSp>
+    </p:spTree>
+    <p:extLst>
+      <p:ext uri="{BB962C8B-B14F-4D97-AF65-F5344CB8AC3E}">
+        <p14:creationId xmlns:p14="http://schemas.microsoft.com/office/powerpoint/2010/main" val="895644508"/>
+      </p:ext>
+    </p:extLst>
+  </p:cSld>
+  <p:clrMapOvr>
+    <a:masterClrMapping/>
+  </p:clrMapOvr>
+</p:sld>
+</file>
+
+<file path=ppt/slides/slide9.xml><?xml version="1.0" encoding="utf-8"?>
+<p:sld xmlns:a="http://schemas.openxmlformats.org/drawingml/2006/main" xmlns:r="http://schemas.openxmlformats.org/officeDocument/2006/relationships" xmlns:p="http://schemas.openxmlformats.org/presentationml/2006/main">
+  <p:cSld>
+    <p:spTree>
+      <p:nvGrpSpPr>
+        <p:cNvPr id="1" name=""/>
+        <p:cNvGrpSpPr/>
+        <p:nvPr/>
+      </p:nvGrpSpPr>
+      <p:grpSpPr>
+        <a:xfrm>
+          <a:off x="0" y="0"/>
+          <a:ext cx="0" cy="0"/>
+          <a:chOff x="0" y="0"/>
+          <a:chExt cx="0" cy="0"/>
+        </a:xfrm>
+      </p:grpSpPr>
+      <p:sp>
+        <p:nvSpPr>
+          <p:cNvPr id="4" name="Tekstfelt 3"/>
           <p:cNvSpPr txBox="1"/>
           <p:nvPr/>
         </p:nvSpPr>
         <p:spPr>
           <a:xfrm>
-            <a:off x="6780575" y="1513068"/>
-            <a:ext cx="1289391" cy="369332"/>
+            <a:off x="322706" y="3021309"/>
+            <a:ext cx="1248919" cy="707886"/>
           </a:xfrm>
           <a:prstGeom prst="rect">
             <a:avLst/>
           </a:prstGeom>
-          <a:noFill/>
+          <a:solidFill>
+            <a:schemeClr val="bg1">
+              <a:lumMod val="50000"/>
+            </a:schemeClr>
+          </a:solidFill>
         </p:spPr>
         <p:txBody>
           <a:bodyPr wrap="square" rtlCol="0">
@@ -7109,29 +12545,48 @@
           </a:bodyPr>
           <a:lstStyle/>
           <a:p>
-            <a:r>
-              <a:rPr lang="da-DK" smtClean="0"/>
-              <a:t>Stride = 16</a:t>
-            </a:r>
-            <a:endParaRPr lang="da-DK"/>
-          </a:p>
-        </p:txBody>
-      </p:sp>
-      <p:sp>
-        <p:nvSpPr>
-          <p:cNvPr id="72" name="Tekstfelt 71"/>
+            <a:pPr algn="ctr"/>
+            <a:r>
+              <a:rPr lang="da-DK" sz="2000" b="1" dirty="0" smtClean="0"/>
+              <a:t>&gt;300</a:t>
+            </a:r>
+            <a:endParaRPr lang="da-DK" sz="2000" b="1" dirty="0" smtClean="0"/>
+          </a:p>
+          <a:p>
+            <a:pPr algn="ctr"/>
+            <a:r>
+              <a:rPr lang="da-DK" sz="2000" b="1" dirty="0" err="1" smtClean="0"/>
+              <a:t>proposals</a:t>
+            </a:r>
+            <a:endParaRPr lang="da-DK" sz="2000" b="1" dirty="0"/>
+          </a:p>
+        </p:txBody>
+      </p:sp>
+      <p:sp>
+        <p:nvSpPr>
+          <p:cNvPr id="5" name="Tekstfelt 4"/>
           <p:cNvSpPr txBox="1"/>
           <p:nvPr/>
         </p:nvSpPr>
         <p:spPr>
           <a:xfrm>
-            <a:off x="1281947" y="1513068"/>
-            <a:ext cx="1086568" cy="369332"/>
+            <a:off x="3936490" y="3007023"/>
+            <a:ext cx="1944815" cy="707886"/>
           </a:xfrm>
           <a:prstGeom prst="rect">
             <a:avLst/>
           </a:prstGeom>
-          <a:noFill/>
+          <a:solidFill>
+            <a:schemeClr val="tx2">
+              <a:lumMod val="60000"/>
+              <a:lumOff val="40000"/>
+            </a:schemeClr>
+          </a:solidFill>
+          <a:ln>
+            <a:solidFill>
+              <a:schemeClr val="tx1"/>
+            </a:solidFill>
+          </a:ln>
         </p:spPr>
         <p:txBody>
           <a:bodyPr wrap="square" rtlCol="0">
@@ -7139,29 +12594,106 @@
           </a:bodyPr>
           <a:lstStyle/>
           <a:p>
-            <a:r>
-              <a:rPr lang="da-DK" smtClean="0"/>
-              <a:t>Stride = 2</a:t>
-            </a:r>
-            <a:endParaRPr lang="da-DK"/>
-          </a:p>
-        </p:txBody>
-      </p:sp>
-      <p:sp>
-        <p:nvSpPr>
-          <p:cNvPr id="73" name="Tekstfelt 72"/>
+            <a:pPr algn="ctr"/>
+            <a:r>
+              <a:rPr lang="da-DK" sz="2000" b="1" dirty="0" smtClean="0"/>
+              <a:t>NMS for </a:t>
+            </a:r>
+            <a:r>
+              <a:rPr lang="da-DK" sz="2000" b="1" dirty="0" err="1" smtClean="0"/>
+              <a:t>class</a:t>
+            </a:r>
+            <a:r>
+              <a:rPr lang="da-DK" sz="2000" b="1" dirty="0" smtClean="0"/>
+              <a:t> k</a:t>
+            </a:r>
+            <a:endParaRPr lang="da-DK" sz="2000" b="1" dirty="0"/>
+          </a:p>
+          <a:p>
+            <a:pPr algn="ctr"/>
+            <a:r>
+              <a:rPr lang="da-DK" sz="2000" b="1" dirty="0" err="1"/>
+              <a:t>Remove</a:t>
+            </a:r>
+            <a:r>
+              <a:rPr lang="da-DK" sz="2000" b="1" dirty="0"/>
+              <a:t> </a:t>
+            </a:r>
+            <a:r>
+              <a:rPr lang="da-DK" sz="2000" b="1" dirty="0" err="1" smtClean="0"/>
+              <a:t>IoU</a:t>
+            </a:r>
+            <a:r>
+              <a:rPr lang="da-DK" sz="2000" b="1" dirty="0" smtClean="0"/>
+              <a:t>&gt;0.7</a:t>
+            </a:r>
+            <a:endParaRPr lang="da-DK" sz="2000" b="1" dirty="0"/>
+          </a:p>
+        </p:txBody>
+      </p:sp>
+      <p:cxnSp>
+        <p:nvCxnSpPr>
+          <p:cNvPr id="7" name="Buet forbindelse 6"/>
+          <p:cNvCxnSpPr/>
+          <p:nvPr/>
+        </p:nvCxnSpPr>
+        <p:spPr>
+          <a:xfrm flipV="1">
+            <a:off x="1571625" y="3360966"/>
+            <a:ext cx="313562" cy="14286"/>
+          </a:xfrm>
+          <a:prstGeom prst="curvedConnector3">
+            <a:avLst>
+              <a:gd name="adj1" fmla="val 50000"/>
+            </a:avLst>
+          </a:prstGeom>
+          <a:ln w="38100">
+            <a:solidFill>
+              <a:schemeClr val="tx1"/>
+            </a:solidFill>
+            <a:tailEnd type="triangle"/>
+          </a:ln>
+        </p:spPr>
+        <p:style>
+          <a:lnRef idx="1">
+            <a:schemeClr val="accent1"/>
+          </a:lnRef>
+          <a:fillRef idx="0">
+            <a:schemeClr val="accent1"/>
+          </a:fillRef>
+          <a:effectRef idx="0">
+            <a:schemeClr val="accent1"/>
+          </a:effectRef>
+          <a:fontRef idx="minor">
+            <a:schemeClr val="tx1"/>
+          </a:fontRef>
+        </p:style>
+      </p:cxnSp>
+      <p:sp>
+        <p:nvSpPr>
+          <p:cNvPr id="8" name="Tekstfelt 7"/>
           <p:cNvSpPr txBox="1"/>
           <p:nvPr/>
         </p:nvSpPr>
         <p:spPr>
           <a:xfrm>
-            <a:off x="4902515" y="1513068"/>
-            <a:ext cx="1086568" cy="369332"/>
+            <a:off x="1885187" y="3007023"/>
+            <a:ext cx="1731264" cy="707886"/>
           </a:xfrm>
           <a:prstGeom prst="rect">
             <a:avLst/>
           </a:prstGeom>
-          <a:noFill/>
+          <a:solidFill>
+            <a:schemeClr val="tx2">
+              <a:lumMod val="60000"/>
+              <a:lumOff val="40000"/>
+            </a:schemeClr>
+          </a:solidFill>
+          <a:ln>
+            <a:solidFill>
+              <a:schemeClr val="tx1"/>
+            </a:solidFill>
+          </a:ln>
         </p:spPr>
         <p:txBody>
           <a:bodyPr wrap="square" rtlCol="0">
@@ -7169,29 +12701,88 @@
           </a:bodyPr>
           <a:lstStyle/>
           <a:p>
-            <a:r>
-              <a:rPr lang="da-DK" dirty="0" smtClean="0"/>
-              <a:t>Stride = 8</a:t>
-            </a:r>
-            <a:endParaRPr lang="da-DK" dirty="0"/>
-          </a:p>
-        </p:txBody>
-      </p:sp>
-      <p:sp>
-        <p:nvSpPr>
-          <p:cNvPr id="74" name="Tekstfelt 73"/>
+            <a:pPr algn="ctr"/>
+            <a:r>
+              <a:rPr lang="da-DK" sz="2000" b="1" dirty="0" err="1" smtClean="0"/>
+              <a:t>Remove</a:t>
+            </a:r>
+            <a:r>
+              <a:rPr lang="da-DK" sz="2000" b="1" dirty="0" smtClean="0"/>
+              <a:t> </a:t>
+            </a:r>
+            <a:r>
+              <a:rPr lang="da-DK" sz="2000" b="1" dirty="0" err="1" smtClean="0"/>
+              <a:t>background</a:t>
+            </a:r>
+            <a:endParaRPr lang="da-DK" sz="2000" b="1" dirty="0" smtClean="0"/>
+          </a:p>
+        </p:txBody>
+      </p:sp>
+      <p:cxnSp>
+        <p:nvCxnSpPr>
+          <p:cNvPr id="9" name="Buet forbindelse 8"/>
+          <p:cNvCxnSpPr>
+            <a:endCxn id="7" idx="1"/>
+          </p:cNvCxnSpPr>
+          <p:nvPr/>
+        </p:nvCxnSpPr>
+        <p:spPr>
+          <a:xfrm>
+            <a:off x="3616451" y="3360966"/>
+            <a:ext cx="320040" cy="12700"/>
+          </a:xfrm>
+          <a:prstGeom prst="curvedConnector3">
+            <a:avLst>
+              <a:gd name="adj1" fmla="val 50000"/>
+            </a:avLst>
+          </a:prstGeom>
+          <a:ln w="38100">
+            <a:solidFill>
+              <a:schemeClr val="tx1"/>
+            </a:solidFill>
+            <a:tailEnd type="triangle"/>
+          </a:ln>
+        </p:spPr>
+        <p:style>
+          <a:lnRef idx="1">
+            <a:schemeClr val="accent1"/>
+          </a:lnRef>
+          <a:fillRef idx="0">
+            <a:schemeClr val="accent1"/>
+          </a:fillRef>
+          <a:effectRef idx="0">
+            <a:schemeClr val="accent1"/>
+          </a:effectRef>
+          <a:fontRef idx="minor">
+            <a:schemeClr val="tx1"/>
+          </a:fontRef>
+        </p:style>
+      </p:cxnSp>
+      <p:sp>
+        <p:nvSpPr>
+          <p:cNvPr id="11" name="Tekstfelt 10"/>
           <p:cNvSpPr txBox="1"/>
           <p:nvPr/>
         </p:nvSpPr>
         <p:spPr>
           <a:xfrm>
-            <a:off x="2922512" y="1513068"/>
-            <a:ext cx="1086568" cy="369332"/>
+            <a:off x="6322216" y="3007023"/>
+            <a:ext cx="1780225" cy="707886"/>
           </a:xfrm>
           <a:prstGeom prst="rect">
             <a:avLst/>
           </a:prstGeom>
-          <a:noFill/>
+          <a:solidFill>
+            <a:schemeClr val="tx2">
+              <a:lumMod val="60000"/>
+              <a:lumOff val="40000"/>
+            </a:schemeClr>
+          </a:solidFill>
+          <a:ln>
+            <a:solidFill>
+              <a:schemeClr val="tx1"/>
+            </a:solidFill>
+          </a:ln>
         </p:spPr>
         <p:txBody>
           <a:bodyPr wrap="square" rtlCol="0">
@@ -7199,29 +12790,42 @@
           </a:bodyPr>
           <a:lstStyle/>
           <a:p>
-            <a:r>
-              <a:rPr lang="da-DK" dirty="0" smtClean="0"/>
-              <a:t>Stride = 4</a:t>
-            </a:r>
-            <a:endParaRPr lang="da-DK" dirty="0"/>
-          </a:p>
-        </p:txBody>
-      </p:sp>
-      <p:sp>
-        <p:nvSpPr>
-          <p:cNvPr id="75" name="Tekstfelt 74"/>
+            <a:pPr algn="ctr"/>
+            <a:r>
+              <a:rPr lang="da-DK" sz="2000" b="1" dirty="0" err="1" smtClean="0"/>
+              <a:t>Threshold</a:t>
+            </a:r>
+            <a:endParaRPr lang="da-DK" sz="2000" b="1" dirty="0" smtClean="0"/>
+          </a:p>
+          <a:p>
+            <a:pPr algn="ctr"/>
+            <a:r>
+              <a:rPr lang="da-DK" sz="2000" b="1" dirty="0" err="1" smtClean="0"/>
+              <a:t>class</a:t>
+            </a:r>
+            <a:endParaRPr lang="da-DK" sz="2000" b="1" dirty="0"/>
+          </a:p>
+        </p:txBody>
+      </p:sp>
+      <p:sp>
+        <p:nvSpPr>
+          <p:cNvPr id="16" name="Tekstfelt 15"/>
           <p:cNvSpPr txBox="1"/>
           <p:nvPr/>
         </p:nvSpPr>
         <p:spPr>
           <a:xfrm>
-            <a:off x="8761107" y="1513068"/>
-            <a:ext cx="1289391" cy="369332"/>
+            <a:off x="8543352" y="3007023"/>
+            <a:ext cx="1248919" cy="707886"/>
           </a:xfrm>
           <a:prstGeom prst="rect">
             <a:avLst/>
           </a:prstGeom>
-          <a:noFill/>
+          <a:solidFill>
+            <a:schemeClr val="bg1">
+              <a:lumMod val="50000"/>
+            </a:schemeClr>
+          </a:solidFill>
         </p:spPr>
         <p:txBody>
           <a:bodyPr wrap="square" rtlCol="0">
@@ -7229,32 +12833,43 @@
           </a:bodyPr>
           <a:lstStyle/>
           <a:p>
-            <a:r>
-              <a:rPr lang="da-DK" dirty="0" smtClean="0"/>
-              <a:t>Stride = 32</a:t>
-            </a:r>
-            <a:endParaRPr lang="da-DK" dirty="0"/>
+            <a:pPr algn="ctr"/>
+            <a:r>
+              <a:rPr lang="da-DK" sz="2000" b="1" dirty="0" smtClean="0"/>
+              <a:t>Final</a:t>
+            </a:r>
+            <a:endParaRPr lang="da-DK" sz="2000" b="1" dirty="0" smtClean="0"/>
+          </a:p>
+          <a:p>
+            <a:pPr algn="ctr"/>
+            <a:r>
+              <a:rPr lang="da-DK" sz="2000" b="1" dirty="0" err="1" smtClean="0"/>
+              <a:t>proposals</a:t>
+            </a:r>
+            <a:endParaRPr lang="da-DK" sz="2000" b="1" dirty="0"/>
           </a:p>
         </p:txBody>
       </p:sp>
       <p:cxnSp>
         <p:nvCxnSpPr>
-          <p:cNvPr id="78" name="Lige pilforbindelse 77"/>
+          <p:cNvPr id="17" name="Buet forbindelse 16"/>
           <p:cNvCxnSpPr>
-            <a:stCxn id="72" idx="2"/>
-            <a:endCxn id="5" idx="3"/>
+            <a:stCxn id="11" idx="3"/>
+            <a:endCxn id="16" idx="1"/>
           </p:cNvCxnSpPr>
           <p:nvPr/>
         </p:nvCxnSpPr>
         <p:spPr>
           <a:xfrm>
-            <a:off x="1825231" y="1882400"/>
-            <a:ext cx="0" cy="405386"/>
-          </a:xfrm>
-          <a:prstGeom prst="straightConnector1">
-            <a:avLst/>
-          </a:prstGeom>
-          <a:ln w="25400">
+            <a:off x="8102441" y="3360966"/>
+            <a:ext cx="440911" cy="12700"/>
+          </a:xfrm>
+          <a:prstGeom prst="curvedConnector3">
+            <a:avLst>
+              <a:gd name="adj1" fmla="val 50000"/>
+            </a:avLst>
+          </a:prstGeom>
+          <a:ln w="38100">
             <a:solidFill>
               <a:schemeClr val="tx1"/>
             </a:solidFill>
@@ -7278,22 +12893,24 @@
       </p:cxnSp>
       <p:cxnSp>
         <p:nvCxnSpPr>
-          <p:cNvPr id="81" name="Lige pilforbindelse 80"/>
+          <p:cNvPr id="369" name="Buet forbindelse 368"/>
           <p:cNvCxnSpPr>
-            <a:stCxn id="73" idx="2"/>
-            <a:endCxn id="20" idx="3"/>
+            <a:stCxn id="5" idx="3"/>
+            <a:endCxn id="11" idx="1"/>
           </p:cNvCxnSpPr>
           <p:nvPr/>
         </p:nvCxnSpPr>
         <p:spPr>
           <a:xfrm>
-            <a:off x="5445799" y="1882400"/>
-            <a:ext cx="0" cy="405384"/>
-          </a:xfrm>
-          <a:prstGeom prst="straightConnector1">
-            <a:avLst/>
-          </a:prstGeom>
-          <a:ln w="25400">
+            <a:off x="5881305" y="3360966"/>
+            <a:ext cx="440911" cy="12700"/>
+          </a:xfrm>
+          <a:prstGeom prst="curvedConnector3">
+            <a:avLst>
+              <a:gd name="adj1" fmla="val 50000"/>
+            </a:avLst>
+          </a:prstGeom>
+          <a:ln w="38100">
             <a:solidFill>
               <a:schemeClr val="tx1"/>
             </a:solidFill>
@@ -7315,176 +12932,16 @@
           </a:fontRef>
         </p:style>
       </p:cxnSp>
-      <p:cxnSp>
-        <p:nvCxnSpPr>
-          <p:cNvPr id="82" name="Lige pilforbindelse 81"/>
-          <p:cNvCxnSpPr>
-            <a:stCxn id="74" idx="2"/>
-            <a:endCxn id="16" idx="3"/>
-          </p:cNvCxnSpPr>
-          <p:nvPr/>
-        </p:nvCxnSpPr>
-        <p:spPr>
-          <a:xfrm>
-            <a:off x="3465796" y="1882400"/>
-            <a:ext cx="1" cy="405384"/>
-          </a:xfrm>
-          <a:prstGeom prst="straightConnector1">
-            <a:avLst/>
-          </a:prstGeom>
-          <a:ln w="25400">
-            <a:solidFill>
-              <a:schemeClr val="tx1"/>
-            </a:solidFill>
-            <a:tailEnd type="triangle"/>
-          </a:ln>
-        </p:spPr>
-        <p:style>
-          <a:lnRef idx="1">
-            <a:schemeClr val="accent1"/>
-          </a:lnRef>
-          <a:fillRef idx="0">
-            <a:schemeClr val="accent1"/>
-          </a:fillRef>
-          <a:effectRef idx="0">
-            <a:schemeClr val="accent1"/>
-          </a:effectRef>
-          <a:fontRef idx="minor">
-            <a:schemeClr val="tx1"/>
-          </a:fontRef>
-        </p:style>
-      </p:cxnSp>
-      <p:cxnSp>
-        <p:nvCxnSpPr>
-          <p:cNvPr id="88" name="Lige pilforbindelse 87"/>
-          <p:cNvCxnSpPr>
-            <a:stCxn id="71" idx="2"/>
-            <a:endCxn id="24" idx="3"/>
-          </p:cNvCxnSpPr>
-          <p:nvPr/>
-        </p:nvCxnSpPr>
-        <p:spPr>
-          <a:xfrm>
-            <a:off x="7425271" y="1882400"/>
-            <a:ext cx="530" cy="405383"/>
-          </a:xfrm>
-          <a:prstGeom prst="straightConnector1">
-            <a:avLst/>
-          </a:prstGeom>
-          <a:ln w="25400">
-            <a:solidFill>
-              <a:schemeClr val="tx1"/>
-            </a:solidFill>
-            <a:tailEnd type="triangle"/>
-          </a:ln>
-        </p:spPr>
-        <p:style>
-          <a:lnRef idx="1">
-            <a:schemeClr val="accent1"/>
-          </a:lnRef>
-          <a:fillRef idx="0">
-            <a:schemeClr val="accent1"/>
-          </a:fillRef>
-          <a:effectRef idx="0">
-            <a:schemeClr val="accent1"/>
-          </a:effectRef>
-          <a:fontRef idx="minor">
-            <a:schemeClr val="tx1"/>
-          </a:fontRef>
-        </p:style>
-      </p:cxnSp>
-      <p:cxnSp>
-        <p:nvCxnSpPr>
-          <p:cNvPr id="91" name="Lige pilforbindelse 90"/>
-          <p:cNvCxnSpPr>
-            <a:stCxn id="75" idx="2"/>
-            <a:endCxn id="28" idx="3"/>
-          </p:cNvCxnSpPr>
-          <p:nvPr/>
-        </p:nvCxnSpPr>
-        <p:spPr>
-          <a:xfrm>
-            <a:off x="9405803" y="1882400"/>
-            <a:ext cx="0" cy="405383"/>
-          </a:xfrm>
-          <a:prstGeom prst="straightConnector1">
-            <a:avLst/>
-          </a:prstGeom>
-          <a:ln w="25400">
-            <a:solidFill>
-              <a:schemeClr val="tx1"/>
-            </a:solidFill>
-            <a:tailEnd type="triangle"/>
-          </a:ln>
-        </p:spPr>
-        <p:style>
-          <a:lnRef idx="1">
-            <a:schemeClr val="accent1"/>
-          </a:lnRef>
-          <a:fillRef idx="0">
-            <a:schemeClr val="accent1"/>
-          </a:fillRef>
-          <a:effectRef idx="0">
-            <a:schemeClr val="accent1"/>
-          </a:effectRef>
-          <a:fontRef idx="minor">
-            <a:schemeClr val="tx1"/>
-          </a:fontRef>
-        </p:style>
-      </p:cxnSp>
-      <p:sp>
-        <p:nvSpPr>
-          <p:cNvPr id="94" name="Højre klammeparentes 93"/>
-          <p:cNvSpPr/>
-          <p:nvPr/>
-        </p:nvSpPr>
-        <p:spPr>
-          <a:xfrm rot="5400000">
-            <a:off x="4852148" y="301517"/>
-            <a:ext cx="663198" cy="9097999"/>
-          </a:xfrm>
-          <a:prstGeom prst="rightBrace">
-            <a:avLst/>
-          </a:prstGeom>
-          <a:ln w="38100">
-            <a:solidFill>
-              <a:schemeClr val="tx1"/>
-            </a:solidFill>
-          </a:ln>
-        </p:spPr>
-        <p:style>
-          <a:lnRef idx="1">
-            <a:schemeClr val="accent1"/>
-          </a:lnRef>
-          <a:fillRef idx="0">
-            <a:schemeClr val="accent1"/>
-          </a:fillRef>
-          <a:effectRef idx="0">
-            <a:schemeClr val="accent1"/>
-          </a:effectRef>
-          <a:fontRef idx="minor">
-            <a:schemeClr val="tx1"/>
-          </a:fontRef>
-        </p:style>
-        <p:txBody>
-          <a:bodyPr rtlCol="0" anchor="ctr"/>
-          <a:lstStyle/>
-          <a:p>
-            <a:pPr algn="ctr"/>
-            <a:endParaRPr lang="da-DK"/>
-          </a:p>
-        </p:txBody>
-      </p:sp>
-      <p:sp>
-        <p:nvSpPr>
-          <p:cNvPr id="95" name="Tekstfelt 94"/>
+      <p:sp>
+        <p:nvSpPr>
+          <p:cNvPr id="375" name="Tekstfelt 374"/>
           <p:cNvSpPr txBox="1"/>
           <p:nvPr/>
         </p:nvSpPr>
         <p:spPr>
           <a:xfrm>
-            <a:off x="3739660" y="5182116"/>
-            <a:ext cx="2888173" cy="369332"/>
+            <a:off x="6322216" y="3727609"/>
+            <a:ext cx="2121408" cy="707886"/>
           </a:xfrm>
           <a:prstGeom prst="rect">
             <a:avLst/>
@@ -7498,17 +12955,99 @@
           <a:lstStyle/>
           <a:p>
             <a:r>
-              <a:rPr lang="en-GB" dirty="0" smtClean="0"/>
-              <a:t>Feature extractor network</a:t>
-            </a:r>
-            <a:endParaRPr lang="en-GB" dirty="0"/>
+              <a:rPr lang="da-DK" sz="2000" dirty="0" smtClean="0"/>
+              <a:t>Not </a:t>
+            </a:r>
+            <a:r>
+              <a:rPr lang="da-DK" sz="2000" dirty="0" err="1" smtClean="0"/>
+              <a:t>added</a:t>
+            </a:r>
+            <a:r>
+              <a:rPr lang="da-DK" sz="2000" dirty="0" smtClean="0"/>
+              <a:t> in Faster R-CNN</a:t>
+            </a:r>
+            <a:endParaRPr lang="da-DK" sz="2000" dirty="0"/>
+          </a:p>
+        </p:txBody>
+      </p:sp>
+      <p:sp>
+        <p:nvSpPr>
+          <p:cNvPr id="376" name="Tekstfelt 375"/>
+          <p:cNvSpPr txBox="1"/>
+          <p:nvPr/>
+        </p:nvSpPr>
+        <p:spPr>
+          <a:xfrm>
+            <a:off x="8443624" y="3727609"/>
+            <a:ext cx="2121408" cy="707886"/>
+          </a:xfrm>
+          <a:prstGeom prst="rect">
+            <a:avLst/>
+          </a:prstGeom>
+          <a:noFill/>
+        </p:spPr>
+        <p:txBody>
+          <a:bodyPr wrap="square" rtlCol="0">
+            <a:spAutoFit/>
+          </a:bodyPr>
+          <a:lstStyle/>
+          <a:p>
+            <a:r>
+              <a:rPr lang="da-DK" sz="2000" dirty="0" err="1"/>
+              <a:t>x</a:t>
+            </a:r>
+            <a:r>
+              <a:rPr lang="da-DK" sz="2000" baseline="-25000" dirty="0" err="1" smtClean="0"/>
+              <a:t>min</a:t>
+            </a:r>
+            <a:r>
+              <a:rPr lang="da-DK" sz="2000" dirty="0"/>
+              <a:t>, </a:t>
+            </a:r>
+            <a:r>
+              <a:rPr lang="da-DK" sz="2000" dirty="0" err="1" smtClean="0"/>
+              <a:t>x</a:t>
+            </a:r>
+            <a:r>
+              <a:rPr lang="da-DK" sz="2000" baseline="-25000" dirty="0" err="1" smtClean="0"/>
+              <a:t>max</a:t>
+            </a:r>
+            <a:r>
+              <a:rPr lang="da-DK" sz="2000" dirty="0" smtClean="0"/>
+              <a:t>, </a:t>
+            </a:r>
+            <a:r>
+              <a:rPr lang="da-DK" sz="2000" dirty="0" err="1" smtClean="0"/>
+              <a:t>y</a:t>
+            </a:r>
+            <a:r>
+              <a:rPr lang="da-DK" sz="2000" baseline="-25000" dirty="0" err="1" smtClean="0"/>
+              <a:t>min</a:t>
+            </a:r>
+            <a:r>
+              <a:rPr lang="da-DK" sz="2000" dirty="0" smtClean="0"/>
+              <a:t>, </a:t>
+            </a:r>
+            <a:r>
+              <a:rPr lang="da-DK" sz="2000" dirty="0" err="1" smtClean="0"/>
+              <a:t>y</a:t>
+            </a:r>
+            <a:r>
+              <a:rPr lang="da-DK" sz="2000" baseline="-25000" dirty="0" err="1" smtClean="0"/>
+              <a:t>max</a:t>
+            </a:r>
+            <a:r>
+              <a:rPr lang="da-DK" sz="2000" dirty="0" smtClean="0"/>
+              <a:t>, Class, prob.</a:t>
+            </a:r>
+            <a:endParaRPr lang="da-DK" sz="2000" dirty="0"/>
           </a:p>
         </p:txBody>
       </p:sp>
     </p:spTree>
     <p:extLst>
       <p:ext uri="{BB962C8B-B14F-4D97-AF65-F5344CB8AC3E}">
-        <p14:creationId xmlns:p14="http://schemas.microsoft.com/office/powerpoint/2010/main" val="41099850"/>
+        <p14:creationId xmlns:p14="http://schemas.microsoft.com/office/powerpoint/2010/main" val="724787926"/>
       </p:ext>
     </p:extLst>
   </p:cSld>
